--- a/report/readme/docs/SECS Driver.pptx
+++ b/report/readme/docs/SECS Driver.pptx
@@ -3,39 +3,40 @@
 <p:presentation xmlns:a="http://schemas.openxmlformats.org/drawingml/2006/main" xmlns:r="http://schemas.openxmlformats.org/officeDocument/2006/relationships" xmlns:p="http://schemas.openxmlformats.org/presentationml/2006/main" firstSlideNum="0" showSpecialPlsOnTitleSld="0" saveSubsetFonts="1">
   <p:sldMasterIdLst>
     <p:sldMasterId id="2147483678" r:id="rId1"/>
+    <p:sldMasterId id="2147483683" r:id="rId2"/>
   </p:sldMasterIdLst>
   <p:notesMasterIdLst>
-    <p:notesMasterId r:id="rId27"/>
+    <p:notesMasterId r:id="rId28"/>
   </p:notesMasterIdLst>
   <p:handoutMasterIdLst>
-    <p:handoutMasterId r:id="rId28"/>
+    <p:handoutMasterId r:id="rId29"/>
   </p:handoutMasterIdLst>
   <p:sldIdLst>
-    <p:sldId id="339" r:id="rId2"/>
-    <p:sldId id="341" r:id="rId3"/>
-    <p:sldId id="357" r:id="rId4"/>
-    <p:sldId id="383" r:id="rId5"/>
-    <p:sldId id="384" r:id="rId6"/>
-    <p:sldId id="385" r:id="rId7"/>
-    <p:sldId id="387" r:id="rId8"/>
-    <p:sldId id="389" r:id="rId9"/>
-    <p:sldId id="390" r:id="rId10"/>
-    <p:sldId id="391" r:id="rId11"/>
-    <p:sldId id="392" r:id="rId12"/>
-    <p:sldId id="393" r:id="rId13"/>
-    <p:sldId id="396" r:id="rId14"/>
-    <p:sldId id="397" r:id="rId15"/>
-    <p:sldId id="394" r:id="rId16"/>
-    <p:sldId id="398" r:id="rId17"/>
-    <p:sldId id="399" r:id="rId18"/>
-    <p:sldId id="400" r:id="rId19"/>
-    <p:sldId id="401" r:id="rId20"/>
-    <p:sldId id="402" r:id="rId21"/>
-    <p:sldId id="403" r:id="rId22"/>
-    <p:sldId id="395" r:id="rId23"/>
-    <p:sldId id="404" r:id="rId24"/>
-    <p:sldId id="405" r:id="rId25"/>
-    <p:sldId id="355" r:id="rId26"/>
+    <p:sldId id="339" r:id="rId3"/>
+    <p:sldId id="341" r:id="rId4"/>
+    <p:sldId id="357" r:id="rId5"/>
+    <p:sldId id="383" r:id="rId6"/>
+    <p:sldId id="384" r:id="rId7"/>
+    <p:sldId id="385" r:id="rId8"/>
+    <p:sldId id="387" r:id="rId9"/>
+    <p:sldId id="389" r:id="rId10"/>
+    <p:sldId id="390" r:id="rId11"/>
+    <p:sldId id="391" r:id="rId12"/>
+    <p:sldId id="392" r:id="rId13"/>
+    <p:sldId id="393" r:id="rId14"/>
+    <p:sldId id="396" r:id="rId15"/>
+    <p:sldId id="397" r:id="rId16"/>
+    <p:sldId id="394" r:id="rId17"/>
+    <p:sldId id="398" r:id="rId18"/>
+    <p:sldId id="399" r:id="rId19"/>
+    <p:sldId id="400" r:id="rId20"/>
+    <p:sldId id="401" r:id="rId21"/>
+    <p:sldId id="402" r:id="rId22"/>
+    <p:sldId id="403" r:id="rId23"/>
+    <p:sldId id="395" r:id="rId24"/>
+    <p:sldId id="404" r:id="rId25"/>
+    <p:sldId id="405" r:id="rId26"/>
+    <p:sldId id="355" r:id="rId27"/>
   </p:sldIdLst>
   <p:sldSz cx="9906000" cy="6858000" type="A4"/>
   <p:notesSz cx="9926638" cy="6797675"/>
@@ -765,6 +766,91 @@
 </p:notesMaster>
 </file>
 
+<file path=ppt/notesSlides/notesSlide1.xml><?xml version="1.0" encoding="utf-8"?>
+<p:notes xmlns:a="http://schemas.openxmlformats.org/drawingml/2006/main" xmlns:r="http://schemas.openxmlformats.org/officeDocument/2006/relationships" xmlns:p="http://schemas.openxmlformats.org/presentationml/2006/main">
+  <p:cSld>
+    <p:spTree>
+      <p:nvGrpSpPr>
+        <p:cNvPr id="1" name=""/>
+        <p:cNvGrpSpPr/>
+        <p:nvPr/>
+      </p:nvGrpSpPr>
+      <p:grpSpPr>
+        <a:xfrm>
+          <a:off x="0" y="0"/>
+          <a:ext cx="0" cy="0"/>
+          <a:chOff x="0" y="0"/>
+          <a:chExt cx="0" cy="0"/>
+        </a:xfrm>
+      </p:grpSpPr>
+      <p:sp>
+        <p:nvSpPr>
+          <p:cNvPr id="2" name="슬라이드 이미지 개체 틀 1"/>
+          <p:cNvSpPr>
+            <a:spLocks noGrp="1" noRot="1" noChangeAspect="1"/>
+          </p:cNvSpPr>
+          <p:nvPr>
+            <p:ph type="sldImg"/>
+          </p:nvPr>
+        </p:nvSpPr>
+        <p:spPr/>
+      </p:sp>
+      <p:sp>
+        <p:nvSpPr>
+          <p:cNvPr id="3" name="슬라이드 노트 개체 틀 2"/>
+          <p:cNvSpPr>
+            <a:spLocks noGrp="1"/>
+          </p:cNvSpPr>
+          <p:nvPr>
+            <p:ph type="body" idx="1"/>
+          </p:nvPr>
+        </p:nvSpPr>
+        <p:spPr/>
+        <p:txBody>
+          <a:bodyPr/>
+          <a:lstStyle/>
+          <a:p>
+            <a:endParaRPr lang="ko-KR" altLang="en-US"/>
+          </a:p>
+        </p:txBody>
+      </p:sp>
+      <p:sp>
+        <p:nvSpPr>
+          <p:cNvPr id="4" name="슬라이드 번호 개체 틀 3"/>
+          <p:cNvSpPr>
+            <a:spLocks noGrp="1"/>
+          </p:cNvSpPr>
+          <p:nvPr>
+            <p:ph type="sldNum" sz="quarter" idx="5"/>
+          </p:nvPr>
+        </p:nvSpPr>
+        <p:spPr/>
+        <p:txBody>
+          <a:bodyPr/>
+          <a:lstStyle/>
+          <a:p>
+            <a:fld id="{B5285FBC-F7CD-41AC-AE7E-FC5C5DFD5DB1}" type="slidenum">
+              <a:rPr lang="ko-KR" altLang="en-US" smtClean="0"/>
+              <a:pPr/>
+              <a:t>2</a:t>
+            </a:fld>
+            <a:endParaRPr lang="ko-KR" altLang="en-US"/>
+          </a:p>
+        </p:txBody>
+      </p:sp>
+    </p:spTree>
+    <p:extLst>
+      <p:ext uri="{BB962C8B-B14F-4D97-AF65-F5344CB8AC3E}">
+        <p14:creationId xmlns:p14="http://schemas.microsoft.com/office/powerpoint/2010/main" val="1229729691"/>
+      </p:ext>
+    </p:extLst>
+  </p:cSld>
+  <p:clrMapOvr>
+    <a:masterClrMapping/>
+  </p:clrMapOvr>
+</p:notes>
+</file>
+
 <file path=ppt/slideLayouts/slideLayout1.xml><?xml version="1.0" encoding="utf-8"?>
 <p:sldLayout xmlns:a="http://schemas.openxmlformats.org/drawingml/2006/main" xmlns:r="http://schemas.openxmlformats.org/officeDocument/2006/relationships" xmlns:p="http://schemas.openxmlformats.org/presentationml/2006/main" preserve="1" userDrawn="1">
   <p:cSld name="제목 슬라이드">
@@ -1241,6 +1327,2187 @@
 </p:sldLayout>
 </file>
 
+<file path=ppt/slideLayouts/slideLayout10.xml><?xml version="1.0" encoding="utf-8"?>
+<p:sldLayout xmlns:a="http://schemas.openxmlformats.org/drawingml/2006/main" xmlns:r="http://schemas.openxmlformats.org/officeDocument/2006/relationships" xmlns:p="http://schemas.openxmlformats.org/presentationml/2006/main" type="titleOnly" preserve="1">
+  <p:cSld name="제목만">
+    <p:spTree>
+      <p:nvGrpSpPr>
+        <p:cNvPr id="1" name=""/>
+        <p:cNvGrpSpPr/>
+        <p:nvPr/>
+      </p:nvGrpSpPr>
+      <p:grpSpPr>
+        <a:xfrm>
+          <a:off x="0" y="0"/>
+          <a:ext cx="0" cy="0"/>
+          <a:chOff x="0" y="0"/>
+          <a:chExt cx="0" cy="0"/>
+        </a:xfrm>
+      </p:grpSpPr>
+      <p:sp>
+        <p:nvSpPr>
+          <p:cNvPr id="2" name="제목 1">
+            <a:extLst>
+              <a:ext uri="{FF2B5EF4-FFF2-40B4-BE49-F238E27FC236}">
+                <a16:creationId xmlns:a16="http://schemas.microsoft.com/office/drawing/2014/main" id="{A4F3C7EB-7A63-40B5-9BC1-CE9E22F6ADBB}"/>
+              </a:ext>
+            </a:extLst>
+          </p:cNvPr>
+          <p:cNvSpPr>
+            <a:spLocks noGrp="1"/>
+          </p:cNvSpPr>
+          <p:nvPr>
+            <p:ph type="title"/>
+          </p:nvPr>
+        </p:nvSpPr>
+        <p:spPr/>
+        <p:txBody>
+          <a:bodyPr/>
+          <a:lstStyle/>
+          <a:p>
+            <a:r>
+              <a:rPr lang="ko-KR" altLang="en-US"/>
+              <a:t>마스터 제목 스타일 편집</a:t>
+            </a:r>
+          </a:p>
+        </p:txBody>
+      </p:sp>
+      <p:sp>
+        <p:nvSpPr>
+          <p:cNvPr id="3" name="날짜 개체 틀 2">
+            <a:extLst>
+              <a:ext uri="{FF2B5EF4-FFF2-40B4-BE49-F238E27FC236}">
+                <a16:creationId xmlns:a16="http://schemas.microsoft.com/office/drawing/2014/main" id="{17DEF503-331E-4711-9A99-A9E37748FEA4}"/>
+              </a:ext>
+            </a:extLst>
+          </p:cNvPr>
+          <p:cNvSpPr>
+            <a:spLocks noGrp="1"/>
+          </p:cNvSpPr>
+          <p:nvPr>
+            <p:ph type="dt" sz="half" idx="10"/>
+          </p:nvPr>
+        </p:nvSpPr>
+        <p:spPr/>
+        <p:txBody>
+          <a:bodyPr/>
+          <a:lstStyle/>
+          <a:p>
+            <a:fld id="{40DF96FD-7C15-433B-A9FA-E9FA478AC43A}" type="datetimeFigureOut">
+              <a:rPr lang="ko-KR" altLang="en-US" smtClean="0"/>
+              <a:t>2023-04-06</a:t>
+            </a:fld>
+            <a:endParaRPr lang="ko-KR" altLang="en-US"/>
+          </a:p>
+        </p:txBody>
+      </p:sp>
+      <p:sp>
+        <p:nvSpPr>
+          <p:cNvPr id="4" name="바닥글 개체 틀 3">
+            <a:extLst>
+              <a:ext uri="{FF2B5EF4-FFF2-40B4-BE49-F238E27FC236}">
+                <a16:creationId xmlns:a16="http://schemas.microsoft.com/office/drawing/2014/main" id="{7FC73D53-3FC1-4320-8D7B-4345FCE373D3}"/>
+              </a:ext>
+            </a:extLst>
+          </p:cNvPr>
+          <p:cNvSpPr>
+            <a:spLocks noGrp="1"/>
+          </p:cNvSpPr>
+          <p:nvPr>
+            <p:ph type="ftr" sz="quarter" idx="11"/>
+          </p:nvPr>
+        </p:nvSpPr>
+        <p:spPr/>
+        <p:txBody>
+          <a:bodyPr/>
+          <a:lstStyle/>
+          <a:p>
+            <a:endParaRPr lang="ko-KR" altLang="en-US"/>
+          </a:p>
+        </p:txBody>
+      </p:sp>
+      <p:sp>
+        <p:nvSpPr>
+          <p:cNvPr id="5" name="슬라이드 번호 개체 틀 4">
+            <a:extLst>
+              <a:ext uri="{FF2B5EF4-FFF2-40B4-BE49-F238E27FC236}">
+                <a16:creationId xmlns:a16="http://schemas.microsoft.com/office/drawing/2014/main" id="{E3C7DF7E-1A52-4C7D-8057-5B6908538D16}"/>
+              </a:ext>
+            </a:extLst>
+          </p:cNvPr>
+          <p:cNvSpPr>
+            <a:spLocks noGrp="1"/>
+          </p:cNvSpPr>
+          <p:nvPr>
+            <p:ph type="sldNum" sz="quarter" idx="12"/>
+          </p:nvPr>
+        </p:nvSpPr>
+        <p:spPr/>
+        <p:txBody>
+          <a:bodyPr/>
+          <a:lstStyle/>
+          <a:p>
+            <a:fld id="{920FA6CC-01B9-49BE-B45E-AE71EF6D4EEE}" type="slidenum">
+              <a:rPr lang="ko-KR" altLang="en-US" smtClean="0"/>
+              <a:t>‹#›</a:t>
+            </a:fld>
+            <a:endParaRPr lang="ko-KR" altLang="en-US"/>
+          </a:p>
+        </p:txBody>
+      </p:sp>
+    </p:spTree>
+    <p:extLst>
+      <p:ext uri="{BB962C8B-B14F-4D97-AF65-F5344CB8AC3E}">
+        <p14:creationId xmlns:p14="http://schemas.microsoft.com/office/powerpoint/2010/main" val="2706777114"/>
+      </p:ext>
+    </p:extLst>
+  </p:cSld>
+  <p:clrMapOvr>
+    <a:masterClrMapping/>
+  </p:clrMapOvr>
+</p:sldLayout>
+</file>
+
+<file path=ppt/slideLayouts/slideLayout11.xml><?xml version="1.0" encoding="utf-8"?>
+<p:sldLayout xmlns:a="http://schemas.openxmlformats.org/drawingml/2006/main" xmlns:r="http://schemas.openxmlformats.org/officeDocument/2006/relationships" xmlns:p="http://schemas.openxmlformats.org/presentationml/2006/main" type="blank" preserve="1">
+  <p:cSld name="빈 화면">
+    <p:spTree>
+      <p:nvGrpSpPr>
+        <p:cNvPr id="1" name=""/>
+        <p:cNvGrpSpPr/>
+        <p:nvPr/>
+      </p:nvGrpSpPr>
+      <p:grpSpPr>
+        <a:xfrm>
+          <a:off x="0" y="0"/>
+          <a:ext cx="0" cy="0"/>
+          <a:chOff x="0" y="0"/>
+          <a:chExt cx="0" cy="0"/>
+        </a:xfrm>
+      </p:grpSpPr>
+      <p:sp>
+        <p:nvSpPr>
+          <p:cNvPr id="2" name="날짜 개체 틀 1">
+            <a:extLst>
+              <a:ext uri="{FF2B5EF4-FFF2-40B4-BE49-F238E27FC236}">
+                <a16:creationId xmlns:a16="http://schemas.microsoft.com/office/drawing/2014/main" id="{210A46FC-D17F-4650-8400-AA5920D30748}"/>
+              </a:ext>
+            </a:extLst>
+          </p:cNvPr>
+          <p:cNvSpPr>
+            <a:spLocks noGrp="1"/>
+          </p:cNvSpPr>
+          <p:nvPr>
+            <p:ph type="dt" sz="half" idx="10"/>
+          </p:nvPr>
+        </p:nvSpPr>
+        <p:spPr/>
+        <p:txBody>
+          <a:bodyPr/>
+          <a:lstStyle/>
+          <a:p>
+            <a:fld id="{40DF96FD-7C15-433B-A9FA-E9FA478AC43A}" type="datetimeFigureOut">
+              <a:rPr lang="ko-KR" altLang="en-US" smtClean="0"/>
+              <a:t>2023-04-06</a:t>
+            </a:fld>
+            <a:endParaRPr lang="ko-KR" altLang="en-US"/>
+          </a:p>
+        </p:txBody>
+      </p:sp>
+      <p:sp>
+        <p:nvSpPr>
+          <p:cNvPr id="3" name="바닥글 개체 틀 2">
+            <a:extLst>
+              <a:ext uri="{FF2B5EF4-FFF2-40B4-BE49-F238E27FC236}">
+                <a16:creationId xmlns:a16="http://schemas.microsoft.com/office/drawing/2014/main" id="{F4122F7A-6157-4ABB-9708-299732094AD6}"/>
+              </a:ext>
+            </a:extLst>
+          </p:cNvPr>
+          <p:cNvSpPr>
+            <a:spLocks noGrp="1"/>
+          </p:cNvSpPr>
+          <p:nvPr>
+            <p:ph type="ftr" sz="quarter" idx="11"/>
+          </p:nvPr>
+        </p:nvSpPr>
+        <p:spPr/>
+        <p:txBody>
+          <a:bodyPr/>
+          <a:lstStyle/>
+          <a:p>
+            <a:endParaRPr lang="ko-KR" altLang="en-US"/>
+          </a:p>
+        </p:txBody>
+      </p:sp>
+      <p:sp>
+        <p:nvSpPr>
+          <p:cNvPr id="4" name="슬라이드 번호 개체 틀 3">
+            <a:extLst>
+              <a:ext uri="{FF2B5EF4-FFF2-40B4-BE49-F238E27FC236}">
+                <a16:creationId xmlns:a16="http://schemas.microsoft.com/office/drawing/2014/main" id="{707622CC-4416-4034-AA58-441573002866}"/>
+              </a:ext>
+            </a:extLst>
+          </p:cNvPr>
+          <p:cNvSpPr>
+            <a:spLocks noGrp="1"/>
+          </p:cNvSpPr>
+          <p:nvPr>
+            <p:ph type="sldNum" sz="quarter" idx="12"/>
+          </p:nvPr>
+        </p:nvSpPr>
+        <p:spPr/>
+        <p:txBody>
+          <a:bodyPr/>
+          <a:lstStyle/>
+          <a:p>
+            <a:fld id="{920FA6CC-01B9-49BE-B45E-AE71EF6D4EEE}" type="slidenum">
+              <a:rPr lang="ko-KR" altLang="en-US" smtClean="0"/>
+              <a:t>‹#›</a:t>
+            </a:fld>
+            <a:endParaRPr lang="ko-KR" altLang="en-US"/>
+          </a:p>
+        </p:txBody>
+      </p:sp>
+    </p:spTree>
+    <p:extLst>
+      <p:ext uri="{BB962C8B-B14F-4D97-AF65-F5344CB8AC3E}">
+        <p14:creationId xmlns:p14="http://schemas.microsoft.com/office/powerpoint/2010/main" val="4259901700"/>
+      </p:ext>
+    </p:extLst>
+  </p:cSld>
+  <p:clrMapOvr>
+    <a:masterClrMapping/>
+  </p:clrMapOvr>
+</p:sldLayout>
+</file>
+
+<file path=ppt/slideLayouts/slideLayout12.xml><?xml version="1.0" encoding="utf-8"?>
+<p:sldLayout xmlns:a="http://schemas.openxmlformats.org/drawingml/2006/main" xmlns:r="http://schemas.openxmlformats.org/officeDocument/2006/relationships" xmlns:p="http://schemas.openxmlformats.org/presentationml/2006/main" type="objTx" preserve="1">
+  <p:cSld name="캡션 있는 콘텐츠">
+    <p:spTree>
+      <p:nvGrpSpPr>
+        <p:cNvPr id="1" name=""/>
+        <p:cNvGrpSpPr/>
+        <p:nvPr/>
+      </p:nvGrpSpPr>
+      <p:grpSpPr>
+        <a:xfrm>
+          <a:off x="0" y="0"/>
+          <a:ext cx="0" cy="0"/>
+          <a:chOff x="0" y="0"/>
+          <a:chExt cx="0" cy="0"/>
+        </a:xfrm>
+      </p:grpSpPr>
+      <p:sp>
+        <p:nvSpPr>
+          <p:cNvPr id="2" name="제목 1">
+            <a:extLst>
+              <a:ext uri="{FF2B5EF4-FFF2-40B4-BE49-F238E27FC236}">
+                <a16:creationId xmlns:a16="http://schemas.microsoft.com/office/drawing/2014/main" id="{9A03ADD6-6054-4427-816C-F99391A4EB82}"/>
+              </a:ext>
+            </a:extLst>
+          </p:cNvPr>
+          <p:cNvSpPr>
+            <a:spLocks noGrp="1"/>
+          </p:cNvSpPr>
+          <p:nvPr>
+            <p:ph type="title"/>
+          </p:nvPr>
+        </p:nvSpPr>
+        <p:spPr>
+          <a:xfrm>
+            <a:off x="682328" y="457200"/>
+            <a:ext cx="3194943" cy="1600200"/>
+          </a:xfrm>
+        </p:spPr>
+        <p:txBody>
+          <a:bodyPr anchor="b"/>
+          <a:lstStyle>
+            <a:lvl1pPr>
+              <a:defRPr sz="2600"/>
+            </a:lvl1pPr>
+          </a:lstStyle>
+          <a:p>
+            <a:r>
+              <a:rPr lang="ko-KR" altLang="en-US"/>
+              <a:t>마스터 제목 스타일 편집</a:t>
+            </a:r>
+          </a:p>
+        </p:txBody>
+      </p:sp>
+      <p:sp>
+        <p:nvSpPr>
+          <p:cNvPr id="3" name="내용 개체 틀 2">
+            <a:extLst>
+              <a:ext uri="{FF2B5EF4-FFF2-40B4-BE49-F238E27FC236}">
+                <a16:creationId xmlns:a16="http://schemas.microsoft.com/office/drawing/2014/main" id="{F86B6D38-3A22-4F82-B737-2CD730A21721}"/>
+              </a:ext>
+            </a:extLst>
+          </p:cNvPr>
+          <p:cNvSpPr>
+            <a:spLocks noGrp="1"/>
+          </p:cNvSpPr>
+          <p:nvPr>
+            <p:ph idx="1"/>
+          </p:nvPr>
+        </p:nvSpPr>
+        <p:spPr>
+          <a:xfrm>
+            <a:off x="4211340" y="987426"/>
+            <a:ext cx="5014913" cy="4873625"/>
+          </a:xfrm>
+        </p:spPr>
+        <p:txBody>
+          <a:bodyPr/>
+          <a:lstStyle>
+            <a:lvl1pPr>
+              <a:defRPr sz="2600"/>
+            </a:lvl1pPr>
+            <a:lvl2pPr>
+              <a:defRPr sz="2275"/>
+            </a:lvl2pPr>
+            <a:lvl3pPr>
+              <a:defRPr sz="1950"/>
+            </a:lvl3pPr>
+            <a:lvl4pPr>
+              <a:defRPr sz="1625"/>
+            </a:lvl4pPr>
+            <a:lvl5pPr>
+              <a:defRPr sz="1625"/>
+            </a:lvl5pPr>
+            <a:lvl6pPr>
+              <a:defRPr sz="1625"/>
+            </a:lvl6pPr>
+            <a:lvl7pPr>
+              <a:defRPr sz="1625"/>
+            </a:lvl7pPr>
+            <a:lvl8pPr>
+              <a:defRPr sz="1625"/>
+            </a:lvl8pPr>
+            <a:lvl9pPr>
+              <a:defRPr sz="1625"/>
+            </a:lvl9pPr>
+          </a:lstStyle>
+          <a:p>
+            <a:pPr lvl="0"/>
+            <a:r>
+              <a:rPr lang="ko-KR" altLang="en-US"/>
+              <a:t>마스터 텍스트 스타일 편집</a:t>
+            </a:r>
+          </a:p>
+          <a:p>
+            <a:pPr lvl="1"/>
+            <a:r>
+              <a:rPr lang="ko-KR" altLang="en-US"/>
+              <a:t>둘째 수준</a:t>
+            </a:r>
+          </a:p>
+          <a:p>
+            <a:pPr lvl="2"/>
+            <a:r>
+              <a:rPr lang="ko-KR" altLang="en-US"/>
+              <a:t>셋째 수준</a:t>
+            </a:r>
+          </a:p>
+          <a:p>
+            <a:pPr lvl="3"/>
+            <a:r>
+              <a:rPr lang="ko-KR" altLang="en-US"/>
+              <a:t>넷째 수준</a:t>
+            </a:r>
+          </a:p>
+          <a:p>
+            <a:pPr lvl="4"/>
+            <a:r>
+              <a:rPr lang="ko-KR" altLang="en-US"/>
+              <a:t>다섯째 수준</a:t>
+            </a:r>
+          </a:p>
+        </p:txBody>
+      </p:sp>
+      <p:sp>
+        <p:nvSpPr>
+          <p:cNvPr id="4" name="텍스트 개체 틀 3">
+            <a:extLst>
+              <a:ext uri="{FF2B5EF4-FFF2-40B4-BE49-F238E27FC236}">
+                <a16:creationId xmlns:a16="http://schemas.microsoft.com/office/drawing/2014/main" id="{C80D171D-9E9F-472E-A313-50588330AB3D}"/>
+              </a:ext>
+            </a:extLst>
+          </p:cNvPr>
+          <p:cNvSpPr>
+            <a:spLocks noGrp="1"/>
+          </p:cNvSpPr>
+          <p:nvPr>
+            <p:ph type="body" sz="half" idx="2"/>
+          </p:nvPr>
+        </p:nvSpPr>
+        <p:spPr>
+          <a:xfrm>
+            <a:off x="682328" y="2057400"/>
+            <a:ext cx="3194943" cy="3811588"/>
+          </a:xfrm>
+        </p:spPr>
+        <p:txBody>
+          <a:bodyPr/>
+          <a:lstStyle>
+            <a:lvl1pPr marL="0" indent="0">
+              <a:buNone/>
+              <a:defRPr sz="1300"/>
+            </a:lvl1pPr>
+            <a:lvl2pPr marL="371475" indent="0">
+              <a:buNone/>
+              <a:defRPr sz="1138"/>
+            </a:lvl2pPr>
+            <a:lvl3pPr marL="742950" indent="0">
+              <a:buNone/>
+              <a:defRPr sz="975"/>
+            </a:lvl3pPr>
+            <a:lvl4pPr marL="1114425" indent="0">
+              <a:buNone/>
+              <a:defRPr sz="813"/>
+            </a:lvl4pPr>
+            <a:lvl5pPr marL="1485900" indent="0">
+              <a:buNone/>
+              <a:defRPr sz="813"/>
+            </a:lvl5pPr>
+            <a:lvl6pPr marL="1857375" indent="0">
+              <a:buNone/>
+              <a:defRPr sz="813"/>
+            </a:lvl6pPr>
+            <a:lvl7pPr marL="2228850" indent="0">
+              <a:buNone/>
+              <a:defRPr sz="813"/>
+            </a:lvl7pPr>
+            <a:lvl8pPr marL="2600325" indent="0">
+              <a:buNone/>
+              <a:defRPr sz="813"/>
+            </a:lvl8pPr>
+            <a:lvl9pPr marL="2971800" indent="0">
+              <a:buNone/>
+              <a:defRPr sz="813"/>
+            </a:lvl9pPr>
+          </a:lstStyle>
+          <a:p>
+            <a:pPr lvl="0"/>
+            <a:r>
+              <a:rPr lang="ko-KR" altLang="en-US"/>
+              <a:t>마스터 텍스트 스타일 편집</a:t>
+            </a:r>
+          </a:p>
+        </p:txBody>
+      </p:sp>
+      <p:sp>
+        <p:nvSpPr>
+          <p:cNvPr id="5" name="날짜 개체 틀 4">
+            <a:extLst>
+              <a:ext uri="{FF2B5EF4-FFF2-40B4-BE49-F238E27FC236}">
+                <a16:creationId xmlns:a16="http://schemas.microsoft.com/office/drawing/2014/main" id="{96590E81-17A3-47DA-B09A-49840CDAEAE1}"/>
+              </a:ext>
+            </a:extLst>
+          </p:cNvPr>
+          <p:cNvSpPr>
+            <a:spLocks noGrp="1"/>
+          </p:cNvSpPr>
+          <p:nvPr>
+            <p:ph type="dt" sz="half" idx="10"/>
+          </p:nvPr>
+        </p:nvSpPr>
+        <p:spPr/>
+        <p:txBody>
+          <a:bodyPr/>
+          <a:lstStyle/>
+          <a:p>
+            <a:fld id="{40DF96FD-7C15-433B-A9FA-E9FA478AC43A}" type="datetimeFigureOut">
+              <a:rPr lang="ko-KR" altLang="en-US" smtClean="0"/>
+              <a:t>2023-04-06</a:t>
+            </a:fld>
+            <a:endParaRPr lang="ko-KR" altLang="en-US"/>
+          </a:p>
+        </p:txBody>
+      </p:sp>
+      <p:sp>
+        <p:nvSpPr>
+          <p:cNvPr id="6" name="바닥글 개체 틀 5">
+            <a:extLst>
+              <a:ext uri="{FF2B5EF4-FFF2-40B4-BE49-F238E27FC236}">
+                <a16:creationId xmlns:a16="http://schemas.microsoft.com/office/drawing/2014/main" id="{0F52654D-1BAB-4BC3-91FA-FDD93BB0F98D}"/>
+              </a:ext>
+            </a:extLst>
+          </p:cNvPr>
+          <p:cNvSpPr>
+            <a:spLocks noGrp="1"/>
+          </p:cNvSpPr>
+          <p:nvPr>
+            <p:ph type="ftr" sz="quarter" idx="11"/>
+          </p:nvPr>
+        </p:nvSpPr>
+        <p:spPr/>
+        <p:txBody>
+          <a:bodyPr/>
+          <a:lstStyle/>
+          <a:p>
+            <a:endParaRPr lang="ko-KR" altLang="en-US"/>
+          </a:p>
+        </p:txBody>
+      </p:sp>
+      <p:sp>
+        <p:nvSpPr>
+          <p:cNvPr id="7" name="슬라이드 번호 개체 틀 6">
+            <a:extLst>
+              <a:ext uri="{FF2B5EF4-FFF2-40B4-BE49-F238E27FC236}">
+                <a16:creationId xmlns:a16="http://schemas.microsoft.com/office/drawing/2014/main" id="{FF81AA38-8157-488C-9D64-0C4FC16D9B81}"/>
+              </a:ext>
+            </a:extLst>
+          </p:cNvPr>
+          <p:cNvSpPr>
+            <a:spLocks noGrp="1"/>
+          </p:cNvSpPr>
+          <p:nvPr>
+            <p:ph type="sldNum" sz="quarter" idx="12"/>
+          </p:nvPr>
+        </p:nvSpPr>
+        <p:spPr/>
+        <p:txBody>
+          <a:bodyPr/>
+          <a:lstStyle/>
+          <a:p>
+            <a:fld id="{920FA6CC-01B9-49BE-B45E-AE71EF6D4EEE}" type="slidenum">
+              <a:rPr lang="ko-KR" altLang="en-US" smtClean="0"/>
+              <a:t>‹#›</a:t>
+            </a:fld>
+            <a:endParaRPr lang="ko-KR" altLang="en-US"/>
+          </a:p>
+        </p:txBody>
+      </p:sp>
+    </p:spTree>
+    <p:extLst>
+      <p:ext uri="{BB962C8B-B14F-4D97-AF65-F5344CB8AC3E}">
+        <p14:creationId xmlns:p14="http://schemas.microsoft.com/office/powerpoint/2010/main" val="3368070714"/>
+      </p:ext>
+    </p:extLst>
+  </p:cSld>
+  <p:clrMapOvr>
+    <a:masterClrMapping/>
+  </p:clrMapOvr>
+</p:sldLayout>
+</file>
+
+<file path=ppt/slideLayouts/slideLayout13.xml><?xml version="1.0" encoding="utf-8"?>
+<p:sldLayout xmlns:a="http://schemas.openxmlformats.org/drawingml/2006/main" xmlns:r="http://schemas.openxmlformats.org/officeDocument/2006/relationships" xmlns:p="http://schemas.openxmlformats.org/presentationml/2006/main" type="picTx" preserve="1">
+  <p:cSld name="캡션 있는 그림">
+    <p:spTree>
+      <p:nvGrpSpPr>
+        <p:cNvPr id="1" name=""/>
+        <p:cNvGrpSpPr/>
+        <p:nvPr/>
+      </p:nvGrpSpPr>
+      <p:grpSpPr>
+        <a:xfrm>
+          <a:off x="0" y="0"/>
+          <a:ext cx="0" cy="0"/>
+          <a:chOff x="0" y="0"/>
+          <a:chExt cx="0" cy="0"/>
+        </a:xfrm>
+      </p:grpSpPr>
+      <p:sp>
+        <p:nvSpPr>
+          <p:cNvPr id="2" name="제목 1">
+            <a:extLst>
+              <a:ext uri="{FF2B5EF4-FFF2-40B4-BE49-F238E27FC236}">
+                <a16:creationId xmlns:a16="http://schemas.microsoft.com/office/drawing/2014/main" id="{A7059737-3175-4970-984A-6FC489A56CDD}"/>
+              </a:ext>
+            </a:extLst>
+          </p:cNvPr>
+          <p:cNvSpPr>
+            <a:spLocks noGrp="1"/>
+          </p:cNvSpPr>
+          <p:nvPr>
+            <p:ph type="title"/>
+          </p:nvPr>
+        </p:nvSpPr>
+        <p:spPr>
+          <a:xfrm>
+            <a:off x="682328" y="457200"/>
+            <a:ext cx="3194943" cy="1600200"/>
+          </a:xfrm>
+        </p:spPr>
+        <p:txBody>
+          <a:bodyPr anchor="b"/>
+          <a:lstStyle>
+            <a:lvl1pPr>
+              <a:defRPr sz="2600"/>
+            </a:lvl1pPr>
+          </a:lstStyle>
+          <a:p>
+            <a:r>
+              <a:rPr lang="ko-KR" altLang="en-US"/>
+              <a:t>마스터 제목 스타일 편집</a:t>
+            </a:r>
+          </a:p>
+        </p:txBody>
+      </p:sp>
+      <p:sp>
+        <p:nvSpPr>
+          <p:cNvPr id="3" name="그림 개체 틀 2">
+            <a:extLst>
+              <a:ext uri="{FF2B5EF4-FFF2-40B4-BE49-F238E27FC236}">
+                <a16:creationId xmlns:a16="http://schemas.microsoft.com/office/drawing/2014/main" id="{13C2861E-17FD-4F1C-A1D3-9AF2605676FE}"/>
+              </a:ext>
+            </a:extLst>
+          </p:cNvPr>
+          <p:cNvSpPr>
+            <a:spLocks noGrp="1"/>
+          </p:cNvSpPr>
+          <p:nvPr>
+            <p:ph type="pic" idx="1"/>
+          </p:nvPr>
+        </p:nvSpPr>
+        <p:spPr>
+          <a:xfrm>
+            <a:off x="4211340" y="987426"/>
+            <a:ext cx="5014913" cy="4873625"/>
+          </a:xfrm>
+        </p:spPr>
+        <p:txBody>
+          <a:bodyPr/>
+          <a:lstStyle>
+            <a:lvl1pPr marL="0" indent="0">
+              <a:buNone/>
+              <a:defRPr sz="2600"/>
+            </a:lvl1pPr>
+            <a:lvl2pPr marL="371475" indent="0">
+              <a:buNone/>
+              <a:defRPr sz="2275"/>
+            </a:lvl2pPr>
+            <a:lvl3pPr marL="742950" indent="0">
+              <a:buNone/>
+              <a:defRPr sz="1950"/>
+            </a:lvl3pPr>
+            <a:lvl4pPr marL="1114425" indent="0">
+              <a:buNone/>
+              <a:defRPr sz="1625"/>
+            </a:lvl4pPr>
+            <a:lvl5pPr marL="1485900" indent="0">
+              <a:buNone/>
+              <a:defRPr sz="1625"/>
+            </a:lvl5pPr>
+            <a:lvl6pPr marL="1857375" indent="0">
+              <a:buNone/>
+              <a:defRPr sz="1625"/>
+            </a:lvl6pPr>
+            <a:lvl7pPr marL="2228850" indent="0">
+              <a:buNone/>
+              <a:defRPr sz="1625"/>
+            </a:lvl7pPr>
+            <a:lvl8pPr marL="2600325" indent="0">
+              <a:buNone/>
+              <a:defRPr sz="1625"/>
+            </a:lvl8pPr>
+            <a:lvl9pPr marL="2971800" indent="0">
+              <a:buNone/>
+              <a:defRPr sz="1625"/>
+            </a:lvl9pPr>
+          </a:lstStyle>
+          <a:p>
+            <a:endParaRPr lang="ko-KR" altLang="en-US"/>
+          </a:p>
+        </p:txBody>
+      </p:sp>
+      <p:sp>
+        <p:nvSpPr>
+          <p:cNvPr id="4" name="텍스트 개체 틀 3">
+            <a:extLst>
+              <a:ext uri="{FF2B5EF4-FFF2-40B4-BE49-F238E27FC236}">
+                <a16:creationId xmlns:a16="http://schemas.microsoft.com/office/drawing/2014/main" id="{6BC473D7-DCD5-4179-A589-ECC9EB851DC4}"/>
+              </a:ext>
+            </a:extLst>
+          </p:cNvPr>
+          <p:cNvSpPr>
+            <a:spLocks noGrp="1"/>
+          </p:cNvSpPr>
+          <p:nvPr>
+            <p:ph type="body" sz="half" idx="2"/>
+          </p:nvPr>
+        </p:nvSpPr>
+        <p:spPr>
+          <a:xfrm>
+            <a:off x="682328" y="2057400"/>
+            <a:ext cx="3194943" cy="3811588"/>
+          </a:xfrm>
+        </p:spPr>
+        <p:txBody>
+          <a:bodyPr/>
+          <a:lstStyle>
+            <a:lvl1pPr marL="0" indent="0">
+              <a:buNone/>
+              <a:defRPr sz="1300"/>
+            </a:lvl1pPr>
+            <a:lvl2pPr marL="371475" indent="0">
+              <a:buNone/>
+              <a:defRPr sz="1138"/>
+            </a:lvl2pPr>
+            <a:lvl3pPr marL="742950" indent="0">
+              <a:buNone/>
+              <a:defRPr sz="975"/>
+            </a:lvl3pPr>
+            <a:lvl4pPr marL="1114425" indent="0">
+              <a:buNone/>
+              <a:defRPr sz="813"/>
+            </a:lvl4pPr>
+            <a:lvl5pPr marL="1485900" indent="0">
+              <a:buNone/>
+              <a:defRPr sz="813"/>
+            </a:lvl5pPr>
+            <a:lvl6pPr marL="1857375" indent="0">
+              <a:buNone/>
+              <a:defRPr sz="813"/>
+            </a:lvl6pPr>
+            <a:lvl7pPr marL="2228850" indent="0">
+              <a:buNone/>
+              <a:defRPr sz="813"/>
+            </a:lvl7pPr>
+            <a:lvl8pPr marL="2600325" indent="0">
+              <a:buNone/>
+              <a:defRPr sz="813"/>
+            </a:lvl8pPr>
+            <a:lvl9pPr marL="2971800" indent="0">
+              <a:buNone/>
+              <a:defRPr sz="813"/>
+            </a:lvl9pPr>
+          </a:lstStyle>
+          <a:p>
+            <a:pPr lvl="0"/>
+            <a:r>
+              <a:rPr lang="ko-KR" altLang="en-US"/>
+              <a:t>마스터 텍스트 스타일 편집</a:t>
+            </a:r>
+          </a:p>
+        </p:txBody>
+      </p:sp>
+      <p:sp>
+        <p:nvSpPr>
+          <p:cNvPr id="5" name="날짜 개체 틀 4">
+            <a:extLst>
+              <a:ext uri="{FF2B5EF4-FFF2-40B4-BE49-F238E27FC236}">
+                <a16:creationId xmlns:a16="http://schemas.microsoft.com/office/drawing/2014/main" id="{E575E9A4-9D25-4081-9493-439125A4E6D3}"/>
+              </a:ext>
+            </a:extLst>
+          </p:cNvPr>
+          <p:cNvSpPr>
+            <a:spLocks noGrp="1"/>
+          </p:cNvSpPr>
+          <p:nvPr>
+            <p:ph type="dt" sz="half" idx="10"/>
+          </p:nvPr>
+        </p:nvSpPr>
+        <p:spPr/>
+        <p:txBody>
+          <a:bodyPr/>
+          <a:lstStyle/>
+          <a:p>
+            <a:fld id="{40DF96FD-7C15-433B-A9FA-E9FA478AC43A}" type="datetimeFigureOut">
+              <a:rPr lang="ko-KR" altLang="en-US" smtClean="0"/>
+              <a:t>2023-04-06</a:t>
+            </a:fld>
+            <a:endParaRPr lang="ko-KR" altLang="en-US"/>
+          </a:p>
+        </p:txBody>
+      </p:sp>
+      <p:sp>
+        <p:nvSpPr>
+          <p:cNvPr id="6" name="바닥글 개체 틀 5">
+            <a:extLst>
+              <a:ext uri="{FF2B5EF4-FFF2-40B4-BE49-F238E27FC236}">
+                <a16:creationId xmlns:a16="http://schemas.microsoft.com/office/drawing/2014/main" id="{9644FDEB-C73F-4CA7-966F-0DE83EC455B7}"/>
+              </a:ext>
+            </a:extLst>
+          </p:cNvPr>
+          <p:cNvSpPr>
+            <a:spLocks noGrp="1"/>
+          </p:cNvSpPr>
+          <p:nvPr>
+            <p:ph type="ftr" sz="quarter" idx="11"/>
+          </p:nvPr>
+        </p:nvSpPr>
+        <p:spPr/>
+        <p:txBody>
+          <a:bodyPr/>
+          <a:lstStyle/>
+          <a:p>
+            <a:endParaRPr lang="ko-KR" altLang="en-US"/>
+          </a:p>
+        </p:txBody>
+      </p:sp>
+      <p:sp>
+        <p:nvSpPr>
+          <p:cNvPr id="7" name="슬라이드 번호 개체 틀 6">
+            <a:extLst>
+              <a:ext uri="{FF2B5EF4-FFF2-40B4-BE49-F238E27FC236}">
+                <a16:creationId xmlns:a16="http://schemas.microsoft.com/office/drawing/2014/main" id="{996E8B58-0DDD-4524-B005-857E8ED31CE4}"/>
+              </a:ext>
+            </a:extLst>
+          </p:cNvPr>
+          <p:cNvSpPr>
+            <a:spLocks noGrp="1"/>
+          </p:cNvSpPr>
+          <p:nvPr>
+            <p:ph type="sldNum" sz="quarter" idx="12"/>
+          </p:nvPr>
+        </p:nvSpPr>
+        <p:spPr/>
+        <p:txBody>
+          <a:bodyPr/>
+          <a:lstStyle/>
+          <a:p>
+            <a:fld id="{920FA6CC-01B9-49BE-B45E-AE71EF6D4EEE}" type="slidenum">
+              <a:rPr lang="ko-KR" altLang="en-US" smtClean="0"/>
+              <a:t>‹#›</a:t>
+            </a:fld>
+            <a:endParaRPr lang="ko-KR" altLang="en-US"/>
+          </a:p>
+        </p:txBody>
+      </p:sp>
+    </p:spTree>
+    <p:extLst>
+      <p:ext uri="{BB962C8B-B14F-4D97-AF65-F5344CB8AC3E}">
+        <p14:creationId xmlns:p14="http://schemas.microsoft.com/office/powerpoint/2010/main" val="2774526576"/>
+      </p:ext>
+    </p:extLst>
+  </p:cSld>
+  <p:clrMapOvr>
+    <a:masterClrMapping/>
+  </p:clrMapOvr>
+</p:sldLayout>
+</file>
+
+<file path=ppt/slideLayouts/slideLayout14.xml><?xml version="1.0" encoding="utf-8"?>
+<p:sldLayout xmlns:a="http://schemas.openxmlformats.org/drawingml/2006/main" xmlns:r="http://schemas.openxmlformats.org/officeDocument/2006/relationships" xmlns:p="http://schemas.openxmlformats.org/presentationml/2006/main" type="vertTx" preserve="1">
+  <p:cSld name="제목 및 세로 텍스트">
+    <p:spTree>
+      <p:nvGrpSpPr>
+        <p:cNvPr id="1" name=""/>
+        <p:cNvGrpSpPr/>
+        <p:nvPr/>
+      </p:nvGrpSpPr>
+      <p:grpSpPr>
+        <a:xfrm>
+          <a:off x="0" y="0"/>
+          <a:ext cx="0" cy="0"/>
+          <a:chOff x="0" y="0"/>
+          <a:chExt cx="0" cy="0"/>
+        </a:xfrm>
+      </p:grpSpPr>
+      <p:sp>
+        <p:nvSpPr>
+          <p:cNvPr id="2" name="제목 1">
+            <a:extLst>
+              <a:ext uri="{FF2B5EF4-FFF2-40B4-BE49-F238E27FC236}">
+                <a16:creationId xmlns:a16="http://schemas.microsoft.com/office/drawing/2014/main" id="{CEAF440A-2A58-4D90-8C35-8609566B8BBC}"/>
+              </a:ext>
+            </a:extLst>
+          </p:cNvPr>
+          <p:cNvSpPr>
+            <a:spLocks noGrp="1"/>
+          </p:cNvSpPr>
+          <p:nvPr>
+            <p:ph type="title"/>
+          </p:nvPr>
+        </p:nvSpPr>
+        <p:spPr/>
+        <p:txBody>
+          <a:bodyPr/>
+          <a:lstStyle/>
+          <a:p>
+            <a:r>
+              <a:rPr lang="ko-KR" altLang="en-US"/>
+              <a:t>마스터 제목 스타일 편집</a:t>
+            </a:r>
+          </a:p>
+        </p:txBody>
+      </p:sp>
+      <p:sp>
+        <p:nvSpPr>
+          <p:cNvPr id="3" name="세로 텍스트 개체 틀 2">
+            <a:extLst>
+              <a:ext uri="{FF2B5EF4-FFF2-40B4-BE49-F238E27FC236}">
+                <a16:creationId xmlns:a16="http://schemas.microsoft.com/office/drawing/2014/main" id="{B5BE7EB1-9038-4D03-9C7D-1ADF819A3A03}"/>
+              </a:ext>
+            </a:extLst>
+          </p:cNvPr>
+          <p:cNvSpPr>
+            <a:spLocks noGrp="1"/>
+          </p:cNvSpPr>
+          <p:nvPr>
+            <p:ph type="body" orient="vert" idx="1"/>
+          </p:nvPr>
+        </p:nvSpPr>
+        <p:spPr/>
+        <p:txBody>
+          <a:bodyPr vert="eaVert"/>
+          <a:lstStyle/>
+          <a:p>
+            <a:pPr lvl="0"/>
+            <a:r>
+              <a:rPr lang="ko-KR" altLang="en-US"/>
+              <a:t>마스터 텍스트 스타일 편집</a:t>
+            </a:r>
+          </a:p>
+          <a:p>
+            <a:pPr lvl="1"/>
+            <a:r>
+              <a:rPr lang="ko-KR" altLang="en-US"/>
+              <a:t>둘째 수준</a:t>
+            </a:r>
+          </a:p>
+          <a:p>
+            <a:pPr lvl="2"/>
+            <a:r>
+              <a:rPr lang="ko-KR" altLang="en-US"/>
+              <a:t>셋째 수준</a:t>
+            </a:r>
+          </a:p>
+          <a:p>
+            <a:pPr lvl="3"/>
+            <a:r>
+              <a:rPr lang="ko-KR" altLang="en-US"/>
+              <a:t>넷째 수준</a:t>
+            </a:r>
+          </a:p>
+          <a:p>
+            <a:pPr lvl="4"/>
+            <a:r>
+              <a:rPr lang="ko-KR" altLang="en-US"/>
+              <a:t>다섯째 수준</a:t>
+            </a:r>
+          </a:p>
+        </p:txBody>
+      </p:sp>
+      <p:sp>
+        <p:nvSpPr>
+          <p:cNvPr id="4" name="날짜 개체 틀 3">
+            <a:extLst>
+              <a:ext uri="{FF2B5EF4-FFF2-40B4-BE49-F238E27FC236}">
+                <a16:creationId xmlns:a16="http://schemas.microsoft.com/office/drawing/2014/main" id="{31A438BF-46D5-4A3A-8F37-82CF2E6BA81A}"/>
+              </a:ext>
+            </a:extLst>
+          </p:cNvPr>
+          <p:cNvSpPr>
+            <a:spLocks noGrp="1"/>
+          </p:cNvSpPr>
+          <p:nvPr>
+            <p:ph type="dt" sz="half" idx="10"/>
+          </p:nvPr>
+        </p:nvSpPr>
+        <p:spPr/>
+        <p:txBody>
+          <a:bodyPr/>
+          <a:lstStyle/>
+          <a:p>
+            <a:fld id="{40DF96FD-7C15-433B-A9FA-E9FA478AC43A}" type="datetimeFigureOut">
+              <a:rPr lang="ko-KR" altLang="en-US" smtClean="0"/>
+              <a:t>2023-04-06</a:t>
+            </a:fld>
+            <a:endParaRPr lang="ko-KR" altLang="en-US"/>
+          </a:p>
+        </p:txBody>
+      </p:sp>
+      <p:sp>
+        <p:nvSpPr>
+          <p:cNvPr id="5" name="바닥글 개체 틀 4">
+            <a:extLst>
+              <a:ext uri="{FF2B5EF4-FFF2-40B4-BE49-F238E27FC236}">
+                <a16:creationId xmlns:a16="http://schemas.microsoft.com/office/drawing/2014/main" id="{A8BF90D1-6742-498A-BD1A-39DCCEA23C34}"/>
+              </a:ext>
+            </a:extLst>
+          </p:cNvPr>
+          <p:cNvSpPr>
+            <a:spLocks noGrp="1"/>
+          </p:cNvSpPr>
+          <p:nvPr>
+            <p:ph type="ftr" sz="quarter" idx="11"/>
+          </p:nvPr>
+        </p:nvSpPr>
+        <p:spPr/>
+        <p:txBody>
+          <a:bodyPr/>
+          <a:lstStyle/>
+          <a:p>
+            <a:endParaRPr lang="ko-KR" altLang="en-US"/>
+          </a:p>
+        </p:txBody>
+      </p:sp>
+      <p:sp>
+        <p:nvSpPr>
+          <p:cNvPr id="6" name="슬라이드 번호 개체 틀 5">
+            <a:extLst>
+              <a:ext uri="{FF2B5EF4-FFF2-40B4-BE49-F238E27FC236}">
+                <a16:creationId xmlns:a16="http://schemas.microsoft.com/office/drawing/2014/main" id="{B7250EA9-68BB-4297-80A3-44081DE0885D}"/>
+              </a:ext>
+            </a:extLst>
+          </p:cNvPr>
+          <p:cNvSpPr>
+            <a:spLocks noGrp="1"/>
+          </p:cNvSpPr>
+          <p:nvPr>
+            <p:ph type="sldNum" sz="quarter" idx="12"/>
+          </p:nvPr>
+        </p:nvSpPr>
+        <p:spPr/>
+        <p:txBody>
+          <a:bodyPr/>
+          <a:lstStyle/>
+          <a:p>
+            <a:fld id="{920FA6CC-01B9-49BE-B45E-AE71EF6D4EEE}" type="slidenum">
+              <a:rPr lang="ko-KR" altLang="en-US" smtClean="0"/>
+              <a:t>‹#›</a:t>
+            </a:fld>
+            <a:endParaRPr lang="ko-KR" altLang="en-US"/>
+          </a:p>
+        </p:txBody>
+      </p:sp>
+    </p:spTree>
+    <p:extLst>
+      <p:ext uri="{BB962C8B-B14F-4D97-AF65-F5344CB8AC3E}">
+        <p14:creationId xmlns:p14="http://schemas.microsoft.com/office/powerpoint/2010/main" val="1227083438"/>
+      </p:ext>
+    </p:extLst>
+  </p:cSld>
+  <p:clrMapOvr>
+    <a:masterClrMapping/>
+  </p:clrMapOvr>
+</p:sldLayout>
+</file>
+
+<file path=ppt/slideLayouts/slideLayout15.xml><?xml version="1.0" encoding="utf-8"?>
+<p:sldLayout xmlns:a="http://schemas.openxmlformats.org/drawingml/2006/main" xmlns:r="http://schemas.openxmlformats.org/officeDocument/2006/relationships" xmlns:p="http://schemas.openxmlformats.org/presentationml/2006/main" type="vertTitleAndTx" preserve="1">
+  <p:cSld name="세로 제목 및 텍스트">
+    <p:spTree>
+      <p:nvGrpSpPr>
+        <p:cNvPr id="1" name=""/>
+        <p:cNvGrpSpPr/>
+        <p:nvPr/>
+      </p:nvGrpSpPr>
+      <p:grpSpPr>
+        <a:xfrm>
+          <a:off x="0" y="0"/>
+          <a:ext cx="0" cy="0"/>
+          <a:chOff x="0" y="0"/>
+          <a:chExt cx="0" cy="0"/>
+        </a:xfrm>
+      </p:grpSpPr>
+      <p:sp>
+        <p:nvSpPr>
+          <p:cNvPr id="2" name="세로 제목 1">
+            <a:extLst>
+              <a:ext uri="{FF2B5EF4-FFF2-40B4-BE49-F238E27FC236}">
+                <a16:creationId xmlns:a16="http://schemas.microsoft.com/office/drawing/2014/main" id="{1A4E8750-30B8-43AC-87EE-2B3B45FA1F19}"/>
+              </a:ext>
+            </a:extLst>
+          </p:cNvPr>
+          <p:cNvSpPr>
+            <a:spLocks noGrp="1"/>
+          </p:cNvSpPr>
+          <p:nvPr>
+            <p:ph type="title" orient="vert"/>
+          </p:nvPr>
+        </p:nvSpPr>
+        <p:spPr>
+          <a:xfrm>
+            <a:off x="7088981" y="365125"/>
+            <a:ext cx="2135981" cy="5811838"/>
+          </a:xfrm>
+        </p:spPr>
+        <p:txBody>
+          <a:bodyPr vert="eaVert"/>
+          <a:lstStyle/>
+          <a:p>
+            <a:r>
+              <a:rPr lang="ko-KR" altLang="en-US"/>
+              <a:t>마스터 제목 스타일 편집</a:t>
+            </a:r>
+          </a:p>
+        </p:txBody>
+      </p:sp>
+      <p:sp>
+        <p:nvSpPr>
+          <p:cNvPr id="3" name="세로 텍스트 개체 틀 2">
+            <a:extLst>
+              <a:ext uri="{FF2B5EF4-FFF2-40B4-BE49-F238E27FC236}">
+                <a16:creationId xmlns:a16="http://schemas.microsoft.com/office/drawing/2014/main" id="{4B7E6BE0-365C-4215-987E-97AFBD8CC85D}"/>
+              </a:ext>
+            </a:extLst>
+          </p:cNvPr>
+          <p:cNvSpPr>
+            <a:spLocks noGrp="1"/>
+          </p:cNvSpPr>
+          <p:nvPr>
+            <p:ph type="body" orient="vert" idx="1"/>
+          </p:nvPr>
+        </p:nvSpPr>
+        <p:spPr>
+          <a:xfrm>
+            <a:off x="681037" y="365125"/>
+            <a:ext cx="6284119" cy="5811838"/>
+          </a:xfrm>
+        </p:spPr>
+        <p:txBody>
+          <a:bodyPr vert="eaVert"/>
+          <a:lstStyle/>
+          <a:p>
+            <a:pPr lvl="0"/>
+            <a:r>
+              <a:rPr lang="ko-KR" altLang="en-US"/>
+              <a:t>마스터 텍스트 스타일 편집</a:t>
+            </a:r>
+          </a:p>
+          <a:p>
+            <a:pPr lvl="1"/>
+            <a:r>
+              <a:rPr lang="ko-KR" altLang="en-US"/>
+              <a:t>둘째 수준</a:t>
+            </a:r>
+          </a:p>
+          <a:p>
+            <a:pPr lvl="2"/>
+            <a:r>
+              <a:rPr lang="ko-KR" altLang="en-US"/>
+              <a:t>셋째 수준</a:t>
+            </a:r>
+          </a:p>
+          <a:p>
+            <a:pPr lvl="3"/>
+            <a:r>
+              <a:rPr lang="ko-KR" altLang="en-US"/>
+              <a:t>넷째 수준</a:t>
+            </a:r>
+          </a:p>
+          <a:p>
+            <a:pPr lvl="4"/>
+            <a:r>
+              <a:rPr lang="ko-KR" altLang="en-US"/>
+              <a:t>다섯째 수준</a:t>
+            </a:r>
+          </a:p>
+        </p:txBody>
+      </p:sp>
+      <p:sp>
+        <p:nvSpPr>
+          <p:cNvPr id="4" name="날짜 개체 틀 3">
+            <a:extLst>
+              <a:ext uri="{FF2B5EF4-FFF2-40B4-BE49-F238E27FC236}">
+                <a16:creationId xmlns:a16="http://schemas.microsoft.com/office/drawing/2014/main" id="{83D65525-B7E1-46D8-8F4E-2EA2BB7D3209}"/>
+              </a:ext>
+            </a:extLst>
+          </p:cNvPr>
+          <p:cNvSpPr>
+            <a:spLocks noGrp="1"/>
+          </p:cNvSpPr>
+          <p:nvPr>
+            <p:ph type="dt" sz="half" idx="10"/>
+          </p:nvPr>
+        </p:nvSpPr>
+        <p:spPr/>
+        <p:txBody>
+          <a:bodyPr/>
+          <a:lstStyle/>
+          <a:p>
+            <a:fld id="{40DF96FD-7C15-433B-A9FA-E9FA478AC43A}" type="datetimeFigureOut">
+              <a:rPr lang="ko-KR" altLang="en-US" smtClean="0"/>
+              <a:t>2023-04-06</a:t>
+            </a:fld>
+            <a:endParaRPr lang="ko-KR" altLang="en-US"/>
+          </a:p>
+        </p:txBody>
+      </p:sp>
+      <p:sp>
+        <p:nvSpPr>
+          <p:cNvPr id="5" name="바닥글 개체 틀 4">
+            <a:extLst>
+              <a:ext uri="{FF2B5EF4-FFF2-40B4-BE49-F238E27FC236}">
+                <a16:creationId xmlns:a16="http://schemas.microsoft.com/office/drawing/2014/main" id="{EC9796FE-812C-4410-97DF-F5AB4A9B65CA}"/>
+              </a:ext>
+            </a:extLst>
+          </p:cNvPr>
+          <p:cNvSpPr>
+            <a:spLocks noGrp="1"/>
+          </p:cNvSpPr>
+          <p:nvPr>
+            <p:ph type="ftr" sz="quarter" idx="11"/>
+          </p:nvPr>
+        </p:nvSpPr>
+        <p:spPr/>
+        <p:txBody>
+          <a:bodyPr/>
+          <a:lstStyle/>
+          <a:p>
+            <a:endParaRPr lang="ko-KR" altLang="en-US"/>
+          </a:p>
+        </p:txBody>
+      </p:sp>
+      <p:sp>
+        <p:nvSpPr>
+          <p:cNvPr id="6" name="슬라이드 번호 개체 틀 5">
+            <a:extLst>
+              <a:ext uri="{FF2B5EF4-FFF2-40B4-BE49-F238E27FC236}">
+                <a16:creationId xmlns:a16="http://schemas.microsoft.com/office/drawing/2014/main" id="{71E0E97D-CC39-4F1E-A1EB-CE7892C41EF9}"/>
+              </a:ext>
+            </a:extLst>
+          </p:cNvPr>
+          <p:cNvSpPr>
+            <a:spLocks noGrp="1"/>
+          </p:cNvSpPr>
+          <p:nvPr>
+            <p:ph type="sldNum" sz="quarter" idx="12"/>
+          </p:nvPr>
+        </p:nvSpPr>
+        <p:spPr/>
+        <p:txBody>
+          <a:bodyPr/>
+          <a:lstStyle/>
+          <a:p>
+            <a:fld id="{920FA6CC-01B9-49BE-B45E-AE71EF6D4EEE}" type="slidenum">
+              <a:rPr lang="ko-KR" altLang="en-US" smtClean="0"/>
+              <a:t>‹#›</a:t>
+            </a:fld>
+            <a:endParaRPr lang="ko-KR" altLang="en-US"/>
+          </a:p>
+        </p:txBody>
+      </p:sp>
+    </p:spTree>
+    <p:extLst>
+      <p:ext uri="{BB962C8B-B14F-4D97-AF65-F5344CB8AC3E}">
+        <p14:creationId xmlns:p14="http://schemas.microsoft.com/office/powerpoint/2010/main" val="4266647142"/>
+      </p:ext>
+    </p:extLst>
+  </p:cSld>
+  <p:clrMapOvr>
+    <a:masterClrMapping/>
+  </p:clrMapOvr>
+</p:sldLayout>
+</file>
+
+<file path=ppt/slideLayouts/slideLayout16.xml><?xml version="1.0" encoding="utf-8"?>
+<p:sldLayout xmlns:a="http://schemas.openxmlformats.org/drawingml/2006/main" xmlns:r="http://schemas.openxmlformats.org/officeDocument/2006/relationships" xmlns:p="http://schemas.openxmlformats.org/presentationml/2006/main" userDrawn="1">
+  <p:cSld name="1_제목 슬라이드">
+    <p:spTree>
+      <p:nvGrpSpPr>
+        <p:cNvPr id="1" name=""/>
+        <p:cNvGrpSpPr/>
+        <p:nvPr/>
+      </p:nvGrpSpPr>
+      <p:grpSpPr>
+        <a:xfrm>
+          <a:off x="0" y="0"/>
+          <a:ext cx="0" cy="0"/>
+          <a:chOff x="0" y="0"/>
+          <a:chExt cx="0" cy="0"/>
+        </a:xfrm>
+      </p:grpSpPr>
+      <p:sp>
+        <p:nvSpPr>
+          <p:cNvPr id="19" name="직사각형 18"/>
+          <p:cNvSpPr/>
+          <p:nvPr userDrawn="1"/>
+        </p:nvSpPr>
+        <p:spPr>
+          <a:xfrm>
+            <a:off x="-1" y="0"/>
+            <a:ext cx="9906000" cy="6858000"/>
+          </a:xfrm>
+          <a:prstGeom prst="rect">
+            <a:avLst/>
+          </a:prstGeom>
+          <a:noFill/>
+          <a:ln w="6350">
+            <a:solidFill>
+              <a:schemeClr val="bg1">
+                <a:lumMod val="75000"/>
+              </a:schemeClr>
+            </a:solidFill>
+          </a:ln>
+        </p:spPr>
+        <p:style>
+          <a:lnRef idx="2">
+            <a:schemeClr val="accent1">
+              <a:shade val="50000"/>
+            </a:schemeClr>
+          </a:lnRef>
+          <a:fillRef idx="1">
+            <a:schemeClr val="accent1"/>
+          </a:fillRef>
+          <a:effectRef idx="0">
+            <a:schemeClr val="accent1"/>
+          </a:effectRef>
+          <a:fontRef idx="minor">
+            <a:schemeClr val="lt1"/>
+          </a:fontRef>
+        </p:style>
+        <p:txBody>
+          <a:bodyPr rtlCol="0" anchor="ctr"/>
+          <a:lstStyle/>
+          <a:p>
+            <a:pPr algn="ctr"/>
+            <a:endParaRPr lang="ko-KR" altLang="en-US" sz="2400">
+              <a:latin typeface="+mn-ea"/>
+              <a:ea typeface="+mn-ea"/>
+            </a:endParaRPr>
+          </a:p>
+        </p:txBody>
+      </p:sp>
+      <p:sp>
+        <p:nvSpPr>
+          <p:cNvPr id="33" name="제목 1"/>
+          <p:cNvSpPr>
+            <a:spLocks noGrp="1"/>
+          </p:cNvSpPr>
+          <p:nvPr>
+            <p:ph type="title" hasCustomPrompt="1"/>
+          </p:nvPr>
+        </p:nvSpPr>
+        <p:spPr>
+          <a:xfrm>
+            <a:off x="1366222" y="2169003"/>
+            <a:ext cx="7173559" cy="901420"/>
+          </a:xfrm>
+          <a:prstGeom prst="rect">
+            <a:avLst/>
+          </a:prstGeom>
+        </p:spPr>
+        <p:txBody>
+          <a:bodyPr wrap="none" lIns="36000" tIns="36000" rIns="36000" bIns="36000">
+            <a:noAutofit/>
+          </a:bodyPr>
+          <a:lstStyle>
+            <a:lvl1pPr algn="ctr">
+              <a:defRPr sz="5400" spc="-200" baseline="0">
+                <a:solidFill>
+                  <a:schemeClr val="tx1"/>
+                </a:solidFill>
+                <a:latin typeface="+mn-ea"/>
+                <a:ea typeface="+mn-ea"/>
+              </a:defRPr>
+            </a:lvl1pPr>
+          </a:lstStyle>
+          <a:p>
+            <a:r>
+              <a:rPr lang="ko-KR" altLang="en-US" dirty="0"/>
+              <a:t>제  목</a:t>
+            </a:r>
+          </a:p>
+        </p:txBody>
+      </p:sp>
+      <p:sp>
+        <p:nvSpPr>
+          <p:cNvPr id="16" name="텍스트 개체 틀 3"/>
+          <p:cNvSpPr>
+            <a:spLocks noGrp="1"/>
+          </p:cNvSpPr>
+          <p:nvPr>
+            <p:ph type="body" sz="half" idx="2" hasCustomPrompt="1"/>
+          </p:nvPr>
+        </p:nvSpPr>
+        <p:spPr>
+          <a:xfrm>
+            <a:off x="3323498" y="4689000"/>
+            <a:ext cx="3259006" cy="420000"/>
+          </a:xfrm>
+          <a:prstGeom prst="rect">
+            <a:avLst/>
+          </a:prstGeom>
+        </p:spPr>
+        <p:txBody>
+          <a:bodyPr wrap="none" lIns="36000" tIns="36000" rIns="36000" bIns="36000">
+            <a:noAutofit/>
+          </a:bodyPr>
+          <a:lstStyle>
+            <a:lvl1pPr marL="0" indent="0" algn="ctr">
+              <a:buNone/>
+              <a:defRPr sz="1800" spc="0">
+                <a:solidFill>
+                  <a:schemeClr val="tx1"/>
+                </a:solidFill>
+                <a:latin typeface="+mn-ea"/>
+                <a:ea typeface="+mn-ea"/>
+              </a:defRPr>
+            </a:lvl1pPr>
+            <a:lvl2pPr marL="609570" indent="0">
+              <a:buNone/>
+              <a:defRPr sz="1600"/>
+            </a:lvl2pPr>
+            <a:lvl3pPr marL="1219140" indent="0">
+              <a:buNone/>
+              <a:defRPr sz="1333"/>
+            </a:lvl3pPr>
+            <a:lvl4pPr marL="1828709" indent="0">
+              <a:buNone/>
+              <a:defRPr sz="1200"/>
+            </a:lvl4pPr>
+            <a:lvl5pPr marL="2438278" indent="0">
+              <a:buNone/>
+              <a:defRPr sz="1200"/>
+            </a:lvl5pPr>
+            <a:lvl6pPr marL="3047848" indent="0">
+              <a:buNone/>
+              <a:defRPr sz="1200"/>
+            </a:lvl6pPr>
+            <a:lvl7pPr marL="3657418" indent="0">
+              <a:buNone/>
+              <a:defRPr sz="1200"/>
+            </a:lvl7pPr>
+            <a:lvl8pPr marL="4266987" indent="0">
+              <a:buNone/>
+              <a:defRPr sz="1200"/>
+            </a:lvl8pPr>
+            <a:lvl9pPr marL="4876557" indent="0">
+              <a:buNone/>
+              <a:defRPr sz="1200"/>
+            </a:lvl9pPr>
+          </a:lstStyle>
+          <a:p>
+            <a:pPr lvl="0"/>
+            <a:r>
+              <a:rPr lang="en-US" altLang="ko-KR" dirty="0"/>
+              <a:t>‘20.12.00</a:t>
+            </a:r>
+            <a:endParaRPr lang="ko-KR" altLang="en-US" dirty="0"/>
+          </a:p>
+        </p:txBody>
+      </p:sp>
+      <p:sp>
+        <p:nvSpPr>
+          <p:cNvPr id="17" name="텍스트 개체 틀 3"/>
+          <p:cNvSpPr>
+            <a:spLocks noGrp="1"/>
+          </p:cNvSpPr>
+          <p:nvPr>
+            <p:ph type="body" sz="half" idx="10" hasCustomPrompt="1"/>
+          </p:nvPr>
+        </p:nvSpPr>
+        <p:spPr>
+          <a:xfrm>
+            <a:off x="3323498" y="5239420"/>
+            <a:ext cx="3259006" cy="420000"/>
+          </a:xfrm>
+          <a:prstGeom prst="rect">
+            <a:avLst/>
+          </a:prstGeom>
+        </p:spPr>
+        <p:txBody>
+          <a:bodyPr wrap="none" lIns="36000" tIns="36000" rIns="36000" bIns="36000">
+            <a:noAutofit/>
+          </a:bodyPr>
+          <a:lstStyle>
+            <a:lvl1pPr marL="0" indent="0" algn="ctr">
+              <a:buNone/>
+              <a:defRPr sz="1800" spc="0">
+                <a:solidFill>
+                  <a:schemeClr val="tx1"/>
+                </a:solidFill>
+                <a:latin typeface="+mn-ea"/>
+                <a:ea typeface="+mn-ea"/>
+              </a:defRPr>
+            </a:lvl1pPr>
+            <a:lvl2pPr marL="609570" indent="0">
+              <a:buNone/>
+              <a:defRPr sz="1600"/>
+            </a:lvl2pPr>
+            <a:lvl3pPr marL="1219140" indent="0">
+              <a:buNone/>
+              <a:defRPr sz="1333"/>
+            </a:lvl3pPr>
+            <a:lvl4pPr marL="1828709" indent="0">
+              <a:buNone/>
+              <a:defRPr sz="1200"/>
+            </a:lvl4pPr>
+            <a:lvl5pPr marL="2438278" indent="0">
+              <a:buNone/>
+              <a:defRPr sz="1200"/>
+            </a:lvl5pPr>
+            <a:lvl6pPr marL="3047848" indent="0">
+              <a:buNone/>
+              <a:defRPr sz="1200"/>
+            </a:lvl6pPr>
+            <a:lvl7pPr marL="3657418" indent="0">
+              <a:buNone/>
+              <a:defRPr sz="1200"/>
+            </a:lvl7pPr>
+            <a:lvl8pPr marL="4266987" indent="0">
+              <a:buNone/>
+              <a:defRPr sz="1200"/>
+            </a:lvl8pPr>
+            <a:lvl9pPr marL="4876557" indent="0">
+              <a:buNone/>
+              <a:defRPr sz="1200"/>
+            </a:lvl9pPr>
+          </a:lstStyle>
+          <a:p>
+            <a:pPr lvl="0"/>
+            <a:r>
+              <a:rPr lang="ko-KR" altLang="en-US" dirty="0" err="1"/>
+              <a:t>대형사업부</a:t>
+            </a:r>
+            <a:endParaRPr lang="ko-KR" altLang="en-US" dirty="0"/>
+          </a:p>
+        </p:txBody>
+      </p:sp>
+      <p:pic>
+        <p:nvPicPr>
+          <p:cNvPr id="23" name="그림 22"/>
+          <p:cNvPicPr>
+            <a:picLocks noChangeAspect="1"/>
+          </p:cNvPicPr>
+          <p:nvPr userDrawn="1"/>
+        </p:nvPicPr>
+        <p:blipFill rotWithShape="1">
+          <a:blip r:embed="rId2">
+            <a:extLst>
+              <a:ext uri="{28A0092B-C50C-407E-A947-70E740481C1C}">
+                <a14:useLocalDpi xmlns:a14="http://schemas.microsoft.com/office/drawing/2010/main" val="0"/>
+              </a:ext>
+            </a:extLst>
+          </a:blip>
+          <a:srcRect l="18774"/>
+          <a:stretch/>
+        </p:blipFill>
+        <p:spPr>
+          <a:xfrm>
+            <a:off x="-15552" y="23387"/>
+            <a:ext cx="9921552" cy="6858000"/>
+          </a:xfrm>
+          <a:prstGeom prst="rect">
+            <a:avLst/>
+          </a:prstGeom>
+        </p:spPr>
+      </p:pic>
+      <p:sp>
+        <p:nvSpPr>
+          <p:cNvPr id="24" name="직사각형 23"/>
+          <p:cNvSpPr/>
+          <p:nvPr userDrawn="1"/>
+        </p:nvSpPr>
+        <p:spPr>
+          <a:xfrm>
+            <a:off x="2" y="0"/>
+            <a:ext cx="166231" cy="6858000"/>
+          </a:xfrm>
+          <a:prstGeom prst="rect">
+            <a:avLst/>
+          </a:prstGeom>
+          <a:solidFill>
+            <a:srgbClr val="007AC2"/>
+          </a:solidFill>
+          <a:ln>
+            <a:noFill/>
+          </a:ln>
+        </p:spPr>
+        <p:style>
+          <a:lnRef idx="2">
+            <a:schemeClr val="accent1">
+              <a:shade val="50000"/>
+            </a:schemeClr>
+          </a:lnRef>
+          <a:fillRef idx="1">
+            <a:schemeClr val="accent1"/>
+          </a:fillRef>
+          <a:effectRef idx="0">
+            <a:schemeClr val="accent1"/>
+          </a:effectRef>
+          <a:fontRef idx="minor">
+            <a:schemeClr val="lt1"/>
+          </a:fontRef>
+        </p:style>
+        <p:txBody>
+          <a:bodyPr rtlCol="0" anchor="ctr"/>
+          <a:lstStyle/>
+          <a:p>
+            <a:pPr algn="ctr"/>
+            <a:endParaRPr lang="ko-KR" altLang="en-US" sz="2400">
+              <a:latin typeface="+mn-ea"/>
+              <a:ea typeface="+mn-ea"/>
+            </a:endParaRPr>
+          </a:p>
+        </p:txBody>
+      </p:sp>
+      <p:pic>
+        <p:nvPicPr>
+          <p:cNvPr id="25" name="Picture 2" descr="http://nice.hbtechnology.co.kr/common/download.aspx?DownType=mailsign&amp;sUserID=egkim1&amp;file=/IMG_134429.png"/>
+          <p:cNvPicPr>
+            <a:picLocks noChangeAspect="1" noChangeArrowheads="1"/>
+          </p:cNvPicPr>
+          <p:nvPr userDrawn="1"/>
+        </p:nvPicPr>
+        <p:blipFill>
+          <a:blip r:embed="rId3">
+            <a:extLst>
+              <a:ext uri="{28A0092B-C50C-407E-A947-70E740481C1C}">
+                <a14:useLocalDpi xmlns:a14="http://schemas.microsoft.com/office/drawing/2010/main" val="0"/>
+              </a:ext>
+            </a:extLst>
+          </a:blip>
+          <a:srcRect/>
+          <a:stretch>
+            <a:fillRect/>
+          </a:stretch>
+        </p:blipFill>
+        <p:spPr bwMode="auto">
+          <a:xfrm>
+            <a:off x="236165" y="116632"/>
+            <a:ext cx="1332459" cy="285112"/>
+          </a:xfrm>
+          <a:prstGeom prst="rect">
+            <a:avLst/>
+          </a:prstGeom>
+          <a:noFill/>
+          <a:extLst>
+            <a:ext uri="{909E8E84-426E-40DD-AFC4-6F175D3DCCD1}">
+              <a14:hiddenFill xmlns:a14="http://schemas.microsoft.com/office/drawing/2010/main">
+                <a:solidFill>
+                  <a:srgbClr val="FFFFFF"/>
+                </a:solidFill>
+              </a14:hiddenFill>
+            </a:ext>
+          </a:extLst>
+        </p:spPr>
+      </p:pic>
+      <p:sp>
+        <p:nvSpPr>
+          <p:cNvPr id="26" name="TextBox 25"/>
+          <p:cNvSpPr txBox="1"/>
+          <p:nvPr userDrawn="1"/>
+        </p:nvSpPr>
+        <p:spPr>
+          <a:xfrm>
+            <a:off x="8697416" y="6608385"/>
+            <a:ext cx="1224136" cy="276999"/>
+          </a:xfrm>
+          <a:prstGeom prst="rect">
+            <a:avLst/>
+          </a:prstGeom>
+          <a:noFill/>
+        </p:spPr>
+        <p:txBody>
+          <a:bodyPr wrap="square" rtlCol="0">
+            <a:spAutoFit/>
+          </a:bodyPr>
+          <a:lstStyle/>
+          <a:p>
+            <a:r>
+              <a:rPr lang="en-US" altLang="ko-KR" sz="1200" b="1" dirty="0">
+                <a:latin typeface="Bahnschrift SemiCondensed" panose="020B0502040204020203" pitchFamily="34" charset="0"/>
+              </a:rPr>
+              <a:t>HB TECHNOLOGY</a:t>
+            </a:r>
+            <a:endParaRPr lang="ko-KR" altLang="en-US" sz="1200" b="1" dirty="0">
+              <a:latin typeface="Bahnschrift SemiCondensed" panose="020B0502040204020203" pitchFamily="34" charset="0"/>
+            </a:endParaRPr>
+          </a:p>
+        </p:txBody>
+      </p:sp>
+    </p:spTree>
+    <p:extLst>
+      <p:ext uri="{BB962C8B-B14F-4D97-AF65-F5344CB8AC3E}">
+        <p14:creationId xmlns:p14="http://schemas.microsoft.com/office/powerpoint/2010/main" val="557543177"/>
+      </p:ext>
+    </p:extLst>
+  </p:cSld>
+  <p:clrMapOvr>
+    <a:masterClrMapping/>
+  </p:clrMapOvr>
+  <p:extLst mod="1">
+    <p:ext uri="{DCECCB84-F9BA-43D5-87BE-67443E8EF086}">
+      <p15:sldGuideLst xmlns:p15="http://schemas.microsoft.com/office/powerpoint/2012/main">
+        <p15:guide id="1" orient="horz" pos="2160">
+          <p15:clr>
+            <a:srgbClr val="FBAE40"/>
+          </p15:clr>
+        </p15:guide>
+        <p15:guide id="2" pos="3120">
+          <p15:clr>
+            <a:srgbClr val="FBAE40"/>
+          </p15:clr>
+        </p15:guide>
+        <p15:guide id="3" orient="horz" pos="4201">
+          <p15:clr>
+            <a:srgbClr val="FBAE40"/>
+          </p15:clr>
+        </p15:guide>
+        <p15:guide id="4" orient="horz" pos="4105">
+          <p15:clr>
+            <a:srgbClr val="FBAE40"/>
+          </p15:clr>
+        </p15:guide>
+        <p15:guide id="5" pos="81">
+          <p15:clr>
+            <a:srgbClr val="FBAE40"/>
+          </p15:clr>
+        </p15:guide>
+        <p15:guide id="6" pos="6161">
+          <p15:clr>
+            <a:srgbClr val="FBAE40"/>
+          </p15:clr>
+        </p15:guide>
+        <p15:guide id="7" pos="172">
+          <p15:clr>
+            <a:srgbClr val="FBAE40"/>
+          </p15:clr>
+        </p15:guide>
+        <p15:guide id="8" pos="6068">
+          <p15:clr>
+            <a:srgbClr val="FBAE40"/>
+          </p15:clr>
+        </p15:guide>
+      </p15:sldGuideLst>
+    </p:ext>
+  </p:extLst>
+</p:sldLayout>
+</file>
+
+<file path=ppt/slideLayouts/slideLayout17.xml><?xml version="1.0" encoding="utf-8"?>
+<p:sldLayout xmlns:a="http://schemas.openxmlformats.org/drawingml/2006/main" xmlns:r="http://schemas.openxmlformats.org/officeDocument/2006/relationships" xmlns:p="http://schemas.openxmlformats.org/presentationml/2006/main" userDrawn="1">
+  <p:cSld name="제목과 내용">
+    <p:spTree>
+      <p:nvGrpSpPr>
+        <p:cNvPr id="1" name=""/>
+        <p:cNvGrpSpPr/>
+        <p:nvPr/>
+      </p:nvGrpSpPr>
+      <p:grpSpPr>
+        <a:xfrm>
+          <a:off x="0" y="0"/>
+          <a:ext cx="0" cy="0"/>
+          <a:chOff x="0" y="0"/>
+          <a:chExt cx="0" cy="0"/>
+        </a:xfrm>
+      </p:grpSpPr>
+      <p:sp>
+        <p:nvSpPr>
+          <p:cNvPr id="12" name="직사각형 11"/>
+          <p:cNvSpPr/>
+          <p:nvPr userDrawn="1"/>
+        </p:nvSpPr>
+        <p:spPr>
+          <a:xfrm>
+            <a:off x="0" y="0"/>
+            <a:ext cx="9906000" cy="6858000"/>
+          </a:xfrm>
+          <a:prstGeom prst="rect">
+            <a:avLst/>
+          </a:prstGeom>
+          <a:noFill/>
+          <a:ln w="6350">
+            <a:solidFill>
+              <a:schemeClr val="bg1">
+                <a:lumMod val="75000"/>
+              </a:schemeClr>
+            </a:solidFill>
+          </a:ln>
+        </p:spPr>
+        <p:style>
+          <a:lnRef idx="2">
+            <a:schemeClr val="accent1">
+              <a:shade val="50000"/>
+            </a:schemeClr>
+          </a:lnRef>
+          <a:fillRef idx="1">
+            <a:schemeClr val="accent1"/>
+          </a:fillRef>
+          <a:effectRef idx="0">
+            <a:schemeClr val="accent1"/>
+          </a:effectRef>
+          <a:fontRef idx="minor">
+            <a:schemeClr val="lt1"/>
+          </a:fontRef>
+        </p:style>
+        <p:txBody>
+          <a:bodyPr rtlCol="0" anchor="ctr"/>
+          <a:lstStyle/>
+          <a:p>
+            <a:pPr algn="ctr"/>
+            <a:endParaRPr lang="ko-KR" altLang="en-US" sz="2400">
+              <a:latin typeface="+mj-ea"/>
+              <a:ea typeface="+mj-ea"/>
+            </a:endParaRPr>
+          </a:p>
+        </p:txBody>
+      </p:sp>
+      <p:cxnSp>
+        <p:nvCxnSpPr>
+          <p:cNvPr id="3" name="직선 연결선 2"/>
+          <p:cNvCxnSpPr/>
+          <p:nvPr userDrawn="1"/>
+        </p:nvCxnSpPr>
+        <p:spPr>
+          <a:xfrm>
+            <a:off x="0" y="786324"/>
+            <a:ext cx="9906000" cy="0"/>
+          </a:xfrm>
+          <a:prstGeom prst="line">
+            <a:avLst/>
+          </a:prstGeom>
+          <a:ln w="28575">
+            <a:solidFill>
+              <a:srgbClr val="007AC2"/>
+            </a:solidFill>
+          </a:ln>
+        </p:spPr>
+        <p:style>
+          <a:lnRef idx="1">
+            <a:schemeClr val="accent1"/>
+          </a:lnRef>
+          <a:fillRef idx="0">
+            <a:schemeClr val="accent1"/>
+          </a:fillRef>
+          <a:effectRef idx="0">
+            <a:schemeClr val="accent1"/>
+          </a:effectRef>
+          <a:fontRef idx="minor">
+            <a:schemeClr val="tx1"/>
+          </a:fontRef>
+        </p:style>
+      </p:cxnSp>
+      <p:pic>
+        <p:nvPicPr>
+          <p:cNvPr id="22" name="Picture 2" descr="http://nice.hbtechnology.co.kr/common/download.aspx?DownType=mailsign&amp;sUserID=egkim1&amp;file=/IMG_134429.png"/>
+          <p:cNvPicPr>
+            <a:picLocks noChangeAspect="1" noChangeArrowheads="1"/>
+          </p:cNvPicPr>
+          <p:nvPr userDrawn="1"/>
+        </p:nvPicPr>
+        <p:blipFill>
+          <a:blip r:embed="rId2">
+            <a:extLst>
+              <a:ext uri="{28A0092B-C50C-407E-A947-70E740481C1C}">
+                <a14:useLocalDpi xmlns:a14="http://schemas.microsoft.com/office/drawing/2010/main" val="0"/>
+              </a:ext>
+            </a:extLst>
+          </a:blip>
+          <a:srcRect/>
+          <a:stretch>
+            <a:fillRect/>
+          </a:stretch>
+        </p:blipFill>
+        <p:spPr bwMode="auto">
+          <a:xfrm>
+            <a:off x="236165" y="116632"/>
+            <a:ext cx="1332459" cy="285112"/>
+          </a:xfrm>
+          <a:prstGeom prst="rect">
+            <a:avLst/>
+          </a:prstGeom>
+          <a:noFill/>
+          <a:extLst>
+            <a:ext uri="{909E8E84-426E-40DD-AFC4-6F175D3DCCD1}">
+              <a14:hiddenFill xmlns:a14="http://schemas.microsoft.com/office/drawing/2010/main">
+                <a:solidFill>
+                  <a:srgbClr val="FFFFFF"/>
+                </a:solidFill>
+              </a14:hiddenFill>
+            </a:ext>
+          </a:extLst>
+        </p:spPr>
+      </p:pic>
+      <p:sp>
+        <p:nvSpPr>
+          <p:cNvPr id="23" name="직사각형 22"/>
+          <p:cNvSpPr/>
+          <p:nvPr userDrawn="1"/>
+        </p:nvSpPr>
+        <p:spPr>
+          <a:xfrm>
+            <a:off x="2" y="0"/>
+            <a:ext cx="166231" cy="6858000"/>
+          </a:xfrm>
+          <a:prstGeom prst="rect">
+            <a:avLst/>
+          </a:prstGeom>
+          <a:solidFill>
+            <a:srgbClr val="007AC2"/>
+          </a:solidFill>
+          <a:ln>
+            <a:noFill/>
+          </a:ln>
+        </p:spPr>
+        <p:style>
+          <a:lnRef idx="2">
+            <a:schemeClr val="accent1">
+              <a:shade val="50000"/>
+            </a:schemeClr>
+          </a:lnRef>
+          <a:fillRef idx="1">
+            <a:schemeClr val="accent1"/>
+          </a:fillRef>
+          <a:effectRef idx="0">
+            <a:schemeClr val="accent1"/>
+          </a:effectRef>
+          <a:fontRef idx="minor">
+            <a:schemeClr val="lt1"/>
+          </a:fontRef>
+        </p:style>
+        <p:txBody>
+          <a:bodyPr rtlCol="0" anchor="ctr"/>
+          <a:lstStyle/>
+          <a:p>
+            <a:pPr algn="ctr"/>
+            <a:endParaRPr lang="ko-KR" altLang="en-US" sz="2400">
+              <a:latin typeface="+mn-ea"/>
+              <a:ea typeface="+mn-ea"/>
+            </a:endParaRPr>
+          </a:p>
+        </p:txBody>
+      </p:sp>
+      <p:sp>
+        <p:nvSpPr>
+          <p:cNvPr id="25" name="직사각형 24"/>
+          <p:cNvSpPr/>
+          <p:nvPr userDrawn="1"/>
+        </p:nvSpPr>
+        <p:spPr>
+          <a:xfrm>
+            <a:off x="8467824" y="0"/>
+            <a:ext cx="301600" cy="779668"/>
+          </a:xfrm>
+          <a:prstGeom prst="rect">
+            <a:avLst/>
+          </a:prstGeom>
+          <a:solidFill>
+            <a:schemeClr val="accent3">
+              <a:lumMod val="50000"/>
+            </a:schemeClr>
+          </a:solidFill>
+          <a:ln>
+            <a:noFill/>
+          </a:ln>
+        </p:spPr>
+        <p:style>
+          <a:lnRef idx="2">
+            <a:schemeClr val="accent1">
+              <a:shade val="50000"/>
+            </a:schemeClr>
+          </a:lnRef>
+          <a:fillRef idx="1">
+            <a:schemeClr val="accent1"/>
+          </a:fillRef>
+          <a:effectRef idx="0">
+            <a:schemeClr val="accent1"/>
+          </a:effectRef>
+          <a:fontRef idx="minor">
+            <a:schemeClr val="lt1"/>
+          </a:fontRef>
+        </p:style>
+        <p:txBody>
+          <a:bodyPr rtlCol="0" anchor="ctr"/>
+          <a:lstStyle/>
+          <a:p>
+            <a:pPr algn="ctr"/>
+            <a:endParaRPr lang="ko-KR" altLang="en-US" sz="2400">
+              <a:latin typeface="+mn-ea"/>
+              <a:ea typeface="+mn-ea"/>
+            </a:endParaRPr>
+          </a:p>
+        </p:txBody>
+      </p:sp>
+      <p:sp>
+        <p:nvSpPr>
+          <p:cNvPr id="27" name="직사각형 26"/>
+          <p:cNvSpPr/>
+          <p:nvPr userDrawn="1"/>
+        </p:nvSpPr>
+        <p:spPr>
+          <a:xfrm>
+            <a:off x="9060306" y="6656"/>
+            <a:ext cx="262073" cy="317834"/>
+          </a:xfrm>
+          <a:prstGeom prst="rect">
+            <a:avLst/>
+          </a:prstGeom>
+          <a:solidFill>
+            <a:schemeClr val="accent3">
+              <a:lumMod val="60000"/>
+              <a:lumOff val="40000"/>
+            </a:schemeClr>
+          </a:solidFill>
+          <a:ln>
+            <a:noFill/>
+          </a:ln>
+        </p:spPr>
+        <p:style>
+          <a:lnRef idx="2">
+            <a:schemeClr val="accent1">
+              <a:shade val="50000"/>
+            </a:schemeClr>
+          </a:lnRef>
+          <a:fillRef idx="1">
+            <a:schemeClr val="accent1"/>
+          </a:fillRef>
+          <a:effectRef idx="0">
+            <a:schemeClr val="accent1"/>
+          </a:effectRef>
+          <a:fontRef idx="minor">
+            <a:schemeClr val="lt1"/>
+          </a:fontRef>
+        </p:style>
+        <p:txBody>
+          <a:bodyPr rtlCol="0" anchor="ctr"/>
+          <a:lstStyle/>
+          <a:p>
+            <a:pPr algn="ctr"/>
+            <a:endParaRPr lang="ko-KR" altLang="en-US" sz="2400">
+              <a:latin typeface="+mn-ea"/>
+              <a:ea typeface="+mn-ea"/>
+            </a:endParaRPr>
+          </a:p>
+        </p:txBody>
+      </p:sp>
+      <p:sp>
+        <p:nvSpPr>
+          <p:cNvPr id="29" name="직사각형 28"/>
+          <p:cNvSpPr/>
+          <p:nvPr userDrawn="1"/>
+        </p:nvSpPr>
+        <p:spPr>
+          <a:xfrm>
+            <a:off x="9060306" y="468490"/>
+            <a:ext cx="262073" cy="317834"/>
+          </a:xfrm>
+          <a:prstGeom prst="rect">
+            <a:avLst/>
+          </a:prstGeom>
+          <a:solidFill>
+            <a:schemeClr val="accent3">
+              <a:lumMod val="60000"/>
+              <a:lumOff val="40000"/>
+            </a:schemeClr>
+          </a:solidFill>
+          <a:ln>
+            <a:noFill/>
+          </a:ln>
+        </p:spPr>
+        <p:style>
+          <a:lnRef idx="2">
+            <a:schemeClr val="accent1">
+              <a:shade val="50000"/>
+            </a:schemeClr>
+          </a:lnRef>
+          <a:fillRef idx="1">
+            <a:schemeClr val="accent1"/>
+          </a:fillRef>
+          <a:effectRef idx="0">
+            <a:schemeClr val="accent1"/>
+          </a:effectRef>
+          <a:fontRef idx="minor">
+            <a:schemeClr val="lt1"/>
+          </a:fontRef>
+        </p:style>
+        <p:txBody>
+          <a:bodyPr rtlCol="0" anchor="ctr"/>
+          <a:lstStyle/>
+          <a:p>
+            <a:pPr algn="ctr"/>
+            <a:endParaRPr lang="ko-KR" altLang="en-US" sz="2400">
+              <a:latin typeface="+mn-ea"/>
+              <a:ea typeface="+mn-ea"/>
+            </a:endParaRPr>
+          </a:p>
+        </p:txBody>
+      </p:sp>
+      <p:sp>
+        <p:nvSpPr>
+          <p:cNvPr id="30" name="직사각형 29"/>
+          <p:cNvSpPr/>
+          <p:nvPr userDrawn="1"/>
+        </p:nvSpPr>
+        <p:spPr>
+          <a:xfrm>
+            <a:off x="9612593" y="-3720"/>
+            <a:ext cx="301600" cy="779668"/>
+          </a:xfrm>
+          <a:prstGeom prst="rect">
+            <a:avLst/>
+          </a:prstGeom>
+          <a:solidFill>
+            <a:schemeClr val="accent3">
+              <a:lumMod val="50000"/>
+            </a:schemeClr>
+          </a:solidFill>
+          <a:ln>
+            <a:noFill/>
+          </a:ln>
+        </p:spPr>
+        <p:style>
+          <a:lnRef idx="2">
+            <a:schemeClr val="accent1">
+              <a:shade val="50000"/>
+            </a:schemeClr>
+          </a:lnRef>
+          <a:fillRef idx="1">
+            <a:schemeClr val="accent1"/>
+          </a:fillRef>
+          <a:effectRef idx="0">
+            <a:schemeClr val="accent1"/>
+          </a:effectRef>
+          <a:fontRef idx="minor">
+            <a:schemeClr val="lt1"/>
+          </a:fontRef>
+        </p:style>
+        <p:txBody>
+          <a:bodyPr rtlCol="0" anchor="ctr"/>
+          <a:lstStyle/>
+          <a:p>
+            <a:pPr algn="ctr"/>
+            <a:endParaRPr lang="ko-KR" altLang="en-US" sz="2400">
+              <a:latin typeface="+mn-ea"/>
+              <a:ea typeface="+mn-ea"/>
+            </a:endParaRPr>
+          </a:p>
+        </p:txBody>
+      </p:sp>
+      <p:sp>
+        <p:nvSpPr>
+          <p:cNvPr id="2" name="TextBox 1"/>
+          <p:cNvSpPr txBox="1"/>
+          <p:nvPr userDrawn="1"/>
+        </p:nvSpPr>
+        <p:spPr>
+          <a:xfrm>
+            <a:off x="8697416" y="6608385"/>
+            <a:ext cx="1224136" cy="276999"/>
+          </a:xfrm>
+          <a:prstGeom prst="rect">
+            <a:avLst/>
+          </a:prstGeom>
+          <a:noFill/>
+        </p:spPr>
+        <p:txBody>
+          <a:bodyPr wrap="square" rtlCol="0">
+            <a:spAutoFit/>
+          </a:bodyPr>
+          <a:lstStyle/>
+          <a:p>
+            <a:r>
+              <a:rPr lang="en-US" altLang="ko-KR" sz="1200" b="1" dirty="0">
+                <a:latin typeface="Bahnschrift SemiCondensed" panose="020B0502040204020203" pitchFamily="34" charset="0"/>
+              </a:rPr>
+              <a:t>HB TECHNOLOGY</a:t>
+            </a:r>
+            <a:endParaRPr lang="ko-KR" altLang="en-US" sz="1200" b="1" dirty="0">
+              <a:latin typeface="Bahnschrift SemiCondensed" panose="020B0502040204020203" pitchFamily="34" charset="0"/>
+            </a:endParaRPr>
+          </a:p>
+        </p:txBody>
+      </p:sp>
+    </p:spTree>
+    <p:extLst>
+      <p:ext uri="{BB962C8B-B14F-4D97-AF65-F5344CB8AC3E}">
+        <p14:creationId xmlns:p14="http://schemas.microsoft.com/office/powerpoint/2010/main" val="3127167309"/>
+      </p:ext>
+    </p:extLst>
+  </p:cSld>
+  <p:clrMapOvr>
+    <a:masterClrMapping/>
+  </p:clrMapOvr>
+</p:sldLayout>
+</file>
+
 <file path=ppt/slideLayouts/slideLayout2.xml><?xml version="1.0" encoding="utf-8"?>
 <p:sldLayout xmlns:a="http://schemas.openxmlformats.org/drawingml/2006/main" xmlns:r="http://schemas.openxmlformats.org/officeDocument/2006/relationships" xmlns:p="http://schemas.openxmlformats.org/presentationml/2006/main" preserve="1" userDrawn="1">
   <p:cSld name="목차">
@@ -2854,6 +5121,1376 @@
       </p15:sldGuideLst>
     </p:ext>
   </p:extLst>
+</p:sldLayout>
+</file>
+
+<file path=ppt/slideLayouts/slideLayout5.xml><?xml version="1.0" encoding="utf-8"?>
+<p:sldLayout xmlns:a="http://schemas.openxmlformats.org/drawingml/2006/main" xmlns:r="http://schemas.openxmlformats.org/officeDocument/2006/relationships" xmlns:p="http://schemas.openxmlformats.org/presentationml/2006/main" type="title" preserve="1">
+  <p:cSld name="제목 슬라이드">
+    <p:spTree>
+      <p:nvGrpSpPr>
+        <p:cNvPr id="1" name=""/>
+        <p:cNvGrpSpPr/>
+        <p:nvPr/>
+      </p:nvGrpSpPr>
+      <p:grpSpPr>
+        <a:xfrm>
+          <a:off x="0" y="0"/>
+          <a:ext cx="0" cy="0"/>
+          <a:chOff x="0" y="0"/>
+          <a:chExt cx="0" cy="0"/>
+        </a:xfrm>
+      </p:grpSpPr>
+      <p:sp>
+        <p:nvSpPr>
+          <p:cNvPr id="2" name="제목 1">
+            <a:extLst>
+              <a:ext uri="{FF2B5EF4-FFF2-40B4-BE49-F238E27FC236}">
+                <a16:creationId xmlns:a16="http://schemas.microsoft.com/office/drawing/2014/main" id="{014E4EB0-6113-4A62-8138-A80F7A7E9216}"/>
+              </a:ext>
+            </a:extLst>
+          </p:cNvPr>
+          <p:cNvSpPr>
+            <a:spLocks noGrp="1"/>
+          </p:cNvSpPr>
+          <p:nvPr>
+            <p:ph type="ctrTitle"/>
+          </p:nvPr>
+        </p:nvSpPr>
+        <p:spPr>
+          <a:xfrm>
+            <a:off x="1238250" y="1122363"/>
+            <a:ext cx="7429500" cy="2387600"/>
+          </a:xfrm>
+        </p:spPr>
+        <p:txBody>
+          <a:bodyPr anchor="b"/>
+          <a:lstStyle>
+            <a:lvl1pPr algn="ctr">
+              <a:defRPr sz="4875"/>
+            </a:lvl1pPr>
+          </a:lstStyle>
+          <a:p>
+            <a:r>
+              <a:rPr lang="ko-KR" altLang="en-US"/>
+              <a:t>마스터 제목 스타일 편집</a:t>
+            </a:r>
+          </a:p>
+        </p:txBody>
+      </p:sp>
+      <p:sp>
+        <p:nvSpPr>
+          <p:cNvPr id="3" name="부제목 2">
+            <a:extLst>
+              <a:ext uri="{FF2B5EF4-FFF2-40B4-BE49-F238E27FC236}">
+                <a16:creationId xmlns:a16="http://schemas.microsoft.com/office/drawing/2014/main" id="{6FE6E403-0173-42D5-8B05-5A5F43FE2C8F}"/>
+              </a:ext>
+            </a:extLst>
+          </p:cNvPr>
+          <p:cNvSpPr>
+            <a:spLocks noGrp="1"/>
+          </p:cNvSpPr>
+          <p:nvPr>
+            <p:ph type="subTitle" idx="1"/>
+          </p:nvPr>
+        </p:nvSpPr>
+        <p:spPr>
+          <a:xfrm>
+            <a:off x="1238250" y="3602038"/>
+            <a:ext cx="7429500" cy="1655762"/>
+          </a:xfrm>
+        </p:spPr>
+        <p:txBody>
+          <a:bodyPr/>
+          <a:lstStyle>
+            <a:lvl1pPr marL="0" indent="0" algn="ctr">
+              <a:buNone/>
+              <a:defRPr sz="1950"/>
+            </a:lvl1pPr>
+            <a:lvl2pPr marL="371475" indent="0" algn="ctr">
+              <a:buNone/>
+              <a:defRPr sz="1625"/>
+            </a:lvl2pPr>
+            <a:lvl3pPr marL="742950" indent="0" algn="ctr">
+              <a:buNone/>
+              <a:defRPr sz="1463"/>
+            </a:lvl3pPr>
+            <a:lvl4pPr marL="1114425" indent="0" algn="ctr">
+              <a:buNone/>
+              <a:defRPr sz="1300"/>
+            </a:lvl4pPr>
+            <a:lvl5pPr marL="1485900" indent="0" algn="ctr">
+              <a:buNone/>
+              <a:defRPr sz="1300"/>
+            </a:lvl5pPr>
+            <a:lvl6pPr marL="1857375" indent="0" algn="ctr">
+              <a:buNone/>
+              <a:defRPr sz="1300"/>
+            </a:lvl6pPr>
+            <a:lvl7pPr marL="2228850" indent="0" algn="ctr">
+              <a:buNone/>
+              <a:defRPr sz="1300"/>
+            </a:lvl7pPr>
+            <a:lvl8pPr marL="2600325" indent="0" algn="ctr">
+              <a:buNone/>
+              <a:defRPr sz="1300"/>
+            </a:lvl8pPr>
+            <a:lvl9pPr marL="2971800" indent="0" algn="ctr">
+              <a:buNone/>
+              <a:defRPr sz="1300"/>
+            </a:lvl9pPr>
+          </a:lstStyle>
+          <a:p>
+            <a:r>
+              <a:rPr lang="ko-KR" altLang="en-US"/>
+              <a:t>클릭하여 마스터 부제목 스타일 편집</a:t>
+            </a:r>
+          </a:p>
+        </p:txBody>
+      </p:sp>
+      <p:sp>
+        <p:nvSpPr>
+          <p:cNvPr id="4" name="날짜 개체 틀 3">
+            <a:extLst>
+              <a:ext uri="{FF2B5EF4-FFF2-40B4-BE49-F238E27FC236}">
+                <a16:creationId xmlns:a16="http://schemas.microsoft.com/office/drawing/2014/main" id="{27AB80FA-9D07-43CA-85EE-FDB08CACCDFB}"/>
+              </a:ext>
+            </a:extLst>
+          </p:cNvPr>
+          <p:cNvSpPr>
+            <a:spLocks noGrp="1"/>
+          </p:cNvSpPr>
+          <p:nvPr>
+            <p:ph type="dt" sz="half" idx="10"/>
+          </p:nvPr>
+        </p:nvSpPr>
+        <p:spPr/>
+        <p:txBody>
+          <a:bodyPr/>
+          <a:lstStyle/>
+          <a:p>
+            <a:fld id="{40DF96FD-7C15-433B-A9FA-E9FA478AC43A}" type="datetimeFigureOut">
+              <a:rPr lang="ko-KR" altLang="en-US" smtClean="0"/>
+              <a:t>2023-04-06</a:t>
+            </a:fld>
+            <a:endParaRPr lang="ko-KR" altLang="en-US"/>
+          </a:p>
+        </p:txBody>
+      </p:sp>
+      <p:sp>
+        <p:nvSpPr>
+          <p:cNvPr id="5" name="바닥글 개체 틀 4">
+            <a:extLst>
+              <a:ext uri="{FF2B5EF4-FFF2-40B4-BE49-F238E27FC236}">
+                <a16:creationId xmlns:a16="http://schemas.microsoft.com/office/drawing/2014/main" id="{761867A0-2EF6-45BD-B669-49E6662A83E8}"/>
+              </a:ext>
+            </a:extLst>
+          </p:cNvPr>
+          <p:cNvSpPr>
+            <a:spLocks noGrp="1"/>
+          </p:cNvSpPr>
+          <p:nvPr>
+            <p:ph type="ftr" sz="quarter" idx="11"/>
+          </p:nvPr>
+        </p:nvSpPr>
+        <p:spPr/>
+        <p:txBody>
+          <a:bodyPr/>
+          <a:lstStyle/>
+          <a:p>
+            <a:endParaRPr lang="ko-KR" altLang="en-US"/>
+          </a:p>
+        </p:txBody>
+      </p:sp>
+      <p:sp>
+        <p:nvSpPr>
+          <p:cNvPr id="6" name="슬라이드 번호 개체 틀 5">
+            <a:extLst>
+              <a:ext uri="{FF2B5EF4-FFF2-40B4-BE49-F238E27FC236}">
+                <a16:creationId xmlns:a16="http://schemas.microsoft.com/office/drawing/2014/main" id="{663A1F4E-5FB4-495D-B4A5-12AD899B7DFC}"/>
+              </a:ext>
+            </a:extLst>
+          </p:cNvPr>
+          <p:cNvSpPr>
+            <a:spLocks noGrp="1"/>
+          </p:cNvSpPr>
+          <p:nvPr>
+            <p:ph type="sldNum" sz="quarter" idx="12"/>
+          </p:nvPr>
+        </p:nvSpPr>
+        <p:spPr/>
+        <p:txBody>
+          <a:bodyPr/>
+          <a:lstStyle/>
+          <a:p>
+            <a:fld id="{920FA6CC-01B9-49BE-B45E-AE71EF6D4EEE}" type="slidenum">
+              <a:rPr lang="ko-KR" altLang="en-US" smtClean="0"/>
+              <a:t>‹#›</a:t>
+            </a:fld>
+            <a:endParaRPr lang="ko-KR" altLang="en-US"/>
+          </a:p>
+        </p:txBody>
+      </p:sp>
+    </p:spTree>
+    <p:extLst>
+      <p:ext uri="{BB962C8B-B14F-4D97-AF65-F5344CB8AC3E}">
+        <p14:creationId xmlns:p14="http://schemas.microsoft.com/office/powerpoint/2010/main" val="4255133979"/>
+      </p:ext>
+    </p:extLst>
+  </p:cSld>
+  <p:clrMapOvr>
+    <a:masterClrMapping/>
+  </p:clrMapOvr>
+</p:sldLayout>
+</file>
+
+<file path=ppt/slideLayouts/slideLayout6.xml><?xml version="1.0" encoding="utf-8"?>
+<p:sldLayout xmlns:a="http://schemas.openxmlformats.org/drawingml/2006/main" xmlns:r="http://schemas.openxmlformats.org/officeDocument/2006/relationships" xmlns:p="http://schemas.openxmlformats.org/presentationml/2006/main" type="obj" preserve="1">
+  <p:cSld name="제목 및 내용">
+    <p:spTree>
+      <p:nvGrpSpPr>
+        <p:cNvPr id="1" name=""/>
+        <p:cNvGrpSpPr/>
+        <p:nvPr/>
+      </p:nvGrpSpPr>
+      <p:grpSpPr>
+        <a:xfrm>
+          <a:off x="0" y="0"/>
+          <a:ext cx="0" cy="0"/>
+          <a:chOff x="0" y="0"/>
+          <a:chExt cx="0" cy="0"/>
+        </a:xfrm>
+      </p:grpSpPr>
+      <p:sp>
+        <p:nvSpPr>
+          <p:cNvPr id="2" name="제목 1">
+            <a:extLst>
+              <a:ext uri="{FF2B5EF4-FFF2-40B4-BE49-F238E27FC236}">
+                <a16:creationId xmlns:a16="http://schemas.microsoft.com/office/drawing/2014/main" id="{1343DBE1-DEBA-47E7-BBF5-D2620B58FFC0}"/>
+              </a:ext>
+            </a:extLst>
+          </p:cNvPr>
+          <p:cNvSpPr>
+            <a:spLocks noGrp="1"/>
+          </p:cNvSpPr>
+          <p:nvPr>
+            <p:ph type="title"/>
+          </p:nvPr>
+        </p:nvSpPr>
+        <p:spPr/>
+        <p:txBody>
+          <a:bodyPr/>
+          <a:lstStyle/>
+          <a:p>
+            <a:r>
+              <a:rPr lang="ko-KR" altLang="en-US"/>
+              <a:t>마스터 제목 스타일 편집</a:t>
+            </a:r>
+          </a:p>
+        </p:txBody>
+      </p:sp>
+      <p:sp>
+        <p:nvSpPr>
+          <p:cNvPr id="3" name="내용 개체 틀 2">
+            <a:extLst>
+              <a:ext uri="{FF2B5EF4-FFF2-40B4-BE49-F238E27FC236}">
+                <a16:creationId xmlns:a16="http://schemas.microsoft.com/office/drawing/2014/main" id="{B2172EDA-9916-4023-9E7C-C4E247933B0E}"/>
+              </a:ext>
+            </a:extLst>
+          </p:cNvPr>
+          <p:cNvSpPr>
+            <a:spLocks noGrp="1"/>
+          </p:cNvSpPr>
+          <p:nvPr>
+            <p:ph idx="1"/>
+          </p:nvPr>
+        </p:nvSpPr>
+        <p:spPr/>
+        <p:txBody>
+          <a:bodyPr/>
+          <a:lstStyle/>
+          <a:p>
+            <a:pPr lvl="0"/>
+            <a:r>
+              <a:rPr lang="ko-KR" altLang="en-US"/>
+              <a:t>마스터 텍스트 스타일 편집</a:t>
+            </a:r>
+          </a:p>
+          <a:p>
+            <a:pPr lvl="1"/>
+            <a:r>
+              <a:rPr lang="ko-KR" altLang="en-US"/>
+              <a:t>둘째 수준</a:t>
+            </a:r>
+          </a:p>
+          <a:p>
+            <a:pPr lvl="2"/>
+            <a:r>
+              <a:rPr lang="ko-KR" altLang="en-US"/>
+              <a:t>셋째 수준</a:t>
+            </a:r>
+          </a:p>
+          <a:p>
+            <a:pPr lvl="3"/>
+            <a:r>
+              <a:rPr lang="ko-KR" altLang="en-US"/>
+              <a:t>넷째 수준</a:t>
+            </a:r>
+          </a:p>
+          <a:p>
+            <a:pPr lvl="4"/>
+            <a:r>
+              <a:rPr lang="ko-KR" altLang="en-US"/>
+              <a:t>다섯째 수준</a:t>
+            </a:r>
+          </a:p>
+        </p:txBody>
+      </p:sp>
+      <p:sp>
+        <p:nvSpPr>
+          <p:cNvPr id="4" name="날짜 개체 틀 3">
+            <a:extLst>
+              <a:ext uri="{FF2B5EF4-FFF2-40B4-BE49-F238E27FC236}">
+                <a16:creationId xmlns:a16="http://schemas.microsoft.com/office/drawing/2014/main" id="{00A7E016-CDED-4CFF-9AD4-04F0E84C6C3A}"/>
+              </a:ext>
+            </a:extLst>
+          </p:cNvPr>
+          <p:cNvSpPr>
+            <a:spLocks noGrp="1"/>
+          </p:cNvSpPr>
+          <p:nvPr>
+            <p:ph type="dt" sz="half" idx="10"/>
+          </p:nvPr>
+        </p:nvSpPr>
+        <p:spPr/>
+        <p:txBody>
+          <a:bodyPr/>
+          <a:lstStyle/>
+          <a:p>
+            <a:fld id="{40DF96FD-7C15-433B-A9FA-E9FA478AC43A}" type="datetimeFigureOut">
+              <a:rPr lang="ko-KR" altLang="en-US" smtClean="0"/>
+              <a:t>2023-04-06</a:t>
+            </a:fld>
+            <a:endParaRPr lang="ko-KR" altLang="en-US"/>
+          </a:p>
+        </p:txBody>
+      </p:sp>
+      <p:sp>
+        <p:nvSpPr>
+          <p:cNvPr id="5" name="바닥글 개체 틀 4">
+            <a:extLst>
+              <a:ext uri="{FF2B5EF4-FFF2-40B4-BE49-F238E27FC236}">
+                <a16:creationId xmlns:a16="http://schemas.microsoft.com/office/drawing/2014/main" id="{24C1AD9C-605F-46D3-A17F-048CED271592}"/>
+              </a:ext>
+            </a:extLst>
+          </p:cNvPr>
+          <p:cNvSpPr>
+            <a:spLocks noGrp="1"/>
+          </p:cNvSpPr>
+          <p:nvPr>
+            <p:ph type="ftr" sz="quarter" idx="11"/>
+          </p:nvPr>
+        </p:nvSpPr>
+        <p:spPr/>
+        <p:txBody>
+          <a:bodyPr/>
+          <a:lstStyle/>
+          <a:p>
+            <a:endParaRPr lang="ko-KR" altLang="en-US"/>
+          </a:p>
+        </p:txBody>
+      </p:sp>
+      <p:sp>
+        <p:nvSpPr>
+          <p:cNvPr id="6" name="슬라이드 번호 개체 틀 5">
+            <a:extLst>
+              <a:ext uri="{FF2B5EF4-FFF2-40B4-BE49-F238E27FC236}">
+                <a16:creationId xmlns:a16="http://schemas.microsoft.com/office/drawing/2014/main" id="{C18D87C0-22F2-4D54-8634-0252BAE37B44}"/>
+              </a:ext>
+            </a:extLst>
+          </p:cNvPr>
+          <p:cNvSpPr>
+            <a:spLocks noGrp="1"/>
+          </p:cNvSpPr>
+          <p:nvPr>
+            <p:ph type="sldNum" sz="quarter" idx="12"/>
+          </p:nvPr>
+        </p:nvSpPr>
+        <p:spPr/>
+        <p:txBody>
+          <a:bodyPr/>
+          <a:lstStyle/>
+          <a:p>
+            <a:fld id="{920FA6CC-01B9-49BE-B45E-AE71EF6D4EEE}" type="slidenum">
+              <a:rPr lang="ko-KR" altLang="en-US" smtClean="0"/>
+              <a:t>‹#›</a:t>
+            </a:fld>
+            <a:endParaRPr lang="ko-KR" altLang="en-US"/>
+          </a:p>
+        </p:txBody>
+      </p:sp>
+    </p:spTree>
+    <p:extLst>
+      <p:ext uri="{BB962C8B-B14F-4D97-AF65-F5344CB8AC3E}">
+        <p14:creationId xmlns:p14="http://schemas.microsoft.com/office/powerpoint/2010/main" val="848371782"/>
+      </p:ext>
+    </p:extLst>
+  </p:cSld>
+  <p:clrMapOvr>
+    <a:masterClrMapping/>
+  </p:clrMapOvr>
+</p:sldLayout>
+</file>
+
+<file path=ppt/slideLayouts/slideLayout7.xml><?xml version="1.0" encoding="utf-8"?>
+<p:sldLayout xmlns:a="http://schemas.openxmlformats.org/drawingml/2006/main" xmlns:r="http://schemas.openxmlformats.org/officeDocument/2006/relationships" xmlns:p="http://schemas.openxmlformats.org/presentationml/2006/main" type="secHead" preserve="1">
+  <p:cSld name="구역 머리글">
+    <p:spTree>
+      <p:nvGrpSpPr>
+        <p:cNvPr id="1" name=""/>
+        <p:cNvGrpSpPr/>
+        <p:nvPr/>
+      </p:nvGrpSpPr>
+      <p:grpSpPr>
+        <a:xfrm>
+          <a:off x="0" y="0"/>
+          <a:ext cx="0" cy="0"/>
+          <a:chOff x="0" y="0"/>
+          <a:chExt cx="0" cy="0"/>
+        </a:xfrm>
+      </p:grpSpPr>
+      <p:sp>
+        <p:nvSpPr>
+          <p:cNvPr id="2" name="제목 1">
+            <a:extLst>
+              <a:ext uri="{FF2B5EF4-FFF2-40B4-BE49-F238E27FC236}">
+                <a16:creationId xmlns:a16="http://schemas.microsoft.com/office/drawing/2014/main" id="{4F2B8B1D-040F-4500-A462-2FC5EF5F7F67}"/>
+              </a:ext>
+            </a:extLst>
+          </p:cNvPr>
+          <p:cNvSpPr>
+            <a:spLocks noGrp="1"/>
+          </p:cNvSpPr>
+          <p:nvPr>
+            <p:ph type="title"/>
+          </p:nvPr>
+        </p:nvSpPr>
+        <p:spPr>
+          <a:xfrm>
+            <a:off x="675878" y="1709739"/>
+            <a:ext cx="8543925" cy="2852737"/>
+          </a:xfrm>
+        </p:spPr>
+        <p:txBody>
+          <a:bodyPr anchor="b"/>
+          <a:lstStyle>
+            <a:lvl1pPr>
+              <a:defRPr sz="4875"/>
+            </a:lvl1pPr>
+          </a:lstStyle>
+          <a:p>
+            <a:r>
+              <a:rPr lang="ko-KR" altLang="en-US"/>
+              <a:t>마스터 제목 스타일 편집</a:t>
+            </a:r>
+          </a:p>
+        </p:txBody>
+      </p:sp>
+      <p:sp>
+        <p:nvSpPr>
+          <p:cNvPr id="3" name="텍스트 개체 틀 2">
+            <a:extLst>
+              <a:ext uri="{FF2B5EF4-FFF2-40B4-BE49-F238E27FC236}">
+                <a16:creationId xmlns:a16="http://schemas.microsoft.com/office/drawing/2014/main" id="{6F48EEC8-D819-492B-8B25-3400C0E61424}"/>
+              </a:ext>
+            </a:extLst>
+          </p:cNvPr>
+          <p:cNvSpPr>
+            <a:spLocks noGrp="1"/>
+          </p:cNvSpPr>
+          <p:nvPr>
+            <p:ph type="body" idx="1"/>
+          </p:nvPr>
+        </p:nvSpPr>
+        <p:spPr>
+          <a:xfrm>
+            <a:off x="675878" y="4589464"/>
+            <a:ext cx="8543925" cy="1500187"/>
+          </a:xfrm>
+        </p:spPr>
+        <p:txBody>
+          <a:bodyPr/>
+          <a:lstStyle>
+            <a:lvl1pPr marL="0" indent="0">
+              <a:buNone/>
+              <a:defRPr sz="1950">
+                <a:solidFill>
+                  <a:schemeClr val="tx1">
+                    <a:tint val="75000"/>
+                  </a:schemeClr>
+                </a:solidFill>
+              </a:defRPr>
+            </a:lvl1pPr>
+            <a:lvl2pPr marL="371475" indent="0">
+              <a:buNone/>
+              <a:defRPr sz="1625">
+                <a:solidFill>
+                  <a:schemeClr val="tx1">
+                    <a:tint val="75000"/>
+                  </a:schemeClr>
+                </a:solidFill>
+              </a:defRPr>
+            </a:lvl2pPr>
+            <a:lvl3pPr marL="742950" indent="0">
+              <a:buNone/>
+              <a:defRPr sz="1463">
+                <a:solidFill>
+                  <a:schemeClr val="tx1">
+                    <a:tint val="75000"/>
+                  </a:schemeClr>
+                </a:solidFill>
+              </a:defRPr>
+            </a:lvl3pPr>
+            <a:lvl4pPr marL="1114425" indent="0">
+              <a:buNone/>
+              <a:defRPr sz="1300">
+                <a:solidFill>
+                  <a:schemeClr val="tx1">
+                    <a:tint val="75000"/>
+                  </a:schemeClr>
+                </a:solidFill>
+              </a:defRPr>
+            </a:lvl4pPr>
+            <a:lvl5pPr marL="1485900" indent="0">
+              <a:buNone/>
+              <a:defRPr sz="1300">
+                <a:solidFill>
+                  <a:schemeClr val="tx1">
+                    <a:tint val="75000"/>
+                  </a:schemeClr>
+                </a:solidFill>
+              </a:defRPr>
+            </a:lvl5pPr>
+            <a:lvl6pPr marL="1857375" indent="0">
+              <a:buNone/>
+              <a:defRPr sz="1300">
+                <a:solidFill>
+                  <a:schemeClr val="tx1">
+                    <a:tint val="75000"/>
+                  </a:schemeClr>
+                </a:solidFill>
+              </a:defRPr>
+            </a:lvl6pPr>
+            <a:lvl7pPr marL="2228850" indent="0">
+              <a:buNone/>
+              <a:defRPr sz="1300">
+                <a:solidFill>
+                  <a:schemeClr val="tx1">
+                    <a:tint val="75000"/>
+                  </a:schemeClr>
+                </a:solidFill>
+              </a:defRPr>
+            </a:lvl7pPr>
+            <a:lvl8pPr marL="2600325" indent="0">
+              <a:buNone/>
+              <a:defRPr sz="1300">
+                <a:solidFill>
+                  <a:schemeClr val="tx1">
+                    <a:tint val="75000"/>
+                  </a:schemeClr>
+                </a:solidFill>
+              </a:defRPr>
+            </a:lvl8pPr>
+            <a:lvl9pPr marL="2971800" indent="0">
+              <a:buNone/>
+              <a:defRPr sz="1300">
+                <a:solidFill>
+                  <a:schemeClr val="tx1">
+                    <a:tint val="75000"/>
+                  </a:schemeClr>
+                </a:solidFill>
+              </a:defRPr>
+            </a:lvl9pPr>
+          </a:lstStyle>
+          <a:p>
+            <a:pPr lvl="0"/>
+            <a:r>
+              <a:rPr lang="ko-KR" altLang="en-US"/>
+              <a:t>마스터 텍스트 스타일 편집</a:t>
+            </a:r>
+          </a:p>
+        </p:txBody>
+      </p:sp>
+      <p:sp>
+        <p:nvSpPr>
+          <p:cNvPr id="4" name="날짜 개체 틀 3">
+            <a:extLst>
+              <a:ext uri="{FF2B5EF4-FFF2-40B4-BE49-F238E27FC236}">
+                <a16:creationId xmlns:a16="http://schemas.microsoft.com/office/drawing/2014/main" id="{DDAFB650-16A5-4258-9B7C-4C70ACFEA77C}"/>
+              </a:ext>
+            </a:extLst>
+          </p:cNvPr>
+          <p:cNvSpPr>
+            <a:spLocks noGrp="1"/>
+          </p:cNvSpPr>
+          <p:nvPr>
+            <p:ph type="dt" sz="half" idx="10"/>
+          </p:nvPr>
+        </p:nvSpPr>
+        <p:spPr/>
+        <p:txBody>
+          <a:bodyPr/>
+          <a:lstStyle/>
+          <a:p>
+            <a:fld id="{40DF96FD-7C15-433B-A9FA-E9FA478AC43A}" type="datetimeFigureOut">
+              <a:rPr lang="ko-KR" altLang="en-US" smtClean="0"/>
+              <a:t>2023-04-06</a:t>
+            </a:fld>
+            <a:endParaRPr lang="ko-KR" altLang="en-US"/>
+          </a:p>
+        </p:txBody>
+      </p:sp>
+      <p:sp>
+        <p:nvSpPr>
+          <p:cNvPr id="5" name="바닥글 개체 틀 4">
+            <a:extLst>
+              <a:ext uri="{FF2B5EF4-FFF2-40B4-BE49-F238E27FC236}">
+                <a16:creationId xmlns:a16="http://schemas.microsoft.com/office/drawing/2014/main" id="{6D1379C2-105E-48B7-9719-F4A78647469D}"/>
+              </a:ext>
+            </a:extLst>
+          </p:cNvPr>
+          <p:cNvSpPr>
+            <a:spLocks noGrp="1"/>
+          </p:cNvSpPr>
+          <p:nvPr>
+            <p:ph type="ftr" sz="quarter" idx="11"/>
+          </p:nvPr>
+        </p:nvSpPr>
+        <p:spPr/>
+        <p:txBody>
+          <a:bodyPr/>
+          <a:lstStyle/>
+          <a:p>
+            <a:endParaRPr lang="ko-KR" altLang="en-US"/>
+          </a:p>
+        </p:txBody>
+      </p:sp>
+      <p:sp>
+        <p:nvSpPr>
+          <p:cNvPr id="6" name="슬라이드 번호 개체 틀 5">
+            <a:extLst>
+              <a:ext uri="{FF2B5EF4-FFF2-40B4-BE49-F238E27FC236}">
+                <a16:creationId xmlns:a16="http://schemas.microsoft.com/office/drawing/2014/main" id="{4DE9EAD1-B1D5-44E5-BF11-D5D738BC7AC0}"/>
+              </a:ext>
+            </a:extLst>
+          </p:cNvPr>
+          <p:cNvSpPr>
+            <a:spLocks noGrp="1"/>
+          </p:cNvSpPr>
+          <p:nvPr>
+            <p:ph type="sldNum" sz="quarter" idx="12"/>
+          </p:nvPr>
+        </p:nvSpPr>
+        <p:spPr/>
+        <p:txBody>
+          <a:bodyPr/>
+          <a:lstStyle/>
+          <a:p>
+            <a:fld id="{920FA6CC-01B9-49BE-B45E-AE71EF6D4EEE}" type="slidenum">
+              <a:rPr lang="ko-KR" altLang="en-US" smtClean="0"/>
+              <a:t>‹#›</a:t>
+            </a:fld>
+            <a:endParaRPr lang="ko-KR" altLang="en-US"/>
+          </a:p>
+        </p:txBody>
+      </p:sp>
+    </p:spTree>
+    <p:extLst>
+      <p:ext uri="{BB962C8B-B14F-4D97-AF65-F5344CB8AC3E}">
+        <p14:creationId xmlns:p14="http://schemas.microsoft.com/office/powerpoint/2010/main" val="1471932848"/>
+      </p:ext>
+    </p:extLst>
+  </p:cSld>
+  <p:clrMapOvr>
+    <a:masterClrMapping/>
+  </p:clrMapOvr>
+</p:sldLayout>
+</file>
+
+<file path=ppt/slideLayouts/slideLayout8.xml><?xml version="1.0" encoding="utf-8"?>
+<p:sldLayout xmlns:a="http://schemas.openxmlformats.org/drawingml/2006/main" xmlns:r="http://schemas.openxmlformats.org/officeDocument/2006/relationships" xmlns:p="http://schemas.openxmlformats.org/presentationml/2006/main" type="twoObj" preserve="1">
+  <p:cSld name="콘텐츠 2개">
+    <p:spTree>
+      <p:nvGrpSpPr>
+        <p:cNvPr id="1" name=""/>
+        <p:cNvGrpSpPr/>
+        <p:nvPr/>
+      </p:nvGrpSpPr>
+      <p:grpSpPr>
+        <a:xfrm>
+          <a:off x="0" y="0"/>
+          <a:ext cx="0" cy="0"/>
+          <a:chOff x="0" y="0"/>
+          <a:chExt cx="0" cy="0"/>
+        </a:xfrm>
+      </p:grpSpPr>
+      <p:sp>
+        <p:nvSpPr>
+          <p:cNvPr id="2" name="제목 1">
+            <a:extLst>
+              <a:ext uri="{FF2B5EF4-FFF2-40B4-BE49-F238E27FC236}">
+                <a16:creationId xmlns:a16="http://schemas.microsoft.com/office/drawing/2014/main" id="{C1D0EFF1-D48C-4DD7-B8EA-EA9EB14A8FE8}"/>
+              </a:ext>
+            </a:extLst>
+          </p:cNvPr>
+          <p:cNvSpPr>
+            <a:spLocks noGrp="1"/>
+          </p:cNvSpPr>
+          <p:nvPr>
+            <p:ph type="title"/>
+          </p:nvPr>
+        </p:nvSpPr>
+        <p:spPr/>
+        <p:txBody>
+          <a:bodyPr/>
+          <a:lstStyle/>
+          <a:p>
+            <a:r>
+              <a:rPr lang="ko-KR" altLang="en-US"/>
+              <a:t>마스터 제목 스타일 편집</a:t>
+            </a:r>
+          </a:p>
+        </p:txBody>
+      </p:sp>
+      <p:sp>
+        <p:nvSpPr>
+          <p:cNvPr id="3" name="내용 개체 틀 2">
+            <a:extLst>
+              <a:ext uri="{FF2B5EF4-FFF2-40B4-BE49-F238E27FC236}">
+                <a16:creationId xmlns:a16="http://schemas.microsoft.com/office/drawing/2014/main" id="{4B4D5A01-7088-4FE3-90F0-32317F47CA15}"/>
+              </a:ext>
+            </a:extLst>
+          </p:cNvPr>
+          <p:cNvSpPr>
+            <a:spLocks noGrp="1"/>
+          </p:cNvSpPr>
+          <p:nvPr>
+            <p:ph sz="half" idx="1"/>
+          </p:nvPr>
+        </p:nvSpPr>
+        <p:spPr>
+          <a:xfrm>
+            <a:off x="681038" y="1825625"/>
+            <a:ext cx="4210050" cy="4351338"/>
+          </a:xfrm>
+        </p:spPr>
+        <p:txBody>
+          <a:bodyPr/>
+          <a:lstStyle/>
+          <a:p>
+            <a:pPr lvl="0"/>
+            <a:r>
+              <a:rPr lang="ko-KR" altLang="en-US"/>
+              <a:t>마스터 텍스트 스타일 편집</a:t>
+            </a:r>
+          </a:p>
+          <a:p>
+            <a:pPr lvl="1"/>
+            <a:r>
+              <a:rPr lang="ko-KR" altLang="en-US"/>
+              <a:t>둘째 수준</a:t>
+            </a:r>
+          </a:p>
+          <a:p>
+            <a:pPr lvl="2"/>
+            <a:r>
+              <a:rPr lang="ko-KR" altLang="en-US"/>
+              <a:t>셋째 수준</a:t>
+            </a:r>
+          </a:p>
+          <a:p>
+            <a:pPr lvl="3"/>
+            <a:r>
+              <a:rPr lang="ko-KR" altLang="en-US"/>
+              <a:t>넷째 수준</a:t>
+            </a:r>
+          </a:p>
+          <a:p>
+            <a:pPr lvl="4"/>
+            <a:r>
+              <a:rPr lang="ko-KR" altLang="en-US"/>
+              <a:t>다섯째 수준</a:t>
+            </a:r>
+          </a:p>
+        </p:txBody>
+      </p:sp>
+      <p:sp>
+        <p:nvSpPr>
+          <p:cNvPr id="4" name="내용 개체 틀 3">
+            <a:extLst>
+              <a:ext uri="{FF2B5EF4-FFF2-40B4-BE49-F238E27FC236}">
+                <a16:creationId xmlns:a16="http://schemas.microsoft.com/office/drawing/2014/main" id="{4EA54522-AF47-468D-A21A-24D131B8299F}"/>
+              </a:ext>
+            </a:extLst>
+          </p:cNvPr>
+          <p:cNvSpPr>
+            <a:spLocks noGrp="1"/>
+          </p:cNvSpPr>
+          <p:nvPr>
+            <p:ph sz="half" idx="2"/>
+          </p:nvPr>
+        </p:nvSpPr>
+        <p:spPr>
+          <a:xfrm>
+            <a:off x="5014913" y="1825625"/>
+            <a:ext cx="4210050" cy="4351338"/>
+          </a:xfrm>
+        </p:spPr>
+        <p:txBody>
+          <a:bodyPr/>
+          <a:lstStyle/>
+          <a:p>
+            <a:pPr lvl="0"/>
+            <a:r>
+              <a:rPr lang="ko-KR" altLang="en-US"/>
+              <a:t>마스터 텍스트 스타일 편집</a:t>
+            </a:r>
+          </a:p>
+          <a:p>
+            <a:pPr lvl="1"/>
+            <a:r>
+              <a:rPr lang="ko-KR" altLang="en-US"/>
+              <a:t>둘째 수준</a:t>
+            </a:r>
+          </a:p>
+          <a:p>
+            <a:pPr lvl="2"/>
+            <a:r>
+              <a:rPr lang="ko-KR" altLang="en-US"/>
+              <a:t>셋째 수준</a:t>
+            </a:r>
+          </a:p>
+          <a:p>
+            <a:pPr lvl="3"/>
+            <a:r>
+              <a:rPr lang="ko-KR" altLang="en-US"/>
+              <a:t>넷째 수준</a:t>
+            </a:r>
+          </a:p>
+          <a:p>
+            <a:pPr lvl="4"/>
+            <a:r>
+              <a:rPr lang="ko-KR" altLang="en-US"/>
+              <a:t>다섯째 수준</a:t>
+            </a:r>
+          </a:p>
+        </p:txBody>
+      </p:sp>
+      <p:sp>
+        <p:nvSpPr>
+          <p:cNvPr id="5" name="날짜 개체 틀 4">
+            <a:extLst>
+              <a:ext uri="{FF2B5EF4-FFF2-40B4-BE49-F238E27FC236}">
+                <a16:creationId xmlns:a16="http://schemas.microsoft.com/office/drawing/2014/main" id="{B35DCF7E-7D22-4A5F-8FE0-F634CF950AC9}"/>
+              </a:ext>
+            </a:extLst>
+          </p:cNvPr>
+          <p:cNvSpPr>
+            <a:spLocks noGrp="1"/>
+          </p:cNvSpPr>
+          <p:nvPr>
+            <p:ph type="dt" sz="half" idx="10"/>
+          </p:nvPr>
+        </p:nvSpPr>
+        <p:spPr/>
+        <p:txBody>
+          <a:bodyPr/>
+          <a:lstStyle/>
+          <a:p>
+            <a:fld id="{40DF96FD-7C15-433B-A9FA-E9FA478AC43A}" type="datetimeFigureOut">
+              <a:rPr lang="ko-KR" altLang="en-US" smtClean="0"/>
+              <a:t>2023-04-06</a:t>
+            </a:fld>
+            <a:endParaRPr lang="ko-KR" altLang="en-US"/>
+          </a:p>
+        </p:txBody>
+      </p:sp>
+      <p:sp>
+        <p:nvSpPr>
+          <p:cNvPr id="6" name="바닥글 개체 틀 5">
+            <a:extLst>
+              <a:ext uri="{FF2B5EF4-FFF2-40B4-BE49-F238E27FC236}">
+                <a16:creationId xmlns:a16="http://schemas.microsoft.com/office/drawing/2014/main" id="{1F46692E-0FC8-4A72-B455-6A821CC1F34D}"/>
+              </a:ext>
+            </a:extLst>
+          </p:cNvPr>
+          <p:cNvSpPr>
+            <a:spLocks noGrp="1"/>
+          </p:cNvSpPr>
+          <p:nvPr>
+            <p:ph type="ftr" sz="quarter" idx="11"/>
+          </p:nvPr>
+        </p:nvSpPr>
+        <p:spPr/>
+        <p:txBody>
+          <a:bodyPr/>
+          <a:lstStyle/>
+          <a:p>
+            <a:endParaRPr lang="ko-KR" altLang="en-US"/>
+          </a:p>
+        </p:txBody>
+      </p:sp>
+      <p:sp>
+        <p:nvSpPr>
+          <p:cNvPr id="7" name="슬라이드 번호 개체 틀 6">
+            <a:extLst>
+              <a:ext uri="{FF2B5EF4-FFF2-40B4-BE49-F238E27FC236}">
+                <a16:creationId xmlns:a16="http://schemas.microsoft.com/office/drawing/2014/main" id="{1BE5E0B8-78FD-4A2B-A19A-BD4916C8CD94}"/>
+              </a:ext>
+            </a:extLst>
+          </p:cNvPr>
+          <p:cNvSpPr>
+            <a:spLocks noGrp="1"/>
+          </p:cNvSpPr>
+          <p:nvPr>
+            <p:ph type="sldNum" sz="quarter" idx="12"/>
+          </p:nvPr>
+        </p:nvSpPr>
+        <p:spPr/>
+        <p:txBody>
+          <a:bodyPr/>
+          <a:lstStyle/>
+          <a:p>
+            <a:fld id="{920FA6CC-01B9-49BE-B45E-AE71EF6D4EEE}" type="slidenum">
+              <a:rPr lang="ko-KR" altLang="en-US" smtClean="0"/>
+              <a:t>‹#›</a:t>
+            </a:fld>
+            <a:endParaRPr lang="ko-KR" altLang="en-US"/>
+          </a:p>
+        </p:txBody>
+      </p:sp>
+    </p:spTree>
+    <p:extLst>
+      <p:ext uri="{BB962C8B-B14F-4D97-AF65-F5344CB8AC3E}">
+        <p14:creationId xmlns:p14="http://schemas.microsoft.com/office/powerpoint/2010/main" val="3117962719"/>
+      </p:ext>
+    </p:extLst>
+  </p:cSld>
+  <p:clrMapOvr>
+    <a:masterClrMapping/>
+  </p:clrMapOvr>
+</p:sldLayout>
+</file>
+
+<file path=ppt/slideLayouts/slideLayout9.xml><?xml version="1.0" encoding="utf-8"?>
+<p:sldLayout xmlns:a="http://schemas.openxmlformats.org/drawingml/2006/main" xmlns:r="http://schemas.openxmlformats.org/officeDocument/2006/relationships" xmlns:p="http://schemas.openxmlformats.org/presentationml/2006/main" type="twoTxTwoObj" preserve="1">
+  <p:cSld name="비교">
+    <p:spTree>
+      <p:nvGrpSpPr>
+        <p:cNvPr id="1" name=""/>
+        <p:cNvGrpSpPr/>
+        <p:nvPr/>
+      </p:nvGrpSpPr>
+      <p:grpSpPr>
+        <a:xfrm>
+          <a:off x="0" y="0"/>
+          <a:ext cx="0" cy="0"/>
+          <a:chOff x="0" y="0"/>
+          <a:chExt cx="0" cy="0"/>
+        </a:xfrm>
+      </p:grpSpPr>
+      <p:sp>
+        <p:nvSpPr>
+          <p:cNvPr id="2" name="제목 1">
+            <a:extLst>
+              <a:ext uri="{FF2B5EF4-FFF2-40B4-BE49-F238E27FC236}">
+                <a16:creationId xmlns:a16="http://schemas.microsoft.com/office/drawing/2014/main" id="{B9928DAF-FAF4-4305-BDA9-BFBA411170A5}"/>
+              </a:ext>
+            </a:extLst>
+          </p:cNvPr>
+          <p:cNvSpPr>
+            <a:spLocks noGrp="1"/>
+          </p:cNvSpPr>
+          <p:nvPr>
+            <p:ph type="title"/>
+          </p:nvPr>
+        </p:nvSpPr>
+        <p:spPr>
+          <a:xfrm>
+            <a:off x="682328" y="365126"/>
+            <a:ext cx="8543925" cy="1325563"/>
+          </a:xfrm>
+        </p:spPr>
+        <p:txBody>
+          <a:bodyPr/>
+          <a:lstStyle/>
+          <a:p>
+            <a:r>
+              <a:rPr lang="ko-KR" altLang="en-US"/>
+              <a:t>마스터 제목 스타일 편집</a:t>
+            </a:r>
+          </a:p>
+        </p:txBody>
+      </p:sp>
+      <p:sp>
+        <p:nvSpPr>
+          <p:cNvPr id="3" name="텍스트 개체 틀 2">
+            <a:extLst>
+              <a:ext uri="{FF2B5EF4-FFF2-40B4-BE49-F238E27FC236}">
+                <a16:creationId xmlns:a16="http://schemas.microsoft.com/office/drawing/2014/main" id="{35DF97F9-9B04-4986-8A65-FA9C91DFD372}"/>
+              </a:ext>
+            </a:extLst>
+          </p:cNvPr>
+          <p:cNvSpPr>
+            <a:spLocks noGrp="1"/>
+          </p:cNvSpPr>
+          <p:nvPr>
+            <p:ph type="body" idx="1"/>
+          </p:nvPr>
+        </p:nvSpPr>
+        <p:spPr>
+          <a:xfrm>
+            <a:off x="682328" y="1681163"/>
+            <a:ext cx="4190702" cy="823912"/>
+          </a:xfrm>
+        </p:spPr>
+        <p:txBody>
+          <a:bodyPr anchor="b"/>
+          <a:lstStyle>
+            <a:lvl1pPr marL="0" indent="0">
+              <a:buNone/>
+              <a:defRPr sz="1950" b="1"/>
+            </a:lvl1pPr>
+            <a:lvl2pPr marL="371475" indent="0">
+              <a:buNone/>
+              <a:defRPr sz="1625" b="1"/>
+            </a:lvl2pPr>
+            <a:lvl3pPr marL="742950" indent="0">
+              <a:buNone/>
+              <a:defRPr sz="1463" b="1"/>
+            </a:lvl3pPr>
+            <a:lvl4pPr marL="1114425" indent="0">
+              <a:buNone/>
+              <a:defRPr sz="1300" b="1"/>
+            </a:lvl4pPr>
+            <a:lvl5pPr marL="1485900" indent="0">
+              <a:buNone/>
+              <a:defRPr sz="1300" b="1"/>
+            </a:lvl5pPr>
+            <a:lvl6pPr marL="1857375" indent="0">
+              <a:buNone/>
+              <a:defRPr sz="1300" b="1"/>
+            </a:lvl6pPr>
+            <a:lvl7pPr marL="2228850" indent="0">
+              <a:buNone/>
+              <a:defRPr sz="1300" b="1"/>
+            </a:lvl7pPr>
+            <a:lvl8pPr marL="2600325" indent="0">
+              <a:buNone/>
+              <a:defRPr sz="1300" b="1"/>
+            </a:lvl8pPr>
+            <a:lvl9pPr marL="2971800" indent="0">
+              <a:buNone/>
+              <a:defRPr sz="1300" b="1"/>
+            </a:lvl9pPr>
+          </a:lstStyle>
+          <a:p>
+            <a:pPr lvl="0"/>
+            <a:r>
+              <a:rPr lang="ko-KR" altLang="en-US"/>
+              <a:t>마스터 텍스트 스타일 편집</a:t>
+            </a:r>
+          </a:p>
+        </p:txBody>
+      </p:sp>
+      <p:sp>
+        <p:nvSpPr>
+          <p:cNvPr id="4" name="내용 개체 틀 3">
+            <a:extLst>
+              <a:ext uri="{FF2B5EF4-FFF2-40B4-BE49-F238E27FC236}">
+                <a16:creationId xmlns:a16="http://schemas.microsoft.com/office/drawing/2014/main" id="{400DF6C2-CB8B-4510-8E9F-E009723784E3}"/>
+              </a:ext>
+            </a:extLst>
+          </p:cNvPr>
+          <p:cNvSpPr>
+            <a:spLocks noGrp="1"/>
+          </p:cNvSpPr>
+          <p:nvPr>
+            <p:ph sz="half" idx="2"/>
+          </p:nvPr>
+        </p:nvSpPr>
+        <p:spPr>
+          <a:xfrm>
+            <a:off x="682328" y="2505075"/>
+            <a:ext cx="4190702" cy="3684588"/>
+          </a:xfrm>
+        </p:spPr>
+        <p:txBody>
+          <a:bodyPr/>
+          <a:lstStyle/>
+          <a:p>
+            <a:pPr lvl="0"/>
+            <a:r>
+              <a:rPr lang="ko-KR" altLang="en-US"/>
+              <a:t>마스터 텍스트 스타일 편집</a:t>
+            </a:r>
+          </a:p>
+          <a:p>
+            <a:pPr lvl="1"/>
+            <a:r>
+              <a:rPr lang="ko-KR" altLang="en-US"/>
+              <a:t>둘째 수준</a:t>
+            </a:r>
+          </a:p>
+          <a:p>
+            <a:pPr lvl="2"/>
+            <a:r>
+              <a:rPr lang="ko-KR" altLang="en-US"/>
+              <a:t>셋째 수준</a:t>
+            </a:r>
+          </a:p>
+          <a:p>
+            <a:pPr lvl="3"/>
+            <a:r>
+              <a:rPr lang="ko-KR" altLang="en-US"/>
+              <a:t>넷째 수준</a:t>
+            </a:r>
+          </a:p>
+          <a:p>
+            <a:pPr lvl="4"/>
+            <a:r>
+              <a:rPr lang="ko-KR" altLang="en-US"/>
+              <a:t>다섯째 수준</a:t>
+            </a:r>
+          </a:p>
+        </p:txBody>
+      </p:sp>
+      <p:sp>
+        <p:nvSpPr>
+          <p:cNvPr id="5" name="텍스트 개체 틀 4">
+            <a:extLst>
+              <a:ext uri="{FF2B5EF4-FFF2-40B4-BE49-F238E27FC236}">
+                <a16:creationId xmlns:a16="http://schemas.microsoft.com/office/drawing/2014/main" id="{057083FD-209B-4563-A40A-CCF91BDDA16E}"/>
+              </a:ext>
+            </a:extLst>
+          </p:cNvPr>
+          <p:cNvSpPr>
+            <a:spLocks noGrp="1"/>
+          </p:cNvSpPr>
+          <p:nvPr>
+            <p:ph type="body" sz="quarter" idx="3"/>
+          </p:nvPr>
+        </p:nvSpPr>
+        <p:spPr>
+          <a:xfrm>
+            <a:off x="5014913" y="1681163"/>
+            <a:ext cx="4211340" cy="823912"/>
+          </a:xfrm>
+        </p:spPr>
+        <p:txBody>
+          <a:bodyPr anchor="b"/>
+          <a:lstStyle>
+            <a:lvl1pPr marL="0" indent="0">
+              <a:buNone/>
+              <a:defRPr sz="1950" b="1"/>
+            </a:lvl1pPr>
+            <a:lvl2pPr marL="371475" indent="0">
+              <a:buNone/>
+              <a:defRPr sz="1625" b="1"/>
+            </a:lvl2pPr>
+            <a:lvl3pPr marL="742950" indent="0">
+              <a:buNone/>
+              <a:defRPr sz="1463" b="1"/>
+            </a:lvl3pPr>
+            <a:lvl4pPr marL="1114425" indent="0">
+              <a:buNone/>
+              <a:defRPr sz="1300" b="1"/>
+            </a:lvl4pPr>
+            <a:lvl5pPr marL="1485900" indent="0">
+              <a:buNone/>
+              <a:defRPr sz="1300" b="1"/>
+            </a:lvl5pPr>
+            <a:lvl6pPr marL="1857375" indent="0">
+              <a:buNone/>
+              <a:defRPr sz="1300" b="1"/>
+            </a:lvl6pPr>
+            <a:lvl7pPr marL="2228850" indent="0">
+              <a:buNone/>
+              <a:defRPr sz="1300" b="1"/>
+            </a:lvl7pPr>
+            <a:lvl8pPr marL="2600325" indent="0">
+              <a:buNone/>
+              <a:defRPr sz="1300" b="1"/>
+            </a:lvl8pPr>
+            <a:lvl9pPr marL="2971800" indent="0">
+              <a:buNone/>
+              <a:defRPr sz="1300" b="1"/>
+            </a:lvl9pPr>
+          </a:lstStyle>
+          <a:p>
+            <a:pPr lvl="0"/>
+            <a:r>
+              <a:rPr lang="ko-KR" altLang="en-US"/>
+              <a:t>마스터 텍스트 스타일 편집</a:t>
+            </a:r>
+          </a:p>
+        </p:txBody>
+      </p:sp>
+      <p:sp>
+        <p:nvSpPr>
+          <p:cNvPr id="6" name="내용 개체 틀 5">
+            <a:extLst>
+              <a:ext uri="{FF2B5EF4-FFF2-40B4-BE49-F238E27FC236}">
+                <a16:creationId xmlns:a16="http://schemas.microsoft.com/office/drawing/2014/main" id="{30018EFD-0F59-4860-B461-7A9CE67ECB83}"/>
+              </a:ext>
+            </a:extLst>
+          </p:cNvPr>
+          <p:cNvSpPr>
+            <a:spLocks noGrp="1"/>
+          </p:cNvSpPr>
+          <p:nvPr>
+            <p:ph sz="quarter" idx="4"/>
+          </p:nvPr>
+        </p:nvSpPr>
+        <p:spPr>
+          <a:xfrm>
+            <a:off x="5014913" y="2505075"/>
+            <a:ext cx="4211340" cy="3684588"/>
+          </a:xfrm>
+        </p:spPr>
+        <p:txBody>
+          <a:bodyPr/>
+          <a:lstStyle/>
+          <a:p>
+            <a:pPr lvl="0"/>
+            <a:r>
+              <a:rPr lang="ko-KR" altLang="en-US"/>
+              <a:t>마스터 텍스트 스타일 편집</a:t>
+            </a:r>
+          </a:p>
+          <a:p>
+            <a:pPr lvl="1"/>
+            <a:r>
+              <a:rPr lang="ko-KR" altLang="en-US"/>
+              <a:t>둘째 수준</a:t>
+            </a:r>
+          </a:p>
+          <a:p>
+            <a:pPr lvl="2"/>
+            <a:r>
+              <a:rPr lang="ko-KR" altLang="en-US"/>
+              <a:t>셋째 수준</a:t>
+            </a:r>
+          </a:p>
+          <a:p>
+            <a:pPr lvl="3"/>
+            <a:r>
+              <a:rPr lang="ko-KR" altLang="en-US"/>
+              <a:t>넷째 수준</a:t>
+            </a:r>
+          </a:p>
+          <a:p>
+            <a:pPr lvl="4"/>
+            <a:r>
+              <a:rPr lang="ko-KR" altLang="en-US"/>
+              <a:t>다섯째 수준</a:t>
+            </a:r>
+          </a:p>
+        </p:txBody>
+      </p:sp>
+      <p:sp>
+        <p:nvSpPr>
+          <p:cNvPr id="7" name="날짜 개체 틀 6">
+            <a:extLst>
+              <a:ext uri="{FF2B5EF4-FFF2-40B4-BE49-F238E27FC236}">
+                <a16:creationId xmlns:a16="http://schemas.microsoft.com/office/drawing/2014/main" id="{8B830780-A1A8-48CD-AE48-F41A0F53FE31}"/>
+              </a:ext>
+            </a:extLst>
+          </p:cNvPr>
+          <p:cNvSpPr>
+            <a:spLocks noGrp="1"/>
+          </p:cNvSpPr>
+          <p:nvPr>
+            <p:ph type="dt" sz="half" idx="10"/>
+          </p:nvPr>
+        </p:nvSpPr>
+        <p:spPr/>
+        <p:txBody>
+          <a:bodyPr/>
+          <a:lstStyle/>
+          <a:p>
+            <a:fld id="{40DF96FD-7C15-433B-A9FA-E9FA478AC43A}" type="datetimeFigureOut">
+              <a:rPr lang="ko-KR" altLang="en-US" smtClean="0"/>
+              <a:t>2023-04-06</a:t>
+            </a:fld>
+            <a:endParaRPr lang="ko-KR" altLang="en-US"/>
+          </a:p>
+        </p:txBody>
+      </p:sp>
+      <p:sp>
+        <p:nvSpPr>
+          <p:cNvPr id="8" name="바닥글 개체 틀 7">
+            <a:extLst>
+              <a:ext uri="{FF2B5EF4-FFF2-40B4-BE49-F238E27FC236}">
+                <a16:creationId xmlns:a16="http://schemas.microsoft.com/office/drawing/2014/main" id="{158D6DFE-4F3E-45A1-AF6B-3F4DBC8DB842}"/>
+              </a:ext>
+            </a:extLst>
+          </p:cNvPr>
+          <p:cNvSpPr>
+            <a:spLocks noGrp="1"/>
+          </p:cNvSpPr>
+          <p:nvPr>
+            <p:ph type="ftr" sz="quarter" idx="11"/>
+          </p:nvPr>
+        </p:nvSpPr>
+        <p:spPr/>
+        <p:txBody>
+          <a:bodyPr/>
+          <a:lstStyle/>
+          <a:p>
+            <a:endParaRPr lang="ko-KR" altLang="en-US"/>
+          </a:p>
+        </p:txBody>
+      </p:sp>
+      <p:sp>
+        <p:nvSpPr>
+          <p:cNvPr id="9" name="슬라이드 번호 개체 틀 8">
+            <a:extLst>
+              <a:ext uri="{FF2B5EF4-FFF2-40B4-BE49-F238E27FC236}">
+                <a16:creationId xmlns:a16="http://schemas.microsoft.com/office/drawing/2014/main" id="{47618B73-A369-4D37-9938-3F2B6670624B}"/>
+              </a:ext>
+            </a:extLst>
+          </p:cNvPr>
+          <p:cNvSpPr>
+            <a:spLocks noGrp="1"/>
+          </p:cNvSpPr>
+          <p:nvPr>
+            <p:ph type="sldNum" sz="quarter" idx="12"/>
+          </p:nvPr>
+        </p:nvSpPr>
+        <p:spPr/>
+        <p:txBody>
+          <a:bodyPr/>
+          <a:lstStyle/>
+          <a:p>
+            <a:fld id="{920FA6CC-01B9-49BE-B45E-AE71EF6D4EEE}" type="slidenum">
+              <a:rPr lang="ko-KR" altLang="en-US" smtClean="0"/>
+              <a:t>‹#›</a:t>
+            </a:fld>
+            <a:endParaRPr lang="ko-KR" altLang="en-US"/>
+          </a:p>
+        </p:txBody>
+      </p:sp>
+    </p:spTree>
+    <p:extLst>
+      <p:ext uri="{BB962C8B-B14F-4D97-AF65-F5344CB8AC3E}">
+        <p14:creationId xmlns:p14="http://schemas.microsoft.com/office/powerpoint/2010/main" val="1323609607"/>
+      </p:ext>
+    </p:extLst>
+  </p:cSld>
+  <p:clrMapOvr>
+    <a:masterClrMapping/>
+  </p:clrMapOvr>
 </p:sldLayout>
 </file>
 
@@ -3146,6 +6783,576 @@
 </p:sldMaster>
 </file>
 
+<file path=ppt/slideMasters/slideMaster2.xml><?xml version="1.0" encoding="utf-8"?>
+<p:sldMaster xmlns:a="http://schemas.openxmlformats.org/drawingml/2006/main" xmlns:r="http://schemas.openxmlformats.org/officeDocument/2006/relationships" xmlns:p="http://schemas.openxmlformats.org/presentationml/2006/main">
+  <p:cSld>
+    <p:bg>
+      <p:bgRef idx="1001">
+        <a:schemeClr val="bg1"/>
+      </p:bgRef>
+    </p:bg>
+    <p:spTree>
+      <p:nvGrpSpPr>
+        <p:cNvPr id="1" name=""/>
+        <p:cNvGrpSpPr/>
+        <p:nvPr/>
+      </p:nvGrpSpPr>
+      <p:grpSpPr>
+        <a:xfrm>
+          <a:off x="0" y="0"/>
+          <a:ext cx="0" cy="0"/>
+          <a:chOff x="0" y="0"/>
+          <a:chExt cx="0" cy="0"/>
+        </a:xfrm>
+      </p:grpSpPr>
+      <p:sp>
+        <p:nvSpPr>
+          <p:cNvPr id="2" name="제목 개체 틀 1">
+            <a:extLst>
+              <a:ext uri="{FF2B5EF4-FFF2-40B4-BE49-F238E27FC236}">
+                <a16:creationId xmlns:a16="http://schemas.microsoft.com/office/drawing/2014/main" id="{F0148BCD-7E1B-4B5D-924C-4498B7EC928B}"/>
+              </a:ext>
+            </a:extLst>
+          </p:cNvPr>
+          <p:cNvSpPr>
+            <a:spLocks noGrp="1"/>
+          </p:cNvSpPr>
+          <p:nvPr>
+            <p:ph type="title"/>
+          </p:nvPr>
+        </p:nvSpPr>
+        <p:spPr>
+          <a:xfrm>
+            <a:off x="681038" y="365126"/>
+            <a:ext cx="8543925" cy="1325563"/>
+          </a:xfrm>
+          <a:prstGeom prst="rect">
+            <a:avLst/>
+          </a:prstGeom>
+        </p:spPr>
+        <p:txBody>
+          <a:bodyPr vert="horz" lIns="91440" tIns="45720" rIns="91440" bIns="45720" rtlCol="0" anchor="ctr">
+            <a:normAutofit/>
+          </a:bodyPr>
+          <a:lstStyle/>
+          <a:p>
+            <a:r>
+              <a:rPr lang="ko-KR" altLang="en-US"/>
+              <a:t>마스터 제목 스타일 편집</a:t>
+            </a:r>
+          </a:p>
+        </p:txBody>
+      </p:sp>
+      <p:sp>
+        <p:nvSpPr>
+          <p:cNvPr id="3" name="텍스트 개체 틀 2">
+            <a:extLst>
+              <a:ext uri="{FF2B5EF4-FFF2-40B4-BE49-F238E27FC236}">
+                <a16:creationId xmlns:a16="http://schemas.microsoft.com/office/drawing/2014/main" id="{BE576C6B-B721-4D88-ADCC-E313BB99C8FF}"/>
+              </a:ext>
+            </a:extLst>
+          </p:cNvPr>
+          <p:cNvSpPr>
+            <a:spLocks noGrp="1"/>
+          </p:cNvSpPr>
+          <p:nvPr>
+            <p:ph type="body" idx="1"/>
+          </p:nvPr>
+        </p:nvSpPr>
+        <p:spPr>
+          <a:xfrm>
+            <a:off x="681038" y="1825625"/>
+            <a:ext cx="8543925" cy="4351338"/>
+          </a:xfrm>
+          <a:prstGeom prst="rect">
+            <a:avLst/>
+          </a:prstGeom>
+        </p:spPr>
+        <p:txBody>
+          <a:bodyPr vert="horz" lIns="91440" tIns="45720" rIns="91440" bIns="45720" rtlCol="0">
+            <a:normAutofit/>
+          </a:bodyPr>
+          <a:lstStyle/>
+          <a:p>
+            <a:pPr lvl="0"/>
+            <a:r>
+              <a:rPr lang="ko-KR" altLang="en-US"/>
+              <a:t>마스터 텍스트 스타일 편집</a:t>
+            </a:r>
+          </a:p>
+          <a:p>
+            <a:pPr lvl="1"/>
+            <a:r>
+              <a:rPr lang="ko-KR" altLang="en-US"/>
+              <a:t>둘째 수준</a:t>
+            </a:r>
+          </a:p>
+          <a:p>
+            <a:pPr lvl="2"/>
+            <a:r>
+              <a:rPr lang="ko-KR" altLang="en-US"/>
+              <a:t>셋째 수준</a:t>
+            </a:r>
+          </a:p>
+          <a:p>
+            <a:pPr lvl="3"/>
+            <a:r>
+              <a:rPr lang="ko-KR" altLang="en-US"/>
+              <a:t>넷째 수준</a:t>
+            </a:r>
+          </a:p>
+          <a:p>
+            <a:pPr lvl="4"/>
+            <a:r>
+              <a:rPr lang="ko-KR" altLang="en-US"/>
+              <a:t>다섯째 수준</a:t>
+            </a:r>
+          </a:p>
+        </p:txBody>
+      </p:sp>
+      <p:sp>
+        <p:nvSpPr>
+          <p:cNvPr id="4" name="날짜 개체 틀 3">
+            <a:extLst>
+              <a:ext uri="{FF2B5EF4-FFF2-40B4-BE49-F238E27FC236}">
+                <a16:creationId xmlns:a16="http://schemas.microsoft.com/office/drawing/2014/main" id="{5467E0B0-11DF-44C5-8D8D-376474349AC6}"/>
+              </a:ext>
+            </a:extLst>
+          </p:cNvPr>
+          <p:cNvSpPr>
+            <a:spLocks noGrp="1"/>
+          </p:cNvSpPr>
+          <p:nvPr>
+            <p:ph type="dt" sz="half" idx="2"/>
+          </p:nvPr>
+        </p:nvSpPr>
+        <p:spPr>
+          <a:xfrm>
+            <a:off x="681038" y="6356351"/>
+            <a:ext cx="2228850" cy="365125"/>
+          </a:xfrm>
+          <a:prstGeom prst="rect">
+            <a:avLst/>
+          </a:prstGeom>
+        </p:spPr>
+        <p:txBody>
+          <a:bodyPr vert="horz" lIns="91440" tIns="45720" rIns="91440" bIns="45720" rtlCol="0" anchor="ctr"/>
+          <a:lstStyle>
+            <a:lvl1pPr algn="l">
+              <a:defRPr sz="975">
+                <a:solidFill>
+                  <a:schemeClr val="tx1">
+                    <a:tint val="75000"/>
+                  </a:schemeClr>
+                </a:solidFill>
+              </a:defRPr>
+            </a:lvl1pPr>
+          </a:lstStyle>
+          <a:p>
+            <a:fld id="{40DF96FD-7C15-433B-A9FA-E9FA478AC43A}" type="datetimeFigureOut">
+              <a:rPr lang="ko-KR" altLang="en-US" smtClean="0"/>
+              <a:t>2023-04-06</a:t>
+            </a:fld>
+            <a:endParaRPr lang="ko-KR" altLang="en-US"/>
+          </a:p>
+        </p:txBody>
+      </p:sp>
+      <p:sp>
+        <p:nvSpPr>
+          <p:cNvPr id="5" name="바닥글 개체 틀 4">
+            <a:extLst>
+              <a:ext uri="{FF2B5EF4-FFF2-40B4-BE49-F238E27FC236}">
+                <a16:creationId xmlns:a16="http://schemas.microsoft.com/office/drawing/2014/main" id="{92E1F143-C0CB-4D7A-A655-AD3B317804B8}"/>
+              </a:ext>
+            </a:extLst>
+          </p:cNvPr>
+          <p:cNvSpPr>
+            <a:spLocks noGrp="1"/>
+          </p:cNvSpPr>
+          <p:nvPr>
+            <p:ph type="ftr" sz="quarter" idx="3"/>
+          </p:nvPr>
+        </p:nvSpPr>
+        <p:spPr>
+          <a:xfrm>
+            <a:off x="3281363" y="6356351"/>
+            <a:ext cx="3343275" cy="365125"/>
+          </a:xfrm>
+          <a:prstGeom prst="rect">
+            <a:avLst/>
+          </a:prstGeom>
+        </p:spPr>
+        <p:txBody>
+          <a:bodyPr vert="horz" lIns="91440" tIns="45720" rIns="91440" bIns="45720" rtlCol="0" anchor="ctr"/>
+          <a:lstStyle>
+            <a:lvl1pPr algn="ctr">
+              <a:defRPr sz="975">
+                <a:solidFill>
+                  <a:schemeClr val="tx1">
+                    <a:tint val="75000"/>
+                  </a:schemeClr>
+                </a:solidFill>
+              </a:defRPr>
+            </a:lvl1pPr>
+          </a:lstStyle>
+          <a:p>
+            <a:endParaRPr lang="ko-KR" altLang="en-US"/>
+          </a:p>
+        </p:txBody>
+      </p:sp>
+      <p:sp>
+        <p:nvSpPr>
+          <p:cNvPr id="6" name="슬라이드 번호 개체 틀 5">
+            <a:extLst>
+              <a:ext uri="{FF2B5EF4-FFF2-40B4-BE49-F238E27FC236}">
+                <a16:creationId xmlns:a16="http://schemas.microsoft.com/office/drawing/2014/main" id="{8724363A-11A5-4136-98AD-B1F328042D78}"/>
+              </a:ext>
+            </a:extLst>
+          </p:cNvPr>
+          <p:cNvSpPr>
+            <a:spLocks noGrp="1"/>
+          </p:cNvSpPr>
+          <p:nvPr>
+            <p:ph type="sldNum" sz="quarter" idx="4"/>
+          </p:nvPr>
+        </p:nvSpPr>
+        <p:spPr>
+          <a:xfrm>
+            <a:off x="6996113" y="6356351"/>
+            <a:ext cx="2228850" cy="365125"/>
+          </a:xfrm>
+          <a:prstGeom prst="rect">
+            <a:avLst/>
+          </a:prstGeom>
+        </p:spPr>
+        <p:txBody>
+          <a:bodyPr vert="horz" lIns="91440" tIns="45720" rIns="91440" bIns="45720" rtlCol="0" anchor="ctr"/>
+          <a:lstStyle>
+            <a:lvl1pPr algn="r">
+              <a:defRPr sz="975">
+                <a:solidFill>
+                  <a:schemeClr val="tx1">
+                    <a:tint val="75000"/>
+                  </a:schemeClr>
+                </a:solidFill>
+              </a:defRPr>
+            </a:lvl1pPr>
+          </a:lstStyle>
+          <a:p>
+            <a:fld id="{920FA6CC-01B9-49BE-B45E-AE71EF6D4EEE}" type="slidenum">
+              <a:rPr lang="ko-KR" altLang="en-US" smtClean="0"/>
+              <a:t>‹#›</a:t>
+            </a:fld>
+            <a:endParaRPr lang="ko-KR" altLang="en-US"/>
+          </a:p>
+        </p:txBody>
+      </p:sp>
+    </p:spTree>
+    <p:extLst>
+      <p:ext uri="{BB962C8B-B14F-4D97-AF65-F5344CB8AC3E}">
+        <p14:creationId xmlns:p14="http://schemas.microsoft.com/office/powerpoint/2010/main" val="694240168"/>
+      </p:ext>
+    </p:extLst>
+  </p:cSld>
+  <p:clrMap bg1="lt1" tx1="dk1" bg2="lt2" tx2="dk2" accent1="accent1" accent2="accent2" accent3="accent3" accent4="accent4" accent5="accent5" accent6="accent6" hlink="hlink" folHlink="folHlink"/>
+  <p:sldLayoutIdLst>
+    <p:sldLayoutId id="2147483684" r:id="rId1"/>
+    <p:sldLayoutId id="2147483685" r:id="rId2"/>
+    <p:sldLayoutId id="2147483686" r:id="rId3"/>
+    <p:sldLayoutId id="2147483687" r:id="rId4"/>
+    <p:sldLayoutId id="2147483688" r:id="rId5"/>
+    <p:sldLayoutId id="2147483689" r:id="rId6"/>
+    <p:sldLayoutId id="2147483690" r:id="rId7"/>
+    <p:sldLayoutId id="2147483691" r:id="rId8"/>
+    <p:sldLayoutId id="2147483692" r:id="rId9"/>
+    <p:sldLayoutId id="2147483693" r:id="rId10"/>
+    <p:sldLayoutId id="2147483694" r:id="rId11"/>
+    <p:sldLayoutId id="2147483695" r:id="rId12"/>
+    <p:sldLayoutId id="2147483696" r:id="rId13"/>
+  </p:sldLayoutIdLst>
+  <p:txStyles>
+    <p:titleStyle>
+      <a:lvl1pPr algn="l" defTabSz="742950" rtl="0" eaLnBrk="1" latinLnBrk="1" hangingPunct="1">
+        <a:lnSpc>
+          <a:spcPct val="90000"/>
+        </a:lnSpc>
+        <a:spcBef>
+          <a:spcPct val="0"/>
+        </a:spcBef>
+        <a:buNone/>
+        <a:defRPr sz="3575" kern="1200">
+          <a:solidFill>
+            <a:schemeClr val="tx1"/>
+          </a:solidFill>
+          <a:latin typeface="+mj-lt"/>
+          <a:ea typeface="+mj-ea"/>
+          <a:cs typeface="+mj-cs"/>
+        </a:defRPr>
+      </a:lvl1pPr>
+    </p:titleStyle>
+    <p:bodyStyle>
+      <a:lvl1pPr marL="185738" indent="-185738" algn="l" defTabSz="742950" rtl="0" eaLnBrk="1" latinLnBrk="1" hangingPunct="1">
+        <a:lnSpc>
+          <a:spcPct val="90000"/>
+        </a:lnSpc>
+        <a:spcBef>
+          <a:spcPts val="813"/>
+        </a:spcBef>
+        <a:buFont typeface="Arial" panose="020B0604020202020204" pitchFamily="34" charset="0"/>
+        <a:buChar char="•"/>
+        <a:defRPr sz="2275" kern="1200">
+          <a:solidFill>
+            <a:schemeClr val="tx1"/>
+          </a:solidFill>
+          <a:latin typeface="+mn-lt"/>
+          <a:ea typeface="+mn-ea"/>
+          <a:cs typeface="+mn-cs"/>
+        </a:defRPr>
+      </a:lvl1pPr>
+      <a:lvl2pPr marL="557213" indent="-185738" algn="l" defTabSz="742950" rtl="0" eaLnBrk="1" latinLnBrk="1" hangingPunct="1">
+        <a:lnSpc>
+          <a:spcPct val="90000"/>
+        </a:lnSpc>
+        <a:spcBef>
+          <a:spcPts val="406"/>
+        </a:spcBef>
+        <a:buFont typeface="Arial" panose="020B0604020202020204" pitchFamily="34" charset="0"/>
+        <a:buChar char="•"/>
+        <a:defRPr sz="1950" kern="1200">
+          <a:solidFill>
+            <a:schemeClr val="tx1"/>
+          </a:solidFill>
+          <a:latin typeface="+mn-lt"/>
+          <a:ea typeface="+mn-ea"/>
+          <a:cs typeface="+mn-cs"/>
+        </a:defRPr>
+      </a:lvl2pPr>
+      <a:lvl3pPr marL="928688" indent="-185738" algn="l" defTabSz="742950" rtl="0" eaLnBrk="1" latinLnBrk="1" hangingPunct="1">
+        <a:lnSpc>
+          <a:spcPct val="90000"/>
+        </a:lnSpc>
+        <a:spcBef>
+          <a:spcPts val="406"/>
+        </a:spcBef>
+        <a:buFont typeface="Arial" panose="020B0604020202020204" pitchFamily="34" charset="0"/>
+        <a:buChar char="•"/>
+        <a:defRPr sz="1625" kern="1200">
+          <a:solidFill>
+            <a:schemeClr val="tx1"/>
+          </a:solidFill>
+          <a:latin typeface="+mn-lt"/>
+          <a:ea typeface="+mn-ea"/>
+          <a:cs typeface="+mn-cs"/>
+        </a:defRPr>
+      </a:lvl3pPr>
+      <a:lvl4pPr marL="1300163" indent="-185738" algn="l" defTabSz="742950" rtl="0" eaLnBrk="1" latinLnBrk="1" hangingPunct="1">
+        <a:lnSpc>
+          <a:spcPct val="90000"/>
+        </a:lnSpc>
+        <a:spcBef>
+          <a:spcPts val="406"/>
+        </a:spcBef>
+        <a:buFont typeface="Arial" panose="020B0604020202020204" pitchFamily="34" charset="0"/>
+        <a:buChar char="•"/>
+        <a:defRPr sz="1463" kern="1200">
+          <a:solidFill>
+            <a:schemeClr val="tx1"/>
+          </a:solidFill>
+          <a:latin typeface="+mn-lt"/>
+          <a:ea typeface="+mn-ea"/>
+          <a:cs typeface="+mn-cs"/>
+        </a:defRPr>
+      </a:lvl4pPr>
+      <a:lvl5pPr marL="1671638" indent="-185738" algn="l" defTabSz="742950" rtl="0" eaLnBrk="1" latinLnBrk="1" hangingPunct="1">
+        <a:lnSpc>
+          <a:spcPct val="90000"/>
+        </a:lnSpc>
+        <a:spcBef>
+          <a:spcPts val="406"/>
+        </a:spcBef>
+        <a:buFont typeface="Arial" panose="020B0604020202020204" pitchFamily="34" charset="0"/>
+        <a:buChar char="•"/>
+        <a:defRPr sz="1463" kern="1200">
+          <a:solidFill>
+            <a:schemeClr val="tx1"/>
+          </a:solidFill>
+          <a:latin typeface="+mn-lt"/>
+          <a:ea typeface="+mn-ea"/>
+          <a:cs typeface="+mn-cs"/>
+        </a:defRPr>
+      </a:lvl5pPr>
+      <a:lvl6pPr marL="2043113" indent="-185738" algn="l" defTabSz="742950" rtl="0" eaLnBrk="1" latinLnBrk="1" hangingPunct="1">
+        <a:lnSpc>
+          <a:spcPct val="90000"/>
+        </a:lnSpc>
+        <a:spcBef>
+          <a:spcPts val="406"/>
+        </a:spcBef>
+        <a:buFont typeface="Arial" panose="020B0604020202020204" pitchFamily="34" charset="0"/>
+        <a:buChar char="•"/>
+        <a:defRPr sz="1463" kern="1200">
+          <a:solidFill>
+            <a:schemeClr val="tx1"/>
+          </a:solidFill>
+          <a:latin typeface="+mn-lt"/>
+          <a:ea typeface="+mn-ea"/>
+          <a:cs typeface="+mn-cs"/>
+        </a:defRPr>
+      </a:lvl6pPr>
+      <a:lvl7pPr marL="2414588" indent="-185738" algn="l" defTabSz="742950" rtl="0" eaLnBrk="1" latinLnBrk="1" hangingPunct="1">
+        <a:lnSpc>
+          <a:spcPct val="90000"/>
+        </a:lnSpc>
+        <a:spcBef>
+          <a:spcPts val="406"/>
+        </a:spcBef>
+        <a:buFont typeface="Arial" panose="020B0604020202020204" pitchFamily="34" charset="0"/>
+        <a:buChar char="•"/>
+        <a:defRPr sz="1463" kern="1200">
+          <a:solidFill>
+            <a:schemeClr val="tx1"/>
+          </a:solidFill>
+          <a:latin typeface="+mn-lt"/>
+          <a:ea typeface="+mn-ea"/>
+          <a:cs typeface="+mn-cs"/>
+        </a:defRPr>
+      </a:lvl7pPr>
+      <a:lvl8pPr marL="2786063" indent="-185738" algn="l" defTabSz="742950" rtl="0" eaLnBrk="1" latinLnBrk="1" hangingPunct="1">
+        <a:lnSpc>
+          <a:spcPct val="90000"/>
+        </a:lnSpc>
+        <a:spcBef>
+          <a:spcPts val="406"/>
+        </a:spcBef>
+        <a:buFont typeface="Arial" panose="020B0604020202020204" pitchFamily="34" charset="0"/>
+        <a:buChar char="•"/>
+        <a:defRPr sz="1463" kern="1200">
+          <a:solidFill>
+            <a:schemeClr val="tx1"/>
+          </a:solidFill>
+          <a:latin typeface="+mn-lt"/>
+          <a:ea typeface="+mn-ea"/>
+          <a:cs typeface="+mn-cs"/>
+        </a:defRPr>
+      </a:lvl8pPr>
+      <a:lvl9pPr marL="3157538" indent="-185738" algn="l" defTabSz="742950" rtl="0" eaLnBrk="1" latinLnBrk="1" hangingPunct="1">
+        <a:lnSpc>
+          <a:spcPct val="90000"/>
+        </a:lnSpc>
+        <a:spcBef>
+          <a:spcPts val="406"/>
+        </a:spcBef>
+        <a:buFont typeface="Arial" panose="020B0604020202020204" pitchFamily="34" charset="0"/>
+        <a:buChar char="•"/>
+        <a:defRPr sz="1463" kern="1200">
+          <a:solidFill>
+            <a:schemeClr val="tx1"/>
+          </a:solidFill>
+          <a:latin typeface="+mn-lt"/>
+          <a:ea typeface="+mn-ea"/>
+          <a:cs typeface="+mn-cs"/>
+        </a:defRPr>
+      </a:lvl9pPr>
+    </p:bodyStyle>
+    <p:otherStyle>
+      <a:defPPr>
+        <a:defRPr lang="ko-KR"/>
+      </a:defPPr>
+      <a:lvl1pPr marL="0" algn="l" defTabSz="742950" rtl="0" eaLnBrk="1" latinLnBrk="1" hangingPunct="1">
+        <a:defRPr sz="1463" kern="1200">
+          <a:solidFill>
+            <a:schemeClr val="tx1"/>
+          </a:solidFill>
+          <a:latin typeface="+mn-lt"/>
+          <a:ea typeface="+mn-ea"/>
+          <a:cs typeface="+mn-cs"/>
+        </a:defRPr>
+      </a:lvl1pPr>
+      <a:lvl2pPr marL="371475" algn="l" defTabSz="742950" rtl="0" eaLnBrk="1" latinLnBrk="1" hangingPunct="1">
+        <a:defRPr sz="1463" kern="1200">
+          <a:solidFill>
+            <a:schemeClr val="tx1"/>
+          </a:solidFill>
+          <a:latin typeface="+mn-lt"/>
+          <a:ea typeface="+mn-ea"/>
+          <a:cs typeface="+mn-cs"/>
+        </a:defRPr>
+      </a:lvl2pPr>
+      <a:lvl3pPr marL="742950" algn="l" defTabSz="742950" rtl="0" eaLnBrk="1" latinLnBrk="1" hangingPunct="1">
+        <a:defRPr sz="1463" kern="1200">
+          <a:solidFill>
+            <a:schemeClr val="tx1"/>
+          </a:solidFill>
+          <a:latin typeface="+mn-lt"/>
+          <a:ea typeface="+mn-ea"/>
+          <a:cs typeface="+mn-cs"/>
+        </a:defRPr>
+      </a:lvl3pPr>
+      <a:lvl4pPr marL="1114425" algn="l" defTabSz="742950" rtl="0" eaLnBrk="1" latinLnBrk="1" hangingPunct="1">
+        <a:defRPr sz="1463" kern="1200">
+          <a:solidFill>
+            <a:schemeClr val="tx1"/>
+          </a:solidFill>
+          <a:latin typeface="+mn-lt"/>
+          <a:ea typeface="+mn-ea"/>
+          <a:cs typeface="+mn-cs"/>
+        </a:defRPr>
+      </a:lvl4pPr>
+      <a:lvl5pPr marL="1485900" algn="l" defTabSz="742950" rtl="0" eaLnBrk="1" latinLnBrk="1" hangingPunct="1">
+        <a:defRPr sz="1463" kern="1200">
+          <a:solidFill>
+            <a:schemeClr val="tx1"/>
+          </a:solidFill>
+          <a:latin typeface="+mn-lt"/>
+          <a:ea typeface="+mn-ea"/>
+          <a:cs typeface="+mn-cs"/>
+        </a:defRPr>
+      </a:lvl5pPr>
+      <a:lvl6pPr marL="1857375" algn="l" defTabSz="742950" rtl="0" eaLnBrk="1" latinLnBrk="1" hangingPunct="1">
+        <a:defRPr sz="1463" kern="1200">
+          <a:solidFill>
+            <a:schemeClr val="tx1"/>
+          </a:solidFill>
+          <a:latin typeface="+mn-lt"/>
+          <a:ea typeface="+mn-ea"/>
+          <a:cs typeface="+mn-cs"/>
+        </a:defRPr>
+      </a:lvl6pPr>
+      <a:lvl7pPr marL="2228850" algn="l" defTabSz="742950" rtl="0" eaLnBrk="1" latinLnBrk="1" hangingPunct="1">
+        <a:defRPr sz="1463" kern="1200">
+          <a:solidFill>
+            <a:schemeClr val="tx1"/>
+          </a:solidFill>
+          <a:latin typeface="+mn-lt"/>
+          <a:ea typeface="+mn-ea"/>
+          <a:cs typeface="+mn-cs"/>
+        </a:defRPr>
+      </a:lvl7pPr>
+      <a:lvl8pPr marL="2600325" algn="l" defTabSz="742950" rtl="0" eaLnBrk="1" latinLnBrk="1" hangingPunct="1">
+        <a:defRPr sz="1463" kern="1200">
+          <a:solidFill>
+            <a:schemeClr val="tx1"/>
+          </a:solidFill>
+          <a:latin typeface="+mn-lt"/>
+          <a:ea typeface="+mn-ea"/>
+          <a:cs typeface="+mn-cs"/>
+        </a:defRPr>
+      </a:lvl8pPr>
+      <a:lvl9pPr marL="2971800" algn="l" defTabSz="742950" rtl="0" eaLnBrk="1" latinLnBrk="1" hangingPunct="1">
+        <a:defRPr sz="1463" kern="1200">
+          <a:solidFill>
+            <a:schemeClr val="tx1"/>
+          </a:solidFill>
+          <a:latin typeface="+mn-lt"/>
+          <a:ea typeface="+mn-ea"/>
+          <a:cs typeface="+mn-cs"/>
+        </a:defRPr>
+      </a:lvl9pPr>
+    </p:otherStyle>
+  </p:txStyles>
+</p:sldMaster>
+</file>
+
 <file path=ppt/slides/slide1.xml><?xml version="1.0" encoding="utf-8"?>
 <p:sld xmlns:a="http://schemas.openxmlformats.org/drawingml/2006/main" xmlns:r="http://schemas.openxmlformats.org/officeDocument/2006/relationships" xmlns:p="http://schemas.openxmlformats.org/presentationml/2006/main">
   <p:cSld>
@@ -16099,6 +20306,301 @@
 </file>
 
 <file path=ppt/theme/theme2.xml><?xml version="1.0" encoding="utf-8"?>
+<a:theme xmlns:a="http://schemas.openxmlformats.org/drawingml/2006/main" name="1_Office 테마">
+  <a:themeElements>
+    <a:clrScheme name="Office">
+      <a:dk1>
+        <a:sysClr val="windowText" lastClr="000000"/>
+      </a:dk1>
+      <a:lt1>
+        <a:sysClr val="window" lastClr="FFFFFF"/>
+      </a:lt1>
+      <a:dk2>
+        <a:srgbClr val="44546A"/>
+      </a:dk2>
+      <a:lt2>
+        <a:srgbClr val="E7E6E6"/>
+      </a:lt2>
+      <a:accent1>
+        <a:srgbClr val="4472C4"/>
+      </a:accent1>
+      <a:accent2>
+        <a:srgbClr val="ED7D31"/>
+      </a:accent2>
+      <a:accent3>
+        <a:srgbClr val="A5A5A5"/>
+      </a:accent3>
+      <a:accent4>
+        <a:srgbClr val="FFC000"/>
+      </a:accent4>
+      <a:accent5>
+        <a:srgbClr val="5B9BD5"/>
+      </a:accent5>
+      <a:accent6>
+        <a:srgbClr val="70AD47"/>
+      </a:accent6>
+      <a:hlink>
+        <a:srgbClr val="0563C1"/>
+      </a:hlink>
+      <a:folHlink>
+        <a:srgbClr val="954F72"/>
+      </a:folHlink>
+    </a:clrScheme>
+    <a:fontScheme name="Office">
+      <a:majorFont>
+        <a:latin typeface="맑은 고딕" panose="020F0302020204030204"/>
+        <a:ea typeface=""/>
+        <a:cs typeface=""/>
+        <a:font script="Jpan" typeface="游ゴシック Light"/>
+        <a:font script="Hang" typeface="맑은 고딕"/>
+        <a:font script="Hans" typeface="等线 Light"/>
+        <a:font script="Hant" typeface="新細明體"/>
+        <a:font script="Arab" typeface="Times New Roman"/>
+        <a:font script="Hebr" typeface="Times New Roman"/>
+        <a:font script="Thai" typeface="Angsana New"/>
+        <a:font script="Ethi" typeface="Nyala"/>
+        <a:font script="Beng" typeface="Vrinda"/>
+        <a:font script="Gujr" typeface="Shruti"/>
+        <a:font script="Khmr" typeface="MoolBoran"/>
+        <a:font script="Knda" typeface="Tunga"/>
+        <a:font script="Guru" typeface="Raavi"/>
+        <a:font script="Cans" typeface="Euphemia"/>
+        <a:font script="Cher" typeface="Plantagenet Cherokee"/>
+        <a:font script="Yiii" typeface="Microsoft Yi Baiti"/>
+        <a:font script="Tibt" typeface="Microsoft Himalaya"/>
+        <a:font script="Thaa" typeface="MV Boli"/>
+        <a:font script="Deva" typeface="Mangal"/>
+        <a:font script="Telu" typeface="Gautami"/>
+        <a:font script="Taml" typeface="Latha"/>
+        <a:font script="Syrc" typeface="Estrangelo Edessa"/>
+        <a:font script="Orya" typeface="Kalinga"/>
+        <a:font script="Mlym" typeface="Kartika"/>
+        <a:font script="Laoo" typeface="DokChampa"/>
+        <a:font script="Sinh" typeface="Iskoola Pota"/>
+        <a:font script="Mong" typeface="Mongolian Baiti"/>
+        <a:font script="Viet" typeface="Times New Roman"/>
+        <a:font script="Uigh" typeface="Microsoft Uighur"/>
+        <a:font script="Geor" typeface="Sylfaen"/>
+        <a:font script="Armn" typeface="Arial"/>
+        <a:font script="Bugi" typeface="Leelawadee UI"/>
+        <a:font script="Bopo" typeface="Microsoft JhengHei"/>
+        <a:font script="Java" typeface="Javanese Text"/>
+        <a:font script="Lisu" typeface="Segoe UI"/>
+        <a:font script="Mymr" typeface="Myanmar Text"/>
+        <a:font script="Nkoo" typeface="Ebrima"/>
+        <a:font script="Olck" typeface="Nirmala UI"/>
+        <a:font script="Osma" typeface="Ebrima"/>
+        <a:font script="Phag" typeface="Phagspa"/>
+        <a:font script="Syrn" typeface="Estrangelo Edessa"/>
+        <a:font script="Syrj" typeface="Estrangelo Edessa"/>
+        <a:font script="Syre" typeface="Estrangelo Edessa"/>
+        <a:font script="Sora" typeface="Nirmala UI"/>
+        <a:font script="Tale" typeface="Microsoft Tai Le"/>
+        <a:font script="Talu" typeface="Microsoft New Tai Lue"/>
+        <a:font script="Tfng" typeface="Ebrima"/>
+      </a:majorFont>
+      <a:minorFont>
+        <a:latin typeface="맑은 고딕" panose="020F0502020204030204"/>
+        <a:ea typeface=""/>
+        <a:cs typeface=""/>
+        <a:font script="Jpan" typeface="游ゴシック"/>
+        <a:font script="Hang" typeface="맑은 고딕"/>
+        <a:font script="Hans" typeface="等线"/>
+        <a:font script="Hant" typeface="新細明體"/>
+        <a:font script="Arab" typeface="Arial"/>
+        <a:font script="Hebr" typeface="Arial"/>
+        <a:font script="Thai" typeface="Cordia New"/>
+        <a:font script="Ethi" typeface="Nyala"/>
+        <a:font script="Beng" typeface="Vrinda"/>
+        <a:font script="Gujr" typeface="Shruti"/>
+        <a:font script="Khmr" typeface="DaunPenh"/>
+        <a:font script="Knda" typeface="Tunga"/>
+        <a:font script="Guru" typeface="Raavi"/>
+        <a:font script="Cans" typeface="Euphemia"/>
+        <a:font script="Cher" typeface="Plantagenet Cherokee"/>
+        <a:font script="Yiii" typeface="Microsoft Yi Baiti"/>
+        <a:font script="Tibt" typeface="Microsoft Himalaya"/>
+        <a:font script="Thaa" typeface="MV Boli"/>
+        <a:font script="Deva" typeface="Mangal"/>
+        <a:font script="Telu" typeface="Gautami"/>
+        <a:font script="Taml" typeface="Latha"/>
+        <a:font script="Syrc" typeface="Estrangelo Edessa"/>
+        <a:font script="Orya" typeface="Kalinga"/>
+        <a:font script="Mlym" typeface="Kartika"/>
+        <a:font script="Laoo" typeface="DokChampa"/>
+        <a:font script="Sinh" typeface="Iskoola Pota"/>
+        <a:font script="Mong" typeface="Mongolian Baiti"/>
+        <a:font script="Viet" typeface="Arial"/>
+        <a:font script="Uigh" typeface="Microsoft Uighur"/>
+        <a:font script="Geor" typeface="Sylfaen"/>
+        <a:font script="Armn" typeface="Arial"/>
+        <a:font script="Bugi" typeface="Leelawadee UI"/>
+        <a:font script="Bopo" typeface="Microsoft JhengHei"/>
+        <a:font script="Java" typeface="Javanese Text"/>
+        <a:font script="Lisu" typeface="Segoe UI"/>
+        <a:font script="Mymr" typeface="Myanmar Text"/>
+        <a:font script="Nkoo" typeface="Ebrima"/>
+        <a:font script="Olck" typeface="Nirmala UI"/>
+        <a:font script="Osma" typeface="Ebrima"/>
+        <a:font script="Phag" typeface="Phagspa"/>
+        <a:font script="Syrn" typeface="Estrangelo Edessa"/>
+        <a:font script="Syrj" typeface="Estrangelo Edessa"/>
+        <a:font script="Syre" typeface="Estrangelo Edessa"/>
+        <a:font script="Sora" typeface="Nirmala UI"/>
+        <a:font script="Tale" typeface="Microsoft Tai Le"/>
+        <a:font script="Talu" typeface="Microsoft New Tai Lue"/>
+        <a:font script="Tfng" typeface="Ebrima"/>
+      </a:minorFont>
+    </a:fontScheme>
+    <a:fmtScheme name="Office">
+      <a:fillStyleLst>
+        <a:solidFill>
+          <a:schemeClr val="phClr"/>
+        </a:solidFill>
+        <a:gradFill rotWithShape="1">
+          <a:gsLst>
+            <a:gs pos="0">
+              <a:schemeClr val="phClr">
+                <a:lumMod val="110000"/>
+                <a:satMod val="105000"/>
+                <a:tint val="67000"/>
+              </a:schemeClr>
+            </a:gs>
+            <a:gs pos="50000">
+              <a:schemeClr val="phClr">
+                <a:lumMod val="105000"/>
+                <a:satMod val="103000"/>
+                <a:tint val="73000"/>
+              </a:schemeClr>
+            </a:gs>
+            <a:gs pos="100000">
+              <a:schemeClr val="phClr">
+                <a:lumMod val="105000"/>
+                <a:satMod val="109000"/>
+                <a:tint val="81000"/>
+              </a:schemeClr>
+            </a:gs>
+          </a:gsLst>
+          <a:lin ang="5400000" scaled="0"/>
+        </a:gradFill>
+        <a:gradFill rotWithShape="1">
+          <a:gsLst>
+            <a:gs pos="0">
+              <a:schemeClr val="phClr">
+                <a:satMod val="103000"/>
+                <a:lumMod val="102000"/>
+                <a:tint val="94000"/>
+              </a:schemeClr>
+            </a:gs>
+            <a:gs pos="50000">
+              <a:schemeClr val="phClr">
+                <a:satMod val="110000"/>
+                <a:lumMod val="100000"/>
+                <a:shade val="100000"/>
+              </a:schemeClr>
+            </a:gs>
+            <a:gs pos="100000">
+              <a:schemeClr val="phClr">
+                <a:lumMod val="99000"/>
+                <a:satMod val="120000"/>
+                <a:shade val="78000"/>
+              </a:schemeClr>
+            </a:gs>
+          </a:gsLst>
+          <a:lin ang="5400000" scaled="0"/>
+        </a:gradFill>
+      </a:fillStyleLst>
+      <a:lnStyleLst>
+        <a:ln w="6350" cap="flat" cmpd="sng" algn="ctr">
+          <a:solidFill>
+            <a:schemeClr val="phClr"/>
+          </a:solidFill>
+          <a:prstDash val="solid"/>
+          <a:miter lim="800000"/>
+        </a:ln>
+        <a:ln w="12700" cap="flat" cmpd="sng" algn="ctr">
+          <a:solidFill>
+            <a:schemeClr val="phClr"/>
+          </a:solidFill>
+          <a:prstDash val="solid"/>
+          <a:miter lim="800000"/>
+        </a:ln>
+        <a:ln w="19050" cap="flat" cmpd="sng" algn="ctr">
+          <a:solidFill>
+            <a:schemeClr val="phClr"/>
+          </a:solidFill>
+          <a:prstDash val="solid"/>
+          <a:miter lim="800000"/>
+        </a:ln>
+      </a:lnStyleLst>
+      <a:effectStyleLst>
+        <a:effectStyle>
+          <a:effectLst/>
+        </a:effectStyle>
+        <a:effectStyle>
+          <a:effectLst/>
+        </a:effectStyle>
+        <a:effectStyle>
+          <a:effectLst>
+            <a:outerShdw blurRad="57150" dist="19050" dir="5400000" algn="ctr" rotWithShape="0">
+              <a:srgbClr val="000000">
+                <a:alpha val="63000"/>
+              </a:srgbClr>
+            </a:outerShdw>
+          </a:effectLst>
+        </a:effectStyle>
+      </a:effectStyleLst>
+      <a:bgFillStyleLst>
+        <a:solidFill>
+          <a:schemeClr val="phClr"/>
+        </a:solidFill>
+        <a:solidFill>
+          <a:schemeClr val="phClr">
+            <a:tint val="95000"/>
+            <a:satMod val="170000"/>
+          </a:schemeClr>
+        </a:solidFill>
+        <a:gradFill rotWithShape="1">
+          <a:gsLst>
+            <a:gs pos="0">
+              <a:schemeClr val="phClr">
+                <a:tint val="93000"/>
+                <a:satMod val="150000"/>
+                <a:shade val="98000"/>
+                <a:lumMod val="102000"/>
+              </a:schemeClr>
+            </a:gs>
+            <a:gs pos="50000">
+              <a:schemeClr val="phClr">
+                <a:tint val="98000"/>
+                <a:satMod val="130000"/>
+                <a:shade val="90000"/>
+                <a:lumMod val="103000"/>
+              </a:schemeClr>
+            </a:gs>
+            <a:gs pos="100000">
+              <a:schemeClr val="phClr">
+                <a:shade val="63000"/>
+                <a:satMod val="120000"/>
+              </a:schemeClr>
+            </a:gs>
+          </a:gsLst>
+          <a:lin ang="5400000" scaled="0"/>
+        </a:gradFill>
+      </a:bgFillStyleLst>
+    </a:fmtScheme>
+  </a:themeElements>
+  <a:objectDefaults/>
+  <a:extraClrSchemeLst/>
+  <a:extLst>
+    <a:ext uri="{05A4C25C-085E-4340-85A3-A5531E510DB2}">
+      <thm15:themeFamily xmlns:thm15="http://schemas.microsoft.com/office/thememl/2012/main" name="Office Theme" id="{62F939B6-93AF-4DB8-9C6B-D6C7DFDC589F}" vid="{4A3C46E8-61CC-4603-A589-7422A47A8E4A}"/>
+    </a:ext>
+  </a:extLst>
+</a:theme>
+</file>
+
+<file path=ppt/theme/theme3.xml><?xml version="1.0" encoding="utf-8"?>
 <a:theme xmlns:a="http://schemas.openxmlformats.org/drawingml/2006/main" name="Office 테마">
   <a:themeElements>
     <a:clrScheme name="Office">
@@ -16381,7 +20883,7 @@
 </a:theme>
 </file>
 
-<file path=ppt/theme/theme3.xml><?xml version="1.0" encoding="utf-8"?>
+<file path=ppt/theme/theme4.xml><?xml version="1.0" encoding="utf-8"?>
 <a:theme xmlns:a="http://schemas.openxmlformats.org/drawingml/2006/main" name="Office 테마">
   <a:themeElements>
     <a:clrScheme name="Office">

--- a/report/readme/docs/SECS Driver.pptx
+++ b/report/readme/docs/SECS Driver.pptx
@@ -6,37 +6,35 @@
     <p:sldMasterId id="2147483683" r:id="rId2"/>
   </p:sldMasterIdLst>
   <p:notesMasterIdLst>
-    <p:notesMasterId r:id="rId28"/>
+    <p:notesMasterId r:id="rId26"/>
   </p:notesMasterIdLst>
   <p:handoutMasterIdLst>
-    <p:handoutMasterId r:id="rId29"/>
+    <p:handoutMasterId r:id="rId27"/>
   </p:handoutMasterIdLst>
   <p:sldIdLst>
-    <p:sldId id="339" r:id="rId3"/>
-    <p:sldId id="341" r:id="rId4"/>
-    <p:sldId id="357" r:id="rId5"/>
-    <p:sldId id="383" r:id="rId6"/>
-    <p:sldId id="384" r:id="rId7"/>
-    <p:sldId id="385" r:id="rId8"/>
-    <p:sldId id="387" r:id="rId9"/>
-    <p:sldId id="389" r:id="rId10"/>
-    <p:sldId id="390" r:id="rId11"/>
-    <p:sldId id="391" r:id="rId12"/>
-    <p:sldId id="392" r:id="rId13"/>
-    <p:sldId id="393" r:id="rId14"/>
-    <p:sldId id="396" r:id="rId15"/>
-    <p:sldId id="397" r:id="rId16"/>
-    <p:sldId id="394" r:id="rId17"/>
-    <p:sldId id="398" r:id="rId18"/>
-    <p:sldId id="399" r:id="rId19"/>
-    <p:sldId id="400" r:id="rId20"/>
-    <p:sldId id="401" r:id="rId21"/>
-    <p:sldId id="402" r:id="rId22"/>
-    <p:sldId id="403" r:id="rId23"/>
-    <p:sldId id="395" r:id="rId24"/>
-    <p:sldId id="404" r:id="rId25"/>
-    <p:sldId id="405" r:id="rId26"/>
-    <p:sldId id="355" r:id="rId27"/>
+    <p:sldId id="341" r:id="rId3"/>
+    <p:sldId id="357" r:id="rId4"/>
+    <p:sldId id="406" r:id="rId5"/>
+    <p:sldId id="384" r:id="rId6"/>
+    <p:sldId id="385" r:id="rId7"/>
+    <p:sldId id="387" r:id="rId8"/>
+    <p:sldId id="389" r:id="rId9"/>
+    <p:sldId id="390" r:id="rId10"/>
+    <p:sldId id="391" r:id="rId11"/>
+    <p:sldId id="392" r:id="rId12"/>
+    <p:sldId id="393" r:id="rId13"/>
+    <p:sldId id="396" r:id="rId14"/>
+    <p:sldId id="397" r:id="rId15"/>
+    <p:sldId id="394" r:id="rId16"/>
+    <p:sldId id="398" r:id="rId17"/>
+    <p:sldId id="399" r:id="rId18"/>
+    <p:sldId id="400" r:id="rId19"/>
+    <p:sldId id="401" r:id="rId20"/>
+    <p:sldId id="402" r:id="rId21"/>
+    <p:sldId id="403" r:id="rId22"/>
+    <p:sldId id="395" r:id="rId23"/>
+    <p:sldId id="404" r:id="rId24"/>
+    <p:sldId id="405" r:id="rId25"/>
   </p:sldIdLst>
   <p:sldSz cx="9906000" cy="6858000" type="A4"/>
   <p:notesSz cx="9926638" cy="6797675"/>
@@ -140,10 +138,9 @@
       <p14:sectionLst xmlns:p14="http://schemas.microsoft.com/office/powerpoint/2010/main">
         <p14:section name="신규 자료" id="{228C957E-4EEE-402E-8002-69346F187927}">
           <p14:sldIdLst>
-            <p14:sldId id="339"/>
             <p14:sldId id="341"/>
             <p14:sldId id="357"/>
-            <p14:sldId id="383"/>
+            <p14:sldId id="406"/>
             <p14:sldId id="384"/>
             <p14:sldId id="385"/>
             <p14:sldId id="387"/>
@@ -164,7 +161,6 @@
             <p14:sldId id="395"/>
             <p14:sldId id="404"/>
             <p14:sldId id="405"/>
-            <p14:sldId id="355"/>
           </p14:sldIdLst>
         </p14:section>
       </p14:sectionLst>
@@ -832,7 +828,7 @@
             <a:fld id="{B5285FBC-F7CD-41AC-AE7E-FC5C5DFD5DB1}" type="slidenum">
               <a:rPr lang="ko-KR" altLang="en-US" smtClean="0"/>
               <a:pPr/>
-              <a:t>2</a:t>
+              <a:t>1</a:t>
             </a:fld>
             <a:endParaRPr lang="ko-KR" altLang="en-US"/>
           </a:p>
@@ -1189,81 +1185,6 @@
             <a:endParaRPr lang="ko-KR" altLang="en-US" sz="2400">
               <a:latin typeface="+mn-ea"/>
               <a:ea typeface="+mn-ea"/>
-            </a:endParaRPr>
-          </a:p>
-        </p:txBody>
-      </p:sp>
-      <p:pic>
-        <p:nvPicPr>
-          <p:cNvPr id="25" name="Picture 2" descr="http://nice.hbtechnology.co.kr/common/download.aspx?DownType=mailsign&amp;sUserID=egkim1&amp;file=/IMG_134429.png"/>
-          <p:cNvPicPr>
-            <a:picLocks noChangeAspect="1" noChangeArrowheads="1"/>
-          </p:cNvPicPr>
-          <p:nvPr userDrawn="1"/>
-        </p:nvPicPr>
-        <p:blipFill>
-          <a:blip r:embed="rId3">
-            <a:extLst>
-              <a:ext uri="{28A0092B-C50C-407E-A947-70E740481C1C}">
-                <a14:useLocalDpi xmlns:a14="http://schemas.microsoft.com/office/drawing/2010/main" val="0"/>
-              </a:ext>
-            </a:extLst>
-          </a:blip>
-          <a:srcRect/>
-          <a:stretch>
-            <a:fillRect/>
-          </a:stretch>
-        </p:blipFill>
-        <p:spPr bwMode="auto">
-          <a:xfrm>
-            <a:off x="236165" y="116632"/>
-            <a:ext cx="1332459" cy="285112"/>
-          </a:xfrm>
-          <a:prstGeom prst="rect">
-            <a:avLst/>
-          </a:prstGeom>
-          <a:noFill/>
-          <a:extLst>
-            <a:ext uri="{909E8E84-426E-40DD-AFC4-6F175D3DCCD1}">
-              <a14:hiddenFill xmlns:a14="http://schemas.microsoft.com/office/drawing/2010/main">
-                <a:solidFill>
-                  <a:srgbClr val="FFFFFF"/>
-                </a:solidFill>
-              </a14:hiddenFill>
-            </a:ext>
-          </a:extLst>
-        </p:spPr>
-      </p:pic>
-      <p:sp>
-        <p:nvSpPr>
-          <p:cNvPr id="26" name="TextBox 25"/>
-          <p:cNvSpPr txBox="1"/>
-          <p:nvPr userDrawn="1"/>
-        </p:nvSpPr>
-        <p:spPr>
-          <a:xfrm>
-            <a:off x="8697416" y="6608385"/>
-            <a:ext cx="1224136" cy="276999"/>
-          </a:xfrm>
-          <a:prstGeom prst="rect">
-            <a:avLst/>
-          </a:prstGeom>
-          <a:noFill/>
-        </p:spPr>
-        <p:txBody>
-          <a:bodyPr wrap="square" rtlCol="0">
-            <a:spAutoFit/>
-          </a:bodyPr>
-          <a:lstStyle/>
-          <a:p>
-            <a:r>
-              <a:rPr lang="en-US" altLang="ko-KR" sz="1200" b="1" dirty="0">
-                <a:latin typeface="Bahnschrift SemiCondensed" panose="020B0502040204020203" pitchFamily="34" charset="0"/>
-              </a:rPr>
-              <a:t>HB TECHNOLOGY</a:t>
-            </a:r>
-            <a:endParaRPr lang="ko-KR" altLang="en-US" sz="1200" b="1" dirty="0">
-              <a:latin typeface="Bahnschrift SemiCondensed" panose="020B0502040204020203" pitchFamily="34" charset="0"/>
             </a:endParaRPr>
           </a:p>
         </p:txBody>
@@ -2588,482 +2509,6 @@
 
 <file path=ppt/slideLayouts/slideLayout16.xml><?xml version="1.0" encoding="utf-8"?>
 <p:sldLayout xmlns:a="http://schemas.openxmlformats.org/drawingml/2006/main" xmlns:r="http://schemas.openxmlformats.org/officeDocument/2006/relationships" xmlns:p="http://schemas.openxmlformats.org/presentationml/2006/main" userDrawn="1">
-  <p:cSld name="1_제목 슬라이드">
-    <p:spTree>
-      <p:nvGrpSpPr>
-        <p:cNvPr id="1" name=""/>
-        <p:cNvGrpSpPr/>
-        <p:nvPr/>
-      </p:nvGrpSpPr>
-      <p:grpSpPr>
-        <a:xfrm>
-          <a:off x="0" y="0"/>
-          <a:ext cx="0" cy="0"/>
-          <a:chOff x="0" y="0"/>
-          <a:chExt cx="0" cy="0"/>
-        </a:xfrm>
-      </p:grpSpPr>
-      <p:sp>
-        <p:nvSpPr>
-          <p:cNvPr id="19" name="직사각형 18"/>
-          <p:cNvSpPr/>
-          <p:nvPr userDrawn="1"/>
-        </p:nvSpPr>
-        <p:spPr>
-          <a:xfrm>
-            <a:off x="-1" y="0"/>
-            <a:ext cx="9906000" cy="6858000"/>
-          </a:xfrm>
-          <a:prstGeom prst="rect">
-            <a:avLst/>
-          </a:prstGeom>
-          <a:noFill/>
-          <a:ln w="6350">
-            <a:solidFill>
-              <a:schemeClr val="bg1">
-                <a:lumMod val="75000"/>
-              </a:schemeClr>
-            </a:solidFill>
-          </a:ln>
-        </p:spPr>
-        <p:style>
-          <a:lnRef idx="2">
-            <a:schemeClr val="accent1">
-              <a:shade val="50000"/>
-            </a:schemeClr>
-          </a:lnRef>
-          <a:fillRef idx="1">
-            <a:schemeClr val="accent1"/>
-          </a:fillRef>
-          <a:effectRef idx="0">
-            <a:schemeClr val="accent1"/>
-          </a:effectRef>
-          <a:fontRef idx="minor">
-            <a:schemeClr val="lt1"/>
-          </a:fontRef>
-        </p:style>
-        <p:txBody>
-          <a:bodyPr rtlCol="0" anchor="ctr"/>
-          <a:lstStyle/>
-          <a:p>
-            <a:pPr algn="ctr"/>
-            <a:endParaRPr lang="ko-KR" altLang="en-US" sz="2400">
-              <a:latin typeface="+mn-ea"/>
-              <a:ea typeface="+mn-ea"/>
-            </a:endParaRPr>
-          </a:p>
-        </p:txBody>
-      </p:sp>
-      <p:sp>
-        <p:nvSpPr>
-          <p:cNvPr id="33" name="제목 1"/>
-          <p:cNvSpPr>
-            <a:spLocks noGrp="1"/>
-          </p:cNvSpPr>
-          <p:nvPr>
-            <p:ph type="title" hasCustomPrompt="1"/>
-          </p:nvPr>
-        </p:nvSpPr>
-        <p:spPr>
-          <a:xfrm>
-            <a:off x="1366222" y="2169003"/>
-            <a:ext cx="7173559" cy="901420"/>
-          </a:xfrm>
-          <a:prstGeom prst="rect">
-            <a:avLst/>
-          </a:prstGeom>
-        </p:spPr>
-        <p:txBody>
-          <a:bodyPr wrap="none" lIns="36000" tIns="36000" rIns="36000" bIns="36000">
-            <a:noAutofit/>
-          </a:bodyPr>
-          <a:lstStyle>
-            <a:lvl1pPr algn="ctr">
-              <a:defRPr sz="5400" spc="-200" baseline="0">
-                <a:solidFill>
-                  <a:schemeClr val="tx1"/>
-                </a:solidFill>
-                <a:latin typeface="+mn-ea"/>
-                <a:ea typeface="+mn-ea"/>
-              </a:defRPr>
-            </a:lvl1pPr>
-          </a:lstStyle>
-          <a:p>
-            <a:r>
-              <a:rPr lang="ko-KR" altLang="en-US" dirty="0"/>
-              <a:t>제  목</a:t>
-            </a:r>
-          </a:p>
-        </p:txBody>
-      </p:sp>
-      <p:sp>
-        <p:nvSpPr>
-          <p:cNvPr id="16" name="텍스트 개체 틀 3"/>
-          <p:cNvSpPr>
-            <a:spLocks noGrp="1"/>
-          </p:cNvSpPr>
-          <p:nvPr>
-            <p:ph type="body" sz="half" idx="2" hasCustomPrompt="1"/>
-          </p:nvPr>
-        </p:nvSpPr>
-        <p:spPr>
-          <a:xfrm>
-            <a:off x="3323498" y="4689000"/>
-            <a:ext cx="3259006" cy="420000"/>
-          </a:xfrm>
-          <a:prstGeom prst="rect">
-            <a:avLst/>
-          </a:prstGeom>
-        </p:spPr>
-        <p:txBody>
-          <a:bodyPr wrap="none" lIns="36000" tIns="36000" rIns="36000" bIns="36000">
-            <a:noAutofit/>
-          </a:bodyPr>
-          <a:lstStyle>
-            <a:lvl1pPr marL="0" indent="0" algn="ctr">
-              <a:buNone/>
-              <a:defRPr sz="1800" spc="0">
-                <a:solidFill>
-                  <a:schemeClr val="tx1"/>
-                </a:solidFill>
-                <a:latin typeface="+mn-ea"/>
-                <a:ea typeface="+mn-ea"/>
-              </a:defRPr>
-            </a:lvl1pPr>
-            <a:lvl2pPr marL="609570" indent="0">
-              <a:buNone/>
-              <a:defRPr sz="1600"/>
-            </a:lvl2pPr>
-            <a:lvl3pPr marL="1219140" indent="0">
-              <a:buNone/>
-              <a:defRPr sz="1333"/>
-            </a:lvl3pPr>
-            <a:lvl4pPr marL="1828709" indent="0">
-              <a:buNone/>
-              <a:defRPr sz="1200"/>
-            </a:lvl4pPr>
-            <a:lvl5pPr marL="2438278" indent="0">
-              <a:buNone/>
-              <a:defRPr sz="1200"/>
-            </a:lvl5pPr>
-            <a:lvl6pPr marL="3047848" indent="0">
-              <a:buNone/>
-              <a:defRPr sz="1200"/>
-            </a:lvl6pPr>
-            <a:lvl7pPr marL="3657418" indent="0">
-              <a:buNone/>
-              <a:defRPr sz="1200"/>
-            </a:lvl7pPr>
-            <a:lvl8pPr marL="4266987" indent="0">
-              <a:buNone/>
-              <a:defRPr sz="1200"/>
-            </a:lvl8pPr>
-            <a:lvl9pPr marL="4876557" indent="0">
-              <a:buNone/>
-              <a:defRPr sz="1200"/>
-            </a:lvl9pPr>
-          </a:lstStyle>
-          <a:p>
-            <a:pPr lvl="0"/>
-            <a:r>
-              <a:rPr lang="en-US" altLang="ko-KR" dirty="0"/>
-              <a:t>‘20.12.00</a:t>
-            </a:r>
-            <a:endParaRPr lang="ko-KR" altLang="en-US" dirty="0"/>
-          </a:p>
-        </p:txBody>
-      </p:sp>
-      <p:sp>
-        <p:nvSpPr>
-          <p:cNvPr id="17" name="텍스트 개체 틀 3"/>
-          <p:cNvSpPr>
-            <a:spLocks noGrp="1"/>
-          </p:cNvSpPr>
-          <p:nvPr>
-            <p:ph type="body" sz="half" idx="10" hasCustomPrompt="1"/>
-          </p:nvPr>
-        </p:nvSpPr>
-        <p:spPr>
-          <a:xfrm>
-            <a:off x="3323498" y="5239420"/>
-            <a:ext cx="3259006" cy="420000"/>
-          </a:xfrm>
-          <a:prstGeom prst="rect">
-            <a:avLst/>
-          </a:prstGeom>
-        </p:spPr>
-        <p:txBody>
-          <a:bodyPr wrap="none" lIns="36000" tIns="36000" rIns="36000" bIns="36000">
-            <a:noAutofit/>
-          </a:bodyPr>
-          <a:lstStyle>
-            <a:lvl1pPr marL="0" indent="0" algn="ctr">
-              <a:buNone/>
-              <a:defRPr sz="1800" spc="0">
-                <a:solidFill>
-                  <a:schemeClr val="tx1"/>
-                </a:solidFill>
-                <a:latin typeface="+mn-ea"/>
-                <a:ea typeface="+mn-ea"/>
-              </a:defRPr>
-            </a:lvl1pPr>
-            <a:lvl2pPr marL="609570" indent="0">
-              <a:buNone/>
-              <a:defRPr sz="1600"/>
-            </a:lvl2pPr>
-            <a:lvl3pPr marL="1219140" indent="0">
-              <a:buNone/>
-              <a:defRPr sz="1333"/>
-            </a:lvl3pPr>
-            <a:lvl4pPr marL="1828709" indent="0">
-              <a:buNone/>
-              <a:defRPr sz="1200"/>
-            </a:lvl4pPr>
-            <a:lvl5pPr marL="2438278" indent="0">
-              <a:buNone/>
-              <a:defRPr sz="1200"/>
-            </a:lvl5pPr>
-            <a:lvl6pPr marL="3047848" indent="0">
-              <a:buNone/>
-              <a:defRPr sz="1200"/>
-            </a:lvl6pPr>
-            <a:lvl7pPr marL="3657418" indent="0">
-              <a:buNone/>
-              <a:defRPr sz="1200"/>
-            </a:lvl7pPr>
-            <a:lvl8pPr marL="4266987" indent="0">
-              <a:buNone/>
-              <a:defRPr sz="1200"/>
-            </a:lvl8pPr>
-            <a:lvl9pPr marL="4876557" indent="0">
-              <a:buNone/>
-              <a:defRPr sz="1200"/>
-            </a:lvl9pPr>
-          </a:lstStyle>
-          <a:p>
-            <a:pPr lvl="0"/>
-            <a:r>
-              <a:rPr lang="ko-KR" altLang="en-US" dirty="0" err="1"/>
-              <a:t>대형사업부</a:t>
-            </a:r>
-            <a:endParaRPr lang="ko-KR" altLang="en-US" dirty="0"/>
-          </a:p>
-        </p:txBody>
-      </p:sp>
-      <p:pic>
-        <p:nvPicPr>
-          <p:cNvPr id="23" name="그림 22"/>
-          <p:cNvPicPr>
-            <a:picLocks noChangeAspect="1"/>
-          </p:cNvPicPr>
-          <p:nvPr userDrawn="1"/>
-        </p:nvPicPr>
-        <p:blipFill rotWithShape="1">
-          <a:blip r:embed="rId2">
-            <a:extLst>
-              <a:ext uri="{28A0092B-C50C-407E-A947-70E740481C1C}">
-                <a14:useLocalDpi xmlns:a14="http://schemas.microsoft.com/office/drawing/2010/main" val="0"/>
-              </a:ext>
-            </a:extLst>
-          </a:blip>
-          <a:srcRect l="18774"/>
-          <a:stretch/>
-        </p:blipFill>
-        <p:spPr>
-          <a:xfrm>
-            <a:off x="-15552" y="23387"/>
-            <a:ext cx="9921552" cy="6858000"/>
-          </a:xfrm>
-          <a:prstGeom prst="rect">
-            <a:avLst/>
-          </a:prstGeom>
-        </p:spPr>
-      </p:pic>
-      <p:sp>
-        <p:nvSpPr>
-          <p:cNvPr id="24" name="직사각형 23"/>
-          <p:cNvSpPr/>
-          <p:nvPr userDrawn="1"/>
-        </p:nvSpPr>
-        <p:spPr>
-          <a:xfrm>
-            <a:off x="2" y="0"/>
-            <a:ext cx="166231" cy="6858000"/>
-          </a:xfrm>
-          <a:prstGeom prst="rect">
-            <a:avLst/>
-          </a:prstGeom>
-          <a:solidFill>
-            <a:srgbClr val="007AC2"/>
-          </a:solidFill>
-          <a:ln>
-            <a:noFill/>
-          </a:ln>
-        </p:spPr>
-        <p:style>
-          <a:lnRef idx="2">
-            <a:schemeClr val="accent1">
-              <a:shade val="50000"/>
-            </a:schemeClr>
-          </a:lnRef>
-          <a:fillRef idx="1">
-            <a:schemeClr val="accent1"/>
-          </a:fillRef>
-          <a:effectRef idx="0">
-            <a:schemeClr val="accent1"/>
-          </a:effectRef>
-          <a:fontRef idx="minor">
-            <a:schemeClr val="lt1"/>
-          </a:fontRef>
-        </p:style>
-        <p:txBody>
-          <a:bodyPr rtlCol="0" anchor="ctr"/>
-          <a:lstStyle/>
-          <a:p>
-            <a:pPr algn="ctr"/>
-            <a:endParaRPr lang="ko-KR" altLang="en-US" sz="2400">
-              <a:latin typeface="+mn-ea"/>
-              <a:ea typeface="+mn-ea"/>
-            </a:endParaRPr>
-          </a:p>
-        </p:txBody>
-      </p:sp>
-      <p:pic>
-        <p:nvPicPr>
-          <p:cNvPr id="25" name="Picture 2" descr="http://nice.hbtechnology.co.kr/common/download.aspx?DownType=mailsign&amp;sUserID=egkim1&amp;file=/IMG_134429.png"/>
-          <p:cNvPicPr>
-            <a:picLocks noChangeAspect="1" noChangeArrowheads="1"/>
-          </p:cNvPicPr>
-          <p:nvPr userDrawn="1"/>
-        </p:nvPicPr>
-        <p:blipFill>
-          <a:blip r:embed="rId3">
-            <a:extLst>
-              <a:ext uri="{28A0092B-C50C-407E-A947-70E740481C1C}">
-                <a14:useLocalDpi xmlns:a14="http://schemas.microsoft.com/office/drawing/2010/main" val="0"/>
-              </a:ext>
-            </a:extLst>
-          </a:blip>
-          <a:srcRect/>
-          <a:stretch>
-            <a:fillRect/>
-          </a:stretch>
-        </p:blipFill>
-        <p:spPr bwMode="auto">
-          <a:xfrm>
-            <a:off x="236165" y="116632"/>
-            <a:ext cx="1332459" cy="285112"/>
-          </a:xfrm>
-          <a:prstGeom prst="rect">
-            <a:avLst/>
-          </a:prstGeom>
-          <a:noFill/>
-          <a:extLst>
-            <a:ext uri="{909E8E84-426E-40DD-AFC4-6F175D3DCCD1}">
-              <a14:hiddenFill xmlns:a14="http://schemas.microsoft.com/office/drawing/2010/main">
-                <a:solidFill>
-                  <a:srgbClr val="FFFFFF"/>
-                </a:solidFill>
-              </a14:hiddenFill>
-            </a:ext>
-          </a:extLst>
-        </p:spPr>
-      </p:pic>
-      <p:sp>
-        <p:nvSpPr>
-          <p:cNvPr id="26" name="TextBox 25"/>
-          <p:cNvSpPr txBox="1"/>
-          <p:nvPr userDrawn="1"/>
-        </p:nvSpPr>
-        <p:spPr>
-          <a:xfrm>
-            <a:off x="8697416" y="6608385"/>
-            <a:ext cx="1224136" cy="276999"/>
-          </a:xfrm>
-          <a:prstGeom prst="rect">
-            <a:avLst/>
-          </a:prstGeom>
-          <a:noFill/>
-        </p:spPr>
-        <p:txBody>
-          <a:bodyPr wrap="square" rtlCol="0">
-            <a:spAutoFit/>
-          </a:bodyPr>
-          <a:lstStyle/>
-          <a:p>
-            <a:r>
-              <a:rPr lang="en-US" altLang="ko-KR" sz="1200" b="1" dirty="0">
-                <a:latin typeface="Bahnschrift SemiCondensed" panose="020B0502040204020203" pitchFamily="34" charset="0"/>
-              </a:rPr>
-              <a:t>HB TECHNOLOGY</a:t>
-            </a:r>
-            <a:endParaRPr lang="ko-KR" altLang="en-US" sz="1200" b="1" dirty="0">
-              <a:latin typeface="Bahnschrift SemiCondensed" panose="020B0502040204020203" pitchFamily="34" charset="0"/>
-            </a:endParaRPr>
-          </a:p>
-        </p:txBody>
-      </p:sp>
-    </p:spTree>
-    <p:extLst>
-      <p:ext uri="{BB962C8B-B14F-4D97-AF65-F5344CB8AC3E}">
-        <p14:creationId xmlns:p14="http://schemas.microsoft.com/office/powerpoint/2010/main" val="557543177"/>
-      </p:ext>
-    </p:extLst>
-  </p:cSld>
-  <p:clrMapOvr>
-    <a:masterClrMapping/>
-  </p:clrMapOvr>
-  <p:extLst mod="1">
-    <p:ext uri="{DCECCB84-F9BA-43D5-87BE-67443E8EF086}">
-      <p15:sldGuideLst xmlns:p15="http://schemas.microsoft.com/office/powerpoint/2012/main">
-        <p15:guide id="1" orient="horz" pos="2160">
-          <p15:clr>
-            <a:srgbClr val="FBAE40"/>
-          </p15:clr>
-        </p15:guide>
-        <p15:guide id="2" pos="3120">
-          <p15:clr>
-            <a:srgbClr val="FBAE40"/>
-          </p15:clr>
-        </p15:guide>
-        <p15:guide id="3" orient="horz" pos="4201">
-          <p15:clr>
-            <a:srgbClr val="FBAE40"/>
-          </p15:clr>
-        </p15:guide>
-        <p15:guide id="4" orient="horz" pos="4105">
-          <p15:clr>
-            <a:srgbClr val="FBAE40"/>
-          </p15:clr>
-        </p15:guide>
-        <p15:guide id="5" pos="81">
-          <p15:clr>
-            <a:srgbClr val="FBAE40"/>
-          </p15:clr>
-        </p15:guide>
-        <p15:guide id="6" pos="6161">
-          <p15:clr>
-            <a:srgbClr val="FBAE40"/>
-          </p15:clr>
-        </p15:guide>
-        <p15:guide id="7" pos="172">
-          <p15:clr>
-            <a:srgbClr val="FBAE40"/>
-          </p15:clr>
-        </p15:guide>
-        <p15:guide id="8" pos="6068">
-          <p15:clr>
-            <a:srgbClr val="FBAE40"/>
-          </p15:clr>
-        </p15:guide>
-      </p15:sldGuideLst>
-    </p:ext>
-  </p:extLst>
-</p:sldLayout>
-</file>
-
-<file path=ppt/slideLayouts/slideLayout17.xml><?xml version="1.0" encoding="utf-8"?>
-<p:sldLayout xmlns:a="http://schemas.openxmlformats.org/drawingml/2006/main" xmlns:r="http://schemas.openxmlformats.org/officeDocument/2006/relationships" xmlns:p="http://schemas.openxmlformats.org/presentationml/2006/main" userDrawn="1">
   <p:cSld name="제목과 내용">
     <p:spTree>
       <p:nvGrpSpPr>
@@ -3165,47 +2610,6 @@
           </a:fontRef>
         </p:style>
       </p:cxnSp>
-      <p:pic>
-        <p:nvPicPr>
-          <p:cNvPr id="22" name="Picture 2" descr="http://nice.hbtechnology.co.kr/common/download.aspx?DownType=mailsign&amp;sUserID=egkim1&amp;file=/IMG_134429.png"/>
-          <p:cNvPicPr>
-            <a:picLocks noChangeAspect="1" noChangeArrowheads="1"/>
-          </p:cNvPicPr>
-          <p:nvPr userDrawn="1"/>
-        </p:nvPicPr>
-        <p:blipFill>
-          <a:blip r:embed="rId2">
-            <a:extLst>
-              <a:ext uri="{28A0092B-C50C-407E-A947-70E740481C1C}">
-                <a14:useLocalDpi xmlns:a14="http://schemas.microsoft.com/office/drawing/2010/main" val="0"/>
-              </a:ext>
-            </a:extLst>
-          </a:blip>
-          <a:srcRect/>
-          <a:stretch>
-            <a:fillRect/>
-          </a:stretch>
-        </p:blipFill>
-        <p:spPr bwMode="auto">
-          <a:xfrm>
-            <a:off x="236165" y="116632"/>
-            <a:ext cx="1332459" cy="285112"/>
-          </a:xfrm>
-          <a:prstGeom prst="rect">
-            <a:avLst/>
-          </a:prstGeom>
-          <a:noFill/>
-          <a:extLst>
-            <a:ext uri="{909E8E84-426E-40DD-AFC4-6F175D3DCCD1}">
-              <a14:hiddenFill xmlns:a14="http://schemas.microsoft.com/office/drawing/2010/main">
-                <a:solidFill>
-                  <a:srgbClr val="FFFFFF"/>
-                </a:solidFill>
-              </a14:hiddenFill>
-            </a:ext>
-          </a:extLst>
-        </p:spPr>
-      </p:pic>
       <p:sp>
         <p:nvSpPr>
           <p:cNvPr id="23" name="직사각형 22"/>
@@ -3251,246 +2655,6 @@
             <a:endParaRPr lang="ko-KR" altLang="en-US" sz="2400">
               <a:latin typeface="+mn-ea"/>
               <a:ea typeface="+mn-ea"/>
-            </a:endParaRPr>
-          </a:p>
-        </p:txBody>
-      </p:sp>
-      <p:sp>
-        <p:nvSpPr>
-          <p:cNvPr id="25" name="직사각형 24"/>
-          <p:cNvSpPr/>
-          <p:nvPr userDrawn="1"/>
-        </p:nvSpPr>
-        <p:spPr>
-          <a:xfrm>
-            <a:off x="8467824" y="0"/>
-            <a:ext cx="301600" cy="779668"/>
-          </a:xfrm>
-          <a:prstGeom prst="rect">
-            <a:avLst/>
-          </a:prstGeom>
-          <a:solidFill>
-            <a:schemeClr val="accent3">
-              <a:lumMod val="50000"/>
-            </a:schemeClr>
-          </a:solidFill>
-          <a:ln>
-            <a:noFill/>
-          </a:ln>
-        </p:spPr>
-        <p:style>
-          <a:lnRef idx="2">
-            <a:schemeClr val="accent1">
-              <a:shade val="50000"/>
-            </a:schemeClr>
-          </a:lnRef>
-          <a:fillRef idx="1">
-            <a:schemeClr val="accent1"/>
-          </a:fillRef>
-          <a:effectRef idx="0">
-            <a:schemeClr val="accent1"/>
-          </a:effectRef>
-          <a:fontRef idx="minor">
-            <a:schemeClr val="lt1"/>
-          </a:fontRef>
-        </p:style>
-        <p:txBody>
-          <a:bodyPr rtlCol="0" anchor="ctr"/>
-          <a:lstStyle/>
-          <a:p>
-            <a:pPr algn="ctr"/>
-            <a:endParaRPr lang="ko-KR" altLang="en-US" sz="2400">
-              <a:latin typeface="+mn-ea"/>
-              <a:ea typeface="+mn-ea"/>
-            </a:endParaRPr>
-          </a:p>
-        </p:txBody>
-      </p:sp>
-      <p:sp>
-        <p:nvSpPr>
-          <p:cNvPr id="27" name="직사각형 26"/>
-          <p:cNvSpPr/>
-          <p:nvPr userDrawn="1"/>
-        </p:nvSpPr>
-        <p:spPr>
-          <a:xfrm>
-            <a:off x="9060306" y="6656"/>
-            <a:ext cx="262073" cy="317834"/>
-          </a:xfrm>
-          <a:prstGeom prst="rect">
-            <a:avLst/>
-          </a:prstGeom>
-          <a:solidFill>
-            <a:schemeClr val="accent3">
-              <a:lumMod val="60000"/>
-              <a:lumOff val="40000"/>
-            </a:schemeClr>
-          </a:solidFill>
-          <a:ln>
-            <a:noFill/>
-          </a:ln>
-        </p:spPr>
-        <p:style>
-          <a:lnRef idx="2">
-            <a:schemeClr val="accent1">
-              <a:shade val="50000"/>
-            </a:schemeClr>
-          </a:lnRef>
-          <a:fillRef idx="1">
-            <a:schemeClr val="accent1"/>
-          </a:fillRef>
-          <a:effectRef idx="0">
-            <a:schemeClr val="accent1"/>
-          </a:effectRef>
-          <a:fontRef idx="minor">
-            <a:schemeClr val="lt1"/>
-          </a:fontRef>
-        </p:style>
-        <p:txBody>
-          <a:bodyPr rtlCol="0" anchor="ctr"/>
-          <a:lstStyle/>
-          <a:p>
-            <a:pPr algn="ctr"/>
-            <a:endParaRPr lang="ko-KR" altLang="en-US" sz="2400">
-              <a:latin typeface="+mn-ea"/>
-              <a:ea typeface="+mn-ea"/>
-            </a:endParaRPr>
-          </a:p>
-        </p:txBody>
-      </p:sp>
-      <p:sp>
-        <p:nvSpPr>
-          <p:cNvPr id="29" name="직사각형 28"/>
-          <p:cNvSpPr/>
-          <p:nvPr userDrawn="1"/>
-        </p:nvSpPr>
-        <p:spPr>
-          <a:xfrm>
-            <a:off x="9060306" y="468490"/>
-            <a:ext cx="262073" cy="317834"/>
-          </a:xfrm>
-          <a:prstGeom prst="rect">
-            <a:avLst/>
-          </a:prstGeom>
-          <a:solidFill>
-            <a:schemeClr val="accent3">
-              <a:lumMod val="60000"/>
-              <a:lumOff val="40000"/>
-            </a:schemeClr>
-          </a:solidFill>
-          <a:ln>
-            <a:noFill/>
-          </a:ln>
-        </p:spPr>
-        <p:style>
-          <a:lnRef idx="2">
-            <a:schemeClr val="accent1">
-              <a:shade val="50000"/>
-            </a:schemeClr>
-          </a:lnRef>
-          <a:fillRef idx="1">
-            <a:schemeClr val="accent1"/>
-          </a:fillRef>
-          <a:effectRef idx="0">
-            <a:schemeClr val="accent1"/>
-          </a:effectRef>
-          <a:fontRef idx="minor">
-            <a:schemeClr val="lt1"/>
-          </a:fontRef>
-        </p:style>
-        <p:txBody>
-          <a:bodyPr rtlCol="0" anchor="ctr"/>
-          <a:lstStyle/>
-          <a:p>
-            <a:pPr algn="ctr"/>
-            <a:endParaRPr lang="ko-KR" altLang="en-US" sz="2400">
-              <a:latin typeface="+mn-ea"/>
-              <a:ea typeface="+mn-ea"/>
-            </a:endParaRPr>
-          </a:p>
-        </p:txBody>
-      </p:sp>
-      <p:sp>
-        <p:nvSpPr>
-          <p:cNvPr id="30" name="직사각형 29"/>
-          <p:cNvSpPr/>
-          <p:nvPr userDrawn="1"/>
-        </p:nvSpPr>
-        <p:spPr>
-          <a:xfrm>
-            <a:off x="9612593" y="-3720"/>
-            <a:ext cx="301600" cy="779668"/>
-          </a:xfrm>
-          <a:prstGeom prst="rect">
-            <a:avLst/>
-          </a:prstGeom>
-          <a:solidFill>
-            <a:schemeClr val="accent3">
-              <a:lumMod val="50000"/>
-            </a:schemeClr>
-          </a:solidFill>
-          <a:ln>
-            <a:noFill/>
-          </a:ln>
-        </p:spPr>
-        <p:style>
-          <a:lnRef idx="2">
-            <a:schemeClr val="accent1">
-              <a:shade val="50000"/>
-            </a:schemeClr>
-          </a:lnRef>
-          <a:fillRef idx="1">
-            <a:schemeClr val="accent1"/>
-          </a:fillRef>
-          <a:effectRef idx="0">
-            <a:schemeClr val="accent1"/>
-          </a:effectRef>
-          <a:fontRef idx="minor">
-            <a:schemeClr val="lt1"/>
-          </a:fontRef>
-        </p:style>
-        <p:txBody>
-          <a:bodyPr rtlCol="0" anchor="ctr"/>
-          <a:lstStyle/>
-          <a:p>
-            <a:pPr algn="ctr"/>
-            <a:endParaRPr lang="ko-KR" altLang="en-US" sz="2400">
-              <a:latin typeface="+mn-ea"/>
-              <a:ea typeface="+mn-ea"/>
-            </a:endParaRPr>
-          </a:p>
-        </p:txBody>
-      </p:sp>
-      <p:sp>
-        <p:nvSpPr>
-          <p:cNvPr id="2" name="TextBox 1"/>
-          <p:cNvSpPr txBox="1"/>
-          <p:nvPr userDrawn="1"/>
-        </p:nvSpPr>
-        <p:spPr>
-          <a:xfrm>
-            <a:off x="8697416" y="6608385"/>
-            <a:ext cx="1224136" cy="276999"/>
-          </a:xfrm>
-          <a:prstGeom prst="rect">
-            <a:avLst/>
-          </a:prstGeom>
-          <a:noFill/>
-        </p:spPr>
-        <p:txBody>
-          <a:bodyPr wrap="square" rtlCol="0">
-            <a:spAutoFit/>
-          </a:bodyPr>
-          <a:lstStyle/>
-          <a:p>
-            <a:r>
-              <a:rPr lang="en-US" altLang="ko-KR" sz="1200" b="1" dirty="0">
-                <a:latin typeface="Bahnschrift SemiCondensed" panose="020B0502040204020203" pitchFamily="34" charset="0"/>
-              </a:rPr>
-              <a:t>HB TECHNOLOGY</a:t>
-            </a:r>
-            <a:endParaRPr lang="ko-KR" altLang="en-US" sz="1200" b="1" dirty="0">
-              <a:latin typeface="Bahnschrift SemiCondensed" panose="020B0502040204020203" pitchFamily="34" charset="0"/>
             </a:endParaRPr>
           </a:p>
         </p:txBody>
@@ -4339,81 +3503,6 @@
           </a:p>
         </p:txBody>
       </p:sp>
-      <p:pic>
-        <p:nvPicPr>
-          <p:cNvPr id="33" name="Picture 2" descr="http://nice.hbtechnology.co.kr/common/download.aspx?DownType=mailsign&amp;sUserID=egkim1&amp;file=/IMG_134429.png"/>
-          <p:cNvPicPr>
-            <a:picLocks noChangeAspect="1" noChangeArrowheads="1"/>
-          </p:cNvPicPr>
-          <p:nvPr userDrawn="1"/>
-        </p:nvPicPr>
-        <p:blipFill>
-          <a:blip r:embed="rId2">
-            <a:extLst>
-              <a:ext uri="{28A0092B-C50C-407E-A947-70E740481C1C}">
-                <a14:useLocalDpi xmlns:a14="http://schemas.microsoft.com/office/drawing/2010/main" val="0"/>
-              </a:ext>
-            </a:extLst>
-          </a:blip>
-          <a:srcRect/>
-          <a:stretch>
-            <a:fillRect/>
-          </a:stretch>
-        </p:blipFill>
-        <p:spPr bwMode="auto">
-          <a:xfrm>
-            <a:off x="236165" y="116632"/>
-            <a:ext cx="1332459" cy="285112"/>
-          </a:xfrm>
-          <a:prstGeom prst="rect">
-            <a:avLst/>
-          </a:prstGeom>
-          <a:noFill/>
-          <a:extLst>
-            <a:ext uri="{909E8E84-426E-40DD-AFC4-6F175D3DCCD1}">
-              <a14:hiddenFill xmlns:a14="http://schemas.microsoft.com/office/drawing/2010/main">
-                <a:solidFill>
-                  <a:srgbClr val="FFFFFF"/>
-                </a:solidFill>
-              </a14:hiddenFill>
-            </a:ext>
-          </a:extLst>
-        </p:spPr>
-      </p:pic>
-      <p:sp>
-        <p:nvSpPr>
-          <p:cNvPr id="34" name="TextBox 33"/>
-          <p:cNvSpPr txBox="1"/>
-          <p:nvPr userDrawn="1"/>
-        </p:nvSpPr>
-        <p:spPr>
-          <a:xfrm>
-            <a:off x="8697416" y="6608385"/>
-            <a:ext cx="1224136" cy="276999"/>
-          </a:xfrm>
-          <a:prstGeom prst="rect">
-            <a:avLst/>
-          </a:prstGeom>
-          <a:noFill/>
-        </p:spPr>
-        <p:txBody>
-          <a:bodyPr wrap="square" rtlCol="0">
-            <a:spAutoFit/>
-          </a:bodyPr>
-          <a:lstStyle/>
-          <a:p>
-            <a:r>
-              <a:rPr lang="en-US" altLang="ko-KR" sz="1200" b="1" dirty="0">
-                <a:latin typeface="Bahnschrift SemiCondensed" panose="020B0502040204020203" pitchFamily="34" charset="0"/>
-              </a:rPr>
-              <a:t>HB TECHNOLOGY</a:t>
-            </a:r>
-            <a:endParaRPr lang="ko-KR" altLang="en-US" sz="1200" b="1" dirty="0">
-              <a:latin typeface="Bahnschrift SemiCondensed" panose="020B0502040204020203" pitchFamily="34" charset="0"/>
-            </a:endParaRPr>
-          </a:p>
-        </p:txBody>
-      </p:sp>
     </p:spTree>
     <p:extLst>
       <p:ext uri="{BB962C8B-B14F-4D97-AF65-F5344CB8AC3E}">
@@ -4530,47 +3619,6 @@
           </a:fontRef>
         </p:style>
       </p:cxnSp>
-      <p:pic>
-        <p:nvPicPr>
-          <p:cNvPr id="22" name="Picture 2" descr="http://nice.hbtechnology.co.kr/common/download.aspx?DownType=mailsign&amp;sUserID=egkim1&amp;file=/IMG_134429.png"/>
-          <p:cNvPicPr>
-            <a:picLocks noChangeAspect="1" noChangeArrowheads="1"/>
-          </p:cNvPicPr>
-          <p:nvPr userDrawn="1"/>
-        </p:nvPicPr>
-        <p:blipFill>
-          <a:blip r:embed="rId2">
-            <a:extLst>
-              <a:ext uri="{28A0092B-C50C-407E-A947-70E740481C1C}">
-                <a14:useLocalDpi xmlns:a14="http://schemas.microsoft.com/office/drawing/2010/main" val="0"/>
-              </a:ext>
-            </a:extLst>
-          </a:blip>
-          <a:srcRect/>
-          <a:stretch>
-            <a:fillRect/>
-          </a:stretch>
-        </p:blipFill>
-        <p:spPr bwMode="auto">
-          <a:xfrm>
-            <a:off x="236165" y="116632"/>
-            <a:ext cx="1332459" cy="285112"/>
-          </a:xfrm>
-          <a:prstGeom prst="rect">
-            <a:avLst/>
-          </a:prstGeom>
-          <a:noFill/>
-          <a:extLst>
-            <a:ext uri="{909E8E84-426E-40DD-AFC4-6F175D3DCCD1}">
-              <a14:hiddenFill xmlns:a14="http://schemas.microsoft.com/office/drawing/2010/main">
-                <a:solidFill>
-                  <a:srgbClr val="FFFFFF"/>
-                </a:solidFill>
-              </a14:hiddenFill>
-            </a:ext>
-          </a:extLst>
-        </p:spPr>
-      </p:pic>
       <p:sp>
         <p:nvSpPr>
           <p:cNvPr id="23" name="직사각형 22"/>
@@ -4616,246 +3664,6 @@
             <a:endParaRPr lang="ko-KR" altLang="en-US" sz="2400">
               <a:latin typeface="+mn-ea"/>
               <a:ea typeface="+mn-ea"/>
-            </a:endParaRPr>
-          </a:p>
-        </p:txBody>
-      </p:sp>
-      <p:sp>
-        <p:nvSpPr>
-          <p:cNvPr id="25" name="직사각형 24"/>
-          <p:cNvSpPr/>
-          <p:nvPr userDrawn="1"/>
-        </p:nvSpPr>
-        <p:spPr>
-          <a:xfrm>
-            <a:off x="8467824" y="0"/>
-            <a:ext cx="301600" cy="779668"/>
-          </a:xfrm>
-          <a:prstGeom prst="rect">
-            <a:avLst/>
-          </a:prstGeom>
-          <a:solidFill>
-            <a:schemeClr val="accent3">
-              <a:lumMod val="50000"/>
-            </a:schemeClr>
-          </a:solidFill>
-          <a:ln>
-            <a:noFill/>
-          </a:ln>
-        </p:spPr>
-        <p:style>
-          <a:lnRef idx="2">
-            <a:schemeClr val="accent1">
-              <a:shade val="50000"/>
-            </a:schemeClr>
-          </a:lnRef>
-          <a:fillRef idx="1">
-            <a:schemeClr val="accent1"/>
-          </a:fillRef>
-          <a:effectRef idx="0">
-            <a:schemeClr val="accent1"/>
-          </a:effectRef>
-          <a:fontRef idx="minor">
-            <a:schemeClr val="lt1"/>
-          </a:fontRef>
-        </p:style>
-        <p:txBody>
-          <a:bodyPr rtlCol="0" anchor="ctr"/>
-          <a:lstStyle/>
-          <a:p>
-            <a:pPr algn="ctr"/>
-            <a:endParaRPr lang="ko-KR" altLang="en-US" sz="2400">
-              <a:latin typeface="+mn-ea"/>
-              <a:ea typeface="+mn-ea"/>
-            </a:endParaRPr>
-          </a:p>
-        </p:txBody>
-      </p:sp>
-      <p:sp>
-        <p:nvSpPr>
-          <p:cNvPr id="27" name="직사각형 26"/>
-          <p:cNvSpPr/>
-          <p:nvPr userDrawn="1"/>
-        </p:nvSpPr>
-        <p:spPr>
-          <a:xfrm>
-            <a:off x="9060306" y="6656"/>
-            <a:ext cx="262073" cy="317834"/>
-          </a:xfrm>
-          <a:prstGeom prst="rect">
-            <a:avLst/>
-          </a:prstGeom>
-          <a:solidFill>
-            <a:schemeClr val="accent3">
-              <a:lumMod val="60000"/>
-              <a:lumOff val="40000"/>
-            </a:schemeClr>
-          </a:solidFill>
-          <a:ln>
-            <a:noFill/>
-          </a:ln>
-        </p:spPr>
-        <p:style>
-          <a:lnRef idx="2">
-            <a:schemeClr val="accent1">
-              <a:shade val="50000"/>
-            </a:schemeClr>
-          </a:lnRef>
-          <a:fillRef idx="1">
-            <a:schemeClr val="accent1"/>
-          </a:fillRef>
-          <a:effectRef idx="0">
-            <a:schemeClr val="accent1"/>
-          </a:effectRef>
-          <a:fontRef idx="minor">
-            <a:schemeClr val="lt1"/>
-          </a:fontRef>
-        </p:style>
-        <p:txBody>
-          <a:bodyPr rtlCol="0" anchor="ctr"/>
-          <a:lstStyle/>
-          <a:p>
-            <a:pPr algn="ctr"/>
-            <a:endParaRPr lang="ko-KR" altLang="en-US" sz="2400">
-              <a:latin typeface="+mn-ea"/>
-              <a:ea typeface="+mn-ea"/>
-            </a:endParaRPr>
-          </a:p>
-        </p:txBody>
-      </p:sp>
-      <p:sp>
-        <p:nvSpPr>
-          <p:cNvPr id="29" name="직사각형 28"/>
-          <p:cNvSpPr/>
-          <p:nvPr userDrawn="1"/>
-        </p:nvSpPr>
-        <p:spPr>
-          <a:xfrm>
-            <a:off x="9060306" y="468490"/>
-            <a:ext cx="262073" cy="317834"/>
-          </a:xfrm>
-          <a:prstGeom prst="rect">
-            <a:avLst/>
-          </a:prstGeom>
-          <a:solidFill>
-            <a:schemeClr val="accent3">
-              <a:lumMod val="60000"/>
-              <a:lumOff val="40000"/>
-            </a:schemeClr>
-          </a:solidFill>
-          <a:ln>
-            <a:noFill/>
-          </a:ln>
-        </p:spPr>
-        <p:style>
-          <a:lnRef idx="2">
-            <a:schemeClr val="accent1">
-              <a:shade val="50000"/>
-            </a:schemeClr>
-          </a:lnRef>
-          <a:fillRef idx="1">
-            <a:schemeClr val="accent1"/>
-          </a:fillRef>
-          <a:effectRef idx="0">
-            <a:schemeClr val="accent1"/>
-          </a:effectRef>
-          <a:fontRef idx="minor">
-            <a:schemeClr val="lt1"/>
-          </a:fontRef>
-        </p:style>
-        <p:txBody>
-          <a:bodyPr rtlCol="0" anchor="ctr"/>
-          <a:lstStyle/>
-          <a:p>
-            <a:pPr algn="ctr"/>
-            <a:endParaRPr lang="ko-KR" altLang="en-US" sz="2400">
-              <a:latin typeface="+mn-ea"/>
-              <a:ea typeface="+mn-ea"/>
-            </a:endParaRPr>
-          </a:p>
-        </p:txBody>
-      </p:sp>
-      <p:sp>
-        <p:nvSpPr>
-          <p:cNvPr id="30" name="직사각형 29"/>
-          <p:cNvSpPr/>
-          <p:nvPr userDrawn="1"/>
-        </p:nvSpPr>
-        <p:spPr>
-          <a:xfrm>
-            <a:off x="9612593" y="-3720"/>
-            <a:ext cx="301600" cy="779668"/>
-          </a:xfrm>
-          <a:prstGeom prst="rect">
-            <a:avLst/>
-          </a:prstGeom>
-          <a:solidFill>
-            <a:schemeClr val="accent3">
-              <a:lumMod val="50000"/>
-            </a:schemeClr>
-          </a:solidFill>
-          <a:ln>
-            <a:noFill/>
-          </a:ln>
-        </p:spPr>
-        <p:style>
-          <a:lnRef idx="2">
-            <a:schemeClr val="accent1">
-              <a:shade val="50000"/>
-            </a:schemeClr>
-          </a:lnRef>
-          <a:fillRef idx="1">
-            <a:schemeClr val="accent1"/>
-          </a:fillRef>
-          <a:effectRef idx="0">
-            <a:schemeClr val="accent1"/>
-          </a:effectRef>
-          <a:fontRef idx="minor">
-            <a:schemeClr val="lt1"/>
-          </a:fontRef>
-        </p:style>
-        <p:txBody>
-          <a:bodyPr rtlCol="0" anchor="ctr"/>
-          <a:lstStyle/>
-          <a:p>
-            <a:pPr algn="ctr"/>
-            <a:endParaRPr lang="ko-KR" altLang="en-US" sz="2400">
-              <a:latin typeface="+mn-ea"/>
-              <a:ea typeface="+mn-ea"/>
-            </a:endParaRPr>
-          </a:p>
-        </p:txBody>
-      </p:sp>
-      <p:sp>
-        <p:nvSpPr>
-          <p:cNvPr id="2" name="TextBox 1"/>
-          <p:cNvSpPr txBox="1"/>
-          <p:nvPr userDrawn="1"/>
-        </p:nvSpPr>
-        <p:spPr>
-          <a:xfrm>
-            <a:off x="8697416" y="6608385"/>
-            <a:ext cx="1224136" cy="276999"/>
-          </a:xfrm>
-          <a:prstGeom prst="rect">
-            <a:avLst/>
-          </a:prstGeom>
-          <a:noFill/>
-        </p:spPr>
-        <p:txBody>
-          <a:bodyPr wrap="square" rtlCol="0">
-            <a:spAutoFit/>
-          </a:bodyPr>
-          <a:lstStyle/>
-          <a:p>
-            <a:r>
-              <a:rPr lang="en-US" altLang="ko-KR" sz="1200" b="1" dirty="0">
-                <a:latin typeface="Bahnschrift SemiCondensed" panose="020B0502040204020203" pitchFamily="34" charset="0"/>
-              </a:rPr>
-              <a:t>HB TECHNOLOGY</a:t>
-            </a:r>
-            <a:endParaRPr lang="ko-KR" altLang="en-US" sz="1200" b="1" dirty="0">
-              <a:latin typeface="Bahnschrift SemiCondensed" panose="020B0502040204020203" pitchFamily="34" charset="0"/>
             </a:endParaRPr>
           </a:p>
         </p:txBody>
@@ -7067,8 +5875,7 @@
     <p:sldLayoutId id="2147483692" r:id="rId9"/>
     <p:sldLayoutId id="2147483693" r:id="rId10"/>
     <p:sldLayoutId id="2147483694" r:id="rId11"/>
-    <p:sldLayoutId id="2147483695" r:id="rId12"/>
-    <p:sldLayoutId id="2147483696" r:id="rId13"/>
+    <p:sldLayoutId id="2147483696" r:id="rId12"/>
   </p:sldLayoutIdLst>
   <p:txStyles>
     <p:titleStyle>
@@ -7372,71 +6179,13 @@
       </p:grpSpPr>
       <p:sp>
         <p:nvSpPr>
-          <p:cNvPr id="23" name="제목 22"/>
-          <p:cNvSpPr>
-            <a:spLocks noGrp="1"/>
-          </p:cNvSpPr>
-          <p:nvPr>
-            <p:ph type="title"/>
-          </p:nvPr>
-        </p:nvSpPr>
-        <p:spPr>
-          <a:xfrm>
-            <a:off x="1366222" y="1988840"/>
-            <a:ext cx="7173559" cy="1728192"/>
-          </a:xfrm>
-        </p:spPr>
-        <p:txBody>
-          <a:bodyPr/>
-          <a:lstStyle/>
-          <a:p>
-            <a:r>
-              <a:rPr lang="en-US" altLang="ko-KR" dirty="0"/>
-              <a:t>HSMS/SECS Driver</a:t>
-            </a:r>
-            <a:endParaRPr lang="ko-KR" altLang="en-US" dirty="0"/>
-          </a:p>
-        </p:txBody>
-      </p:sp>
-    </p:spTree>
-    <p:extLst>
-      <p:ext uri="{BB962C8B-B14F-4D97-AF65-F5344CB8AC3E}">
-        <p14:creationId xmlns:p14="http://schemas.microsoft.com/office/powerpoint/2010/main" val="1265989909"/>
-      </p:ext>
-    </p:extLst>
-  </p:cSld>
-  <p:clrMapOvr>
-    <a:masterClrMapping/>
-  </p:clrMapOvr>
-</p:sld>
-</file>
-
-<file path=ppt/slides/slide10.xml><?xml version="1.0" encoding="utf-8"?>
-<p:sld xmlns:a="http://schemas.openxmlformats.org/drawingml/2006/main" xmlns:r="http://schemas.openxmlformats.org/officeDocument/2006/relationships" xmlns:p="http://schemas.openxmlformats.org/presentationml/2006/main">
-  <p:cSld>
-    <p:spTree>
-      <p:nvGrpSpPr>
-        <p:cNvPr id="1" name=""/>
-        <p:cNvGrpSpPr/>
-        <p:nvPr/>
-      </p:nvGrpSpPr>
-      <p:grpSpPr>
-        <a:xfrm>
-          <a:off x="0" y="0"/>
-          <a:ext cx="0" cy="0"/>
-          <a:chOff x="0" y="0"/>
-          <a:chExt cx="0" cy="0"/>
-        </a:xfrm>
-      </p:grpSpPr>
-      <p:sp>
-        <p:nvSpPr>
           <p:cNvPr id="6" name="평행 사변형 5"/>
           <p:cNvSpPr/>
           <p:nvPr/>
         </p:nvSpPr>
         <p:spPr>
           <a:xfrm>
-            <a:off x="3224808" y="789672"/>
+            <a:off x="3224808" y="781956"/>
             <a:ext cx="3358893" cy="454557"/>
           </a:xfrm>
           <a:prstGeom prst="parallelogram">
@@ -7445,57 +6194,9 @@
             </a:avLst>
           </a:prstGeom>
           <a:solidFill>
-            <a:srgbClr val="78697B"/>
-          </a:solidFill>
-          <a:ln>
-            <a:noFill/>
-          </a:ln>
-        </p:spPr>
-        <p:style>
-          <a:lnRef idx="2">
-            <a:schemeClr val="accent1">
-              <a:shade val="50000"/>
-            </a:schemeClr>
-          </a:lnRef>
-          <a:fillRef idx="1">
-            <a:schemeClr val="accent1"/>
-          </a:fillRef>
-          <a:effectRef idx="0">
-            <a:schemeClr val="accent1"/>
-          </a:effectRef>
-          <a:fontRef idx="minor">
-            <a:schemeClr val="lt1"/>
-          </a:fontRef>
-        </p:style>
-        <p:txBody>
-          <a:bodyPr rtlCol="0" anchor="ctr"/>
-          <a:lstStyle/>
-          <a:p>
-            <a:pPr algn="ctr"/>
-            <a:r>
-              <a:rPr lang="ko-KR" altLang="en-US" sz="2400" b="1" dirty="0"/>
-              <a:t>개발</a:t>
-            </a:r>
-          </a:p>
-        </p:txBody>
-      </p:sp>
-      <p:sp>
-        <p:nvSpPr>
-          <p:cNvPr id="114" name="직사각형 113"/>
-          <p:cNvSpPr/>
-          <p:nvPr/>
-        </p:nvSpPr>
-        <p:spPr>
-          <a:xfrm>
-            <a:off x="272480" y="1398524"/>
-            <a:ext cx="2121558" cy="302284"/>
-          </a:xfrm>
-          <a:prstGeom prst="rect">
-            <a:avLst/>
-          </a:prstGeom>
-          <a:solidFill>
-            <a:schemeClr val="bg2">
-              <a:lumMod val="25000"/>
+            <a:schemeClr val="tx1">
+              <a:lumMod val="65000"/>
+              <a:lumOff val="35000"/>
             </a:schemeClr>
           </a:solidFill>
           <a:ln>
@@ -7524,50 +6225,40 @@
           <a:p>
             <a:pPr algn="ctr"/>
             <a:r>
-              <a:rPr lang="ko-KR" altLang="en-US" b="1" dirty="0">
-                <a:latin typeface="맑은 고딕" pitchFamily="50" charset="-127"/>
-                <a:ea typeface="맑은 고딕" pitchFamily="50" charset="-127"/>
-              </a:rPr>
-              <a:t>아이템</a:t>
-            </a:r>
-            <a:r>
-              <a:rPr lang="en-US" altLang="ko-KR" b="1" dirty="0">
-                <a:latin typeface="맑은 고딕" pitchFamily="50" charset="-127"/>
-                <a:ea typeface="맑은 고딕" pitchFamily="50" charset="-127"/>
-              </a:rPr>
-              <a:t>(Driver)</a:t>
-            </a:r>
-            <a:endParaRPr lang="ko-KR" altLang="en-US" b="1" dirty="0">
-              <a:latin typeface="맑은 고딕" pitchFamily="50" charset="-127"/>
-              <a:ea typeface="맑은 고딕" pitchFamily="50" charset="-127"/>
+              <a:rPr lang="en-US" altLang="ko-KR" sz="2400" b="1" dirty="0">
+                <a:latin typeface="+mn-ea"/>
+              </a:rPr>
+              <a:t>CONTENTS</a:t>
+            </a:r>
+            <a:endParaRPr lang="ko-KR" altLang="en-US" sz="2400" b="1" dirty="0">
+              <a:latin typeface="+mn-ea"/>
             </a:endParaRPr>
           </a:p>
         </p:txBody>
       </p:sp>
       <p:sp>
         <p:nvSpPr>
-          <p:cNvPr id="4" name="대각선 방향의 모서리가 잘린 사각형 3"/>
+          <p:cNvPr id="7" name="평행 사변형 6"/>
           <p:cNvSpPr/>
           <p:nvPr/>
         </p:nvSpPr>
         <p:spPr>
           <a:xfrm>
-            <a:off x="416496" y="1916832"/>
-            <a:ext cx="9001000" cy="4680520"/>
+            <a:off x="3789230" y="2005390"/>
+            <a:ext cx="2697325" cy="360040"/>
           </a:xfrm>
-          <a:prstGeom prst="snip2DiagRect">
+          <a:prstGeom prst="parallelogram">
             <a:avLst>
-              <a:gd name="adj1" fmla="val 0"/>
-              <a:gd name="adj2" fmla="val 7377"/>
+              <a:gd name="adj" fmla="val 54101"/>
             </a:avLst>
           </a:prstGeom>
-          <a:noFill/>
-          <a:ln w="3175">
-            <a:solidFill>
-              <a:schemeClr val="bg2">
-                <a:lumMod val="25000"/>
-              </a:schemeClr>
-            </a:solidFill>
+          <a:solidFill>
+            <a:schemeClr val="accent6">
+              <a:lumMod val="75000"/>
+            </a:schemeClr>
+          </a:solidFill>
+          <a:ln>
+            <a:noFill/>
           </a:ln>
         </p:spPr>
         <p:style>
@@ -7587,323 +6278,397 @@
           </a:fontRef>
         </p:style>
         <p:txBody>
-          <a:bodyPr lIns="144000" tIns="144000" rIns="0" bIns="0" rtlCol="0" anchor="t"/>
+          <a:bodyPr rtlCol="0" anchor="ctr"/>
           <a:lstStyle/>
           <a:p>
-            <a:pPr marL="285750" indent="-285750">
-              <a:spcAft>
-                <a:spcPts val="900"/>
-              </a:spcAft>
-              <a:buFont typeface="Wingdings" panose="05000000000000000000" pitchFamily="2" charset="2"/>
-              <a:buChar char="u"/>
-            </a:pPr>
-            <a:r>
-              <a:rPr lang="en-US" altLang="ko-KR" sz="1400" b="1" dirty="0">
-                <a:solidFill>
-                  <a:schemeClr val="accent2">
-                    <a:lumMod val="50000"/>
-                  </a:schemeClr>
-                </a:solidFill>
-                <a:latin typeface="+mn-ea"/>
-              </a:rPr>
-              <a:t>Control Message Auto Reply</a:t>
-            </a:r>
-          </a:p>
-          <a:p>
-            <a:pPr marL="742950" lvl="1" indent="-285750">
-              <a:spcAft>
-                <a:spcPts val="900"/>
-              </a:spcAft>
-              <a:buFont typeface="Wingdings" panose="05000000000000000000" pitchFamily="2" charset="2"/>
-              <a:buChar char="l"/>
-            </a:pPr>
-            <a:r>
-              <a:rPr lang="en-US" altLang="ko-KR" sz="1400" b="1" dirty="0">
-                <a:solidFill>
-                  <a:schemeClr val="accent2">
-                    <a:lumMod val="50000"/>
-                  </a:schemeClr>
-                </a:solidFill>
-                <a:latin typeface="+mn-ea"/>
-              </a:rPr>
-              <a:t>Selected request, response</a:t>
-            </a:r>
-          </a:p>
-          <a:p>
-            <a:pPr marL="742950" lvl="1" indent="-285750">
-              <a:spcAft>
-                <a:spcPts val="900"/>
-              </a:spcAft>
-              <a:buFont typeface="Wingdings" panose="05000000000000000000" pitchFamily="2" charset="2"/>
-              <a:buChar char="l"/>
-            </a:pPr>
-            <a:r>
-              <a:rPr lang="en-US" altLang="ko-KR" sz="1400" b="1" dirty="0">
-                <a:solidFill>
-                  <a:schemeClr val="accent2">
-                    <a:lumMod val="50000"/>
-                  </a:schemeClr>
-                </a:solidFill>
-                <a:latin typeface="+mn-ea"/>
-              </a:rPr>
-              <a:t>Deselected request, response</a:t>
-            </a:r>
-          </a:p>
-          <a:p>
-            <a:pPr marL="742950" lvl="1" indent="-285750">
-              <a:spcAft>
-                <a:spcPts val="900"/>
-              </a:spcAft>
-              <a:buFont typeface="Wingdings" panose="05000000000000000000" pitchFamily="2" charset="2"/>
-              <a:buChar char="l"/>
-            </a:pPr>
-            <a:r>
-              <a:rPr lang="en-US" altLang="ko-KR" sz="1400" b="1" dirty="0">
-                <a:solidFill>
-                  <a:schemeClr val="accent2">
-                    <a:lumMod val="50000"/>
-                  </a:schemeClr>
-                </a:solidFill>
-                <a:latin typeface="+mn-ea"/>
-              </a:rPr>
-              <a:t>Link test request, response</a:t>
-            </a:r>
-          </a:p>
-          <a:p>
-            <a:pPr marL="742950" lvl="1" indent="-285750">
-              <a:spcAft>
-                <a:spcPts val="900"/>
-              </a:spcAft>
-              <a:buFont typeface="Wingdings" panose="05000000000000000000" pitchFamily="2" charset="2"/>
-              <a:buChar char="l"/>
-            </a:pPr>
-            <a:r>
-              <a:rPr lang="en-US" altLang="ko-KR" sz="1400" b="1" dirty="0">
-                <a:solidFill>
-                  <a:schemeClr val="accent2">
-                    <a:lumMod val="50000"/>
-                  </a:schemeClr>
-                </a:solidFill>
-                <a:latin typeface="+mn-ea"/>
-              </a:rPr>
-              <a:t>Reject request</a:t>
-            </a:r>
-          </a:p>
-          <a:p>
-            <a:pPr marL="1257300" lvl="2" indent="-342900">
-              <a:spcAft>
-                <a:spcPts val="900"/>
-              </a:spcAft>
-              <a:buFont typeface="Wingdings" panose="05000000000000000000" pitchFamily="2" charset="2"/>
-              <a:buChar char="§"/>
-            </a:pPr>
-            <a:r>
-              <a:rPr lang="ko-KR" altLang="en-US" sz="1400" b="1" dirty="0">
-                <a:solidFill>
-                  <a:schemeClr val="accent2">
-                    <a:lumMod val="50000"/>
-                  </a:schemeClr>
-                </a:solidFill>
-                <a:latin typeface="+mn-ea"/>
-              </a:rPr>
-              <a:t>아래 상태에 따라 자동 </a:t>
-            </a:r>
-            <a:r>
-              <a:rPr lang="en-US" altLang="ko-KR" sz="1400" b="1" dirty="0">
-                <a:solidFill>
-                  <a:schemeClr val="accent2">
-                    <a:lumMod val="50000"/>
-                  </a:schemeClr>
-                </a:solidFill>
-                <a:latin typeface="+mn-ea"/>
-              </a:rPr>
-              <a:t>reject </a:t>
-            </a:r>
-            <a:r>
-              <a:rPr lang="ko-KR" altLang="en-US" sz="1400" b="1" dirty="0">
-                <a:solidFill>
-                  <a:schemeClr val="accent2">
-                    <a:lumMod val="50000"/>
-                  </a:schemeClr>
-                </a:solidFill>
-                <a:latin typeface="+mn-ea"/>
-              </a:rPr>
-              <a:t>처리</a:t>
-            </a:r>
-            <a:endParaRPr lang="en-US" altLang="ko-KR" sz="1400" b="1" dirty="0">
-              <a:solidFill>
-                <a:schemeClr val="accent2">
-                  <a:lumMod val="50000"/>
-                </a:schemeClr>
-              </a:solidFill>
+            <a:r>
+              <a:rPr lang="ko-KR" altLang="en-US" b="1" dirty="0">
+                <a:latin typeface="+mn-ea"/>
+              </a:rPr>
+              <a:t>개발</a:t>
+            </a:r>
+          </a:p>
+        </p:txBody>
+      </p:sp>
+      <p:sp>
+        <p:nvSpPr>
+          <p:cNvPr id="9" name="평행 사변형 8"/>
+          <p:cNvSpPr/>
+          <p:nvPr/>
+        </p:nvSpPr>
+        <p:spPr>
+          <a:xfrm>
+            <a:off x="632520" y="2025192"/>
+            <a:ext cx="2699528" cy="360040"/>
+          </a:xfrm>
+          <a:prstGeom prst="parallelogram">
+            <a:avLst>
+              <a:gd name="adj" fmla="val 54101"/>
+            </a:avLst>
+          </a:prstGeom>
+          <a:solidFill>
+            <a:schemeClr val="accent5">
+              <a:lumMod val="75000"/>
+            </a:schemeClr>
+          </a:solidFill>
+          <a:ln>
+            <a:noFill/>
+          </a:ln>
+        </p:spPr>
+        <p:style>
+          <a:lnRef idx="2">
+            <a:schemeClr val="accent1">
+              <a:shade val="50000"/>
+            </a:schemeClr>
+          </a:lnRef>
+          <a:fillRef idx="1">
+            <a:schemeClr val="accent1"/>
+          </a:fillRef>
+          <a:effectRef idx="0">
+            <a:schemeClr val="accent1"/>
+          </a:effectRef>
+          <a:fontRef idx="minor">
+            <a:schemeClr val="lt1"/>
+          </a:fontRef>
+        </p:style>
+        <p:txBody>
+          <a:bodyPr rtlCol="0" anchor="ctr"/>
+          <a:lstStyle/>
+          <a:p>
+            <a:r>
+              <a:rPr lang="ko-KR" altLang="en-US" b="1" dirty="0">
+                <a:latin typeface="+mn-ea"/>
+              </a:rPr>
+              <a:t>개요</a:t>
+            </a:r>
+          </a:p>
+        </p:txBody>
+      </p:sp>
+      <p:sp>
+        <p:nvSpPr>
+          <p:cNvPr id="10" name="평행 사변형 9"/>
+          <p:cNvSpPr/>
+          <p:nvPr/>
+        </p:nvSpPr>
+        <p:spPr>
+          <a:xfrm>
+            <a:off x="6897216" y="2005390"/>
+            <a:ext cx="2734392" cy="360040"/>
+          </a:xfrm>
+          <a:prstGeom prst="parallelogram">
+            <a:avLst>
+              <a:gd name="adj" fmla="val 54101"/>
+            </a:avLst>
+          </a:prstGeom>
+          <a:solidFill>
+            <a:schemeClr val="accent1">
+              <a:lumMod val="75000"/>
+            </a:schemeClr>
+          </a:solidFill>
+          <a:ln>
+            <a:noFill/>
+          </a:ln>
+        </p:spPr>
+        <p:style>
+          <a:lnRef idx="2">
+            <a:schemeClr val="accent1">
+              <a:shade val="50000"/>
+            </a:schemeClr>
+          </a:lnRef>
+          <a:fillRef idx="1">
+            <a:schemeClr val="accent1"/>
+          </a:fillRef>
+          <a:effectRef idx="0">
+            <a:schemeClr val="accent1"/>
+          </a:effectRef>
+          <a:fontRef idx="minor">
+            <a:schemeClr val="lt1"/>
+          </a:fontRef>
+        </p:style>
+        <p:txBody>
+          <a:bodyPr rtlCol="0" anchor="ctr"/>
+          <a:lstStyle/>
+          <a:p>
+            <a:r>
+              <a:rPr lang="en-US" altLang="ko-KR" b="1" dirty="0">
+                <a:latin typeface="+mn-ea"/>
+              </a:rPr>
+              <a:t>To-do</a:t>
+            </a:r>
+            <a:endParaRPr lang="ko-KR" altLang="en-US" b="1" dirty="0">
               <a:latin typeface="+mn-ea"/>
             </a:endParaRPr>
           </a:p>
-          <a:p>
-            <a:pPr marL="1257300" lvl="2" indent="-342900">
-              <a:spcAft>
-                <a:spcPts val="900"/>
-              </a:spcAft>
-              <a:buFont typeface="Wingdings" panose="05000000000000000000" pitchFamily="2" charset="2"/>
-              <a:buChar char="§"/>
-            </a:pPr>
-            <a:endParaRPr lang="en-US" altLang="ko-KR" sz="1400" b="1" dirty="0">
-              <a:solidFill>
-                <a:schemeClr val="accent2">
-                  <a:lumMod val="50000"/>
-                </a:schemeClr>
-              </a:solidFill>
-              <a:latin typeface="+mn-ea"/>
-            </a:endParaRPr>
-          </a:p>
-          <a:p>
-            <a:pPr lvl="2">
-              <a:spcAft>
-                <a:spcPts val="900"/>
-              </a:spcAft>
-            </a:pPr>
-            <a:endParaRPr lang="en-US" altLang="ko-KR" sz="1400" b="1" dirty="0">
-              <a:solidFill>
-                <a:schemeClr val="accent2">
-                  <a:lumMod val="50000"/>
-                </a:schemeClr>
-              </a:solidFill>
-              <a:latin typeface="+mn-ea"/>
-            </a:endParaRPr>
-          </a:p>
-          <a:p>
-            <a:pPr marL="800100" lvl="1" indent="-342900">
-              <a:spcAft>
-                <a:spcPts val="900"/>
-              </a:spcAft>
-              <a:buFont typeface="Wingdings" panose="05000000000000000000" pitchFamily="2" charset="2"/>
-              <a:buChar char="l"/>
-            </a:pPr>
-            <a:endParaRPr lang="en-US" altLang="ko-KR" sz="1400" b="1" dirty="0">
-              <a:solidFill>
-                <a:schemeClr val="accent2">
-                  <a:lumMod val="50000"/>
-                </a:schemeClr>
-              </a:solidFill>
-              <a:latin typeface="+mn-ea"/>
-            </a:endParaRPr>
-          </a:p>
-          <a:p>
-            <a:pPr marL="800100" lvl="1" indent="-342900">
-              <a:spcAft>
-                <a:spcPts val="900"/>
-              </a:spcAft>
-              <a:buFont typeface="Wingdings" panose="05000000000000000000" pitchFamily="2" charset="2"/>
-              <a:buChar char="l"/>
-            </a:pPr>
-            <a:endParaRPr lang="en-US" altLang="ko-KR" sz="1400" b="1" dirty="0">
-              <a:solidFill>
-                <a:schemeClr val="accent2">
-                  <a:lumMod val="50000"/>
-                </a:schemeClr>
-              </a:solidFill>
-              <a:latin typeface="+mn-ea"/>
-            </a:endParaRPr>
-          </a:p>
-          <a:p>
-            <a:pPr marL="800100" lvl="1" indent="-342900">
-              <a:spcAft>
-                <a:spcPts val="900"/>
-              </a:spcAft>
-              <a:buFont typeface="Wingdings" panose="05000000000000000000" pitchFamily="2" charset="2"/>
-              <a:buChar char="l"/>
-            </a:pPr>
-            <a:endParaRPr lang="en-US" altLang="ko-KR" sz="1400" b="1" dirty="0">
-              <a:solidFill>
-                <a:schemeClr val="accent2">
-                  <a:lumMod val="50000"/>
-                </a:schemeClr>
-              </a:solidFill>
-              <a:latin typeface="+mn-ea"/>
-            </a:endParaRPr>
-          </a:p>
-          <a:p>
-            <a:pPr marL="800100" lvl="1" indent="-342900">
-              <a:spcAft>
-                <a:spcPts val="900"/>
-              </a:spcAft>
-              <a:buFont typeface="Wingdings" panose="05000000000000000000" pitchFamily="2" charset="2"/>
-              <a:buChar char="l"/>
-            </a:pPr>
-            <a:endParaRPr lang="en-US" altLang="ko-KR" sz="1400" b="1" dirty="0">
-              <a:solidFill>
-                <a:schemeClr val="accent2">
-                  <a:lumMod val="50000"/>
-                </a:schemeClr>
-              </a:solidFill>
-              <a:latin typeface="+mn-ea"/>
-            </a:endParaRPr>
-          </a:p>
-          <a:p>
-            <a:pPr marL="800100" lvl="1" indent="-342900">
-              <a:spcAft>
-                <a:spcPts val="900"/>
-              </a:spcAft>
-              <a:buFont typeface="Wingdings" panose="05000000000000000000" pitchFamily="2" charset="2"/>
-              <a:buChar char="l"/>
-            </a:pPr>
-            <a:r>
-              <a:rPr lang="en-US" altLang="ko-KR" sz="1400" b="1" dirty="0">
-                <a:solidFill>
-                  <a:schemeClr val="accent2">
-                    <a:lumMod val="50000"/>
-                  </a:schemeClr>
-                </a:solidFill>
-                <a:latin typeface="+mn-ea"/>
-              </a:rPr>
-              <a:t>Separate request</a:t>
-            </a:r>
-          </a:p>
-          <a:p>
-            <a:pPr lvl="1">
-              <a:spcAft>
-                <a:spcPts val="900"/>
-              </a:spcAft>
-            </a:pPr>
-            <a:endParaRPr lang="en-US" altLang="ko-KR" sz="1400" b="1" dirty="0">
-              <a:solidFill>
-                <a:schemeClr val="accent2">
-                  <a:lumMod val="50000"/>
-                </a:schemeClr>
-              </a:solidFill>
-              <a:latin typeface="+mn-ea"/>
-            </a:endParaRPr>
-          </a:p>
         </p:txBody>
       </p:sp>
-      <p:pic>
-        <p:nvPicPr>
-          <p:cNvPr id="3" name="그림 2"/>
-          <p:cNvPicPr>
-            <a:picLocks noChangeAspect="1"/>
-          </p:cNvPicPr>
+      <p:sp>
+        <p:nvSpPr>
+          <p:cNvPr id="27" name="TextBox 26"/>
+          <p:cNvSpPr txBox="1"/>
           <p:nvPr/>
-        </p:nvPicPr>
-        <p:blipFill>
-          <a:blip r:embed="rId2"/>
-          <a:stretch>
-            <a:fillRect/>
-          </a:stretch>
-        </p:blipFill>
+        </p:nvSpPr>
         <p:spPr>
           <a:xfrm>
-            <a:off x="2000672" y="4149080"/>
-            <a:ext cx="4060210" cy="1872208"/>
+            <a:off x="3872880" y="2488828"/>
+            <a:ext cx="2016224" cy="3293209"/>
           </a:xfrm>
           <a:prstGeom prst="rect">
             <a:avLst/>
           </a:prstGeom>
+          <a:noFill/>
         </p:spPr>
-      </p:pic>
+        <p:txBody>
+          <a:bodyPr wrap="square" rtlCol="0">
+            <a:spAutoFit/>
+          </a:bodyPr>
+          <a:lstStyle/>
+          <a:p>
+            <a:r>
+              <a:rPr lang="ko-KR" altLang="en-US" sz="1600" b="1" dirty="0">
+                <a:latin typeface="+mn-ea"/>
+              </a:rPr>
+              <a:t>▪ 기간</a:t>
+            </a:r>
+            <a:endParaRPr lang="en-US" altLang="ko-KR" sz="1600" b="1" dirty="0">
+              <a:latin typeface="+mn-ea"/>
+            </a:endParaRPr>
+          </a:p>
+          <a:p>
+            <a:endParaRPr lang="en-US" altLang="ko-KR" sz="1600" b="1" dirty="0">
+              <a:latin typeface="+mn-ea"/>
+            </a:endParaRPr>
+          </a:p>
+          <a:p>
+            <a:r>
+              <a:rPr lang="ko-KR" altLang="en-US" sz="1600" b="1" dirty="0">
+                <a:latin typeface="+mn-ea"/>
+              </a:rPr>
+              <a:t>▪ 참조 자료</a:t>
+            </a:r>
+            <a:endParaRPr lang="en-US" altLang="ko-KR" sz="1600" b="1" dirty="0">
+              <a:latin typeface="+mn-ea"/>
+            </a:endParaRPr>
+          </a:p>
+          <a:p>
+            <a:endParaRPr lang="en-US" altLang="ko-KR" sz="1600" b="1" dirty="0">
+              <a:latin typeface="+mn-ea"/>
+            </a:endParaRPr>
+          </a:p>
+          <a:p>
+            <a:r>
+              <a:rPr lang="ko-KR" altLang="en-US" sz="1600" b="1" dirty="0">
+                <a:latin typeface="+mn-ea"/>
+              </a:rPr>
+              <a:t>▪ 환경</a:t>
+            </a:r>
+            <a:endParaRPr lang="en-US" altLang="ko-KR" sz="1600" b="1" dirty="0">
+              <a:latin typeface="+mn-ea"/>
+            </a:endParaRPr>
+          </a:p>
+          <a:p>
+            <a:endParaRPr lang="en-US" altLang="ko-KR" sz="1600" b="1" dirty="0">
+              <a:latin typeface="+mn-ea"/>
+            </a:endParaRPr>
+          </a:p>
+          <a:p>
+            <a:r>
+              <a:rPr lang="ko-KR" altLang="en-US" sz="1600" b="1" dirty="0">
+                <a:latin typeface="+mn-ea"/>
+              </a:rPr>
+              <a:t>▪ 범위</a:t>
+            </a:r>
+            <a:endParaRPr lang="en-US" altLang="ko-KR" sz="1600" b="1" dirty="0">
+              <a:latin typeface="+mn-ea"/>
+            </a:endParaRPr>
+          </a:p>
+          <a:p>
+            <a:endParaRPr lang="en-US" altLang="ko-KR" sz="1600" b="1" dirty="0">
+              <a:latin typeface="+mn-ea"/>
+            </a:endParaRPr>
+          </a:p>
+          <a:p>
+            <a:r>
+              <a:rPr lang="ko-KR" altLang="en-US" sz="1600" b="1" dirty="0">
+                <a:latin typeface="+mn-ea"/>
+              </a:rPr>
+              <a:t>▪ 아이템</a:t>
+            </a:r>
+            <a:endParaRPr lang="en-US" altLang="ko-KR" sz="1600" b="1" dirty="0">
+              <a:latin typeface="+mn-ea"/>
+            </a:endParaRPr>
+          </a:p>
+          <a:p>
+            <a:pPr marL="396000" lvl="1" indent="-285750">
+              <a:buFont typeface="Arial" panose="020B0604020202020204" pitchFamily="34" charset="0"/>
+              <a:buChar char="•"/>
+            </a:pPr>
+            <a:r>
+              <a:rPr lang="en-US" altLang="ko-KR" sz="1400" b="1" dirty="0">
+                <a:latin typeface="+mn-ea"/>
+              </a:rPr>
+              <a:t>Driver</a:t>
+            </a:r>
+          </a:p>
+          <a:p>
+            <a:pPr marL="396000" lvl="1" indent="-285750">
+              <a:buFont typeface="Arial" panose="020B0604020202020204" pitchFamily="34" charset="0"/>
+              <a:buChar char="•"/>
+            </a:pPr>
+            <a:r>
+              <a:rPr lang="en-US" altLang="ko-KR" sz="1400" b="1" dirty="0">
+                <a:latin typeface="+mn-ea"/>
+              </a:rPr>
+              <a:t>Configurator</a:t>
+            </a:r>
+          </a:p>
+          <a:p>
+            <a:pPr marL="396000" lvl="1" indent="-285750">
+              <a:buFont typeface="Arial" panose="020B0604020202020204" pitchFamily="34" charset="0"/>
+              <a:buChar char="•"/>
+            </a:pPr>
+            <a:endParaRPr lang="en-US" altLang="ko-KR" sz="1600" b="1" dirty="0">
+              <a:latin typeface="+mn-ea"/>
+            </a:endParaRPr>
+          </a:p>
+          <a:p>
+            <a:r>
+              <a:rPr lang="ko-KR" altLang="en-US" sz="1600" b="1" dirty="0">
+                <a:latin typeface="+mn-ea"/>
+              </a:rPr>
+              <a:t>▪ 개발 인원</a:t>
+            </a:r>
+            <a:endParaRPr lang="en-US" altLang="ko-KR" sz="1600" b="1" dirty="0">
+              <a:latin typeface="+mn-ea"/>
+            </a:endParaRPr>
+          </a:p>
+        </p:txBody>
+      </p:sp>
+      <p:sp>
+        <p:nvSpPr>
+          <p:cNvPr id="22" name="TextBox 21"/>
+          <p:cNvSpPr txBox="1"/>
+          <p:nvPr/>
+        </p:nvSpPr>
+        <p:spPr>
+          <a:xfrm>
+            <a:off x="776536" y="2488828"/>
+            <a:ext cx="2016224" cy="1323439"/>
+          </a:xfrm>
+          <a:prstGeom prst="rect">
+            <a:avLst/>
+          </a:prstGeom>
+          <a:noFill/>
+        </p:spPr>
+        <p:txBody>
+          <a:bodyPr wrap="square" rtlCol="0">
+            <a:spAutoFit/>
+          </a:bodyPr>
+          <a:lstStyle/>
+          <a:p>
+            <a:r>
+              <a:rPr lang="ko-KR" altLang="en-US" sz="1600" b="1" dirty="0">
+                <a:latin typeface="+mn-ea"/>
+              </a:rPr>
+              <a:t>▪ 목적</a:t>
+            </a:r>
+            <a:endParaRPr lang="en-US" altLang="ko-KR" sz="1600" b="1" dirty="0">
+              <a:latin typeface="+mn-ea"/>
+            </a:endParaRPr>
+          </a:p>
+          <a:p>
+            <a:endParaRPr lang="en-US" altLang="ko-KR" sz="1600" b="1" dirty="0">
+              <a:latin typeface="+mn-ea"/>
+            </a:endParaRPr>
+          </a:p>
+          <a:p>
+            <a:r>
+              <a:rPr lang="ko-KR" altLang="en-US" sz="1600" b="1" dirty="0">
+                <a:latin typeface="+mn-ea"/>
+              </a:rPr>
+              <a:t>▪ </a:t>
+            </a:r>
+            <a:r>
+              <a:rPr lang="en-US" altLang="ko-KR" sz="1600" b="1" dirty="0">
+                <a:latin typeface="+mn-ea"/>
+              </a:rPr>
+              <a:t>SEMI Standard</a:t>
+            </a:r>
+          </a:p>
+          <a:p>
+            <a:endParaRPr lang="en-US" altLang="ko-KR" sz="1600" b="1" dirty="0">
+              <a:latin typeface="+mn-ea"/>
+            </a:endParaRPr>
+          </a:p>
+          <a:p>
+            <a:r>
+              <a:rPr lang="ko-KR" altLang="en-US" sz="1600" b="1" dirty="0">
+                <a:latin typeface="+mn-ea"/>
+              </a:rPr>
+              <a:t>▪ </a:t>
+            </a:r>
+            <a:r>
+              <a:rPr lang="en-US" altLang="ko-KR" sz="1600" b="1" dirty="0">
+                <a:latin typeface="+mn-ea"/>
+              </a:rPr>
+              <a:t>SECS?</a:t>
+            </a:r>
+          </a:p>
+        </p:txBody>
+      </p:sp>
+      <p:sp>
+        <p:nvSpPr>
+          <p:cNvPr id="23" name="TextBox 22"/>
+          <p:cNvSpPr txBox="1"/>
+          <p:nvPr/>
+        </p:nvSpPr>
+        <p:spPr>
+          <a:xfrm>
+            <a:off x="7039320" y="2488828"/>
+            <a:ext cx="2016224" cy="830997"/>
+          </a:xfrm>
+          <a:prstGeom prst="rect">
+            <a:avLst/>
+          </a:prstGeom>
+          <a:noFill/>
+        </p:spPr>
+        <p:txBody>
+          <a:bodyPr wrap="square" rtlCol="0">
+            <a:spAutoFit/>
+          </a:bodyPr>
+          <a:lstStyle/>
+          <a:p>
+            <a:r>
+              <a:rPr lang="ko-KR" altLang="en-US" sz="1600" b="1" dirty="0">
+                <a:latin typeface="+mn-ea"/>
+              </a:rPr>
+              <a:t>▪ 개선</a:t>
+            </a:r>
+            <a:endParaRPr lang="en-US" altLang="ko-KR" sz="1600" b="1" dirty="0">
+              <a:latin typeface="+mn-ea"/>
+            </a:endParaRPr>
+          </a:p>
+          <a:p>
+            <a:endParaRPr lang="en-US" altLang="ko-KR" sz="1600" b="1" dirty="0">
+              <a:latin typeface="+mn-ea"/>
+            </a:endParaRPr>
+          </a:p>
+          <a:p>
+            <a:r>
+              <a:rPr lang="ko-KR" altLang="en-US" sz="1600" b="1" dirty="0">
+                <a:latin typeface="+mn-ea"/>
+              </a:rPr>
+              <a:t>▪ 프로젝트</a:t>
+            </a:r>
+            <a:endParaRPr lang="en-US" altLang="ko-KR" sz="1600" b="1" dirty="0">
+              <a:latin typeface="+mn-ea"/>
+            </a:endParaRPr>
+          </a:p>
+        </p:txBody>
+      </p:sp>
     </p:spTree>
     <p:extLst>
       <p:ext uri="{BB962C8B-B14F-4D97-AF65-F5344CB8AC3E}">
-        <p14:creationId xmlns:p14="http://schemas.microsoft.com/office/powerpoint/2010/main" val="976902410"/>
+        <p14:creationId xmlns:p14="http://schemas.microsoft.com/office/powerpoint/2010/main" val="2764772480"/>
       </p:ext>
     </p:extLst>
   </p:cSld>
@@ -7913,7 +6678,7 @@
 </p:sld>
 </file>
 
-<file path=ppt/slides/slide11.xml><?xml version="1.0" encoding="utf-8"?>
+<file path=ppt/slides/slide10.xml><?xml version="1.0" encoding="utf-8"?>
 <p:sld xmlns:a="http://schemas.openxmlformats.org/drawingml/2006/main" xmlns:r="http://schemas.openxmlformats.org/officeDocument/2006/relationships" xmlns:p="http://schemas.openxmlformats.org/presentationml/2006/main">
   <p:cSld>
     <p:spTree>
@@ -8524,7 +7289,7 @@
 </p:sld>
 </file>
 
-<file path=ppt/slides/slide12.xml><?xml version="1.0" encoding="utf-8"?>
+<file path=ppt/slides/slide11.xml><?xml version="1.0" encoding="utf-8"?>
 <p:sld xmlns:a="http://schemas.openxmlformats.org/drawingml/2006/main" xmlns:r="http://schemas.openxmlformats.org/officeDocument/2006/relationships" xmlns:p="http://schemas.openxmlformats.org/presentationml/2006/main">
   <p:cSld>
     <p:spTree>
@@ -9303,7 +8068,7 @@
 </p:sld>
 </file>
 
-<file path=ppt/slides/slide13.xml><?xml version="1.0" encoding="utf-8"?>
+<file path=ppt/slides/slide12.xml><?xml version="1.0" encoding="utf-8"?>
 <p:sld xmlns:a="http://schemas.openxmlformats.org/drawingml/2006/main" xmlns:r="http://schemas.openxmlformats.org/officeDocument/2006/relationships" xmlns:p="http://schemas.openxmlformats.org/presentationml/2006/main">
   <p:cSld>
     <p:spTree>
@@ -10085,7 +8850,7 @@
 </p:sld>
 </file>
 
-<file path=ppt/slides/slide14.xml><?xml version="1.0" encoding="utf-8"?>
+<file path=ppt/slides/slide13.xml><?xml version="1.0" encoding="utf-8"?>
 <p:sld xmlns:a="http://schemas.openxmlformats.org/drawingml/2006/main" xmlns:r="http://schemas.openxmlformats.org/officeDocument/2006/relationships" xmlns:p="http://schemas.openxmlformats.org/presentationml/2006/main">
   <p:cSld>
     <p:spTree>
@@ -10475,7 +9240,7 @@
 </p:sld>
 </file>
 
-<file path=ppt/slides/slide15.xml><?xml version="1.0" encoding="utf-8"?>
+<file path=ppt/slides/slide14.xml><?xml version="1.0" encoding="utf-8"?>
 <p:sld xmlns:a="http://schemas.openxmlformats.org/drawingml/2006/main" xmlns:r="http://schemas.openxmlformats.org/officeDocument/2006/relationships" xmlns:p="http://schemas.openxmlformats.org/presentationml/2006/main">
   <p:cSld>
     <p:spTree>
@@ -10994,7 +9759,7 @@
 </p:sld>
 </file>
 
-<file path=ppt/slides/slide16.xml><?xml version="1.0" encoding="utf-8"?>
+<file path=ppt/slides/slide15.xml><?xml version="1.0" encoding="utf-8"?>
 <p:sld xmlns:a="http://schemas.openxmlformats.org/drawingml/2006/main" xmlns:r="http://schemas.openxmlformats.org/officeDocument/2006/relationships" xmlns:p="http://schemas.openxmlformats.org/presentationml/2006/main">
   <p:cSld>
     <p:spTree>
@@ -11436,7 +10201,7 @@
 </p:sld>
 </file>
 
-<file path=ppt/slides/slide17.xml><?xml version="1.0" encoding="utf-8"?>
+<file path=ppt/slides/slide16.xml><?xml version="1.0" encoding="utf-8"?>
 <p:sld xmlns:a="http://schemas.openxmlformats.org/drawingml/2006/main" xmlns:r="http://schemas.openxmlformats.org/officeDocument/2006/relationships" xmlns:p="http://schemas.openxmlformats.org/presentationml/2006/main">
   <p:cSld>
     <p:spTree>
@@ -11768,7 +10533,7 @@
 </p:sld>
 </file>
 
-<file path=ppt/slides/slide18.xml><?xml version="1.0" encoding="utf-8"?>
+<file path=ppt/slides/slide17.xml><?xml version="1.0" encoding="utf-8"?>
 <p:sld xmlns:a="http://schemas.openxmlformats.org/drawingml/2006/main" xmlns:r="http://schemas.openxmlformats.org/officeDocument/2006/relationships" xmlns:p="http://schemas.openxmlformats.org/presentationml/2006/main">
   <p:cSld>
     <p:spTree>
@@ -12127,7 +10892,7 @@
 </p:sld>
 </file>
 
-<file path=ppt/slides/slide19.xml><?xml version="1.0" encoding="utf-8"?>
+<file path=ppt/slides/slide18.xml><?xml version="1.0" encoding="utf-8"?>
 <p:sld xmlns:a="http://schemas.openxmlformats.org/drawingml/2006/main" xmlns:r="http://schemas.openxmlformats.org/officeDocument/2006/relationships" xmlns:p="http://schemas.openxmlformats.org/presentationml/2006/main">
   <p:cSld>
     <p:spTree>
@@ -12474,525 +11239,7 @@
 </p:sld>
 </file>
 
-<file path=ppt/slides/slide2.xml><?xml version="1.0" encoding="utf-8"?>
-<p:sld xmlns:a="http://schemas.openxmlformats.org/drawingml/2006/main" xmlns:r="http://schemas.openxmlformats.org/officeDocument/2006/relationships" xmlns:p="http://schemas.openxmlformats.org/presentationml/2006/main">
-  <p:cSld>
-    <p:spTree>
-      <p:nvGrpSpPr>
-        <p:cNvPr id="1" name=""/>
-        <p:cNvGrpSpPr/>
-        <p:nvPr/>
-      </p:nvGrpSpPr>
-      <p:grpSpPr>
-        <a:xfrm>
-          <a:off x="0" y="0"/>
-          <a:ext cx="0" cy="0"/>
-          <a:chOff x="0" y="0"/>
-          <a:chExt cx="0" cy="0"/>
-        </a:xfrm>
-      </p:grpSpPr>
-      <p:sp>
-        <p:nvSpPr>
-          <p:cNvPr id="6" name="평행 사변형 5"/>
-          <p:cNvSpPr/>
-          <p:nvPr/>
-        </p:nvSpPr>
-        <p:spPr>
-          <a:xfrm>
-            <a:off x="3224808" y="781956"/>
-            <a:ext cx="3358893" cy="454557"/>
-          </a:xfrm>
-          <a:prstGeom prst="parallelogram">
-            <a:avLst>
-              <a:gd name="adj" fmla="val 54101"/>
-            </a:avLst>
-          </a:prstGeom>
-          <a:solidFill>
-            <a:schemeClr val="tx1">
-              <a:lumMod val="65000"/>
-              <a:lumOff val="35000"/>
-            </a:schemeClr>
-          </a:solidFill>
-          <a:ln>
-            <a:noFill/>
-          </a:ln>
-        </p:spPr>
-        <p:style>
-          <a:lnRef idx="2">
-            <a:schemeClr val="accent1">
-              <a:shade val="50000"/>
-            </a:schemeClr>
-          </a:lnRef>
-          <a:fillRef idx="1">
-            <a:schemeClr val="accent1"/>
-          </a:fillRef>
-          <a:effectRef idx="0">
-            <a:schemeClr val="accent1"/>
-          </a:effectRef>
-          <a:fontRef idx="minor">
-            <a:schemeClr val="lt1"/>
-          </a:fontRef>
-        </p:style>
-        <p:txBody>
-          <a:bodyPr rtlCol="0" anchor="ctr"/>
-          <a:lstStyle/>
-          <a:p>
-            <a:pPr algn="ctr"/>
-            <a:r>
-              <a:rPr lang="en-US" altLang="ko-KR" sz="2400" b="1" dirty="0">
-                <a:latin typeface="+mn-ea"/>
-              </a:rPr>
-              <a:t>CONTENTS</a:t>
-            </a:r>
-            <a:endParaRPr lang="ko-KR" altLang="en-US" sz="2400" b="1" dirty="0">
-              <a:latin typeface="+mn-ea"/>
-            </a:endParaRPr>
-          </a:p>
-        </p:txBody>
-      </p:sp>
-      <p:sp>
-        <p:nvSpPr>
-          <p:cNvPr id="7" name="평행 사변형 6"/>
-          <p:cNvSpPr/>
-          <p:nvPr/>
-        </p:nvSpPr>
-        <p:spPr>
-          <a:xfrm>
-            <a:off x="3789230" y="2005390"/>
-            <a:ext cx="2697325" cy="360040"/>
-          </a:xfrm>
-          <a:prstGeom prst="parallelogram">
-            <a:avLst>
-              <a:gd name="adj" fmla="val 54101"/>
-            </a:avLst>
-          </a:prstGeom>
-          <a:solidFill>
-            <a:schemeClr val="accent6">
-              <a:lumMod val="75000"/>
-            </a:schemeClr>
-          </a:solidFill>
-          <a:ln>
-            <a:noFill/>
-          </a:ln>
-        </p:spPr>
-        <p:style>
-          <a:lnRef idx="2">
-            <a:schemeClr val="accent1">
-              <a:shade val="50000"/>
-            </a:schemeClr>
-          </a:lnRef>
-          <a:fillRef idx="1">
-            <a:schemeClr val="accent1"/>
-          </a:fillRef>
-          <a:effectRef idx="0">
-            <a:schemeClr val="accent1"/>
-          </a:effectRef>
-          <a:fontRef idx="minor">
-            <a:schemeClr val="lt1"/>
-          </a:fontRef>
-        </p:style>
-        <p:txBody>
-          <a:bodyPr rtlCol="0" anchor="ctr"/>
-          <a:lstStyle/>
-          <a:p>
-            <a:r>
-              <a:rPr lang="ko-KR" altLang="en-US" b="1" dirty="0">
-                <a:latin typeface="+mn-ea"/>
-              </a:rPr>
-              <a:t>개발</a:t>
-            </a:r>
-          </a:p>
-        </p:txBody>
-      </p:sp>
-      <p:sp>
-        <p:nvSpPr>
-          <p:cNvPr id="9" name="평행 사변형 8"/>
-          <p:cNvSpPr/>
-          <p:nvPr/>
-        </p:nvSpPr>
-        <p:spPr>
-          <a:xfrm>
-            <a:off x="632520" y="2025192"/>
-            <a:ext cx="2699528" cy="360040"/>
-          </a:xfrm>
-          <a:prstGeom prst="parallelogram">
-            <a:avLst>
-              <a:gd name="adj" fmla="val 54101"/>
-            </a:avLst>
-          </a:prstGeom>
-          <a:solidFill>
-            <a:schemeClr val="accent5">
-              <a:lumMod val="75000"/>
-            </a:schemeClr>
-          </a:solidFill>
-          <a:ln>
-            <a:noFill/>
-          </a:ln>
-        </p:spPr>
-        <p:style>
-          <a:lnRef idx="2">
-            <a:schemeClr val="accent1">
-              <a:shade val="50000"/>
-            </a:schemeClr>
-          </a:lnRef>
-          <a:fillRef idx="1">
-            <a:schemeClr val="accent1"/>
-          </a:fillRef>
-          <a:effectRef idx="0">
-            <a:schemeClr val="accent1"/>
-          </a:effectRef>
-          <a:fontRef idx="minor">
-            <a:schemeClr val="lt1"/>
-          </a:fontRef>
-        </p:style>
-        <p:txBody>
-          <a:bodyPr rtlCol="0" anchor="ctr"/>
-          <a:lstStyle/>
-          <a:p>
-            <a:r>
-              <a:rPr lang="ko-KR" altLang="en-US" b="1" dirty="0">
-                <a:latin typeface="+mn-ea"/>
-              </a:rPr>
-              <a:t>개요</a:t>
-            </a:r>
-          </a:p>
-        </p:txBody>
-      </p:sp>
-      <p:sp>
-        <p:nvSpPr>
-          <p:cNvPr id="10" name="평행 사변형 9"/>
-          <p:cNvSpPr/>
-          <p:nvPr/>
-        </p:nvSpPr>
-        <p:spPr>
-          <a:xfrm>
-            <a:off x="6897216" y="2005390"/>
-            <a:ext cx="2734392" cy="360040"/>
-          </a:xfrm>
-          <a:prstGeom prst="parallelogram">
-            <a:avLst>
-              <a:gd name="adj" fmla="val 54101"/>
-            </a:avLst>
-          </a:prstGeom>
-          <a:solidFill>
-            <a:schemeClr val="accent1">
-              <a:lumMod val="75000"/>
-            </a:schemeClr>
-          </a:solidFill>
-          <a:ln>
-            <a:noFill/>
-          </a:ln>
-        </p:spPr>
-        <p:style>
-          <a:lnRef idx="2">
-            <a:schemeClr val="accent1">
-              <a:shade val="50000"/>
-            </a:schemeClr>
-          </a:lnRef>
-          <a:fillRef idx="1">
-            <a:schemeClr val="accent1"/>
-          </a:fillRef>
-          <a:effectRef idx="0">
-            <a:schemeClr val="accent1"/>
-          </a:effectRef>
-          <a:fontRef idx="minor">
-            <a:schemeClr val="lt1"/>
-          </a:fontRef>
-        </p:style>
-        <p:txBody>
-          <a:bodyPr rtlCol="0" anchor="ctr"/>
-          <a:lstStyle/>
-          <a:p>
-            <a:r>
-              <a:rPr lang="en-US" altLang="ko-KR" b="1" dirty="0">
-                <a:latin typeface="+mn-ea"/>
-              </a:rPr>
-              <a:t>To-do</a:t>
-            </a:r>
-            <a:endParaRPr lang="ko-KR" altLang="en-US" b="1" dirty="0">
-              <a:latin typeface="+mn-ea"/>
-            </a:endParaRPr>
-          </a:p>
-        </p:txBody>
-      </p:sp>
-      <p:sp>
-        <p:nvSpPr>
-          <p:cNvPr id="27" name="TextBox 26"/>
-          <p:cNvSpPr txBox="1"/>
-          <p:nvPr/>
-        </p:nvSpPr>
-        <p:spPr>
-          <a:xfrm>
-            <a:off x="3872880" y="2488828"/>
-            <a:ext cx="2016224" cy="3293209"/>
-          </a:xfrm>
-          <a:prstGeom prst="rect">
-            <a:avLst/>
-          </a:prstGeom>
-          <a:noFill/>
-        </p:spPr>
-        <p:txBody>
-          <a:bodyPr wrap="square" rtlCol="0">
-            <a:spAutoFit/>
-          </a:bodyPr>
-          <a:lstStyle/>
-          <a:p>
-            <a:r>
-              <a:rPr lang="ko-KR" altLang="en-US" sz="1600" b="1" dirty="0">
-                <a:latin typeface="+mn-ea"/>
-              </a:rPr>
-              <a:t>▪ 기간</a:t>
-            </a:r>
-            <a:endParaRPr lang="en-US" altLang="ko-KR" sz="1600" b="1" dirty="0">
-              <a:latin typeface="+mn-ea"/>
-            </a:endParaRPr>
-          </a:p>
-          <a:p>
-            <a:endParaRPr lang="en-US" altLang="ko-KR" sz="1600" b="1" dirty="0">
-              <a:latin typeface="+mn-ea"/>
-            </a:endParaRPr>
-          </a:p>
-          <a:p>
-            <a:r>
-              <a:rPr lang="ko-KR" altLang="en-US" sz="1600" b="1" dirty="0">
-                <a:latin typeface="+mn-ea"/>
-              </a:rPr>
-              <a:t>▪ 참조 자료</a:t>
-            </a:r>
-            <a:endParaRPr lang="en-US" altLang="ko-KR" sz="1600" b="1" dirty="0">
-              <a:latin typeface="+mn-ea"/>
-            </a:endParaRPr>
-          </a:p>
-          <a:p>
-            <a:endParaRPr lang="en-US" altLang="ko-KR" sz="1600" b="1" dirty="0">
-              <a:latin typeface="+mn-ea"/>
-            </a:endParaRPr>
-          </a:p>
-          <a:p>
-            <a:r>
-              <a:rPr lang="ko-KR" altLang="en-US" sz="1600" b="1" dirty="0">
-                <a:latin typeface="+mn-ea"/>
-              </a:rPr>
-              <a:t>▪ 환경</a:t>
-            </a:r>
-            <a:endParaRPr lang="en-US" altLang="ko-KR" sz="1600" b="1" dirty="0">
-              <a:latin typeface="+mn-ea"/>
-            </a:endParaRPr>
-          </a:p>
-          <a:p>
-            <a:endParaRPr lang="en-US" altLang="ko-KR" sz="1600" b="1" dirty="0">
-              <a:latin typeface="+mn-ea"/>
-            </a:endParaRPr>
-          </a:p>
-          <a:p>
-            <a:r>
-              <a:rPr lang="ko-KR" altLang="en-US" sz="1600" b="1" dirty="0">
-                <a:latin typeface="+mn-ea"/>
-              </a:rPr>
-              <a:t>▪ 범위</a:t>
-            </a:r>
-            <a:endParaRPr lang="en-US" altLang="ko-KR" sz="1600" b="1" dirty="0">
-              <a:latin typeface="+mn-ea"/>
-            </a:endParaRPr>
-          </a:p>
-          <a:p>
-            <a:endParaRPr lang="en-US" altLang="ko-KR" sz="1600" b="1" dirty="0">
-              <a:latin typeface="+mn-ea"/>
-            </a:endParaRPr>
-          </a:p>
-          <a:p>
-            <a:r>
-              <a:rPr lang="ko-KR" altLang="en-US" sz="1600" b="1" dirty="0">
-                <a:latin typeface="+mn-ea"/>
-              </a:rPr>
-              <a:t>▪ 아이템</a:t>
-            </a:r>
-            <a:endParaRPr lang="en-US" altLang="ko-KR" sz="1600" b="1" dirty="0">
-              <a:latin typeface="+mn-ea"/>
-            </a:endParaRPr>
-          </a:p>
-          <a:p>
-            <a:pPr marL="396000" lvl="1" indent="-285750">
-              <a:buFont typeface="Arial" panose="020B0604020202020204" pitchFamily="34" charset="0"/>
-              <a:buChar char="•"/>
-            </a:pPr>
-            <a:r>
-              <a:rPr lang="en-US" altLang="ko-KR" sz="1400" b="1" dirty="0">
-                <a:latin typeface="+mn-ea"/>
-              </a:rPr>
-              <a:t>Driver</a:t>
-            </a:r>
-          </a:p>
-          <a:p>
-            <a:pPr marL="396000" lvl="1" indent="-285750">
-              <a:buFont typeface="Arial" panose="020B0604020202020204" pitchFamily="34" charset="0"/>
-              <a:buChar char="•"/>
-            </a:pPr>
-            <a:r>
-              <a:rPr lang="en-US" altLang="ko-KR" sz="1400" b="1" dirty="0">
-                <a:latin typeface="+mn-ea"/>
-              </a:rPr>
-              <a:t>Configurator</a:t>
-            </a:r>
-          </a:p>
-          <a:p>
-            <a:pPr marL="396000" lvl="1" indent="-285750">
-              <a:buFont typeface="Arial" panose="020B0604020202020204" pitchFamily="34" charset="0"/>
-              <a:buChar char="•"/>
-            </a:pPr>
-            <a:endParaRPr lang="en-US" altLang="ko-KR" sz="1600" b="1" dirty="0">
-              <a:latin typeface="+mn-ea"/>
-            </a:endParaRPr>
-          </a:p>
-          <a:p>
-            <a:r>
-              <a:rPr lang="ko-KR" altLang="en-US" sz="1600" b="1" dirty="0">
-                <a:latin typeface="+mn-ea"/>
-              </a:rPr>
-              <a:t>▪ 개발 인원</a:t>
-            </a:r>
-            <a:endParaRPr lang="en-US" altLang="ko-KR" sz="1600" b="1" dirty="0">
-              <a:latin typeface="+mn-ea"/>
-            </a:endParaRPr>
-          </a:p>
-        </p:txBody>
-      </p:sp>
-      <p:sp>
-        <p:nvSpPr>
-          <p:cNvPr id="22" name="TextBox 21"/>
-          <p:cNvSpPr txBox="1"/>
-          <p:nvPr/>
-        </p:nvSpPr>
-        <p:spPr>
-          <a:xfrm>
-            <a:off x="776536" y="2488828"/>
-            <a:ext cx="2016224" cy="1323439"/>
-          </a:xfrm>
-          <a:prstGeom prst="rect">
-            <a:avLst/>
-          </a:prstGeom>
-          <a:noFill/>
-        </p:spPr>
-        <p:txBody>
-          <a:bodyPr wrap="square" rtlCol="0">
-            <a:spAutoFit/>
-          </a:bodyPr>
-          <a:lstStyle/>
-          <a:p>
-            <a:r>
-              <a:rPr lang="ko-KR" altLang="en-US" sz="1600" b="1" dirty="0">
-                <a:latin typeface="+mn-ea"/>
-              </a:rPr>
-              <a:t>▪ 목적</a:t>
-            </a:r>
-            <a:endParaRPr lang="en-US" altLang="ko-KR" sz="1600" b="1" dirty="0">
-              <a:latin typeface="+mn-ea"/>
-            </a:endParaRPr>
-          </a:p>
-          <a:p>
-            <a:endParaRPr lang="en-US" altLang="ko-KR" sz="1600" b="1" dirty="0">
-              <a:latin typeface="+mn-ea"/>
-            </a:endParaRPr>
-          </a:p>
-          <a:p>
-            <a:r>
-              <a:rPr lang="ko-KR" altLang="en-US" sz="1600" b="1" dirty="0">
-                <a:latin typeface="+mn-ea"/>
-              </a:rPr>
-              <a:t>▪ </a:t>
-            </a:r>
-            <a:r>
-              <a:rPr lang="en-US" altLang="ko-KR" sz="1600" b="1" dirty="0">
-                <a:latin typeface="+mn-ea"/>
-              </a:rPr>
-              <a:t>SEMI Standard</a:t>
-            </a:r>
-          </a:p>
-          <a:p>
-            <a:endParaRPr lang="en-US" altLang="ko-KR" sz="1600" b="1" dirty="0">
-              <a:latin typeface="+mn-ea"/>
-            </a:endParaRPr>
-          </a:p>
-          <a:p>
-            <a:r>
-              <a:rPr lang="ko-KR" altLang="en-US" sz="1600" b="1" dirty="0">
-                <a:latin typeface="+mn-ea"/>
-              </a:rPr>
-              <a:t>▪ </a:t>
-            </a:r>
-            <a:r>
-              <a:rPr lang="en-US" altLang="ko-KR" sz="1600" b="1" dirty="0">
-                <a:latin typeface="+mn-ea"/>
-              </a:rPr>
-              <a:t>SECS?</a:t>
-            </a:r>
-          </a:p>
-        </p:txBody>
-      </p:sp>
-      <p:sp>
-        <p:nvSpPr>
-          <p:cNvPr id="23" name="TextBox 22"/>
-          <p:cNvSpPr txBox="1"/>
-          <p:nvPr/>
-        </p:nvSpPr>
-        <p:spPr>
-          <a:xfrm>
-            <a:off x="7039320" y="2488828"/>
-            <a:ext cx="2016224" cy="830997"/>
-          </a:xfrm>
-          <a:prstGeom prst="rect">
-            <a:avLst/>
-          </a:prstGeom>
-          <a:noFill/>
-        </p:spPr>
-        <p:txBody>
-          <a:bodyPr wrap="square" rtlCol="0">
-            <a:spAutoFit/>
-          </a:bodyPr>
-          <a:lstStyle/>
-          <a:p>
-            <a:r>
-              <a:rPr lang="ko-KR" altLang="en-US" sz="1600" b="1" dirty="0">
-                <a:latin typeface="+mn-ea"/>
-              </a:rPr>
-              <a:t>▪ 개선</a:t>
-            </a:r>
-            <a:endParaRPr lang="en-US" altLang="ko-KR" sz="1600" b="1" dirty="0">
-              <a:latin typeface="+mn-ea"/>
-            </a:endParaRPr>
-          </a:p>
-          <a:p>
-            <a:endParaRPr lang="en-US" altLang="ko-KR" sz="1600" b="1" dirty="0">
-              <a:latin typeface="+mn-ea"/>
-            </a:endParaRPr>
-          </a:p>
-          <a:p>
-            <a:r>
-              <a:rPr lang="ko-KR" altLang="en-US" sz="1600" b="1" dirty="0">
-                <a:latin typeface="+mn-ea"/>
-              </a:rPr>
-              <a:t>▪ 프로젝트</a:t>
-            </a:r>
-            <a:endParaRPr lang="en-US" altLang="ko-KR" sz="1600" b="1" dirty="0">
-              <a:latin typeface="+mn-ea"/>
-            </a:endParaRPr>
-          </a:p>
-        </p:txBody>
-      </p:sp>
-    </p:spTree>
-    <p:extLst>
-      <p:ext uri="{BB962C8B-B14F-4D97-AF65-F5344CB8AC3E}">
-        <p14:creationId xmlns:p14="http://schemas.microsoft.com/office/powerpoint/2010/main" val="2764772480"/>
-      </p:ext>
-    </p:extLst>
-  </p:cSld>
-  <p:clrMapOvr>
-    <a:masterClrMapping/>
-  </p:clrMapOvr>
-</p:sld>
-</file>
-
-<file path=ppt/slides/slide20.xml><?xml version="1.0" encoding="utf-8"?>
+<file path=ppt/slides/slide19.xml><?xml version="1.0" encoding="utf-8"?>
 <p:sld xmlns:a="http://schemas.openxmlformats.org/drawingml/2006/main" xmlns:r="http://schemas.openxmlformats.org/officeDocument/2006/relationships" xmlns:p="http://schemas.openxmlformats.org/presentationml/2006/main">
   <p:cSld>
     <p:spTree>
@@ -13285,7 +11532,516 @@
 </p:sld>
 </file>
 
-<file path=ppt/slides/slide21.xml><?xml version="1.0" encoding="utf-8"?>
+<file path=ppt/slides/slide2.xml><?xml version="1.0" encoding="utf-8"?>
+<p:sld xmlns:a="http://schemas.openxmlformats.org/drawingml/2006/main" xmlns:r="http://schemas.openxmlformats.org/officeDocument/2006/relationships" xmlns:p="http://schemas.openxmlformats.org/presentationml/2006/main">
+  <p:cSld>
+    <p:spTree>
+      <p:nvGrpSpPr>
+        <p:cNvPr id="1" name=""/>
+        <p:cNvGrpSpPr/>
+        <p:nvPr/>
+      </p:nvGrpSpPr>
+      <p:grpSpPr>
+        <a:xfrm>
+          <a:off x="0" y="0"/>
+          <a:ext cx="0" cy="0"/>
+          <a:chOff x="0" y="0"/>
+          <a:chExt cx="0" cy="0"/>
+        </a:xfrm>
+      </p:grpSpPr>
+      <p:sp>
+        <p:nvSpPr>
+          <p:cNvPr id="6" name="평행 사변형 5"/>
+          <p:cNvSpPr/>
+          <p:nvPr/>
+        </p:nvSpPr>
+        <p:spPr>
+          <a:xfrm>
+            <a:off x="3224808" y="789672"/>
+            <a:ext cx="3358893" cy="454557"/>
+          </a:xfrm>
+          <a:prstGeom prst="parallelogram">
+            <a:avLst>
+              <a:gd name="adj" fmla="val 54101"/>
+            </a:avLst>
+          </a:prstGeom>
+          <a:solidFill>
+            <a:srgbClr val="417B85"/>
+          </a:solidFill>
+          <a:ln>
+            <a:noFill/>
+          </a:ln>
+        </p:spPr>
+        <p:style>
+          <a:lnRef idx="2">
+            <a:schemeClr val="accent1">
+              <a:shade val="50000"/>
+            </a:schemeClr>
+          </a:lnRef>
+          <a:fillRef idx="1">
+            <a:schemeClr val="accent1"/>
+          </a:fillRef>
+          <a:effectRef idx="0">
+            <a:schemeClr val="accent1"/>
+          </a:effectRef>
+          <a:fontRef idx="minor">
+            <a:schemeClr val="lt1"/>
+          </a:fontRef>
+        </p:style>
+        <p:txBody>
+          <a:bodyPr rtlCol="0" anchor="ctr"/>
+          <a:lstStyle/>
+          <a:p>
+            <a:pPr algn="ctr"/>
+            <a:r>
+              <a:rPr lang="ko-KR" altLang="en-US" sz="2400" b="1" dirty="0">
+                <a:latin typeface="+mn-ea"/>
+              </a:rPr>
+              <a:t>개요</a:t>
+            </a:r>
+          </a:p>
+        </p:txBody>
+      </p:sp>
+      <p:sp>
+        <p:nvSpPr>
+          <p:cNvPr id="114" name="직사각형 113"/>
+          <p:cNvSpPr/>
+          <p:nvPr/>
+        </p:nvSpPr>
+        <p:spPr>
+          <a:xfrm>
+            <a:off x="272480" y="1412776"/>
+            <a:ext cx="2121558" cy="302284"/>
+          </a:xfrm>
+          <a:prstGeom prst="rect">
+            <a:avLst/>
+          </a:prstGeom>
+          <a:solidFill>
+            <a:schemeClr val="bg2">
+              <a:lumMod val="25000"/>
+            </a:schemeClr>
+          </a:solidFill>
+          <a:ln>
+            <a:noFill/>
+          </a:ln>
+        </p:spPr>
+        <p:style>
+          <a:lnRef idx="2">
+            <a:schemeClr val="accent1">
+              <a:shade val="50000"/>
+            </a:schemeClr>
+          </a:lnRef>
+          <a:fillRef idx="1">
+            <a:schemeClr val="accent1"/>
+          </a:fillRef>
+          <a:effectRef idx="0">
+            <a:schemeClr val="accent1"/>
+          </a:effectRef>
+          <a:fontRef idx="minor">
+            <a:schemeClr val="lt1"/>
+          </a:fontRef>
+        </p:style>
+        <p:txBody>
+          <a:bodyPr rtlCol="0" anchor="ctr"/>
+          <a:lstStyle/>
+          <a:p>
+            <a:pPr algn="ctr"/>
+            <a:r>
+              <a:rPr lang="ko-KR" altLang="en-US" b="1" dirty="0">
+                <a:latin typeface="+mn-ea"/>
+              </a:rPr>
+              <a:t>목 적</a:t>
+            </a:r>
+          </a:p>
+        </p:txBody>
+      </p:sp>
+      <p:sp>
+        <p:nvSpPr>
+          <p:cNvPr id="115" name="대각선 방향의 모서리가 잘린 사각형 114"/>
+          <p:cNvSpPr/>
+          <p:nvPr/>
+        </p:nvSpPr>
+        <p:spPr>
+          <a:xfrm>
+            <a:off x="1080655" y="3880072"/>
+            <a:ext cx="8181212" cy="576064"/>
+          </a:xfrm>
+          <a:prstGeom prst="snip2DiagRect">
+            <a:avLst/>
+          </a:prstGeom>
+          <a:noFill/>
+          <a:ln w="3175">
+            <a:solidFill>
+              <a:schemeClr val="bg2">
+                <a:lumMod val="25000"/>
+              </a:schemeClr>
+            </a:solidFill>
+          </a:ln>
+        </p:spPr>
+        <p:style>
+          <a:lnRef idx="2">
+            <a:schemeClr val="accent1">
+              <a:shade val="50000"/>
+            </a:schemeClr>
+          </a:lnRef>
+          <a:fillRef idx="1">
+            <a:schemeClr val="accent1"/>
+          </a:fillRef>
+          <a:effectRef idx="0">
+            <a:schemeClr val="accent1"/>
+          </a:effectRef>
+          <a:fontRef idx="minor">
+            <a:schemeClr val="lt1"/>
+          </a:fontRef>
+        </p:style>
+        <p:txBody>
+          <a:bodyPr lIns="144000" tIns="144000" rIns="0" bIns="0" rtlCol="0" anchor="t"/>
+          <a:lstStyle/>
+          <a:p>
+            <a:pPr marL="0" indent="180000" algn="l">
+              <a:spcAft>
+                <a:spcPts val="900"/>
+              </a:spcAft>
+              <a:buFont typeface="Arial" panose="020B0604020202020204" pitchFamily="34" charset="0"/>
+              <a:buChar char="•"/>
+            </a:pPr>
+            <a:r>
+              <a:rPr lang="ko-KR" altLang="en-US" sz="1400" b="1" dirty="0">
+                <a:solidFill>
+                  <a:schemeClr val="accent2">
+                    <a:lumMod val="50000"/>
+                  </a:schemeClr>
+                </a:solidFill>
+                <a:latin typeface="+mn-ea"/>
+              </a:rPr>
+              <a:t>상용 </a:t>
+            </a:r>
+            <a:r>
+              <a:rPr lang="en-US" altLang="ko-KR" sz="1400" b="1" dirty="0">
+                <a:solidFill>
+                  <a:schemeClr val="accent2">
+                    <a:lumMod val="50000"/>
+                  </a:schemeClr>
+                </a:solidFill>
+                <a:latin typeface="+mn-ea"/>
+              </a:rPr>
+              <a:t>Driver </a:t>
+            </a:r>
+            <a:r>
+              <a:rPr lang="ko-KR" altLang="en-US" sz="1400" b="1" dirty="0">
+                <a:solidFill>
+                  <a:schemeClr val="accent2">
+                    <a:lumMod val="50000"/>
+                  </a:schemeClr>
+                </a:solidFill>
+                <a:latin typeface="+mn-ea"/>
+              </a:rPr>
+              <a:t>구매비용 절감</a:t>
+            </a:r>
+            <a:endParaRPr lang="en-US" altLang="ko-KR" sz="1400" b="1" dirty="0">
+              <a:solidFill>
+                <a:schemeClr val="accent2">
+                  <a:lumMod val="50000"/>
+                </a:schemeClr>
+              </a:solidFill>
+              <a:latin typeface="+mn-ea"/>
+            </a:endParaRPr>
+          </a:p>
+        </p:txBody>
+      </p:sp>
+      <p:sp>
+        <p:nvSpPr>
+          <p:cNvPr id="117" name="대각선 방향의 모서리가 잘린 사각형 116"/>
+          <p:cNvSpPr/>
+          <p:nvPr/>
+        </p:nvSpPr>
+        <p:spPr>
+          <a:xfrm>
+            <a:off x="1076862" y="3047950"/>
+            <a:ext cx="8181212" cy="576064"/>
+          </a:xfrm>
+          <a:prstGeom prst="snip2DiagRect">
+            <a:avLst/>
+          </a:prstGeom>
+          <a:noFill/>
+          <a:ln w="3175">
+            <a:solidFill>
+              <a:srgbClr val="C00000"/>
+            </a:solidFill>
+          </a:ln>
+        </p:spPr>
+        <p:style>
+          <a:lnRef idx="2">
+            <a:schemeClr val="accent1">
+              <a:shade val="50000"/>
+            </a:schemeClr>
+          </a:lnRef>
+          <a:fillRef idx="1">
+            <a:schemeClr val="accent1"/>
+          </a:fillRef>
+          <a:effectRef idx="0">
+            <a:schemeClr val="accent1"/>
+          </a:effectRef>
+          <a:fontRef idx="minor">
+            <a:schemeClr val="lt1"/>
+          </a:fontRef>
+        </p:style>
+        <p:txBody>
+          <a:bodyPr lIns="144000" tIns="144000" rIns="0" bIns="0" rtlCol="0" anchor="t"/>
+          <a:lstStyle/>
+          <a:p>
+            <a:pPr marL="0" indent="180000" algn="l">
+              <a:spcAft>
+                <a:spcPts val="900"/>
+              </a:spcAft>
+              <a:buFont typeface="Arial" panose="020B0604020202020204" pitchFamily="34" charset="0"/>
+              <a:buChar char="•"/>
+            </a:pPr>
+            <a:r>
+              <a:rPr lang="en-US" altLang="ko-KR" sz="1400" b="1" dirty="0">
+                <a:solidFill>
+                  <a:srgbClr val="C00000"/>
+                </a:solidFill>
+                <a:latin typeface="+mn-ea"/>
+              </a:rPr>
+              <a:t>SEMI Standard</a:t>
+            </a:r>
+            <a:r>
+              <a:rPr lang="ko-KR" altLang="en-US" sz="1400" b="1" dirty="0">
+                <a:solidFill>
+                  <a:srgbClr val="C00000"/>
+                </a:solidFill>
+                <a:latin typeface="+mn-ea"/>
+              </a:rPr>
+              <a:t>에서 규정한 통신 기술 내재화</a:t>
+            </a:r>
+          </a:p>
+        </p:txBody>
+      </p:sp>
+      <p:sp>
+        <p:nvSpPr>
+          <p:cNvPr id="65" name="대각선 방향의 모서리가 잘린 사각형 64"/>
+          <p:cNvSpPr/>
+          <p:nvPr/>
+        </p:nvSpPr>
+        <p:spPr>
+          <a:xfrm>
+            <a:off x="1064568" y="2186384"/>
+            <a:ext cx="8181212" cy="576064"/>
+          </a:xfrm>
+          <a:prstGeom prst="snip2DiagRect">
+            <a:avLst/>
+          </a:prstGeom>
+          <a:noFill/>
+          <a:ln w="3175">
+            <a:solidFill>
+              <a:srgbClr val="0045A9"/>
+            </a:solidFill>
+          </a:ln>
+        </p:spPr>
+        <p:style>
+          <a:lnRef idx="2">
+            <a:schemeClr val="accent1">
+              <a:shade val="50000"/>
+            </a:schemeClr>
+          </a:lnRef>
+          <a:fillRef idx="1">
+            <a:schemeClr val="accent1"/>
+          </a:fillRef>
+          <a:effectRef idx="0">
+            <a:schemeClr val="accent1"/>
+          </a:effectRef>
+          <a:fontRef idx="minor">
+            <a:schemeClr val="lt1"/>
+          </a:fontRef>
+        </p:style>
+        <p:txBody>
+          <a:bodyPr lIns="144000" tIns="144000" rIns="0" bIns="0" rtlCol="0" anchor="t"/>
+          <a:lstStyle/>
+          <a:p>
+            <a:pPr marL="0" indent="180000" algn="l">
+              <a:spcAft>
+                <a:spcPts val="900"/>
+              </a:spcAft>
+              <a:buFont typeface="Arial" panose="020B0604020202020204" pitchFamily="34" charset="0"/>
+              <a:buChar char="•"/>
+            </a:pPr>
+            <a:r>
+              <a:rPr lang="ko-KR" altLang="en-US" sz="1400" b="1" dirty="0">
+                <a:solidFill>
+                  <a:srgbClr val="0045A9"/>
+                </a:solidFill>
+                <a:latin typeface="+mn-ea"/>
+              </a:rPr>
+              <a:t>반도체</a:t>
+            </a:r>
+            <a:r>
+              <a:rPr lang="en-US" altLang="ko-KR" sz="1400" b="1" dirty="0">
+                <a:solidFill>
+                  <a:srgbClr val="0045A9"/>
+                </a:solidFill>
+                <a:latin typeface="+mn-ea"/>
+              </a:rPr>
+              <a:t>/DISPLAY </a:t>
+            </a:r>
+            <a:r>
+              <a:rPr lang="ko-KR" altLang="en-US" sz="1400" b="1" dirty="0">
+                <a:solidFill>
+                  <a:srgbClr val="0045A9"/>
+                </a:solidFill>
+                <a:latin typeface="+mn-ea"/>
+              </a:rPr>
+              <a:t>관련 </a:t>
+            </a:r>
+            <a:r>
+              <a:rPr lang="en-US" altLang="ko-KR" sz="1400" b="1" dirty="0">
+                <a:solidFill>
+                  <a:srgbClr val="0045A9"/>
+                </a:solidFill>
+                <a:latin typeface="+mn-ea"/>
+              </a:rPr>
+              <a:t>SEMI </a:t>
+            </a:r>
+            <a:r>
+              <a:rPr lang="ko-KR" altLang="en-US" sz="1400" b="1" dirty="0">
+                <a:solidFill>
+                  <a:srgbClr val="0045A9"/>
+                </a:solidFill>
+                <a:latin typeface="+mn-ea"/>
+              </a:rPr>
+              <a:t>표준을 기반으로</a:t>
+            </a:r>
+            <a:r>
+              <a:rPr lang="en-US" altLang="ko-KR" sz="1400" b="1" dirty="0">
+                <a:solidFill>
+                  <a:srgbClr val="0045A9"/>
+                </a:solidFill>
+                <a:latin typeface="+mn-ea"/>
+              </a:rPr>
+              <a:t> </a:t>
+            </a:r>
+            <a:r>
+              <a:rPr lang="ko-KR" altLang="en-US" sz="1400" b="1" dirty="0">
+                <a:solidFill>
+                  <a:srgbClr val="0045A9"/>
+                </a:solidFill>
+                <a:latin typeface="+mn-ea"/>
+              </a:rPr>
+              <a:t>하는 </a:t>
+            </a:r>
+            <a:r>
+              <a:rPr lang="en-US" altLang="ko-KR" sz="1400" b="1" dirty="0">
+                <a:solidFill>
+                  <a:srgbClr val="0045A9"/>
+                </a:solidFill>
+                <a:latin typeface="+mn-ea"/>
+              </a:rPr>
+              <a:t>HOST</a:t>
+            </a:r>
+            <a:r>
+              <a:rPr lang="ko-KR" altLang="en-US" sz="1400" b="1" dirty="0">
+                <a:solidFill>
+                  <a:srgbClr val="0045A9"/>
+                </a:solidFill>
+                <a:latin typeface="+mn-ea"/>
+              </a:rPr>
+              <a:t>와의</a:t>
+            </a:r>
+            <a:r>
+              <a:rPr lang="en-US" altLang="ko-KR" sz="1400" b="1" dirty="0">
+                <a:solidFill>
+                  <a:srgbClr val="0045A9"/>
+                </a:solidFill>
+                <a:latin typeface="+mn-ea"/>
+              </a:rPr>
+              <a:t> </a:t>
+            </a:r>
+            <a:r>
+              <a:rPr lang="ko-KR" altLang="en-US" sz="1400" b="1" dirty="0">
+                <a:solidFill>
+                  <a:srgbClr val="0045A9"/>
+                </a:solidFill>
+                <a:latin typeface="+mn-ea"/>
+              </a:rPr>
+              <a:t>통신 기술 확보</a:t>
+            </a:r>
+          </a:p>
+        </p:txBody>
+      </p:sp>
+      <p:sp>
+        <p:nvSpPr>
+          <p:cNvPr id="66" name="대각선 방향의 모서리가 잘린 사각형 65"/>
+          <p:cNvSpPr/>
+          <p:nvPr/>
+        </p:nvSpPr>
+        <p:spPr>
+          <a:xfrm>
+            <a:off x="1076862" y="4725144"/>
+            <a:ext cx="8181212" cy="576064"/>
+          </a:xfrm>
+          <a:prstGeom prst="snip2DiagRect">
+            <a:avLst/>
+          </a:prstGeom>
+          <a:noFill/>
+          <a:ln w="3175">
+            <a:solidFill>
+              <a:srgbClr val="00B050"/>
+            </a:solidFill>
+          </a:ln>
+        </p:spPr>
+        <p:style>
+          <a:lnRef idx="2">
+            <a:schemeClr val="accent1">
+              <a:shade val="50000"/>
+            </a:schemeClr>
+          </a:lnRef>
+          <a:fillRef idx="1">
+            <a:schemeClr val="accent1"/>
+          </a:fillRef>
+          <a:effectRef idx="0">
+            <a:schemeClr val="accent1"/>
+          </a:effectRef>
+          <a:fontRef idx="minor">
+            <a:schemeClr val="lt1"/>
+          </a:fontRef>
+        </p:style>
+        <p:txBody>
+          <a:bodyPr lIns="144000" tIns="144000" rIns="0" bIns="0" rtlCol="0" anchor="t"/>
+          <a:lstStyle/>
+          <a:p>
+            <a:pPr marL="0" indent="180000" algn="l">
+              <a:spcAft>
+                <a:spcPts val="900"/>
+              </a:spcAft>
+              <a:buFont typeface="Arial" panose="020B0604020202020204" pitchFamily="34" charset="0"/>
+              <a:buChar char="•"/>
+            </a:pPr>
+            <a:r>
+              <a:rPr lang="ko-KR" altLang="en-US" sz="1400" b="1" dirty="0">
+                <a:solidFill>
+                  <a:srgbClr val="00B050"/>
+                </a:solidFill>
+                <a:latin typeface="+mn-ea"/>
+              </a:rPr>
+              <a:t>상용 드라이버 사용 시 구현 불가능 추가 가능</a:t>
+            </a:r>
+          </a:p>
+        </p:txBody>
+      </p:sp>
+    </p:spTree>
+    <p:extLst>
+      <p:ext uri="{BB962C8B-B14F-4D97-AF65-F5344CB8AC3E}">
+        <p14:creationId xmlns:p14="http://schemas.microsoft.com/office/powerpoint/2010/main" val="814954907"/>
+      </p:ext>
+    </p:extLst>
+  </p:cSld>
+  <p:clrMapOvr>
+    <a:masterClrMapping/>
+  </p:clrMapOvr>
+</p:sld>
+</file>
+
+<file path=ppt/slides/slide20.xml><?xml version="1.0" encoding="utf-8"?>
 <p:sld xmlns:a="http://schemas.openxmlformats.org/drawingml/2006/main" xmlns:r="http://schemas.openxmlformats.org/officeDocument/2006/relationships" xmlns:p="http://schemas.openxmlformats.org/presentationml/2006/main">
   <p:cSld>
     <p:spTree>
@@ -13891,7 +12647,7 @@
 </p:sld>
 </file>
 
-<file path=ppt/slides/slide22.xml><?xml version="1.0" encoding="utf-8"?>
+<file path=ppt/slides/slide21.xml><?xml version="1.0" encoding="utf-8"?>
 <p:sld xmlns:a="http://schemas.openxmlformats.org/drawingml/2006/main" xmlns:r="http://schemas.openxmlformats.org/officeDocument/2006/relationships" xmlns:p="http://schemas.openxmlformats.org/presentationml/2006/main">
   <p:cSld>
     <p:spTree>
@@ -14656,7 +13412,7 @@
 </p:sld>
 </file>
 
-<file path=ppt/slides/slide23.xml><?xml version="1.0" encoding="utf-8"?>
+<file path=ppt/slides/slide22.xml><?xml version="1.0" encoding="utf-8"?>
 <p:sld xmlns:a="http://schemas.openxmlformats.org/drawingml/2006/main" xmlns:r="http://schemas.openxmlformats.org/officeDocument/2006/relationships" xmlns:p="http://schemas.openxmlformats.org/presentationml/2006/main">
   <p:cSld>
     <p:spTree>
@@ -14970,17 +13726,6 @@
               <a:buChar char="u"/>
             </a:pPr>
             <a:r>
-              <a:rPr lang="en-US" altLang="ko-KR" sz="1400" b="1" dirty="0">
-                <a:solidFill>
-                  <a:schemeClr val="accent2">
-                    <a:lumMod val="50000"/>
-                  </a:schemeClr>
-                </a:solidFill>
-                <a:latin typeface="+mn-ea"/>
-              </a:rPr>
-              <a:t>XXX</a:t>
-            </a:r>
-            <a:r>
               <a:rPr lang="ko-KR" altLang="en-US" sz="1400" b="1" dirty="0">
                 <a:solidFill>
                   <a:schemeClr val="accent2">
@@ -14989,7 +13734,7 @@
                 </a:solidFill>
                 <a:latin typeface="+mn-ea"/>
               </a:rPr>
-              <a:t> 책임</a:t>
+              <a:t>비공개</a:t>
             </a:r>
             <a:endParaRPr lang="en-US" altLang="ko-KR" sz="1400" b="1" dirty="0">
               <a:solidFill>
@@ -15188,17 +13933,6 @@
               <a:buChar char="u"/>
             </a:pPr>
             <a:r>
-              <a:rPr lang="en-US" altLang="ko-KR" sz="1400" b="1" dirty="0">
-                <a:solidFill>
-                  <a:schemeClr val="accent2">
-                    <a:lumMod val="50000"/>
-                  </a:schemeClr>
-                </a:solidFill>
-                <a:latin typeface="+mn-ea"/>
-              </a:rPr>
-              <a:t>XXX</a:t>
-            </a:r>
-            <a:r>
               <a:rPr lang="ko-KR" altLang="en-US" sz="1400" b="1" dirty="0">
                 <a:solidFill>
                   <a:schemeClr val="accent2">
@@ -15207,7 +13941,7 @@
                 </a:solidFill>
                 <a:latin typeface="+mn-ea"/>
               </a:rPr>
-              <a:t> 책임</a:t>
+              <a:t>비공개</a:t>
             </a:r>
             <a:endParaRPr lang="en-US" altLang="ko-KR" sz="1400" b="1" dirty="0">
               <a:solidFill>
@@ -15288,7 +14022,7 @@
 </p:sld>
 </file>
 
-<file path=ppt/slides/slide24.xml><?xml version="1.0" encoding="utf-8"?>
+<file path=ppt/slides/slide23.xml><?xml version="1.0" encoding="utf-8"?>
 <p:sld xmlns:a="http://schemas.openxmlformats.org/drawingml/2006/main" xmlns:r="http://schemas.openxmlformats.org/officeDocument/2006/relationships" xmlns:p="http://schemas.openxmlformats.org/presentationml/2006/main">
   <p:cSld>
     <p:spTree>
@@ -15728,63 +14462,6 @@
 </p:sld>
 </file>
 
-<file path=ppt/slides/slide25.xml><?xml version="1.0" encoding="utf-8"?>
-<p:sld xmlns:a="http://schemas.openxmlformats.org/drawingml/2006/main" xmlns:r="http://schemas.openxmlformats.org/officeDocument/2006/relationships" xmlns:p="http://schemas.openxmlformats.org/presentationml/2006/main">
-  <p:cSld>
-    <p:spTree>
-      <p:nvGrpSpPr>
-        <p:cNvPr id="1" name=""/>
-        <p:cNvGrpSpPr/>
-        <p:nvPr/>
-      </p:nvGrpSpPr>
-      <p:grpSpPr>
-        <a:xfrm>
-          <a:off x="0" y="0"/>
-          <a:ext cx="0" cy="0"/>
-          <a:chOff x="0" y="0"/>
-          <a:chExt cx="0" cy="0"/>
-        </a:xfrm>
-      </p:grpSpPr>
-      <p:sp>
-        <p:nvSpPr>
-          <p:cNvPr id="23" name="제목 22"/>
-          <p:cNvSpPr>
-            <a:spLocks noGrp="1"/>
-          </p:cNvSpPr>
-          <p:nvPr>
-            <p:ph type="title"/>
-          </p:nvPr>
-        </p:nvSpPr>
-        <p:spPr>
-          <a:xfrm>
-            <a:off x="1366222" y="2924944"/>
-            <a:ext cx="7173559" cy="901420"/>
-          </a:xfrm>
-        </p:spPr>
-        <p:txBody>
-          <a:bodyPr/>
-          <a:lstStyle/>
-          <a:p>
-            <a:r>
-              <a:rPr lang="ko-KR" altLang="en-US" dirty="0"/>
-              <a:t>감사합니다</a:t>
-            </a:r>
-          </a:p>
-        </p:txBody>
-      </p:sp>
-    </p:spTree>
-    <p:extLst>
-      <p:ext uri="{BB962C8B-B14F-4D97-AF65-F5344CB8AC3E}">
-        <p14:creationId xmlns:p14="http://schemas.microsoft.com/office/powerpoint/2010/main" val="13865217"/>
-      </p:ext>
-    </p:extLst>
-  </p:cSld>
-  <p:clrMapOvr>
-    <a:masterClrMapping/>
-  </p:clrMapOvr>
-</p:sld>
-</file>
-
 <file path=ppt/slides/slide3.xml><?xml version="1.0" encoding="utf-8"?>
 <p:sld xmlns:a="http://schemas.openxmlformats.org/drawingml/2006/main" xmlns:r="http://schemas.openxmlformats.org/officeDocument/2006/relationships" xmlns:p="http://schemas.openxmlformats.org/presentationml/2006/main">
   <p:cSld>
@@ -15804,7 +14481,13 @@
       </p:grpSpPr>
       <p:sp>
         <p:nvSpPr>
-          <p:cNvPr id="6" name="평행 사변형 5"/>
+          <p:cNvPr id="5" name="평행 사변형 4">
+            <a:extLst>
+              <a:ext uri="{FF2B5EF4-FFF2-40B4-BE49-F238E27FC236}">
+                <a16:creationId xmlns:a16="http://schemas.microsoft.com/office/drawing/2014/main" id="{AA163CB0-3CD1-429F-9264-5DEEB7E57A13}"/>
+              </a:ext>
+            </a:extLst>
+          </p:cNvPr>
           <p:cNvSpPr/>
           <p:nvPr/>
         </p:nvSpPr>
@@ -15857,13 +14540,19 @@
       </p:sp>
       <p:sp>
         <p:nvSpPr>
-          <p:cNvPr id="114" name="직사각형 113"/>
+          <p:cNvPr id="7" name="직사각형 6">
+            <a:extLst>
+              <a:ext uri="{FF2B5EF4-FFF2-40B4-BE49-F238E27FC236}">
+                <a16:creationId xmlns:a16="http://schemas.microsoft.com/office/drawing/2014/main" id="{A1D0E726-C97B-4561-BB9E-E3311104C545}"/>
+              </a:ext>
+            </a:extLst>
+          </p:cNvPr>
           <p:cNvSpPr/>
           <p:nvPr/>
         </p:nvSpPr>
         <p:spPr>
           <a:xfrm>
-            <a:off x="272480" y="1412776"/>
+            <a:off x="272480" y="1398524"/>
             <a:ext cx="2121558" cy="302284"/>
           </a:xfrm>
           <a:prstGeom prst="rect">
@@ -15900,187 +14589,33 @@
           <a:p>
             <a:pPr algn="ctr"/>
             <a:r>
-              <a:rPr lang="ko-KR" altLang="en-US" b="1" dirty="0">
-                <a:latin typeface="+mn-ea"/>
-              </a:rPr>
-              <a:t>목 적</a:t>
-            </a:r>
+              <a:rPr lang="en-US" altLang="ko-KR" b="1" dirty="0">
+                <a:latin typeface="+mn-ea"/>
+              </a:rPr>
+              <a:t>SEMI Standard</a:t>
+            </a:r>
+            <a:endParaRPr lang="ko-KR" altLang="en-US" b="1" dirty="0">
+              <a:latin typeface="+mn-ea"/>
+            </a:endParaRPr>
           </a:p>
         </p:txBody>
       </p:sp>
       <p:sp>
         <p:nvSpPr>
-          <p:cNvPr id="115" name="대각선 방향의 모서리가 잘린 사각형 114"/>
+          <p:cNvPr id="8" name="대각선 방향의 모서리가 잘린 사각형 64">
+            <a:extLst>
+              <a:ext uri="{FF2B5EF4-FFF2-40B4-BE49-F238E27FC236}">
+                <a16:creationId xmlns:a16="http://schemas.microsoft.com/office/drawing/2014/main" id="{3AA5A4D6-F9FD-4BAB-832F-789B396E2C58}"/>
+              </a:ext>
+            </a:extLst>
+          </p:cNvPr>
           <p:cNvSpPr/>
           <p:nvPr/>
         </p:nvSpPr>
         <p:spPr>
           <a:xfrm>
-            <a:off x="1080655" y="3880072"/>
-            <a:ext cx="8181212" cy="576064"/>
-          </a:xfrm>
-          <a:prstGeom prst="snip2DiagRect">
-            <a:avLst/>
-          </a:prstGeom>
-          <a:noFill/>
-          <a:ln w="3175">
-            <a:solidFill>
-              <a:schemeClr val="bg2">
-                <a:lumMod val="25000"/>
-              </a:schemeClr>
-            </a:solidFill>
-          </a:ln>
-        </p:spPr>
-        <p:style>
-          <a:lnRef idx="2">
-            <a:schemeClr val="accent1">
-              <a:shade val="50000"/>
-            </a:schemeClr>
-          </a:lnRef>
-          <a:fillRef idx="1">
-            <a:schemeClr val="accent1"/>
-          </a:fillRef>
-          <a:effectRef idx="0">
-            <a:schemeClr val="accent1"/>
-          </a:effectRef>
-          <a:fontRef idx="minor">
-            <a:schemeClr val="lt1"/>
-          </a:fontRef>
-        </p:style>
-        <p:txBody>
-          <a:bodyPr lIns="144000" tIns="144000" rIns="0" bIns="0" rtlCol="0" anchor="t"/>
-          <a:lstStyle/>
-          <a:p>
-            <a:pPr marL="0" indent="180000" algn="l">
-              <a:spcAft>
-                <a:spcPts val="900"/>
-              </a:spcAft>
-              <a:buFont typeface="Arial" panose="020B0604020202020204" pitchFamily="34" charset="0"/>
-              <a:buChar char="•"/>
-            </a:pPr>
-            <a:r>
-              <a:rPr lang="ko-KR" altLang="en-US" sz="1400" b="1" dirty="0">
-                <a:solidFill>
-                  <a:schemeClr val="accent2">
-                    <a:lumMod val="50000"/>
-                  </a:schemeClr>
-                </a:solidFill>
-                <a:latin typeface="+mn-ea"/>
-              </a:rPr>
-              <a:t>상용 </a:t>
-            </a:r>
-            <a:r>
-              <a:rPr lang="en-US" altLang="ko-KR" sz="1400" b="1" dirty="0">
-                <a:solidFill>
-                  <a:schemeClr val="accent2">
-                    <a:lumMod val="50000"/>
-                  </a:schemeClr>
-                </a:solidFill>
-                <a:latin typeface="+mn-ea"/>
-              </a:rPr>
-              <a:t>Driver </a:t>
-            </a:r>
-            <a:r>
-              <a:rPr lang="ko-KR" altLang="en-US" sz="1400" b="1" dirty="0">
-                <a:solidFill>
-                  <a:schemeClr val="accent2">
-                    <a:lumMod val="50000"/>
-                  </a:schemeClr>
-                </a:solidFill>
-                <a:latin typeface="+mn-ea"/>
-              </a:rPr>
-              <a:t>구매비용 절감</a:t>
-            </a:r>
-            <a:endParaRPr lang="en-US" altLang="ko-KR" sz="1400" b="1" dirty="0">
-              <a:solidFill>
-                <a:schemeClr val="accent2">
-                  <a:lumMod val="50000"/>
-                </a:schemeClr>
-              </a:solidFill>
-              <a:latin typeface="+mn-ea"/>
-            </a:endParaRPr>
-          </a:p>
-        </p:txBody>
-      </p:sp>
-      <p:sp>
-        <p:nvSpPr>
-          <p:cNvPr id="117" name="대각선 방향의 모서리가 잘린 사각형 116"/>
-          <p:cNvSpPr/>
-          <p:nvPr/>
-        </p:nvSpPr>
-        <p:spPr>
-          <a:xfrm>
-            <a:off x="1076862" y="3047950"/>
-            <a:ext cx="8181212" cy="576064"/>
-          </a:xfrm>
-          <a:prstGeom prst="snip2DiagRect">
-            <a:avLst/>
-          </a:prstGeom>
-          <a:noFill/>
-          <a:ln w="3175">
-            <a:solidFill>
-              <a:srgbClr val="C00000"/>
-            </a:solidFill>
-          </a:ln>
-        </p:spPr>
-        <p:style>
-          <a:lnRef idx="2">
-            <a:schemeClr val="accent1">
-              <a:shade val="50000"/>
-            </a:schemeClr>
-          </a:lnRef>
-          <a:fillRef idx="1">
-            <a:schemeClr val="accent1"/>
-          </a:fillRef>
-          <a:effectRef idx="0">
-            <a:schemeClr val="accent1"/>
-          </a:effectRef>
-          <a:fontRef idx="minor">
-            <a:schemeClr val="lt1"/>
-          </a:fontRef>
-        </p:style>
-        <p:txBody>
-          <a:bodyPr lIns="144000" tIns="144000" rIns="0" bIns="0" rtlCol="0" anchor="t"/>
-          <a:lstStyle/>
-          <a:p>
-            <a:pPr marL="0" indent="180000" algn="l">
-              <a:spcAft>
-                <a:spcPts val="900"/>
-              </a:spcAft>
-              <a:buFont typeface="Arial" panose="020B0604020202020204" pitchFamily="34" charset="0"/>
-              <a:buChar char="•"/>
-            </a:pPr>
-            <a:r>
-              <a:rPr lang="en-US" altLang="ko-KR" sz="1400" b="1" dirty="0">
-                <a:solidFill>
-                  <a:srgbClr val="C00000"/>
-                </a:solidFill>
-                <a:latin typeface="+mn-ea"/>
-              </a:rPr>
-              <a:t>SEMI Standard</a:t>
-            </a:r>
-            <a:r>
-              <a:rPr lang="ko-KR" altLang="en-US" sz="1400" b="1" dirty="0">
-                <a:solidFill>
-                  <a:srgbClr val="C00000"/>
-                </a:solidFill>
-                <a:latin typeface="+mn-ea"/>
-              </a:rPr>
-              <a:t>에서 규정한 통신 기술 내재화</a:t>
-            </a:r>
-          </a:p>
-        </p:txBody>
-      </p:sp>
-      <p:sp>
-        <p:nvSpPr>
-          <p:cNvPr id="65" name="대각선 방향의 모서리가 잘린 사각형 64"/>
-          <p:cNvSpPr/>
-          <p:nvPr/>
-        </p:nvSpPr>
-        <p:spPr>
-          <a:xfrm>
-            <a:off x="1064568" y="2186384"/>
-            <a:ext cx="8181212" cy="576064"/>
+            <a:off x="1064568" y="1844824"/>
+            <a:ext cx="8280920" cy="1152128"/>
           </a:xfrm>
           <a:prstGeom prst="snip2DiagRect">
             <a:avLst/>
@@ -16112,6 +14647,138 @@
           <a:bodyPr lIns="144000" tIns="144000" rIns="0" bIns="0" rtlCol="0" anchor="t"/>
           <a:lstStyle/>
           <a:p>
+            <a:pPr marL="285750" indent="-285750" algn="l">
+              <a:spcAft>
+                <a:spcPts val="900"/>
+              </a:spcAft>
+              <a:buFont typeface="Wingdings" panose="05000000000000000000" pitchFamily="2" charset="2"/>
+              <a:buChar char="§"/>
+            </a:pPr>
+            <a:r>
+              <a:rPr lang="en-US" altLang="ko-KR" sz="1400" b="1" dirty="0">
+                <a:solidFill>
+                  <a:srgbClr val="0045A9"/>
+                </a:solidFill>
+                <a:latin typeface="+mn-ea"/>
+              </a:rPr>
+              <a:t>SEMI</a:t>
+            </a:r>
+          </a:p>
+          <a:p>
+            <a:pPr lvl="1" indent="180000">
+              <a:spcAft>
+                <a:spcPts val="900"/>
+              </a:spcAft>
+              <a:buFont typeface="Arial" panose="020B0604020202020204" pitchFamily="34" charset="0"/>
+              <a:buChar char="•"/>
+            </a:pPr>
+            <a:r>
+              <a:rPr lang="en-US" altLang="ko-KR" sz="1200" b="1" dirty="0">
+                <a:solidFill>
+                  <a:srgbClr val="0045A9"/>
+                </a:solidFill>
+                <a:latin typeface="+mn-ea"/>
+              </a:rPr>
+              <a:t>Semiconductor Equipment and Materials International(</a:t>
+            </a:r>
+            <a:r>
+              <a:rPr lang="ko-KR" altLang="en-US" sz="1200" b="1" dirty="0">
+                <a:solidFill>
+                  <a:srgbClr val="0045A9"/>
+                </a:solidFill>
+                <a:latin typeface="+mn-ea"/>
+              </a:rPr>
+              <a:t>국제 반도체 장비</a:t>
+            </a:r>
+            <a:r>
+              <a:rPr lang="en-US" altLang="ko-KR" sz="1200" b="1" dirty="0">
+                <a:solidFill>
+                  <a:srgbClr val="0045A9"/>
+                </a:solidFill>
+                <a:latin typeface="+mn-ea"/>
+              </a:rPr>
+              <a:t>/</a:t>
+            </a:r>
+            <a:r>
+              <a:rPr lang="ko-KR" altLang="en-US" sz="1200" b="1" dirty="0">
+                <a:solidFill>
+                  <a:srgbClr val="0045A9"/>
+                </a:solidFill>
+                <a:latin typeface="+mn-ea"/>
+              </a:rPr>
+              <a:t>재료 협회</a:t>
+            </a:r>
+            <a:r>
+              <a:rPr lang="en-US" altLang="ko-KR" sz="1200" b="1" dirty="0">
+                <a:solidFill>
+                  <a:srgbClr val="0045A9"/>
+                </a:solidFill>
+                <a:latin typeface="+mn-ea"/>
+              </a:rPr>
+              <a:t>)</a:t>
+            </a:r>
+          </a:p>
+          <a:p>
+            <a:pPr lvl="1" indent="180000">
+              <a:spcAft>
+                <a:spcPts val="900"/>
+              </a:spcAft>
+              <a:buFont typeface="Arial" panose="020B0604020202020204" pitchFamily="34" charset="0"/>
+              <a:buChar char="•"/>
+            </a:pPr>
+            <a:r>
+              <a:rPr lang="ko-KR" altLang="en-US" sz="1200" b="1" dirty="0">
+                <a:solidFill>
+                  <a:srgbClr val="0045A9"/>
+                </a:solidFill>
+                <a:latin typeface="+mn-ea"/>
+              </a:rPr>
+              <a:t>세계 반도체 장비</a:t>
+            </a:r>
+            <a:r>
+              <a:rPr lang="en-US" altLang="ko-KR" sz="1200" b="1" dirty="0">
+                <a:solidFill>
+                  <a:srgbClr val="0045A9"/>
+                </a:solidFill>
+                <a:latin typeface="+mn-ea"/>
+              </a:rPr>
+              <a:t>, </a:t>
+            </a:r>
+            <a:r>
+              <a:rPr lang="ko-KR" altLang="en-US" sz="1200" b="1" dirty="0">
+                <a:solidFill>
+                  <a:srgbClr val="0045A9"/>
+                </a:solidFill>
+                <a:latin typeface="+mn-ea"/>
+              </a:rPr>
+              <a:t>재료 산업 및 평판 디스플레이</a:t>
+            </a:r>
+            <a:r>
+              <a:rPr lang="en-US" altLang="ko-KR" sz="1200" b="1" dirty="0">
+                <a:solidFill>
+                  <a:srgbClr val="0045A9"/>
+                </a:solidFill>
+                <a:latin typeface="+mn-ea"/>
+              </a:rPr>
+              <a:t>(FPD) </a:t>
+            </a:r>
+            <a:r>
+              <a:rPr lang="ko-KR" altLang="en-US" sz="1200" b="1" dirty="0">
+                <a:solidFill>
+                  <a:srgbClr val="0045A9"/>
+                </a:solidFill>
+                <a:latin typeface="+mn-ea"/>
+              </a:rPr>
+              <a:t>등을 대표하는 세계 유일의 국제 협회</a:t>
+            </a:r>
+            <a:endParaRPr lang="en-US" altLang="ko-KR" sz="1200" b="1" dirty="0">
+              <a:solidFill>
+                <a:srgbClr val="0045A9"/>
+              </a:solidFill>
+              <a:latin typeface="+mn-ea"/>
+            </a:endParaRPr>
+          </a:p>
+          <a:p>
             <a:pPr marL="0" indent="180000" algn="l">
               <a:spcAft>
                 <a:spcPts val="900"/>
@@ -16119,126 +14786,55 @@
               <a:buFont typeface="Arial" panose="020B0604020202020204" pitchFamily="34" charset="0"/>
               <a:buChar char="•"/>
             </a:pPr>
-            <a:r>
-              <a:rPr lang="ko-KR" altLang="en-US" sz="1400" b="1" dirty="0">
-                <a:solidFill>
-                  <a:srgbClr val="0045A9"/>
-                </a:solidFill>
-                <a:latin typeface="+mn-ea"/>
-              </a:rPr>
-              <a:t>반도체</a:t>
-            </a:r>
-            <a:r>
-              <a:rPr lang="en-US" altLang="ko-KR" sz="1400" b="1" dirty="0">
-                <a:solidFill>
-                  <a:srgbClr val="0045A9"/>
-                </a:solidFill>
-                <a:latin typeface="+mn-ea"/>
-              </a:rPr>
-              <a:t>/DISPLAY </a:t>
-            </a:r>
-            <a:r>
-              <a:rPr lang="ko-KR" altLang="en-US" sz="1400" b="1" dirty="0">
-                <a:solidFill>
-                  <a:srgbClr val="0045A9"/>
-                </a:solidFill>
-                <a:latin typeface="+mn-ea"/>
-              </a:rPr>
-              <a:t>관련 </a:t>
-            </a:r>
-            <a:r>
-              <a:rPr lang="en-US" altLang="ko-KR" sz="1400" b="1" dirty="0">
-                <a:solidFill>
-                  <a:srgbClr val="0045A9"/>
-                </a:solidFill>
-                <a:latin typeface="+mn-ea"/>
-              </a:rPr>
-              <a:t>SEMI </a:t>
-            </a:r>
-            <a:r>
-              <a:rPr lang="ko-KR" altLang="en-US" sz="1400" b="1" dirty="0">
-                <a:solidFill>
-                  <a:srgbClr val="0045A9"/>
-                </a:solidFill>
-                <a:latin typeface="+mn-ea"/>
-              </a:rPr>
-              <a:t>표준을 기반으로</a:t>
-            </a:r>
-            <a:r>
-              <a:rPr lang="en-US" altLang="ko-KR" sz="1400" b="1" dirty="0">
-                <a:solidFill>
-                  <a:srgbClr val="0045A9"/>
-                </a:solidFill>
-                <a:latin typeface="+mn-ea"/>
-              </a:rPr>
-              <a:t> </a:t>
-            </a:r>
-            <a:r>
-              <a:rPr lang="ko-KR" altLang="en-US" sz="1400" b="1" dirty="0">
-                <a:solidFill>
-                  <a:srgbClr val="0045A9"/>
-                </a:solidFill>
-                <a:latin typeface="+mn-ea"/>
-              </a:rPr>
-              <a:t>하는 </a:t>
-            </a:r>
-            <a:r>
-              <a:rPr lang="en-US" altLang="ko-KR" sz="1400" b="1" dirty="0">
-                <a:solidFill>
-                  <a:srgbClr val="0045A9"/>
-                </a:solidFill>
-                <a:latin typeface="+mn-ea"/>
-              </a:rPr>
-              <a:t>HOST</a:t>
-            </a:r>
-            <a:r>
-              <a:rPr lang="ko-KR" altLang="en-US" sz="1400" b="1" dirty="0">
-                <a:solidFill>
-                  <a:srgbClr val="0045A9"/>
-                </a:solidFill>
-                <a:latin typeface="+mn-ea"/>
-              </a:rPr>
-              <a:t>와의</a:t>
-            </a:r>
-            <a:r>
-              <a:rPr lang="en-US" altLang="ko-KR" sz="1400" b="1" dirty="0">
-                <a:solidFill>
-                  <a:srgbClr val="0045A9"/>
-                </a:solidFill>
-                <a:latin typeface="+mn-ea"/>
-              </a:rPr>
-              <a:t> </a:t>
-            </a:r>
-            <a:r>
-              <a:rPr lang="ko-KR" altLang="en-US" sz="1400" b="1" dirty="0">
-                <a:solidFill>
-                  <a:srgbClr val="0045A9"/>
-                </a:solidFill>
-                <a:latin typeface="+mn-ea"/>
-              </a:rPr>
-              <a:t>통신 기술 확보</a:t>
-            </a:r>
+            <a:endParaRPr lang="en-US" altLang="ko-KR" sz="1400" b="1" dirty="0">
+              <a:solidFill>
+                <a:srgbClr val="0045A9"/>
+              </a:solidFill>
+              <a:latin typeface="+mn-ea"/>
+            </a:endParaRPr>
+          </a:p>
+          <a:p>
+            <a:pPr algn="l">
+              <a:spcAft>
+                <a:spcPts val="900"/>
+              </a:spcAft>
+            </a:pPr>
+            <a:endParaRPr lang="ko-KR" altLang="en-US" sz="1400" b="1" dirty="0">
+              <a:solidFill>
+                <a:srgbClr val="0045A9"/>
+              </a:solidFill>
+              <a:latin typeface="+mn-ea"/>
+            </a:endParaRPr>
           </a:p>
         </p:txBody>
       </p:sp>
       <p:sp>
         <p:nvSpPr>
-          <p:cNvPr id="66" name="대각선 방향의 모서리가 잘린 사각형 65"/>
+          <p:cNvPr id="9" name="대각선 방향의 모서리가 잘린 사각형 9">
+            <a:extLst>
+              <a:ext uri="{FF2B5EF4-FFF2-40B4-BE49-F238E27FC236}">
+                <a16:creationId xmlns:a16="http://schemas.microsoft.com/office/drawing/2014/main" id="{BB7F2471-C2B8-4EC3-941A-0969B2C039DA}"/>
+              </a:ext>
+            </a:extLst>
+          </p:cNvPr>
           <p:cNvSpPr/>
           <p:nvPr/>
         </p:nvSpPr>
         <p:spPr>
           <a:xfrm>
-            <a:off x="1076862" y="4725144"/>
-            <a:ext cx="8181212" cy="576064"/>
+            <a:off x="1064568" y="3140968"/>
+            <a:ext cx="8280920" cy="3467636"/>
           </a:xfrm>
           <a:prstGeom prst="snip2DiagRect">
-            <a:avLst/>
+            <a:avLst>
+              <a:gd name="adj1" fmla="val 0"/>
+              <a:gd name="adj2" fmla="val 7352"/>
+            </a:avLst>
           </a:prstGeom>
           <a:noFill/>
           <a:ln w="3175">
             <a:solidFill>
-              <a:srgbClr val="00B050"/>
+              <a:srgbClr val="0045A9"/>
             </a:solidFill>
           </a:ln>
         </p:spPr>
@@ -16262,7 +14858,28 @@
           <a:bodyPr lIns="144000" tIns="144000" rIns="0" bIns="0" rtlCol="0" anchor="t"/>
           <a:lstStyle/>
           <a:p>
-            <a:pPr marL="0" indent="180000" algn="l">
+            <a:pPr marL="285750" indent="-285750" algn="l">
+              <a:lnSpc>
+                <a:spcPts val="1000"/>
+              </a:lnSpc>
+              <a:spcAft>
+                <a:spcPts val="900"/>
+              </a:spcAft>
+              <a:buFont typeface="Wingdings" panose="05000000000000000000" pitchFamily="2" charset="2"/>
+              <a:buChar char="§"/>
+            </a:pPr>
+            <a:r>
+              <a:rPr lang="en-US" altLang="ko-KR" sz="1400" b="1" dirty="0">
+                <a:solidFill>
+                  <a:srgbClr val="0045A9"/>
+                </a:solidFill>
+                <a:latin typeface="+mn-ea"/>
+              </a:rPr>
+              <a:t>SEMI Standard(Series)</a:t>
+            </a:r>
+          </a:p>
+          <a:p>
+            <a:pPr lvl="1" indent="180000">
               <a:spcAft>
                 <a:spcPts val="900"/>
               </a:spcAft>
@@ -16270,21 +14887,258 @@
               <a:buChar char="•"/>
             </a:pPr>
             <a:r>
-              <a:rPr lang="ko-KR" altLang="en-US" sz="1400" b="1" dirty="0">
-                <a:solidFill>
-                  <a:srgbClr val="00B050"/>
-                </a:solidFill>
-                <a:latin typeface="+mn-ea"/>
-              </a:rPr>
-              <a:t>상용 드라이버 사용 시 구현 불가능 추가 가능</a:t>
-            </a:r>
+              <a:rPr lang="en-US" altLang="ko-KR" sz="1200" b="1" dirty="0">
+                <a:solidFill>
+                  <a:srgbClr val="0045A9"/>
+                </a:solidFill>
+                <a:latin typeface="+mn-ea"/>
+              </a:rPr>
+              <a:t>M : Wafers &amp; Process Control</a:t>
+            </a:r>
+          </a:p>
+          <a:p>
+            <a:pPr lvl="1" indent="180000">
+              <a:lnSpc>
+                <a:spcPts val="1000"/>
+              </a:lnSpc>
+              <a:spcAft>
+                <a:spcPts val="900"/>
+              </a:spcAft>
+              <a:buFont typeface="Arial" panose="020B0604020202020204" pitchFamily="34" charset="0"/>
+              <a:buChar char="•"/>
+            </a:pPr>
+            <a:r>
+              <a:rPr lang="en-US" altLang="ko-KR" sz="1200" b="1" dirty="0">
+                <a:solidFill>
+                  <a:srgbClr val="0045A9"/>
+                </a:solidFill>
+                <a:latin typeface="+mn-ea"/>
+              </a:rPr>
+              <a:t>MF : Metrology</a:t>
+            </a:r>
+          </a:p>
+          <a:p>
+            <a:pPr lvl="1" indent="180000">
+              <a:lnSpc>
+                <a:spcPts val="1000"/>
+              </a:lnSpc>
+              <a:spcAft>
+                <a:spcPts val="900"/>
+              </a:spcAft>
+              <a:buFont typeface="Arial" panose="020B0604020202020204" pitchFamily="34" charset="0"/>
+              <a:buChar char="•"/>
+            </a:pPr>
+            <a:r>
+              <a:rPr lang="en-US" altLang="ko-KR" sz="1200" b="1" dirty="0">
+                <a:solidFill>
+                  <a:srgbClr val="0045A9"/>
+                </a:solidFill>
+                <a:latin typeface="+mn-ea"/>
+              </a:rPr>
+              <a:t>T : Traceability</a:t>
+            </a:r>
+          </a:p>
+          <a:p>
+            <a:pPr lvl="1" indent="180000">
+              <a:lnSpc>
+                <a:spcPts val="1000"/>
+              </a:lnSpc>
+              <a:spcAft>
+                <a:spcPts val="900"/>
+              </a:spcAft>
+              <a:buFont typeface="Arial" panose="020B0604020202020204" pitchFamily="34" charset="0"/>
+              <a:buChar char="•"/>
+            </a:pPr>
+            <a:r>
+              <a:rPr lang="en-US" altLang="ko-KR" sz="1200" b="1" dirty="0">
+                <a:solidFill>
+                  <a:srgbClr val="FF0000"/>
+                </a:solidFill>
+                <a:latin typeface="+mn-ea"/>
+              </a:rPr>
+              <a:t>E : Equipment communications</a:t>
+            </a:r>
+          </a:p>
+          <a:p>
+            <a:pPr lvl="1" indent="180000">
+              <a:lnSpc>
+                <a:spcPts val="1000"/>
+              </a:lnSpc>
+              <a:spcAft>
+                <a:spcPts val="900"/>
+              </a:spcAft>
+              <a:buFont typeface="Arial" panose="020B0604020202020204" pitchFamily="34" charset="0"/>
+              <a:buChar char="•"/>
+            </a:pPr>
+            <a:r>
+              <a:rPr lang="en-US" altLang="ko-KR" sz="1200" b="1" dirty="0">
+                <a:solidFill>
+                  <a:srgbClr val="0045A9"/>
+                </a:solidFill>
+                <a:latin typeface="+mn-ea"/>
+              </a:rPr>
+              <a:t>A : Backend automation</a:t>
+            </a:r>
+          </a:p>
+          <a:p>
+            <a:pPr lvl="1" indent="180000">
+              <a:lnSpc>
+                <a:spcPts val="1000"/>
+              </a:lnSpc>
+              <a:spcAft>
+                <a:spcPts val="900"/>
+              </a:spcAft>
+              <a:buFont typeface="Arial" panose="020B0604020202020204" pitchFamily="34" charset="0"/>
+              <a:buChar char="•"/>
+            </a:pPr>
+            <a:r>
+              <a:rPr lang="en-US" altLang="ko-KR" sz="1200" b="1" dirty="0">
+                <a:solidFill>
+                  <a:srgbClr val="0045A9"/>
+                </a:solidFill>
+                <a:latin typeface="+mn-ea"/>
+              </a:rPr>
+              <a:t>S : Safety, Environmental &amp; Energy</a:t>
+            </a:r>
+          </a:p>
+          <a:p>
+            <a:pPr lvl="1" indent="180000">
+              <a:lnSpc>
+                <a:spcPts val="1000"/>
+              </a:lnSpc>
+              <a:spcAft>
+                <a:spcPts val="900"/>
+              </a:spcAft>
+              <a:buFont typeface="Arial" panose="020B0604020202020204" pitchFamily="34" charset="0"/>
+              <a:buChar char="•"/>
+            </a:pPr>
+            <a:r>
+              <a:rPr lang="en-US" altLang="ko-KR" sz="1200" b="1" dirty="0">
+                <a:solidFill>
+                  <a:srgbClr val="0045A9"/>
+                </a:solidFill>
+                <a:latin typeface="+mn-ea"/>
+              </a:rPr>
+              <a:t>F : Facilities</a:t>
+            </a:r>
+          </a:p>
+          <a:p>
+            <a:pPr lvl="1" indent="180000">
+              <a:lnSpc>
+                <a:spcPts val="1000"/>
+              </a:lnSpc>
+              <a:spcAft>
+                <a:spcPts val="900"/>
+              </a:spcAft>
+              <a:buFont typeface="Arial" panose="020B0604020202020204" pitchFamily="34" charset="0"/>
+              <a:buChar char="•"/>
+            </a:pPr>
+            <a:r>
+              <a:rPr lang="en-US" altLang="ko-KR" sz="1200" b="1" dirty="0">
+                <a:solidFill>
+                  <a:srgbClr val="0045A9"/>
+                </a:solidFill>
+                <a:latin typeface="+mn-ea"/>
+              </a:rPr>
+              <a:t>C : Chemicals &amp; Gases</a:t>
+            </a:r>
+          </a:p>
+          <a:p>
+            <a:pPr lvl="1" indent="180000">
+              <a:lnSpc>
+                <a:spcPts val="1000"/>
+              </a:lnSpc>
+              <a:spcAft>
+                <a:spcPts val="900"/>
+              </a:spcAft>
+              <a:buFont typeface="Arial" panose="020B0604020202020204" pitchFamily="34" charset="0"/>
+              <a:buChar char="•"/>
+            </a:pPr>
+            <a:r>
+              <a:rPr lang="en-US" altLang="ko-KR" sz="1200" b="1" dirty="0">
+                <a:solidFill>
+                  <a:srgbClr val="0045A9"/>
+                </a:solidFill>
+                <a:latin typeface="+mn-ea"/>
+              </a:rPr>
+              <a:t>G : Packaging</a:t>
+            </a:r>
+          </a:p>
+          <a:p>
+            <a:pPr lvl="1" indent="180000">
+              <a:lnSpc>
+                <a:spcPts val="1000"/>
+              </a:lnSpc>
+              <a:spcAft>
+                <a:spcPts val="900"/>
+              </a:spcAft>
+              <a:buFont typeface="Arial" panose="020B0604020202020204" pitchFamily="34" charset="0"/>
+              <a:buChar char="•"/>
+            </a:pPr>
+            <a:r>
+              <a:rPr lang="en-US" altLang="ko-KR" sz="1200" b="1" dirty="0">
+                <a:solidFill>
+                  <a:srgbClr val="0045A9"/>
+                </a:solidFill>
+                <a:latin typeface="+mn-ea"/>
+              </a:rPr>
+              <a:t>3D : 3D Packaging</a:t>
+            </a:r>
+          </a:p>
+          <a:p>
+            <a:pPr lvl="1" indent="180000">
+              <a:lnSpc>
+                <a:spcPts val="1000"/>
+              </a:lnSpc>
+              <a:spcAft>
+                <a:spcPts val="900"/>
+              </a:spcAft>
+              <a:buFont typeface="Arial" panose="020B0604020202020204" pitchFamily="34" charset="0"/>
+              <a:buChar char="•"/>
+            </a:pPr>
+            <a:r>
+              <a:rPr lang="en-US" altLang="ko-KR" sz="1200" b="1" dirty="0">
+                <a:solidFill>
+                  <a:srgbClr val="0045A9"/>
+                </a:solidFill>
+                <a:latin typeface="+mn-ea"/>
+              </a:rPr>
+              <a:t>D : Flat panel Displays</a:t>
+            </a:r>
+          </a:p>
+          <a:p>
+            <a:pPr lvl="1" indent="180000">
+              <a:lnSpc>
+                <a:spcPts val="1000"/>
+              </a:lnSpc>
+              <a:spcAft>
+                <a:spcPts val="900"/>
+              </a:spcAft>
+              <a:buFont typeface="Arial" panose="020B0604020202020204" pitchFamily="34" charset="0"/>
+              <a:buChar char="•"/>
+            </a:pPr>
+            <a:r>
+              <a:rPr lang="en-US" altLang="ko-KR" sz="1200" b="1" dirty="0">
+                <a:solidFill>
+                  <a:srgbClr val="0045A9"/>
+                </a:solidFill>
+                <a:latin typeface="+mn-ea"/>
+              </a:rPr>
+              <a:t>MS : MEMS &amp; NEMS</a:t>
+            </a:r>
+            <a:endParaRPr lang="ko-KR" altLang="en-US" sz="1400" b="1" dirty="0">
+              <a:solidFill>
+                <a:srgbClr val="0045A9"/>
+              </a:solidFill>
+              <a:latin typeface="+mn-ea"/>
+            </a:endParaRPr>
           </a:p>
         </p:txBody>
       </p:sp>
     </p:spTree>
     <p:extLst>
       <p:ext uri="{BB962C8B-B14F-4D97-AF65-F5344CB8AC3E}">
-        <p14:creationId xmlns:p14="http://schemas.microsoft.com/office/powerpoint/2010/main" val="814954907"/>
+        <p14:creationId xmlns:p14="http://schemas.microsoft.com/office/powerpoint/2010/main" val="3242519870"/>
       </p:ext>
     </p:extLst>
   </p:cSld>
@@ -16412,7 +15266,7 @@
               <a:rPr lang="en-US" altLang="ko-KR" b="1" dirty="0">
                 <a:latin typeface="+mn-ea"/>
               </a:rPr>
-              <a:t>SEMI Standard</a:t>
+              <a:t>SECS?</a:t>
             </a:r>
             <a:endParaRPr lang="ko-KR" altLang="en-US" b="1" dirty="0">
               <a:latin typeface="+mn-ea"/>
@@ -16422,22 +15276,25 @@
       </p:sp>
       <p:sp>
         <p:nvSpPr>
-          <p:cNvPr id="65" name="대각선 방향의 모서리가 잘린 사각형 64"/>
+          <p:cNvPr id="11" name="대각선 방향의 모서리가 잘린 사각형 10"/>
           <p:cNvSpPr/>
           <p:nvPr/>
         </p:nvSpPr>
         <p:spPr>
           <a:xfrm>
-            <a:off x="1064568" y="1844824"/>
-            <a:ext cx="8280920" cy="1152128"/>
+            <a:off x="1073090" y="1988840"/>
+            <a:ext cx="8280920" cy="3888432"/>
           </a:xfrm>
           <a:prstGeom prst="snip2DiagRect">
-            <a:avLst/>
+            <a:avLst>
+              <a:gd name="adj1" fmla="val 0"/>
+              <a:gd name="adj2" fmla="val 8902"/>
+            </a:avLst>
           </a:prstGeom>
           <a:noFill/>
           <a:ln w="3175">
             <a:solidFill>
-              <a:srgbClr val="0045A9"/>
+              <a:srgbClr val="002060"/>
             </a:solidFill>
           </a:ln>
         </p:spPr>
@@ -16475,7 +15332,7 @@
                 </a:solidFill>
                 <a:latin typeface="+mn-ea"/>
               </a:rPr>
-              <a:t>SEMI</a:t>
+              <a:t>SECS(SEMI Equipment Communications Standard, E Series)</a:t>
             </a:r>
           </a:p>
           <a:p>
@@ -16493,43 +15350,7 @@
                 </a:solidFill>
                 <a:latin typeface="+mn-ea"/>
               </a:rPr>
-              <a:t>Semiconductor Equipment and Materials International(</a:t>
-            </a:r>
-            <a:r>
-              <a:rPr lang="ko-KR" altLang="en-US" sz="1200" b="1" dirty="0">
-                <a:solidFill>
-                  <a:srgbClr val="0045A9"/>
-                </a:solidFill>
-                <a:latin typeface="+mn-ea"/>
-              </a:rPr>
-              <a:t>국제 반도체 장비</a:t>
-            </a:r>
-            <a:r>
-              <a:rPr lang="en-US" altLang="ko-KR" sz="1200" b="1" dirty="0">
-                <a:solidFill>
-                  <a:srgbClr val="0045A9"/>
-                </a:solidFill>
-                <a:latin typeface="+mn-ea"/>
-              </a:rPr>
-              <a:t>/</a:t>
-            </a:r>
-            <a:r>
-              <a:rPr lang="ko-KR" altLang="en-US" sz="1200" b="1" dirty="0">
-                <a:solidFill>
-                  <a:srgbClr val="0045A9"/>
-                </a:solidFill>
-                <a:latin typeface="+mn-ea"/>
-              </a:rPr>
-              <a:t>재료 협회</a:t>
-            </a:r>
-            <a:r>
-              <a:rPr lang="en-US" altLang="ko-KR" sz="1200" b="1" dirty="0">
-                <a:solidFill>
-                  <a:srgbClr val="0045A9"/>
-                </a:solidFill>
-                <a:latin typeface="+mn-ea"/>
-              </a:rPr>
-              <a:t>)</a:t>
+              <a:t>E4 : SECS-I (SEMI Equipment communications standard 1) </a:t>
             </a:r>
           </a:p>
           <a:p>
@@ -16541,65 +15362,122 @@
               <a:buChar char="•"/>
             </a:pPr>
             <a:r>
-              <a:rPr lang="ko-KR" altLang="en-US" sz="1200" b="1" dirty="0">
-                <a:solidFill>
-                  <a:srgbClr val="0045A9"/>
-                </a:solidFill>
-                <a:latin typeface="+mn-ea"/>
-              </a:rPr>
-              <a:t>세계 반도체 장비</a:t>
-            </a:r>
-            <a:r>
               <a:rPr lang="en-US" altLang="ko-KR" sz="1200" b="1" dirty="0">
                 <a:solidFill>
-                  <a:srgbClr val="0045A9"/>
-                </a:solidFill>
-                <a:latin typeface="+mn-ea"/>
-              </a:rPr>
-              <a:t>, </a:t>
-            </a:r>
-            <a:r>
-              <a:rPr lang="ko-KR" altLang="en-US" sz="1200" b="1" dirty="0">
-                <a:solidFill>
-                  <a:srgbClr val="0045A9"/>
-                </a:solidFill>
-                <a:latin typeface="+mn-ea"/>
-              </a:rPr>
-              <a:t>재료 산업 및 평판 디스플레이</a:t>
-            </a:r>
-            <a:r>
-              <a:rPr lang="en-US" altLang="ko-KR" sz="1200" b="1" dirty="0">
-                <a:solidFill>
-                  <a:srgbClr val="0045A9"/>
-                </a:solidFill>
-                <a:latin typeface="+mn-ea"/>
-              </a:rPr>
-              <a:t>(FPD) </a:t>
-            </a:r>
-            <a:r>
-              <a:rPr lang="ko-KR" altLang="en-US" sz="1200" b="1" dirty="0">
-                <a:solidFill>
-                  <a:srgbClr val="0045A9"/>
-                </a:solidFill>
-                <a:latin typeface="+mn-ea"/>
-              </a:rPr>
-              <a:t>등을 대표하는 세계 유일의 국제 협회</a:t>
-            </a:r>
-            <a:endParaRPr lang="en-US" altLang="ko-KR" sz="1200" b="1" dirty="0">
-              <a:solidFill>
-                <a:srgbClr val="0045A9"/>
-              </a:solidFill>
-              <a:latin typeface="+mn-ea"/>
-            </a:endParaRPr>
-          </a:p>
-          <a:p>
-            <a:pPr marL="0" indent="180000" algn="l">
+                  <a:srgbClr val="FF0000"/>
+                </a:solidFill>
+                <a:latin typeface="+mn-ea"/>
+              </a:rPr>
+              <a:t>E5 : SECS-II (SEMI Equipment communications standard 2)</a:t>
+            </a:r>
+          </a:p>
+          <a:p>
+            <a:pPr lvl="1" indent="180000">
               <a:spcAft>
                 <a:spcPts val="900"/>
               </a:spcAft>
               <a:buFont typeface="Arial" panose="020B0604020202020204" pitchFamily="34" charset="0"/>
               <a:buChar char="•"/>
             </a:pPr>
+            <a:r>
+              <a:rPr lang="en-US" altLang="ko-KR" sz="1200" b="1" dirty="0">
+                <a:solidFill>
+                  <a:srgbClr val="0045A9"/>
+                </a:solidFill>
+                <a:latin typeface="+mn-ea"/>
+              </a:rPr>
+              <a:t>E30 : GEM (Generic model for communications and control of manufacturing equipment)</a:t>
+            </a:r>
+          </a:p>
+          <a:p>
+            <a:pPr lvl="1" indent="180000">
+              <a:spcAft>
+                <a:spcPts val="900"/>
+              </a:spcAft>
+              <a:buFont typeface="Arial" panose="020B0604020202020204" pitchFamily="34" charset="0"/>
+              <a:buChar char="•"/>
+            </a:pPr>
+            <a:r>
+              <a:rPr lang="en-US" altLang="ko-KR" sz="1200" b="1" dirty="0">
+                <a:solidFill>
+                  <a:srgbClr val="FF0000"/>
+                </a:solidFill>
+                <a:latin typeface="+mn-ea"/>
+              </a:rPr>
+              <a:t>E37 : HSMS (High-Speed SECS Message services)</a:t>
+            </a:r>
+          </a:p>
+          <a:p>
+            <a:pPr lvl="1" indent="180000">
+              <a:spcAft>
+                <a:spcPts val="900"/>
+              </a:spcAft>
+              <a:buFont typeface="Arial" panose="020B0604020202020204" pitchFamily="34" charset="0"/>
+              <a:buChar char="•"/>
+            </a:pPr>
+            <a:r>
+              <a:rPr lang="en-US" altLang="ko-KR" sz="1200" b="1" dirty="0">
+                <a:solidFill>
+                  <a:srgbClr val="0045A9"/>
+                </a:solidFill>
+                <a:latin typeface="+mn-ea"/>
+              </a:rPr>
+              <a:t>E84 : CMS (Specification for Carrier Management)</a:t>
+            </a:r>
+          </a:p>
+          <a:p>
+            <a:pPr lvl="1" indent="180000">
+              <a:spcAft>
+                <a:spcPts val="900"/>
+              </a:spcAft>
+              <a:buFont typeface="Arial" panose="020B0604020202020204" pitchFamily="34" charset="0"/>
+              <a:buChar char="•"/>
+            </a:pPr>
+            <a:r>
+              <a:rPr lang="en-US" altLang="ko-KR" sz="1200" b="1" dirty="0">
+                <a:solidFill>
+                  <a:srgbClr val="0045A9"/>
+                </a:solidFill>
+                <a:latin typeface="+mn-ea"/>
+              </a:rPr>
+              <a:t>E40 : Specification for Processing Management</a:t>
+            </a:r>
+          </a:p>
+          <a:p>
+            <a:pPr lvl="1" indent="180000">
+              <a:spcAft>
+                <a:spcPts val="900"/>
+              </a:spcAft>
+              <a:buFont typeface="Arial" panose="020B0604020202020204" pitchFamily="34" charset="0"/>
+              <a:buChar char="•"/>
+            </a:pPr>
+            <a:r>
+              <a:rPr lang="en-US" altLang="ko-KR" sz="1200" b="1" dirty="0">
+                <a:solidFill>
+                  <a:srgbClr val="0045A9"/>
+                </a:solidFill>
+                <a:latin typeface="+mn-ea"/>
+              </a:rPr>
+              <a:t>E173 : SMN (Specification for XML SECS-II Message Notation)</a:t>
+            </a:r>
+          </a:p>
+          <a:p>
+            <a:pPr lvl="1" indent="180000">
+              <a:spcAft>
+                <a:spcPts val="900"/>
+              </a:spcAft>
+              <a:buFont typeface="Arial" panose="020B0604020202020204" pitchFamily="34" charset="0"/>
+              <a:buChar char="•"/>
+            </a:pPr>
+            <a:r>
+              <a:rPr lang="en-US" altLang="ko-KR" sz="1200" b="1" dirty="0" err="1">
+                <a:solidFill>
+                  <a:srgbClr val="0045A9"/>
+                </a:solidFill>
+                <a:latin typeface="+mn-ea"/>
+              </a:rPr>
+              <a:t>etc</a:t>
+            </a:r>
             <a:endParaRPr lang="en-US" altLang="ko-KR" sz="1400" b="1" dirty="0">
               <a:solidFill>
                 <a:srgbClr val="0045A9"/>
@@ -16622,331 +15500,10 @@
           </a:p>
         </p:txBody>
       </p:sp>
-      <p:sp>
-        <p:nvSpPr>
-          <p:cNvPr id="10" name="대각선 방향의 모서리가 잘린 사각형 9"/>
-          <p:cNvSpPr/>
-          <p:nvPr/>
-        </p:nvSpPr>
-        <p:spPr>
-          <a:xfrm>
-            <a:off x="1064568" y="3140968"/>
-            <a:ext cx="8280920" cy="3467636"/>
-          </a:xfrm>
-          <a:prstGeom prst="snip2DiagRect">
-            <a:avLst>
-              <a:gd name="adj1" fmla="val 0"/>
-              <a:gd name="adj2" fmla="val 7352"/>
-            </a:avLst>
-          </a:prstGeom>
-          <a:noFill/>
-          <a:ln w="3175">
-            <a:solidFill>
-              <a:srgbClr val="0045A9"/>
-            </a:solidFill>
-          </a:ln>
-        </p:spPr>
-        <p:style>
-          <a:lnRef idx="2">
-            <a:schemeClr val="accent1">
-              <a:shade val="50000"/>
-            </a:schemeClr>
-          </a:lnRef>
-          <a:fillRef idx="1">
-            <a:schemeClr val="accent1"/>
-          </a:fillRef>
-          <a:effectRef idx="0">
-            <a:schemeClr val="accent1"/>
-          </a:effectRef>
-          <a:fontRef idx="minor">
-            <a:schemeClr val="lt1"/>
-          </a:fontRef>
-        </p:style>
-        <p:txBody>
-          <a:bodyPr lIns="144000" tIns="144000" rIns="0" bIns="0" rtlCol="0" anchor="t"/>
-          <a:lstStyle/>
-          <a:p>
-            <a:pPr marL="285750" indent="-285750" algn="l">
-              <a:lnSpc>
-                <a:spcPts val="1000"/>
-              </a:lnSpc>
-              <a:spcAft>
-                <a:spcPts val="900"/>
-              </a:spcAft>
-              <a:buFont typeface="Wingdings" panose="05000000000000000000" pitchFamily="2" charset="2"/>
-              <a:buChar char="§"/>
-            </a:pPr>
-            <a:r>
-              <a:rPr lang="en-US" altLang="ko-KR" sz="1400" b="1" dirty="0">
-                <a:solidFill>
-                  <a:srgbClr val="0045A9"/>
-                </a:solidFill>
-                <a:latin typeface="+mn-ea"/>
-              </a:rPr>
-              <a:t>SEMI Standard(Series)</a:t>
-            </a:r>
-          </a:p>
-          <a:p>
-            <a:pPr lvl="1" indent="180000">
-              <a:spcAft>
-                <a:spcPts val="900"/>
-              </a:spcAft>
-              <a:buFont typeface="Arial" panose="020B0604020202020204" pitchFamily="34" charset="0"/>
-              <a:buChar char="•"/>
-            </a:pPr>
-            <a:r>
-              <a:rPr lang="en-US" altLang="ko-KR" sz="1200" b="1" dirty="0">
-                <a:solidFill>
-                  <a:srgbClr val="0045A9"/>
-                </a:solidFill>
-                <a:latin typeface="+mn-ea"/>
-              </a:rPr>
-              <a:t>M : Wafers &amp; Process Control</a:t>
-            </a:r>
-          </a:p>
-          <a:p>
-            <a:pPr lvl="1" indent="180000">
-              <a:lnSpc>
-                <a:spcPts val="1000"/>
-              </a:lnSpc>
-              <a:spcAft>
-                <a:spcPts val="900"/>
-              </a:spcAft>
-              <a:buFont typeface="Arial" panose="020B0604020202020204" pitchFamily="34" charset="0"/>
-              <a:buChar char="•"/>
-            </a:pPr>
-            <a:r>
-              <a:rPr lang="en-US" altLang="ko-KR" sz="1200" b="1" dirty="0">
-                <a:solidFill>
-                  <a:srgbClr val="0045A9"/>
-                </a:solidFill>
-                <a:latin typeface="+mn-ea"/>
-              </a:rPr>
-              <a:t>MF : Metrology</a:t>
-            </a:r>
-          </a:p>
-          <a:p>
-            <a:pPr lvl="1" indent="180000">
-              <a:lnSpc>
-                <a:spcPts val="1000"/>
-              </a:lnSpc>
-              <a:spcAft>
-                <a:spcPts val="900"/>
-              </a:spcAft>
-              <a:buFont typeface="Arial" panose="020B0604020202020204" pitchFamily="34" charset="0"/>
-              <a:buChar char="•"/>
-            </a:pPr>
-            <a:r>
-              <a:rPr lang="en-US" altLang="ko-KR" sz="1200" b="1" dirty="0">
-                <a:solidFill>
-                  <a:srgbClr val="0045A9"/>
-                </a:solidFill>
-                <a:latin typeface="+mn-ea"/>
-              </a:rPr>
-              <a:t>T : Traceability</a:t>
-            </a:r>
-          </a:p>
-          <a:p>
-            <a:pPr lvl="1" indent="180000">
-              <a:lnSpc>
-                <a:spcPts val="1000"/>
-              </a:lnSpc>
-              <a:spcAft>
-                <a:spcPts val="900"/>
-              </a:spcAft>
-              <a:buFont typeface="Arial" panose="020B0604020202020204" pitchFamily="34" charset="0"/>
-              <a:buChar char="•"/>
-            </a:pPr>
-            <a:r>
-              <a:rPr lang="en-US" altLang="ko-KR" sz="1200" b="1" dirty="0">
-                <a:solidFill>
-                  <a:srgbClr val="FF0000"/>
-                </a:solidFill>
-                <a:latin typeface="+mn-ea"/>
-              </a:rPr>
-              <a:t>E : Equipment communications</a:t>
-            </a:r>
-          </a:p>
-          <a:p>
-            <a:pPr lvl="1" indent="180000">
-              <a:lnSpc>
-                <a:spcPts val="1000"/>
-              </a:lnSpc>
-              <a:spcAft>
-                <a:spcPts val="900"/>
-              </a:spcAft>
-              <a:buFont typeface="Arial" panose="020B0604020202020204" pitchFamily="34" charset="0"/>
-              <a:buChar char="•"/>
-            </a:pPr>
-            <a:r>
-              <a:rPr lang="en-US" altLang="ko-KR" sz="1200" b="1" dirty="0">
-                <a:solidFill>
-                  <a:srgbClr val="0045A9"/>
-                </a:solidFill>
-                <a:latin typeface="+mn-ea"/>
-              </a:rPr>
-              <a:t>A : Backend automation</a:t>
-            </a:r>
-          </a:p>
-          <a:p>
-            <a:pPr lvl="1" indent="180000">
-              <a:lnSpc>
-                <a:spcPts val="1000"/>
-              </a:lnSpc>
-              <a:spcAft>
-                <a:spcPts val="900"/>
-              </a:spcAft>
-              <a:buFont typeface="Arial" panose="020B0604020202020204" pitchFamily="34" charset="0"/>
-              <a:buChar char="•"/>
-            </a:pPr>
-            <a:r>
-              <a:rPr lang="en-US" altLang="ko-KR" sz="1200" b="1" dirty="0">
-                <a:solidFill>
-                  <a:srgbClr val="0045A9"/>
-                </a:solidFill>
-                <a:latin typeface="+mn-ea"/>
-              </a:rPr>
-              <a:t>S : Safety, Environmental &amp; Energy</a:t>
-            </a:r>
-          </a:p>
-          <a:p>
-            <a:pPr lvl="1" indent="180000">
-              <a:lnSpc>
-                <a:spcPts val="1000"/>
-              </a:lnSpc>
-              <a:spcAft>
-                <a:spcPts val="900"/>
-              </a:spcAft>
-              <a:buFont typeface="Arial" panose="020B0604020202020204" pitchFamily="34" charset="0"/>
-              <a:buChar char="•"/>
-            </a:pPr>
-            <a:r>
-              <a:rPr lang="en-US" altLang="ko-KR" sz="1200" b="1" dirty="0">
-                <a:solidFill>
-                  <a:srgbClr val="0045A9"/>
-                </a:solidFill>
-                <a:latin typeface="+mn-ea"/>
-              </a:rPr>
-              <a:t>F : Facilities</a:t>
-            </a:r>
-          </a:p>
-          <a:p>
-            <a:pPr lvl="1" indent="180000">
-              <a:lnSpc>
-                <a:spcPts val="1000"/>
-              </a:lnSpc>
-              <a:spcAft>
-                <a:spcPts val="900"/>
-              </a:spcAft>
-              <a:buFont typeface="Arial" panose="020B0604020202020204" pitchFamily="34" charset="0"/>
-              <a:buChar char="•"/>
-            </a:pPr>
-            <a:r>
-              <a:rPr lang="en-US" altLang="ko-KR" sz="1200" b="1" dirty="0">
-                <a:solidFill>
-                  <a:srgbClr val="0045A9"/>
-                </a:solidFill>
-                <a:latin typeface="+mn-ea"/>
-              </a:rPr>
-              <a:t>C : Chemicals &amp; Gases</a:t>
-            </a:r>
-          </a:p>
-          <a:p>
-            <a:pPr lvl="1" indent="180000">
-              <a:lnSpc>
-                <a:spcPts val="1000"/>
-              </a:lnSpc>
-              <a:spcAft>
-                <a:spcPts val="900"/>
-              </a:spcAft>
-              <a:buFont typeface="Arial" panose="020B0604020202020204" pitchFamily="34" charset="0"/>
-              <a:buChar char="•"/>
-            </a:pPr>
-            <a:r>
-              <a:rPr lang="en-US" altLang="ko-KR" sz="1200" b="1" dirty="0">
-                <a:solidFill>
-                  <a:srgbClr val="0045A9"/>
-                </a:solidFill>
-                <a:latin typeface="+mn-ea"/>
-              </a:rPr>
-              <a:t>G : Packaging</a:t>
-            </a:r>
-          </a:p>
-          <a:p>
-            <a:pPr lvl="1" indent="180000">
-              <a:lnSpc>
-                <a:spcPts val="1000"/>
-              </a:lnSpc>
-              <a:spcAft>
-                <a:spcPts val="900"/>
-              </a:spcAft>
-              <a:buFont typeface="Arial" panose="020B0604020202020204" pitchFamily="34" charset="0"/>
-              <a:buChar char="•"/>
-            </a:pPr>
-            <a:r>
-              <a:rPr lang="en-US" altLang="ko-KR" sz="1200" b="1" dirty="0">
-                <a:solidFill>
-                  <a:srgbClr val="0045A9"/>
-                </a:solidFill>
-                <a:latin typeface="+mn-ea"/>
-              </a:rPr>
-              <a:t>3D : 3D Packaging</a:t>
-            </a:r>
-          </a:p>
-          <a:p>
-            <a:pPr lvl="1" indent="180000">
-              <a:lnSpc>
-                <a:spcPts val="1000"/>
-              </a:lnSpc>
-              <a:spcAft>
-                <a:spcPts val="900"/>
-              </a:spcAft>
-              <a:buFont typeface="Arial" panose="020B0604020202020204" pitchFamily="34" charset="0"/>
-              <a:buChar char="•"/>
-            </a:pPr>
-            <a:r>
-              <a:rPr lang="en-US" altLang="ko-KR" sz="1200" b="1" dirty="0">
-                <a:solidFill>
-                  <a:srgbClr val="0045A9"/>
-                </a:solidFill>
-                <a:latin typeface="+mn-ea"/>
-              </a:rPr>
-              <a:t>D : Flat panel Displays</a:t>
-            </a:r>
-          </a:p>
-          <a:p>
-            <a:pPr lvl="1" indent="180000">
-              <a:lnSpc>
-                <a:spcPts val="1000"/>
-              </a:lnSpc>
-              <a:spcAft>
-                <a:spcPts val="900"/>
-              </a:spcAft>
-              <a:buFont typeface="Arial" panose="020B0604020202020204" pitchFamily="34" charset="0"/>
-              <a:buChar char="•"/>
-            </a:pPr>
-            <a:r>
-              <a:rPr lang="en-US" altLang="ko-KR" sz="1200" b="1" dirty="0">
-                <a:solidFill>
-                  <a:srgbClr val="0045A9"/>
-                </a:solidFill>
-                <a:latin typeface="+mn-ea"/>
-              </a:rPr>
-              <a:t>MS : MEMS &amp; NEMS</a:t>
-            </a:r>
-            <a:endParaRPr lang="ko-KR" altLang="en-US" sz="1400" b="1" dirty="0">
-              <a:solidFill>
-                <a:srgbClr val="0045A9"/>
-              </a:solidFill>
-              <a:latin typeface="+mn-ea"/>
-            </a:endParaRPr>
-          </a:p>
-        </p:txBody>
-      </p:sp>
     </p:spTree>
     <p:extLst>
       <p:ext uri="{BB962C8B-B14F-4D97-AF65-F5344CB8AC3E}">
-        <p14:creationId xmlns:p14="http://schemas.microsoft.com/office/powerpoint/2010/main" val="3135330271"/>
+        <p14:creationId xmlns:p14="http://schemas.microsoft.com/office/powerpoint/2010/main" val="167750602"/>
       </p:ext>
     </p:extLst>
   </p:cSld>
@@ -16990,7 +15547,7 @@
             </a:avLst>
           </a:prstGeom>
           <a:solidFill>
-            <a:srgbClr val="417B85"/>
+            <a:srgbClr val="78697B"/>
           </a:solidFill>
           <a:ln>
             <a:noFill/>
@@ -17021,7 +15578,7 @@
               <a:rPr lang="ko-KR" altLang="en-US" sz="2400" b="1" dirty="0">
                 <a:latin typeface="+mn-ea"/>
               </a:rPr>
-              <a:t>개요</a:t>
+              <a:t>개발</a:t>
             </a:r>
           </a:p>
         </p:txBody>
@@ -17071,371 +15628,6 @@
           <a:p>
             <a:pPr algn="ctr"/>
             <a:r>
-              <a:rPr lang="en-US" altLang="ko-KR" b="1" dirty="0">
-                <a:latin typeface="+mn-ea"/>
-              </a:rPr>
-              <a:t>SECS?</a:t>
-            </a:r>
-            <a:endParaRPr lang="ko-KR" altLang="en-US" b="1" dirty="0">
-              <a:latin typeface="+mn-ea"/>
-            </a:endParaRPr>
-          </a:p>
-        </p:txBody>
-      </p:sp>
-      <p:sp>
-        <p:nvSpPr>
-          <p:cNvPr id="11" name="대각선 방향의 모서리가 잘린 사각형 10"/>
-          <p:cNvSpPr/>
-          <p:nvPr/>
-        </p:nvSpPr>
-        <p:spPr>
-          <a:xfrm>
-            <a:off x="1073090" y="1988840"/>
-            <a:ext cx="8280920" cy="3888432"/>
-          </a:xfrm>
-          <a:prstGeom prst="snip2DiagRect">
-            <a:avLst>
-              <a:gd name="adj1" fmla="val 0"/>
-              <a:gd name="adj2" fmla="val 8902"/>
-            </a:avLst>
-          </a:prstGeom>
-          <a:noFill/>
-          <a:ln w="3175">
-            <a:solidFill>
-              <a:srgbClr val="002060"/>
-            </a:solidFill>
-          </a:ln>
-        </p:spPr>
-        <p:style>
-          <a:lnRef idx="2">
-            <a:schemeClr val="accent1">
-              <a:shade val="50000"/>
-            </a:schemeClr>
-          </a:lnRef>
-          <a:fillRef idx="1">
-            <a:schemeClr val="accent1"/>
-          </a:fillRef>
-          <a:effectRef idx="0">
-            <a:schemeClr val="accent1"/>
-          </a:effectRef>
-          <a:fontRef idx="minor">
-            <a:schemeClr val="lt1"/>
-          </a:fontRef>
-        </p:style>
-        <p:txBody>
-          <a:bodyPr lIns="144000" tIns="144000" rIns="0" bIns="0" rtlCol="0" anchor="t"/>
-          <a:lstStyle/>
-          <a:p>
-            <a:pPr marL="285750" indent="-285750" algn="l">
-              <a:spcAft>
-                <a:spcPts val="900"/>
-              </a:spcAft>
-              <a:buFont typeface="Wingdings" panose="05000000000000000000" pitchFamily="2" charset="2"/>
-              <a:buChar char="§"/>
-            </a:pPr>
-            <a:r>
-              <a:rPr lang="en-US" altLang="ko-KR" sz="1400" b="1" dirty="0">
-                <a:solidFill>
-                  <a:srgbClr val="0045A9"/>
-                </a:solidFill>
-                <a:latin typeface="+mn-ea"/>
-              </a:rPr>
-              <a:t>SECS(SEMI Equipment Communications Standard, E Series)</a:t>
-            </a:r>
-          </a:p>
-          <a:p>
-            <a:pPr lvl="1" indent="180000">
-              <a:spcAft>
-                <a:spcPts val="900"/>
-              </a:spcAft>
-              <a:buFont typeface="Arial" panose="020B0604020202020204" pitchFamily="34" charset="0"/>
-              <a:buChar char="•"/>
-            </a:pPr>
-            <a:r>
-              <a:rPr lang="en-US" altLang="ko-KR" sz="1200" b="1" dirty="0">
-                <a:solidFill>
-                  <a:srgbClr val="0045A9"/>
-                </a:solidFill>
-                <a:latin typeface="+mn-ea"/>
-              </a:rPr>
-              <a:t>E4 : SECS-I (SEMI Equipment communications standard 1) </a:t>
-            </a:r>
-          </a:p>
-          <a:p>
-            <a:pPr lvl="1" indent="180000">
-              <a:spcAft>
-                <a:spcPts val="900"/>
-              </a:spcAft>
-              <a:buFont typeface="Arial" panose="020B0604020202020204" pitchFamily="34" charset="0"/>
-              <a:buChar char="•"/>
-            </a:pPr>
-            <a:r>
-              <a:rPr lang="en-US" altLang="ko-KR" sz="1200" b="1" dirty="0">
-                <a:solidFill>
-                  <a:srgbClr val="FF0000"/>
-                </a:solidFill>
-                <a:latin typeface="+mn-ea"/>
-              </a:rPr>
-              <a:t>E5 : SECS-II (SEMI Equipment communications standard 2)</a:t>
-            </a:r>
-          </a:p>
-          <a:p>
-            <a:pPr lvl="1" indent="180000">
-              <a:spcAft>
-                <a:spcPts val="900"/>
-              </a:spcAft>
-              <a:buFont typeface="Arial" panose="020B0604020202020204" pitchFamily="34" charset="0"/>
-              <a:buChar char="•"/>
-            </a:pPr>
-            <a:r>
-              <a:rPr lang="en-US" altLang="ko-KR" sz="1200" b="1" dirty="0">
-                <a:solidFill>
-                  <a:srgbClr val="0045A9"/>
-                </a:solidFill>
-                <a:latin typeface="+mn-ea"/>
-              </a:rPr>
-              <a:t>E30 : GEM (Generic model for communications and control of manufacturing equipment)</a:t>
-            </a:r>
-          </a:p>
-          <a:p>
-            <a:pPr lvl="1" indent="180000">
-              <a:spcAft>
-                <a:spcPts val="900"/>
-              </a:spcAft>
-              <a:buFont typeface="Arial" panose="020B0604020202020204" pitchFamily="34" charset="0"/>
-              <a:buChar char="•"/>
-            </a:pPr>
-            <a:r>
-              <a:rPr lang="en-US" altLang="ko-KR" sz="1200" b="1" dirty="0">
-                <a:solidFill>
-                  <a:srgbClr val="FF0000"/>
-                </a:solidFill>
-                <a:latin typeface="+mn-ea"/>
-              </a:rPr>
-              <a:t>E37 : HSMS (High-Speed SECS Message services)</a:t>
-            </a:r>
-          </a:p>
-          <a:p>
-            <a:pPr lvl="1" indent="180000">
-              <a:spcAft>
-                <a:spcPts val="900"/>
-              </a:spcAft>
-              <a:buFont typeface="Arial" panose="020B0604020202020204" pitchFamily="34" charset="0"/>
-              <a:buChar char="•"/>
-            </a:pPr>
-            <a:r>
-              <a:rPr lang="en-US" altLang="ko-KR" sz="1200" b="1" dirty="0">
-                <a:solidFill>
-                  <a:srgbClr val="0045A9"/>
-                </a:solidFill>
-                <a:latin typeface="+mn-ea"/>
-              </a:rPr>
-              <a:t>E84 : CMS (Specification for Carrier Management)</a:t>
-            </a:r>
-          </a:p>
-          <a:p>
-            <a:pPr lvl="1" indent="180000">
-              <a:spcAft>
-                <a:spcPts val="900"/>
-              </a:spcAft>
-              <a:buFont typeface="Arial" panose="020B0604020202020204" pitchFamily="34" charset="0"/>
-              <a:buChar char="•"/>
-            </a:pPr>
-            <a:r>
-              <a:rPr lang="en-US" altLang="ko-KR" sz="1200" b="1" dirty="0">
-                <a:solidFill>
-                  <a:srgbClr val="0045A9"/>
-                </a:solidFill>
-                <a:latin typeface="+mn-ea"/>
-              </a:rPr>
-              <a:t>E40 : Specification for Processing Management</a:t>
-            </a:r>
-          </a:p>
-          <a:p>
-            <a:pPr lvl="1" indent="180000">
-              <a:spcAft>
-                <a:spcPts val="900"/>
-              </a:spcAft>
-              <a:buFont typeface="Arial" panose="020B0604020202020204" pitchFamily="34" charset="0"/>
-              <a:buChar char="•"/>
-            </a:pPr>
-            <a:r>
-              <a:rPr lang="en-US" altLang="ko-KR" sz="1200" b="1" dirty="0">
-                <a:solidFill>
-                  <a:srgbClr val="0045A9"/>
-                </a:solidFill>
-                <a:latin typeface="+mn-ea"/>
-              </a:rPr>
-              <a:t>E173 : SMN (Specification for XML SECS-II Message Notation)</a:t>
-            </a:r>
-          </a:p>
-          <a:p>
-            <a:pPr lvl="1" indent="180000">
-              <a:spcAft>
-                <a:spcPts val="900"/>
-              </a:spcAft>
-              <a:buFont typeface="Arial" panose="020B0604020202020204" pitchFamily="34" charset="0"/>
-              <a:buChar char="•"/>
-            </a:pPr>
-            <a:r>
-              <a:rPr lang="en-US" altLang="ko-KR" sz="1200" b="1" dirty="0" err="1">
-                <a:solidFill>
-                  <a:srgbClr val="0045A9"/>
-                </a:solidFill>
-                <a:latin typeface="+mn-ea"/>
-              </a:rPr>
-              <a:t>etc</a:t>
-            </a:r>
-            <a:endParaRPr lang="en-US" altLang="ko-KR" sz="1400" b="1" dirty="0">
-              <a:solidFill>
-                <a:srgbClr val="0045A9"/>
-              </a:solidFill>
-              <a:latin typeface="+mn-ea"/>
-            </a:endParaRPr>
-          </a:p>
-          <a:p>
-            <a:pPr algn="l">
-              <a:spcAft>
-                <a:spcPts val="900"/>
-              </a:spcAft>
-            </a:pPr>
-            <a:endParaRPr lang="ko-KR" altLang="en-US" sz="1400" b="1" dirty="0">
-              <a:solidFill>
-                <a:srgbClr val="0045A9"/>
-              </a:solidFill>
-              <a:latin typeface="+mn-ea"/>
-            </a:endParaRPr>
-          </a:p>
-        </p:txBody>
-      </p:sp>
-    </p:spTree>
-    <p:extLst>
-      <p:ext uri="{BB962C8B-B14F-4D97-AF65-F5344CB8AC3E}">
-        <p14:creationId xmlns:p14="http://schemas.microsoft.com/office/powerpoint/2010/main" val="167750602"/>
-      </p:ext>
-    </p:extLst>
-  </p:cSld>
-  <p:clrMapOvr>
-    <a:masterClrMapping/>
-  </p:clrMapOvr>
-</p:sld>
-</file>
-
-<file path=ppt/slides/slide6.xml><?xml version="1.0" encoding="utf-8"?>
-<p:sld xmlns:a="http://schemas.openxmlformats.org/drawingml/2006/main" xmlns:r="http://schemas.openxmlformats.org/officeDocument/2006/relationships" xmlns:p="http://schemas.openxmlformats.org/presentationml/2006/main">
-  <p:cSld>
-    <p:spTree>
-      <p:nvGrpSpPr>
-        <p:cNvPr id="1" name=""/>
-        <p:cNvGrpSpPr/>
-        <p:nvPr/>
-      </p:nvGrpSpPr>
-      <p:grpSpPr>
-        <a:xfrm>
-          <a:off x="0" y="0"/>
-          <a:ext cx="0" cy="0"/>
-          <a:chOff x="0" y="0"/>
-          <a:chExt cx="0" cy="0"/>
-        </a:xfrm>
-      </p:grpSpPr>
-      <p:sp>
-        <p:nvSpPr>
-          <p:cNvPr id="6" name="평행 사변형 5"/>
-          <p:cNvSpPr/>
-          <p:nvPr/>
-        </p:nvSpPr>
-        <p:spPr>
-          <a:xfrm>
-            <a:off x="3224808" y="789672"/>
-            <a:ext cx="3358893" cy="454557"/>
-          </a:xfrm>
-          <a:prstGeom prst="parallelogram">
-            <a:avLst>
-              <a:gd name="adj" fmla="val 54101"/>
-            </a:avLst>
-          </a:prstGeom>
-          <a:solidFill>
-            <a:srgbClr val="78697B"/>
-          </a:solidFill>
-          <a:ln>
-            <a:noFill/>
-          </a:ln>
-        </p:spPr>
-        <p:style>
-          <a:lnRef idx="2">
-            <a:schemeClr val="accent1">
-              <a:shade val="50000"/>
-            </a:schemeClr>
-          </a:lnRef>
-          <a:fillRef idx="1">
-            <a:schemeClr val="accent1"/>
-          </a:fillRef>
-          <a:effectRef idx="0">
-            <a:schemeClr val="accent1"/>
-          </a:effectRef>
-          <a:fontRef idx="minor">
-            <a:schemeClr val="lt1"/>
-          </a:fontRef>
-        </p:style>
-        <p:txBody>
-          <a:bodyPr rtlCol="0" anchor="ctr"/>
-          <a:lstStyle/>
-          <a:p>
-            <a:pPr algn="ctr"/>
-            <a:r>
-              <a:rPr lang="ko-KR" altLang="en-US" sz="2400" b="1" dirty="0">
-                <a:latin typeface="+mn-ea"/>
-              </a:rPr>
-              <a:t>개발</a:t>
-            </a:r>
-          </a:p>
-        </p:txBody>
-      </p:sp>
-      <p:sp>
-        <p:nvSpPr>
-          <p:cNvPr id="114" name="직사각형 113"/>
-          <p:cNvSpPr/>
-          <p:nvPr/>
-        </p:nvSpPr>
-        <p:spPr>
-          <a:xfrm>
-            <a:off x="272480" y="1398524"/>
-            <a:ext cx="2121558" cy="302284"/>
-          </a:xfrm>
-          <a:prstGeom prst="rect">
-            <a:avLst/>
-          </a:prstGeom>
-          <a:solidFill>
-            <a:schemeClr val="bg2">
-              <a:lumMod val="25000"/>
-            </a:schemeClr>
-          </a:solidFill>
-          <a:ln>
-            <a:noFill/>
-          </a:ln>
-        </p:spPr>
-        <p:style>
-          <a:lnRef idx="2">
-            <a:schemeClr val="accent1">
-              <a:shade val="50000"/>
-            </a:schemeClr>
-          </a:lnRef>
-          <a:fillRef idx="1">
-            <a:schemeClr val="accent1"/>
-          </a:fillRef>
-          <a:effectRef idx="0">
-            <a:schemeClr val="accent1"/>
-          </a:effectRef>
-          <a:fontRef idx="minor">
-            <a:schemeClr val="lt1"/>
-          </a:fontRef>
-        </p:style>
-        <p:txBody>
-          <a:bodyPr rtlCol="0" anchor="ctr"/>
-          <a:lstStyle/>
-          <a:p>
-            <a:pPr algn="ctr"/>
-            <a:r>
               <a:rPr lang="ko-KR" altLang="en-US" b="1" dirty="0">
                 <a:latin typeface="+mn-ea"/>
               </a:rPr>
@@ -17517,7 +15709,7 @@
                 </a:solidFill>
                 <a:latin typeface="+mn-ea"/>
               </a:rPr>
-              <a:t>2021.01 ~ 2022.12</a:t>
+              <a:t>2022.01 ~ 2022.12</a:t>
             </a:r>
           </a:p>
           <a:p>
@@ -17693,48 +15885,6 @@
               <a:t>SEMI E037-1080(HSMS)</a:t>
             </a:r>
           </a:p>
-          <a:p>
-            <a:pPr marL="0" indent="180000" algn="l">
-              <a:spcAft>
-                <a:spcPts val="900"/>
-              </a:spcAft>
-              <a:buFont typeface="Arial" panose="020B0604020202020204" pitchFamily="34" charset="0"/>
-              <a:buChar char="•"/>
-            </a:pPr>
-            <a:r>
-              <a:rPr lang="en-US" altLang="ko-KR" sz="1400" b="1" dirty="0">
-                <a:solidFill>
-                  <a:srgbClr val="746326"/>
-                </a:solidFill>
-                <a:latin typeface="+mn-ea"/>
-              </a:rPr>
-              <a:t>SEMI E030-1103(GEM)</a:t>
-            </a:r>
-          </a:p>
-          <a:p>
-            <a:pPr marL="0" indent="180000" algn="l">
-              <a:spcAft>
-                <a:spcPts val="900"/>
-              </a:spcAft>
-              <a:buFont typeface="Arial" panose="020B0604020202020204" pitchFamily="34" charset="0"/>
-              <a:buChar char="•"/>
-            </a:pPr>
-            <a:r>
-              <a:rPr lang="en-US" altLang="ko-KR" sz="1400" b="1" dirty="0">
-                <a:solidFill>
-                  <a:srgbClr val="746326"/>
-                </a:solidFill>
-                <a:latin typeface="+mn-ea"/>
-              </a:rPr>
-              <a:t>SEMI E173-0415(SMN)</a:t>
-            </a:r>
-            <a:endParaRPr lang="ko-KR" altLang="en-US" sz="1400" b="1" dirty="0">
-              <a:solidFill>
-                <a:srgbClr val="746326"/>
-              </a:solidFill>
-              <a:latin typeface="+mn-ea"/>
-            </a:endParaRPr>
-          </a:p>
         </p:txBody>
       </p:sp>
     </p:spTree>
@@ -17750,7 +15900,7 @@
 </p:sld>
 </file>
 
-<file path=ppt/slides/slide7.xml><?xml version="1.0" encoding="utf-8"?>
+<file path=ppt/slides/slide6.xml><?xml version="1.0" encoding="utf-8"?>
 <p:sld xmlns:a="http://schemas.openxmlformats.org/drawingml/2006/main" xmlns:r="http://schemas.openxmlformats.org/officeDocument/2006/relationships" xmlns:p="http://schemas.openxmlformats.org/presentationml/2006/main">
   <p:cSld>
     <p:spTree>
@@ -19381,7 +17531,7 @@
 </p:sld>
 </file>
 
-<file path=ppt/slides/slide8.xml><?xml version="1.0" encoding="utf-8"?>
+<file path=ppt/slides/slide7.xml><?xml version="1.0" encoding="utf-8"?>
 <p:sld xmlns:a="http://schemas.openxmlformats.org/drawingml/2006/main" xmlns:r="http://schemas.openxmlformats.org/officeDocument/2006/relationships" xmlns:p="http://schemas.openxmlformats.org/presentationml/2006/main">
   <p:cSld>
     <p:spTree>
@@ -19708,7 +17858,7 @@
 </p:sld>
 </file>
 
-<file path=ppt/slides/slide9.xml><?xml version="1.0" encoding="utf-8"?>
+<file path=ppt/slides/slide8.xml><?xml version="1.0" encoding="utf-8"?>
 <p:sld xmlns:a="http://schemas.openxmlformats.org/drawingml/2006/main" xmlns:r="http://schemas.openxmlformats.org/officeDocument/2006/relationships" xmlns:p="http://schemas.openxmlformats.org/presentationml/2006/main">
   <p:cSld>
     <p:spTree>
@@ -20027,6 +18177,508 @@
     <p:extLst>
       <p:ext uri="{BB962C8B-B14F-4D97-AF65-F5344CB8AC3E}">
         <p14:creationId xmlns:p14="http://schemas.microsoft.com/office/powerpoint/2010/main" val="3164733129"/>
+      </p:ext>
+    </p:extLst>
+  </p:cSld>
+  <p:clrMapOvr>
+    <a:masterClrMapping/>
+  </p:clrMapOvr>
+</p:sld>
+</file>
+
+<file path=ppt/slides/slide9.xml><?xml version="1.0" encoding="utf-8"?>
+<p:sld xmlns:a="http://schemas.openxmlformats.org/drawingml/2006/main" xmlns:r="http://schemas.openxmlformats.org/officeDocument/2006/relationships" xmlns:p="http://schemas.openxmlformats.org/presentationml/2006/main">
+  <p:cSld>
+    <p:spTree>
+      <p:nvGrpSpPr>
+        <p:cNvPr id="1" name=""/>
+        <p:cNvGrpSpPr/>
+        <p:nvPr/>
+      </p:nvGrpSpPr>
+      <p:grpSpPr>
+        <a:xfrm>
+          <a:off x="0" y="0"/>
+          <a:ext cx="0" cy="0"/>
+          <a:chOff x="0" y="0"/>
+          <a:chExt cx="0" cy="0"/>
+        </a:xfrm>
+      </p:grpSpPr>
+      <p:sp>
+        <p:nvSpPr>
+          <p:cNvPr id="6" name="평행 사변형 5"/>
+          <p:cNvSpPr/>
+          <p:nvPr/>
+        </p:nvSpPr>
+        <p:spPr>
+          <a:xfrm>
+            <a:off x="3224808" y="789672"/>
+            <a:ext cx="3358893" cy="454557"/>
+          </a:xfrm>
+          <a:prstGeom prst="parallelogram">
+            <a:avLst>
+              <a:gd name="adj" fmla="val 54101"/>
+            </a:avLst>
+          </a:prstGeom>
+          <a:solidFill>
+            <a:srgbClr val="78697B"/>
+          </a:solidFill>
+          <a:ln>
+            <a:noFill/>
+          </a:ln>
+        </p:spPr>
+        <p:style>
+          <a:lnRef idx="2">
+            <a:schemeClr val="accent1">
+              <a:shade val="50000"/>
+            </a:schemeClr>
+          </a:lnRef>
+          <a:fillRef idx="1">
+            <a:schemeClr val="accent1"/>
+          </a:fillRef>
+          <a:effectRef idx="0">
+            <a:schemeClr val="accent1"/>
+          </a:effectRef>
+          <a:fontRef idx="minor">
+            <a:schemeClr val="lt1"/>
+          </a:fontRef>
+        </p:style>
+        <p:txBody>
+          <a:bodyPr rtlCol="0" anchor="ctr"/>
+          <a:lstStyle/>
+          <a:p>
+            <a:pPr algn="ctr"/>
+            <a:r>
+              <a:rPr lang="ko-KR" altLang="en-US" sz="2400" b="1" dirty="0"/>
+              <a:t>개발</a:t>
+            </a:r>
+          </a:p>
+        </p:txBody>
+      </p:sp>
+      <p:sp>
+        <p:nvSpPr>
+          <p:cNvPr id="114" name="직사각형 113"/>
+          <p:cNvSpPr/>
+          <p:nvPr/>
+        </p:nvSpPr>
+        <p:spPr>
+          <a:xfrm>
+            <a:off x="272480" y="1398524"/>
+            <a:ext cx="2121558" cy="302284"/>
+          </a:xfrm>
+          <a:prstGeom prst="rect">
+            <a:avLst/>
+          </a:prstGeom>
+          <a:solidFill>
+            <a:schemeClr val="bg2">
+              <a:lumMod val="25000"/>
+            </a:schemeClr>
+          </a:solidFill>
+          <a:ln>
+            <a:noFill/>
+          </a:ln>
+        </p:spPr>
+        <p:style>
+          <a:lnRef idx="2">
+            <a:schemeClr val="accent1">
+              <a:shade val="50000"/>
+            </a:schemeClr>
+          </a:lnRef>
+          <a:fillRef idx="1">
+            <a:schemeClr val="accent1"/>
+          </a:fillRef>
+          <a:effectRef idx="0">
+            <a:schemeClr val="accent1"/>
+          </a:effectRef>
+          <a:fontRef idx="minor">
+            <a:schemeClr val="lt1"/>
+          </a:fontRef>
+        </p:style>
+        <p:txBody>
+          <a:bodyPr rtlCol="0" anchor="ctr"/>
+          <a:lstStyle/>
+          <a:p>
+            <a:pPr algn="ctr"/>
+            <a:r>
+              <a:rPr lang="ko-KR" altLang="en-US" b="1" dirty="0">
+                <a:latin typeface="맑은 고딕" pitchFamily="50" charset="-127"/>
+                <a:ea typeface="맑은 고딕" pitchFamily="50" charset="-127"/>
+              </a:rPr>
+              <a:t>아이템</a:t>
+            </a:r>
+            <a:r>
+              <a:rPr lang="en-US" altLang="ko-KR" b="1" dirty="0">
+                <a:latin typeface="맑은 고딕" pitchFamily="50" charset="-127"/>
+                <a:ea typeface="맑은 고딕" pitchFamily="50" charset="-127"/>
+              </a:rPr>
+              <a:t>(Driver)</a:t>
+            </a:r>
+            <a:endParaRPr lang="ko-KR" altLang="en-US" b="1" dirty="0">
+              <a:latin typeface="맑은 고딕" pitchFamily="50" charset="-127"/>
+              <a:ea typeface="맑은 고딕" pitchFamily="50" charset="-127"/>
+            </a:endParaRPr>
+          </a:p>
+        </p:txBody>
+      </p:sp>
+      <p:sp>
+        <p:nvSpPr>
+          <p:cNvPr id="4" name="대각선 방향의 모서리가 잘린 사각형 3"/>
+          <p:cNvSpPr/>
+          <p:nvPr/>
+        </p:nvSpPr>
+        <p:spPr>
+          <a:xfrm>
+            <a:off x="416496" y="1916832"/>
+            <a:ext cx="9001000" cy="4680520"/>
+          </a:xfrm>
+          <a:prstGeom prst="snip2DiagRect">
+            <a:avLst>
+              <a:gd name="adj1" fmla="val 0"/>
+              <a:gd name="adj2" fmla="val 7377"/>
+            </a:avLst>
+          </a:prstGeom>
+          <a:noFill/>
+          <a:ln w="3175">
+            <a:solidFill>
+              <a:schemeClr val="bg2">
+                <a:lumMod val="25000"/>
+              </a:schemeClr>
+            </a:solidFill>
+          </a:ln>
+        </p:spPr>
+        <p:style>
+          <a:lnRef idx="2">
+            <a:schemeClr val="accent1">
+              <a:shade val="50000"/>
+            </a:schemeClr>
+          </a:lnRef>
+          <a:fillRef idx="1">
+            <a:schemeClr val="accent1"/>
+          </a:fillRef>
+          <a:effectRef idx="0">
+            <a:schemeClr val="accent1"/>
+          </a:effectRef>
+          <a:fontRef idx="minor">
+            <a:schemeClr val="lt1"/>
+          </a:fontRef>
+        </p:style>
+        <p:txBody>
+          <a:bodyPr lIns="144000" tIns="144000" rIns="0" bIns="0" rtlCol="0" anchor="t"/>
+          <a:lstStyle/>
+          <a:p>
+            <a:pPr marL="285750" indent="-285750">
+              <a:spcAft>
+                <a:spcPts val="900"/>
+              </a:spcAft>
+              <a:buFont typeface="Wingdings" panose="05000000000000000000" pitchFamily="2" charset="2"/>
+              <a:buChar char="u"/>
+            </a:pPr>
+            <a:r>
+              <a:rPr lang="en-US" altLang="ko-KR" sz="1400" b="1" dirty="0">
+                <a:solidFill>
+                  <a:schemeClr val="accent2">
+                    <a:lumMod val="50000"/>
+                  </a:schemeClr>
+                </a:solidFill>
+                <a:latin typeface="+mn-ea"/>
+              </a:rPr>
+              <a:t>Control Message Auto Reply</a:t>
+            </a:r>
+          </a:p>
+          <a:p>
+            <a:pPr marL="742950" lvl="1" indent="-285750">
+              <a:spcAft>
+                <a:spcPts val="900"/>
+              </a:spcAft>
+              <a:buFont typeface="Wingdings" panose="05000000000000000000" pitchFamily="2" charset="2"/>
+              <a:buChar char="l"/>
+            </a:pPr>
+            <a:r>
+              <a:rPr lang="en-US" altLang="ko-KR" sz="1400" b="1" dirty="0">
+                <a:solidFill>
+                  <a:schemeClr val="accent2">
+                    <a:lumMod val="50000"/>
+                  </a:schemeClr>
+                </a:solidFill>
+                <a:latin typeface="+mn-ea"/>
+              </a:rPr>
+              <a:t>Selected request, response</a:t>
+            </a:r>
+          </a:p>
+          <a:p>
+            <a:pPr marL="742950" lvl="1" indent="-285750">
+              <a:spcAft>
+                <a:spcPts val="900"/>
+              </a:spcAft>
+              <a:buFont typeface="Wingdings" panose="05000000000000000000" pitchFamily="2" charset="2"/>
+              <a:buChar char="l"/>
+            </a:pPr>
+            <a:r>
+              <a:rPr lang="en-US" altLang="ko-KR" sz="1400" b="1" dirty="0">
+                <a:solidFill>
+                  <a:schemeClr val="accent2">
+                    <a:lumMod val="50000"/>
+                  </a:schemeClr>
+                </a:solidFill>
+                <a:latin typeface="+mn-ea"/>
+              </a:rPr>
+              <a:t>Deselected request, response</a:t>
+            </a:r>
+          </a:p>
+          <a:p>
+            <a:pPr marL="742950" lvl="1" indent="-285750">
+              <a:spcAft>
+                <a:spcPts val="900"/>
+              </a:spcAft>
+              <a:buFont typeface="Wingdings" panose="05000000000000000000" pitchFamily="2" charset="2"/>
+              <a:buChar char="l"/>
+            </a:pPr>
+            <a:r>
+              <a:rPr lang="en-US" altLang="ko-KR" sz="1400" b="1" dirty="0">
+                <a:solidFill>
+                  <a:schemeClr val="accent2">
+                    <a:lumMod val="50000"/>
+                  </a:schemeClr>
+                </a:solidFill>
+                <a:latin typeface="+mn-ea"/>
+              </a:rPr>
+              <a:t>Link test request, response</a:t>
+            </a:r>
+          </a:p>
+          <a:p>
+            <a:pPr marL="742950" lvl="1" indent="-285750">
+              <a:spcAft>
+                <a:spcPts val="900"/>
+              </a:spcAft>
+              <a:buFont typeface="Wingdings" panose="05000000000000000000" pitchFamily="2" charset="2"/>
+              <a:buChar char="l"/>
+            </a:pPr>
+            <a:r>
+              <a:rPr lang="en-US" altLang="ko-KR" sz="1400" b="1" dirty="0">
+                <a:solidFill>
+                  <a:schemeClr val="accent2">
+                    <a:lumMod val="50000"/>
+                  </a:schemeClr>
+                </a:solidFill>
+                <a:latin typeface="+mn-ea"/>
+              </a:rPr>
+              <a:t>Reject request</a:t>
+            </a:r>
+          </a:p>
+          <a:p>
+            <a:pPr marL="1257300" lvl="2" indent="-342900">
+              <a:spcAft>
+                <a:spcPts val="900"/>
+              </a:spcAft>
+              <a:buFont typeface="Wingdings" panose="05000000000000000000" pitchFamily="2" charset="2"/>
+              <a:buChar char="§"/>
+            </a:pPr>
+            <a:r>
+              <a:rPr lang="ko-KR" altLang="en-US" sz="1400" b="1" dirty="0">
+                <a:solidFill>
+                  <a:schemeClr val="accent2">
+                    <a:lumMod val="50000"/>
+                  </a:schemeClr>
+                </a:solidFill>
+                <a:latin typeface="+mn-ea"/>
+              </a:rPr>
+              <a:t>아래 상태에 따라 자동 </a:t>
+            </a:r>
+            <a:r>
+              <a:rPr lang="en-US" altLang="ko-KR" sz="1400" b="1" dirty="0">
+                <a:solidFill>
+                  <a:schemeClr val="accent2">
+                    <a:lumMod val="50000"/>
+                  </a:schemeClr>
+                </a:solidFill>
+                <a:latin typeface="+mn-ea"/>
+              </a:rPr>
+              <a:t>reject </a:t>
+            </a:r>
+            <a:r>
+              <a:rPr lang="ko-KR" altLang="en-US" sz="1400" b="1" dirty="0">
+                <a:solidFill>
+                  <a:schemeClr val="accent2">
+                    <a:lumMod val="50000"/>
+                  </a:schemeClr>
+                </a:solidFill>
+                <a:latin typeface="+mn-ea"/>
+              </a:rPr>
+              <a:t>처리</a:t>
+            </a:r>
+            <a:endParaRPr lang="en-US" altLang="ko-KR" sz="1400" b="1" dirty="0">
+              <a:solidFill>
+                <a:schemeClr val="accent2">
+                  <a:lumMod val="50000"/>
+                </a:schemeClr>
+              </a:solidFill>
+              <a:latin typeface="+mn-ea"/>
+            </a:endParaRPr>
+          </a:p>
+          <a:p>
+            <a:pPr marL="1257300" lvl="2" indent="-342900">
+              <a:spcAft>
+                <a:spcPts val="900"/>
+              </a:spcAft>
+              <a:buFont typeface="Wingdings" panose="05000000000000000000" pitchFamily="2" charset="2"/>
+              <a:buChar char="§"/>
+            </a:pPr>
+            <a:endParaRPr lang="en-US" altLang="ko-KR" sz="1400" b="1" dirty="0">
+              <a:solidFill>
+                <a:schemeClr val="accent2">
+                  <a:lumMod val="50000"/>
+                </a:schemeClr>
+              </a:solidFill>
+              <a:latin typeface="+mn-ea"/>
+            </a:endParaRPr>
+          </a:p>
+          <a:p>
+            <a:pPr lvl="2">
+              <a:spcAft>
+                <a:spcPts val="900"/>
+              </a:spcAft>
+            </a:pPr>
+            <a:endParaRPr lang="en-US" altLang="ko-KR" sz="1400" b="1" dirty="0">
+              <a:solidFill>
+                <a:schemeClr val="accent2">
+                  <a:lumMod val="50000"/>
+                </a:schemeClr>
+              </a:solidFill>
+              <a:latin typeface="+mn-ea"/>
+            </a:endParaRPr>
+          </a:p>
+          <a:p>
+            <a:pPr marL="800100" lvl="1" indent="-342900">
+              <a:spcAft>
+                <a:spcPts val="900"/>
+              </a:spcAft>
+              <a:buFont typeface="Wingdings" panose="05000000000000000000" pitchFamily="2" charset="2"/>
+              <a:buChar char="l"/>
+            </a:pPr>
+            <a:endParaRPr lang="en-US" altLang="ko-KR" sz="1400" b="1" dirty="0">
+              <a:solidFill>
+                <a:schemeClr val="accent2">
+                  <a:lumMod val="50000"/>
+                </a:schemeClr>
+              </a:solidFill>
+              <a:latin typeface="+mn-ea"/>
+            </a:endParaRPr>
+          </a:p>
+          <a:p>
+            <a:pPr marL="800100" lvl="1" indent="-342900">
+              <a:spcAft>
+                <a:spcPts val="900"/>
+              </a:spcAft>
+              <a:buFont typeface="Wingdings" panose="05000000000000000000" pitchFamily="2" charset="2"/>
+              <a:buChar char="l"/>
+            </a:pPr>
+            <a:endParaRPr lang="en-US" altLang="ko-KR" sz="1400" b="1" dirty="0">
+              <a:solidFill>
+                <a:schemeClr val="accent2">
+                  <a:lumMod val="50000"/>
+                </a:schemeClr>
+              </a:solidFill>
+              <a:latin typeface="+mn-ea"/>
+            </a:endParaRPr>
+          </a:p>
+          <a:p>
+            <a:pPr marL="800100" lvl="1" indent="-342900">
+              <a:spcAft>
+                <a:spcPts val="900"/>
+              </a:spcAft>
+              <a:buFont typeface="Wingdings" panose="05000000000000000000" pitchFamily="2" charset="2"/>
+              <a:buChar char="l"/>
+            </a:pPr>
+            <a:endParaRPr lang="en-US" altLang="ko-KR" sz="1400" b="1" dirty="0">
+              <a:solidFill>
+                <a:schemeClr val="accent2">
+                  <a:lumMod val="50000"/>
+                </a:schemeClr>
+              </a:solidFill>
+              <a:latin typeface="+mn-ea"/>
+            </a:endParaRPr>
+          </a:p>
+          <a:p>
+            <a:pPr marL="800100" lvl="1" indent="-342900">
+              <a:spcAft>
+                <a:spcPts val="900"/>
+              </a:spcAft>
+              <a:buFont typeface="Wingdings" panose="05000000000000000000" pitchFamily="2" charset="2"/>
+              <a:buChar char="l"/>
+            </a:pPr>
+            <a:endParaRPr lang="en-US" altLang="ko-KR" sz="1400" b="1" dirty="0">
+              <a:solidFill>
+                <a:schemeClr val="accent2">
+                  <a:lumMod val="50000"/>
+                </a:schemeClr>
+              </a:solidFill>
+              <a:latin typeface="+mn-ea"/>
+            </a:endParaRPr>
+          </a:p>
+          <a:p>
+            <a:pPr marL="800100" lvl="1" indent="-342900">
+              <a:spcAft>
+                <a:spcPts val="900"/>
+              </a:spcAft>
+              <a:buFont typeface="Wingdings" panose="05000000000000000000" pitchFamily="2" charset="2"/>
+              <a:buChar char="l"/>
+            </a:pPr>
+            <a:r>
+              <a:rPr lang="en-US" altLang="ko-KR" sz="1400" b="1" dirty="0">
+                <a:solidFill>
+                  <a:schemeClr val="accent2">
+                    <a:lumMod val="50000"/>
+                  </a:schemeClr>
+                </a:solidFill>
+                <a:latin typeface="+mn-ea"/>
+              </a:rPr>
+              <a:t>Separate request</a:t>
+            </a:r>
+          </a:p>
+          <a:p>
+            <a:pPr lvl="1">
+              <a:spcAft>
+                <a:spcPts val="900"/>
+              </a:spcAft>
+            </a:pPr>
+            <a:endParaRPr lang="en-US" altLang="ko-KR" sz="1400" b="1" dirty="0">
+              <a:solidFill>
+                <a:schemeClr val="accent2">
+                  <a:lumMod val="50000"/>
+                </a:schemeClr>
+              </a:solidFill>
+              <a:latin typeface="+mn-ea"/>
+            </a:endParaRPr>
+          </a:p>
+        </p:txBody>
+      </p:sp>
+      <p:pic>
+        <p:nvPicPr>
+          <p:cNvPr id="3" name="그림 2"/>
+          <p:cNvPicPr>
+            <a:picLocks noChangeAspect="1"/>
+          </p:cNvPicPr>
+          <p:nvPr/>
+        </p:nvPicPr>
+        <p:blipFill>
+          <a:blip r:embed="rId2"/>
+          <a:stretch>
+            <a:fillRect/>
+          </a:stretch>
+        </p:blipFill>
+        <p:spPr>
+          <a:xfrm>
+            <a:off x="2000672" y="4149080"/>
+            <a:ext cx="4060210" cy="1872208"/>
+          </a:xfrm>
+          <a:prstGeom prst="rect">
+            <a:avLst/>
+          </a:prstGeom>
+        </p:spPr>
+      </p:pic>
+    </p:spTree>
+    <p:extLst>
+      <p:ext uri="{BB962C8B-B14F-4D97-AF65-F5344CB8AC3E}">
+        <p14:creationId xmlns:p14="http://schemas.microsoft.com/office/powerpoint/2010/main" val="976902410"/>
       </p:ext>
     </p:extLst>
   </p:cSld>
